--- a/Slides/Quarter 1/What is Metaverse.pptx
+++ b/Slides/Quarter 1/What is Metaverse.pptx
@@ -328,7 +328,7 @@
           </a:lstStyle>
           <a:p>
             <a:pPr algn="r"/>
-            <a:fld id="{65D78602-DE21-44C4-B835-47E816C77E18}" type="slidenum">
+            <a:fld id="{78693FB9-4634-4226-9796-116229B3E31B}" type="slidenum">
               <a:rPr b="0" lang="en-US" sz="1400" spc="-1" strike="noStrike">
                 <a:latin typeface="Times New Roman"/>
               </a:rPr>
@@ -376,7 +376,7 @@
         <p:spPr>
           <a:xfrm>
             <a:off x="533520" y="764280"/>
-            <a:ext cx="6703200" cy="3769920"/>
+            <a:ext cx="6702840" cy="3769560"/>
           </a:xfrm>
           <a:prstGeom prst="rect">
             <a:avLst/>
@@ -395,7 +395,7 @@
         <p:spPr>
           <a:xfrm>
             <a:off x="777240" y="4777560"/>
-            <a:ext cx="6216120" cy="4524480"/>
+            <a:ext cx="6215760" cy="4524120"/>
           </a:xfrm>
           <a:prstGeom prst="rect">
             <a:avLst/>
@@ -698,7 +698,7 @@
         <p:txBody>
           <a:bodyPr/>
           <a:p>
-            <a:fld id="{F936B5B1-A118-41CB-A2C7-768CD707C3DB}" type="slidenum">
+            <a:fld id="{E561ECC1-FBC0-4446-8257-7C35B9DDDA40}" type="slidenum">
               <a:t>&lt;#&gt;</a:t>
             </a:fld>
           </a:p>
@@ -775,7 +775,7 @@
         <p:txBody>
           <a:bodyPr/>
           <a:p>
-            <a:fld id="{75CB7915-9C3F-4E69-BE78-B7F1B3D240AA}" type="slidenum">
+            <a:fld id="{E5E5B018-2858-4F3D-83F4-44195174FBF6}" type="slidenum">
               <a:t>&lt;#&gt;</a:t>
             </a:fld>
           </a:p>
@@ -852,7 +852,7 @@
         <p:txBody>
           <a:bodyPr/>
           <a:p>
-            <a:fld id="{50060D18-03A6-4329-AA3C-32FE6171367B}" type="slidenum">
+            <a:fld id="{A572683D-E9CD-47A2-8725-A4041D45383B}" type="slidenum">
               <a:t>&lt;#&gt;</a:t>
             </a:fld>
           </a:p>
@@ -1031,7 +1031,7 @@
         <p:txBody>
           <a:bodyPr/>
           <a:p>
-            <a:fld id="{4D3D0CA1-2C9A-4C97-A67E-831A4F63A64B}" type="slidenum">
+            <a:fld id="{454C5986-B03D-4A1F-80CF-3B1F65FA5E3D}" type="slidenum">
               <a:t>&lt;#&gt;</a:t>
             </a:fld>
           </a:p>
@@ -1210,7 +1210,7 @@
         <p:txBody>
           <a:bodyPr/>
           <a:p>
-            <a:fld id="{C8E97E9E-E340-4FA0-81D3-70FBAE3A170F}" type="slidenum">
+            <a:fld id="{05E314E4-A78A-4188-A0C3-7B9771E67A7E}" type="slidenum">
               <a:t>&lt;#&gt;</a:t>
             </a:fld>
           </a:p>
@@ -1389,7 +1389,7 @@
         <p:txBody>
           <a:bodyPr/>
           <a:p>
-            <a:fld id="{9D1D553B-6016-4A28-8532-0835FEDD8B32}" type="slidenum">
+            <a:fld id="{18F1634E-B480-46DE-A164-029A3E7AB3C4}" type="slidenum">
               <a:t>&lt;#&gt;</a:t>
             </a:fld>
           </a:p>
@@ -1534,7 +1534,7 @@
         <p:txBody>
           <a:bodyPr/>
           <a:p>
-            <a:fld id="{7F280EB8-7F1F-4AC0-A301-689AE448C93D}" type="slidenum">
+            <a:fld id="{E402BDDB-2E67-4B6C-A0B4-E392FA038816}" type="slidenum">
               <a:t>&lt;#&gt;</a:t>
             </a:fld>
           </a:p>
@@ -1747,7 +1747,7 @@
         <p:txBody>
           <a:bodyPr/>
           <a:p>
-            <a:fld id="{B7CD0FCE-2A6A-472D-928A-53FC5CB7A2EE}" type="slidenum">
+            <a:fld id="{F151D65D-C5A1-4239-A8DD-D7FBF9090B82}" type="slidenum">
               <a:t>&lt;#&gt;</a:t>
             </a:fld>
           </a:p>
@@ -2028,7 +2028,7 @@
         <p:txBody>
           <a:bodyPr/>
           <a:p>
-            <a:fld id="{73A16612-EDB0-4652-8D4A-356607FB777C}" type="slidenum">
+            <a:fld id="{DAD23829-C394-48EF-9193-1546715428C8}" type="slidenum">
               <a:t>&lt;#&gt;</a:t>
             </a:fld>
           </a:p>
@@ -2070,7 +2070,7 @@
         <p:txBody>
           <a:bodyPr/>
           <a:p>
-            <a:fld id="{5F7D0255-E1F2-4542-B1AF-F500D9E76B39}" type="slidenum">
+            <a:fld id="{C871E0B5-16A0-4F21-B062-7F135BD93BAE}" type="slidenum">
               <a:t>&lt;#&gt;</a:t>
             </a:fld>
           </a:p>
@@ -2375,7 +2375,7 @@
         <p:txBody>
           <a:bodyPr/>
           <a:p>
-            <a:fld id="{23E4CB3D-8970-4B49-8181-0DE68F6D5B54}" type="slidenum">
+            <a:fld id="{9C4A9820-DBB7-46BF-87DD-156041EC170E}" type="slidenum">
               <a:t>&lt;#&gt;</a:t>
             </a:fld>
           </a:p>
@@ -2486,7 +2486,7 @@
         <p:txBody>
           <a:bodyPr/>
           <a:p>
-            <a:fld id="{F7FC9579-0804-4E89-82FC-ED90FC75A42D}" type="slidenum">
+            <a:fld id="{139D0CFB-8B69-49DC-A6FD-CB63A01E99A2}" type="slidenum">
               <a:t>&lt;#&gt;</a:t>
             </a:fld>
           </a:p>
@@ -2631,7 +2631,7 @@
         <p:txBody>
           <a:bodyPr/>
           <a:p>
-            <a:fld id="{BE9970A2-24D3-4294-A9C8-10D1D7D9F872}" type="slidenum">
+            <a:fld id="{39C5598D-FBFE-45E8-82D5-21BCE8CFBFCF}" type="slidenum">
               <a:t>&lt;#&gt;</a:t>
             </a:fld>
           </a:p>
@@ -2708,7 +2708,7 @@
         <p:txBody>
           <a:bodyPr/>
           <a:p>
-            <a:fld id="{384B0361-49F0-492E-A615-08B7E0A27A68}" type="slidenum">
+            <a:fld id="{488B42ED-94BF-4574-9C70-4C07D76938D0}" type="slidenum">
               <a:t>&lt;#&gt;</a:t>
             </a:fld>
           </a:p>
@@ -2785,7 +2785,7 @@
         <p:txBody>
           <a:bodyPr/>
           <a:p>
-            <a:fld id="{545B0F1F-3734-42C4-8DAA-39E0A26B25A6}" type="slidenum">
+            <a:fld id="{B6D87C18-6922-46D3-9926-26114649041C}" type="slidenum">
               <a:t>&lt;#&gt;</a:t>
             </a:fld>
           </a:p>
@@ -2964,7 +2964,7 @@
         <p:txBody>
           <a:bodyPr/>
           <a:p>
-            <a:fld id="{A0CD491D-8D3A-4870-A259-6135573AA5F8}" type="slidenum">
+            <a:fld id="{EA086E73-9EC2-451E-975D-79419E1FAB99}" type="slidenum">
               <a:t>&lt;#&gt;</a:t>
             </a:fld>
           </a:p>
@@ -3143,7 +3143,7 @@
         <p:txBody>
           <a:bodyPr/>
           <a:p>
-            <a:fld id="{6BF23F98-90D2-470F-BA98-79B0DD4E2715}" type="slidenum">
+            <a:fld id="{BC830B87-A460-4510-B759-27770C51925C}" type="slidenum">
               <a:t>&lt;#&gt;</a:t>
             </a:fld>
           </a:p>
@@ -3322,7 +3322,7 @@
         <p:txBody>
           <a:bodyPr/>
           <a:p>
-            <a:fld id="{F0F42D8C-5FF5-4A5F-B450-725A767B772A}" type="slidenum">
+            <a:fld id="{BA774C8C-E13F-419A-9AF3-08CEC1F151D0}" type="slidenum">
               <a:t>&lt;#&gt;</a:t>
             </a:fld>
           </a:p>
@@ -3467,7 +3467,7 @@
         <p:txBody>
           <a:bodyPr/>
           <a:p>
-            <a:fld id="{4C1F9F76-CDF6-4B92-A033-3D2BC84A760B}" type="slidenum">
+            <a:fld id="{1EBAA9D3-E115-4DD0-A61F-5922818CD05B}" type="slidenum">
               <a:t>&lt;#&gt;</a:t>
             </a:fld>
           </a:p>
@@ -3680,7 +3680,7 @@
         <p:txBody>
           <a:bodyPr/>
           <a:p>
-            <a:fld id="{8EF70E50-C5C5-4E8C-B431-9D0B3AC57060}" type="slidenum">
+            <a:fld id="{E3A964C6-345F-4D52-BFC4-344BA2D500D2}" type="slidenum">
               <a:t>&lt;#&gt;</a:t>
             </a:fld>
           </a:p>
@@ -4222,7 +4222,7 @@
         <p:txBody>
           <a:bodyPr/>
           <a:p>
-            <a:fld id="{28ABF074-9395-4E1C-8F11-9D58F8928D9C}" type="slidenum">
+            <a:fld id="{0257D0EB-4D0F-4E04-A27F-A03490DB4528}" type="slidenum">
               <a:t>&lt;#&gt;</a:t>
             </a:fld>
           </a:p>
@@ -4264,7 +4264,7 @@
         <p:txBody>
           <a:bodyPr/>
           <a:p>
-            <a:fld id="{AF379FE0-1CEC-460F-AEE0-FB939DD7CF7E}" type="slidenum">
+            <a:fld id="{25F29596-1979-4688-94EF-CCDBBF87532B}" type="slidenum">
               <a:t>&lt;#&gt;</a:t>
             </a:fld>
           </a:p>
@@ -4376,7 +4376,7 @@
         <p:txBody>
           <a:bodyPr/>
           <a:p>
-            <a:fld id="{68B17C3B-F75E-4BA6-BE1C-907D6E7E8EF1}" type="slidenum">
+            <a:fld id="{09850656-A9B7-4D89-8602-07B7A0E018B4}" type="slidenum">
               <a:t>&lt;#&gt;</a:t>
             </a:fld>
           </a:p>
@@ -4487,7 +4487,7 @@
         <p:txBody>
           <a:bodyPr/>
           <a:p>
-            <a:fld id="{947B73FE-72F4-4A54-89AA-074D5D2B3445}" type="slidenum">
+            <a:fld id="{98DF7B45-FB47-4C4D-A9C6-FB5D882C4603}" type="slidenum">
               <a:t>&lt;#&gt;</a:t>
             </a:fld>
           </a:p>
@@ -4632,7 +4632,7 @@
         <p:txBody>
           <a:bodyPr/>
           <a:p>
-            <a:fld id="{55BCC83B-7743-4F25-BD2D-5C13E9A030B2}" type="slidenum">
+            <a:fld id="{74C8A65D-9575-4948-A798-538A439BC335}" type="slidenum">
               <a:t>&lt;#&gt;</a:t>
             </a:fld>
           </a:p>
@@ -4709,7 +4709,7 @@
         <p:txBody>
           <a:bodyPr/>
           <a:p>
-            <a:fld id="{8D542E14-9DC0-477E-91BC-487B6CA381E6}" type="slidenum">
+            <a:fld id="{20113E03-662E-41B5-AAEF-1AEE2F41CB59}" type="slidenum">
               <a:t>&lt;#&gt;</a:t>
             </a:fld>
           </a:p>
@@ -4786,7 +4786,7 @@
         <p:txBody>
           <a:bodyPr/>
           <a:p>
-            <a:fld id="{08A8FEDB-3E05-4D9E-97F5-138FBE081B76}" type="slidenum">
+            <a:fld id="{0A665F21-5B89-46C0-9BBF-876C64C7AE25}" type="slidenum">
               <a:t>&lt;#&gt;</a:t>
             </a:fld>
           </a:p>
@@ -4965,7 +4965,7 @@
         <p:txBody>
           <a:bodyPr/>
           <a:p>
-            <a:fld id="{FDF714B3-9DDD-428D-8E97-AD0272E7C9BB}" type="slidenum">
+            <a:fld id="{67A6F57D-18BC-45BF-8B7C-9338968B3AB0}" type="slidenum">
               <a:t>&lt;#&gt;</a:t>
             </a:fld>
           </a:p>
@@ -5144,7 +5144,7 @@
         <p:txBody>
           <a:bodyPr/>
           <a:p>
-            <a:fld id="{40A0877D-0529-49D6-A132-CDACAFA21D21}" type="slidenum">
+            <a:fld id="{56C26AA9-2A86-43FF-9FEB-2B768141FCE8}" type="slidenum">
               <a:t>&lt;#&gt;</a:t>
             </a:fld>
           </a:p>
@@ -5323,7 +5323,7 @@
         <p:txBody>
           <a:bodyPr/>
           <a:p>
-            <a:fld id="{DD63EDB4-92FE-4783-BA65-14B84AC20D7F}" type="slidenum">
+            <a:fld id="{794BC91B-AF93-49CA-BE82-AE31FFA6E279}" type="slidenum">
               <a:t>&lt;#&gt;</a:t>
             </a:fld>
           </a:p>
@@ -5365,7 +5365,7 @@
         <p:txBody>
           <a:bodyPr/>
           <a:p>
-            <a:fld id="{4E7FD869-301F-4605-8A92-D0D433AC0B2B}" type="slidenum">
+            <a:fld id="{47C829DB-6A9D-4FD4-AA2C-2873CBCFC8E6}" type="slidenum">
               <a:t>&lt;#&gt;</a:t>
             </a:fld>
           </a:p>
@@ -5510,7 +5510,7 @@
         <p:txBody>
           <a:bodyPr/>
           <a:p>
-            <a:fld id="{7040CE4F-71FA-47D6-A2A0-2132698BAC90}" type="slidenum">
+            <a:fld id="{E3B0D6EB-CA87-4AC8-9C04-CD7C5D6DF76D}" type="slidenum">
               <a:t>&lt;#&gt;</a:t>
             </a:fld>
           </a:p>
@@ -5723,7 +5723,7 @@
         <p:txBody>
           <a:bodyPr/>
           <a:p>
-            <a:fld id="{65546F7F-C67C-4944-947B-61A0EAD1D937}" type="slidenum">
+            <a:fld id="{AC966EEB-AADF-4DCC-8FD9-296060FFD31D}" type="slidenum">
               <a:t>&lt;#&gt;</a:t>
             </a:fld>
           </a:p>
@@ -6004,7 +6004,7 @@
         <p:txBody>
           <a:bodyPr/>
           <a:p>
-            <a:fld id="{FF1F32CC-3FD2-48D5-9BE9-FC2B894D8387}" type="slidenum">
+            <a:fld id="{42D19FC6-0416-45EA-8E36-129F3E3CBEB1}" type="slidenum">
               <a:t>&lt;#&gt;</a:t>
             </a:fld>
           </a:p>
@@ -6046,7 +6046,7 @@
         <p:txBody>
           <a:bodyPr/>
           <a:p>
-            <a:fld id="{0B2A6775-0A43-4FE7-974E-5D20C99C9879}" type="slidenum">
+            <a:fld id="{30B2D1FC-88B4-4256-B19B-6B99A4B13524}" type="slidenum">
               <a:t>&lt;#&gt;</a:t>
             </a:fld>
           </a:p>
@@ -6158,7 +6158,7 @@
         <p:txBody>
           <a:bodyPr/>
           <a:p>
-            <a:fld id="{FF12CEE9-D18D-47F6-A69C-367E81479E0B}" type="slidenum">
+            <a:fld id="{910878C0-4B14-4B06-8782-6F1D07284F04}" type="slidenum">
               <a:t>&lt;#&gt;</a:t>
             </a:fld>
           </a:p>
@@ -6269,7 +6269,7 @@
         <p:txBody>
           <a:bodyPr/>
           <a:p>
-            <a:fld id="{BF851703-4C07-4A54-89A5-5A419B6A520D}" type="slidenum">
+            <a:fld id="{3418B7FB-DE06-4315-9272-B7A4E11556A2}" type="slidenum">
               <a:t>&lt;#&gt;</a:t>
             </a:fld>
           </a:p>
@@ -6414,7 +6414,7 @@
         <p:txBody>
           <a:bodyPr/>
           <a:p>
-            <a:fld id="{861F8FDD-B9D1-428F-A3BE-26FAB3D4D3EB}" type="slidenum">
+            <a:fld id="{896DFCED-9860-48A5-B397-602167796EB2}" type="slidenum">
               <a:t>&lt;#&gt;</a:t>
             </a:fld>
           </a:p>
@@ -6491,7 +6491,7 @@
         <p:txBody>
           <a:bodyPr/>
           <a:p>
-            <a:fld id="{482DEBEE-6A16-41D0-9351-7A9C5EB11139}" type="slidenum">
+            <a:fld id="{246E233B-8781-408C-9A18-B87F166DC336}" type="slidenum">
               <a:t>&lt;#&gt;</a:t>
             </a:fld>
           </a:p>
@@ -6568,7 +6568,7 @@
         <p:txBody>
           <a:bodyPr/>
           <a:p>
-            <a:fld id="{1387721F-65C3-4C39-B55E-5F843B0D11BF}" type="slidenum">
+            <a:fld id="{604B9C7F-721F-4044-9C28-3DFEA51349AC}" type="slidenum">
               <a:t>&lt;#&gt;</a:t>
             </a:fld>
           </a:p>
@@ -6747,7 +6747,7 @@
         <p:txBody>
           <a:bodyPr/>
           <a:p>
-            <a:fld id="{0A71515F-DBF8-4F8F-9AF8-72876D5F80D7}" type="slidenum">
+            <a:fld id="{9AB8B617-62E4-4AA0-9A98-614D089B9253}" type="slidenum">
               <a:t>&lt;#&gt;</a:t>
             </a:fld>
           </a:p>
@@ -6859,7 +6859,7 @@
         <p:txBody>
           <a:bodyPr/>
           <a:p>
-            <a:fld id="{4E510910-29FF-4114-B650-DE3B918D7793}" type="slidenum">
+            <a:fld id="{71EDE0D2-A2A9-445A-A3F0-791EE3780CDF}" type="slidenum">
               <a:t>&lt;#&gt;</a:t>
             </a:fld>
           </a:p>
@@ -7038,7 +7038,7 @@
         <p:txBody>
           <a:bodyPr/>
           <a:p>
-            <a:fld id="{9AE8079C-BC35-4169-A94F-31418240D271}" type="slidenum">
+            <a:fld id="{F91CA1E1-AFF7-4752-A0DD-E2112FDBA2ED}" type="slidenum">
               <a:t>&lt;#&gt;</a:t>
             </a:fld>
           </a:p>
@@ -7217,7 +7217,7 @@
         <p:txBody>
           <a:bodyPr/>
           <a:p>
-            <a:fld id="{CE571A4B-DA03-4F0B-A27C-CCC2D1F67E68}" type="slidenum">
+            <a:fld id="{D89B448D-4F4B-46AF-B203-049495CAEE5B}" type="slidenum">
               <a:t>&lt;#&gt;</a:t>
             </a:fld>
           </a:p>
@@ -7362,7 +7362,7 @@
         <p:txBody>
           <a:bodyPr/>
           <a:p>
-            <a:fld id="{BA526644-698B-4DE5-821D-6262ADB2CA19}" type="slidenum">
+            <a:fld id="{C0809C7A-F2ED-4938-ADCA-F2C5483CF4F7}" type="slidenum">
               <a:t>&lt;#&gt;</a:t>
             </a:fld>
           </a:p>
@@ -7575,7 +7575,7 @@
         <p:txBody>
           <a:bodyPr/>
           <a:p>
-            <a:fld id="{3A9B54C1-7DD9-4BD9-8461-4B7CF5ACE5D1}" type="slidenum">
+            <a:fld id="{DBCFA5F1-7693-4737-8CD5-11593262719E}" type="slidenum">
               <a:t>&lt;#&gt;</a:t>
             </a:fld>
           </a:p>
@@ -7856,7 +7856,7 @@
         <p:txBody>
           <a:bodyPr/>
           <a:p>
-            <a:fld id="{D314E375-480B-40F4-A2C0-366364B557EC}" type="slidenum">
+            <a:fld id="{993C5315-B083-4BAB-9CF4-DA6CD8195FA3}" type="slidenum">
               <a:t>&lt;#&gt;</a:t>
             </a:fld>
           </a:p>
@@ -7898,7 +7898,7 @@
         <p:txBody>
           <a:bodyPr/>
           <a:p>
-            <a:fld id="{B5A211E8-D970-48D3-A6C6-B6E3B11E725F}" type="slidenum">
+            <a:fld id="{D3C99175-8AE4-48ED-9C7D-0F4EEE8B22E4}" type="slidenum">
               <a:t>&lt;#&gt;</a:t>
             </a:fld>
           </a:p>
@@ -8010,7 +8010,7 @@
         <p:txBody>
           <a:bodyPr/>
           <a:p>
-            <a:fld id="{F5436E29-4674-4042-9140-4E1DB0262211}" type="slidenum">
+            <a:fld id="{E8DCF938-4F8E-4DB9-AFC3-C690C3411F12}" type="slidenum">
               <a:t>&lt;#&gt;</a:t>
             </a:fld>
           </a:p>
@@ -8121,7 +8121,7 @@
         <p:txBody>
           <a:bodyPr/>
           <a:p>
-            <a:fld id="{18830584-2C6F-4E92-9353-B1C4E905A604}" type="slidenum">
+            <a:fld id="{8750C4D8-5589-4E42-8437-542CA9F8F22D}" type="slidenum">
               <a:t>&lt;#&gt;</a:t>
             </a:fld>
           </a:p>
@@ -8266,7 +8266,7 @@
         <p:txBody>
           <a:bodyPr/>
           <a:p>
-            <a:fld id="{9F56A59F-80E4-41FC-A451-0E07091D2D0A}" type="slidenum">
+            <a:fld id="{FF543E05-AC0D-4FBC-AFD0-9092166174D1}" type="slidenum">
               <a:t>&lt;#&gt;</a:t>
             </a:fld>
           </a:p>
@@ -8343,7 +8343,7 @@
         <p:txBody>
           <a:bodyPr/>
           <a:p>
-            <a:fld id="{A726EA61-8717-4B7B-952B-5A888F2C89BF}" type="slidenum">
+            <a:fld id="{209F245F-E34F-4EED-AF31-34B4ED9FDB9E}" type="slidenum">
               <a:t>&lt;#&gt;</a:t>
             </a:fld>
           </a:p>
@@ -8454,7 +8454,7 @@
         <p:txBody>
           <a:bodyPr/>
           <a:p>
-            <a:fld id="{1976DF3D-12F4-4723-B612-DE8CC9B0B2D4}" type="slidenum">
+            <a:fld id="{60FE072E-25F9-465C-815E-96E6597E2FF3}" type="slidenum">
               <a:t>&lt;#&gt;</a:t>
             </a:fld>
           </a:p>
@@ -8531,7 +8531,7 @@
         <p:txBody>
           <a:bodyPr/>
           <a:p>
-            <a:fld id="{5252E959-3680-47CC-9127-F9E7D50A69FB}" type="slidenum">
+            <a:fld id="{EA54D86B-BC81-438F-9329-BB6ABAFD259B}" type="slidenum">
               <a:t>&lt;#&gt;</a:t>
             </a:fld>
           </a:p>
@@ -8710,7 +8710,7 @@
         <p:txBody>
           <a:bodyPr/>
           <a:p>
-            <a:fld id="{B1194AC3-F032-4FA8-AEF4-D6736DCF65F6}" type="slidenum">
+            <a:fld id="{73E06DC3-427C-442B-92FC-4FF39A6D9399}" type="slidenum">
               <a:t>&lt;#&gt;</a:t>
             </a:fld>
           </a:p>
@@ -8889,7 +8889,7 @@
         <p:txBody>
           <a:bodyPr/>
           <a:p>
-            <a:fld id="{EFEF977D-6DE9-4B0E-B2D2-6BB68F08228B}" type="slidenum">
+            <a:fld id="{2D570A06-22C4-4120-A98B-C37F63FCB5F3}" type="slidenum">
               <a:t>&lt;#&gt;</a:t>
             </a:fld>
           </a:p>
@@ -9068,7 +9068,7 @@
         <p:txBody>
           <a:bodyPr/>
           <a:p>
-            <a:fld id="{D08CCEAC-A8C2-4F7A-9D00-C66B5A7AF786}" type="slidenum">
+            <a:fld id="{135C5E99-F913-4ADC-BCBC-D95CC5354C03}" type="slidenum">
               <a:t>&lt;#&gt;</a:t>
             </a:fld>
           </a:p>
@@ -9213,7 +9213,7 @@
         <p:txBody>
           <a:bodyPr/>
           <a:p>
-            <a:fld id="{D9ACA749-BB3E-4192-9AD6-EB6A0213BA29}" type="slidenum">
+            <a:fld id="{404F21AF-8F6E-4235-9A9E-3AA764D8DF33}" type="slidenum">
               <a:t>&lt;#&gt;</a:t>
             </a:fld>
           </a:p>
@@ -9426,7 +9426,7 @@
         <p:txBody>
           <a:bodyPr/>
           <a:p>
-            <a:fld id="{3AE76035-E6F7-4C3B-B926-5FA144D9CE73}" type="slidenum">
+            <a:fld id="{53B492D4-A290-4A36-AA9F-904F41FEDD4A}" type="slidenum">
               <a:t>&lt;#&gt;</a:t>
             </a:fld>
           </a:p>
@@ -9707,7 +9707,7 @@
         <p:txBody>
           <a:bodyPr/>
           <a:p>
-            <a:fld id="{322EDD91-9C00-40E3-92CD-C51A9BEB5A5E}" type="slidenum">
+            <a:fld id="{62CC3D6B-29C8-48E9-804B-58EDB824D8E2}" type="slidenum">
               <a:t>&lt;#&gt;</a:t>
             </a:fld>
           </a:p>
@@ -9749,7 +9749,7 @@
         <p:txBody>
           <a:bodyPr/>
           <a:p>
-            <a:fld id="{88F0087F-F5A0-4B21-B69E-F8B60F36713E}" type="slidenum">
+            <a:fld id="{605EC667-DEFF-4F8F-B18B-56B1CA02D3BB}" type="slidenum">
               <a:t>&lt;#&gt;</a:t>
             </a:fld>
           </a:p>
@@ -9861,7 +9861,7 @@
         <p:txBody>
           <a:bodyPr/>
           <a:p>
-            <a:fld id="{11B23265-497D-4369-9717-B4BCDA12EE8A}" type="slidenum">
+            <a:fld id="{5CC9C511-6B6A-475F-B397-4F6A60AA58D4}" type="slidenum">
               <a:t>&lt;#&gt;</a:t>
             </a:fld>
           </a:p>
@@ -9972,7 +9972,7 @@
         <p:txBody>
           <a:bodyPr/>
           <a:p>
-            <a:fld id="{89127925-EF6D-4F0E-8451-F0F7E95A137D}" type="slidenum">
+            <a:fld id="{B57051DD-CD2A-4EDA-8B56-9DA570E88317}" type="slidenum">
               <a:t>&lt;#&gt;</a:t>
             </a:fld>
           </a:p>
@@ -10117,7 +10117,7 @@
         <p:txBody>
           <a:bodyPr/>
           <a:p>
-            <a:fld id="{36964118-1181-4E12-86F7-B3A6A3465D9A}" type="slidenum">
+            <a:fld id="{42B78860-13FA-4F78-8057-4FF29C0B82CF}" type="slidenum">
               <a:t>&lt;#&gt;</a:t>
             </a:fld>
           </a:p>
@@ -10262,7 +10262,7 @@
         <p:txBody>
           <a:bodyPr/>
           <a:p>
-            <a:fld id="{FF06A6D2-4727-4D78-A279-6B032D32FE59}" type="slidenum">
+            <a:fld id="{43AB2E5E-7AA4-4012-937E-2DAB086F0864}" type="slidenum">
               <a:t>&lt;#&gt;</a:t>
             </a:fld>
           </a:p>
@@ -10339,7 +10339,7 @@
         <p:txBody>
           <a:bodyPr/>
           <a:p>
-            <a:fld id="{56E24B51-0FBE-4F73-BFF0-DAEDF0F617AA}" type="slidenum">
+            <a:fld id="{A67EF0F2-4C5B-41AF-9E42-6CB3F175E3FA}" type="slidenum">
               <a:t>&lt;#&gt;</a:t>
             </a:fld>
           </a:p>
@@ -10416,7 +10416,7 @@
         <p:txBody>
           <a:bodyPr/>
           <a:p>
-            <a:fld id="{1CA16C54-96E4-47E0-8907-F00B4823B6FA}" type="slidenum">
+            <a:fld id="{5EBDACD5-8745-4C79-859A-A9CA050B122F}" type="slidenum">
               <a:t>&lt;#&gt;</a:t>
             </a:fld>
           </a:p>
@@ -10595,7 +10595,7 @@
         <p:txBody>
           <a:bodyPr/>
           <a:p>
-            <a:fld id="{BAB06498-0442-49B6-8223-F7EBD964AB99}" type="slidenum">
+            <a:fld id="{4DE66E93-E688-4825-9FDE-F6B63A65E01C}" type="slidenum">
               <a:t>&lt;#&gt;</a:t>
             </a:fld>
           </a:p>
@@ -10774,7 +10774,7 @@
         <p:txBody>
           <a:bodyPr/>
           <a:p>
-            <a:fld id="{CA686A37-22D8-465F-803F-231DCB86D6BA}" type="slidenum">
+            <a:fld id="{DFAF8582-EF02-4935-97D6-0DE88BFE7952}" type="slidenum">
               <a:t>&lt;#&gt;</a:t>
             </a:fld>
           </a:p>
@@ -10953,7 +10953,7 @@
         <p:txBody>
           <a:bodyPr/>
           <a:p>
-            <a:fld id="{56578CA2-9F86-4D19-BA77-6CDCA963B4F0}" type="slidenum">
+            <a:fld id="{234F4E74-AE90-4930-9F48-D3E0FFEE2FCC}" type="slidenum">
               <a:t>&lt;#&gt;</a:t>
             </a:fld>
           </a:p>
@@ -11098,7 +11098,7 @@
         <p:txBody>
           <a:bodyPr/>
           <a:p>
-            <a:fld id="{FA74757A-8C9E-4F98-B543-43A1625DCBE1}" type="slidenum">
+            <a:fld id="{AA8CCE7F-B135-4263-A182-5BC97E4C4977}" type="slidenum">
               <a:t>&lt;#&gt;</a:t>
             </a:fld>
           </a:p>
@@ -11311,7 +11311,7 @@
         <p:txBody>
           <a:bodyPr/>
           <a:p>
-            <a:fld id="{F0DC4AFA-DC81-4FFA-9529-7E996BEAE85F}" type="slidenum">
+            <a:fld id="{FBF91B52-0AFA-4FF6-8FC2-478615890E39}" type="slidenum">
               <a:t>&lt;#&gt;</a:t>
             </a:fld>
           </a:p>
@@ -11592,7 +11592,7 @@
         <p:txBody>
           <a:bodyPr/>
           <a:p>
-            <a:fld id="{4116FEDC-3118-4664-872F-718B5C9396E3}" type="slidenum">
+            <a:fld id="{97E3B2A8-76A9-4C43-A76E-6D286C46132C}" type="slidenum">
               <a:t>&lt;#&gt;</a:t>
             </a:fld>
           </a:p>
@@ -11634,7 +11634,7 @@
         <p:txBody>
           <a:bodyPr/>
           <a:p>
-            <a:fld id="{4C20C0A4-52A5-4304-B861-731A2CE7A0BE}" type="slidenum">
+            <a:fld id="{9EEB448A-CA1B-4D79-9F0F-45439A849829}" type="slidenum">
               <a:t>&lt;#&gt;</a:t>
             </a:fld>
           </a:p>
@@ -11711,7 +11711,7 @@
         <p:txBody>
           <a:bodyPr/>
           <a:p>
-            <a:fld id="{9BA189FD-96D8-40D5-B726-FBE28230DF41}" type="slidenum">
+            <a:fld id="{C9C25741-1DC3-43DD-9AAD-C0B892E62350}" type="slidenum">
               <a:t>&lt;#&gt;</a:t>
             </a:fld>
           </a:p>
@@ -11823,7 +11823,7 @@
         <p:txBody>
           <a:bodyPr/>
           <a:p>
-            <a:fld id="{F327FA94-404F-477A-B9C6-DE6DE0754471}" type="slidenum">
+            <a:fld id="{0664B2A4-FF8C-493A-B96D-CF386AD78B49}" type="slidenum">
               <a:t>&lt;#&gt;</a:t>
             </a:fld>
           </a:p>
@@ -11934,7 +11934,7 @@
         <p:txBody>
           <a:bodyPr/>
           <a:p>
-            <a:fld id="{496671C8-A504-4FEF-8408-9C415910B921}" type="slidenum">
+            <a:fld id="{0027878D-9CCC-4430-8836-812DE1B1D0EA}" type="slidenum">
               <a:t>&lt;#&gt;</a:t>
             </a:fld>
           </a:p>
@@ -12079,7 +12079,7 @@
         <p:txBody>
           <a:bodyPr/>
           <a:p>
-            <a:fld id="{EE250C85-6BE4-45A8-BCC2-CAC025804723}" type="slidenum">
+            <a:fld id="{DE66765D-1649-44D1-B776-74D48780F56D}" type="slidenum">
               <a:t>&lt;#&gt;</a:t>
             </a:fld>
           </a:p>
@@ -12156,7 +12156,7 @@
         <p:txBody>
           <a:bodyPr/>
           <a:p>
-            <a:fld id="{29AF08EA-790F-4461-9479-65DABD2C68CA}" type="slidenum">
+            <a:fld id="{5591B8D8-E6A6-4390-8CE1-517629838AF1}" type="slidenum">
               <a:t>&lt;#&gt;</a:t>
             </a:fld>
           </a:p>
@@ -12233,7 +12233,7 @@
         <p:txBody>
           <a:bodyPr/>
           <a:p>
-            <a:fld id="{3F0D797E-FE06-4724-B3A2-041721EC9612}" type="slidenum">
+            <a:fld id="{C4FAA9E4-490F-4FA4-B4D3-8E65466ADBB2}" type="slidenum">
               <a:t>&lt;#&gt;</a:t>
             </a:fld>
           </a:p>
@@ -12412,7 +12412,7 @@
         <p:txBody>
           <a:bodyPr/>
           <a:p>
-            <a:fld id="{BE7703D9-E2B7-4FA6-B180-25246E96F732}" type="slidenum">
+            <a:fld id="{49DFD11D-42D6-4B13-AF74-6CBC7274ADC5}" type="slidenum">
               <a:t>&lt;#&gt;</a:t>
             </a:fld>
           </a:p>
@@ -12591,7 +12591,7 @@
         <p:txBody>
           <a:bodyPr/>
           <a:p>
-            <a:fld id="{F066AD33-EB34-4854-A59B-382958BDF44D}" type="slidenum">
+            <a:fld id="{1595683B-7A98-4FF4-B4E4-FA86DAF795C6}" type="slidenum">
               <a:t>&lt;#&gt;</a:t>
             </a:fld>
           </a:p>
@@ -12770,7 +12770,7 @@
         <p:txBody>
           <a:bodyPr/>
           <a:p>
-            <a:fld id="{179BF58A-7937-43A1-842E-65B6BDD057C1}" type="slidenum">
+            <a:fld id="{D3E0F4DD-CA3F-4CBC-B5C8-BA18742DA0CA}" type="slidenum">
               <a:t>&lt;#&gt;</a:t>
             </a:fld>
           </a:p>
@@ -12915,7 +12915,7 @@
         <p:txBody>
           <a:bodyPr/>
           <a:p>
-            <a:fld id="{2A423713-354D-495F-B8BA-471903C4B572}" type="slidenum">
+            <a:fld id="{E093BE9F-E66F-40F5-8304-7446C9F7F80C}" type="slidenum">
               <a:t>&lt;#&gt;</a:t>
             </a:fld>
           </a:p>
@@ -13128,7 +13128,7 @@
         <p:txBody>
           <a:bodyPr/>
           <a:p>
-            <a:fld id="{2C45C23C-459B-4BAF-9910-92D8EA3D9FCA}" type="slidenum">
+            <a:fld id="{B5580498-08B5-48A1-AC3E-3A045692DD67}" type="slidenum">
               <a:t>&lt;#&gt;</a:t>
             </a:fld>
           </a:p>
@@ -13205,7 +13205,7 @@
         <p:txBody>
           <a:bodyPr/>
           <a:p>
-            <a:fld id="{8261155E-8B7E-482B-986D-C39E803AAA41}" type="slidenum">
+            <a:fld id="{51AE54F6-5438-4E8C-A58F-27C03626999B}" type="slidenum">
               <a:t>&lt;#&gt;</a:t>
             </a:fld>
           </a:p>
@@ -13486,7 +13486,7 @@
         <p:txBody>
           <a:bodyPr/>
           <a:p>
-            <a:fld id="{4747817F-2FA8-45C3-B2CB-5906D7DF5E4F}" type="slidenum">
+            <a:fld id="{49D9B2D4-59A2-4681-89FA-74CA6F894D12}" type="slidenum">
               <a:t>&lt;#&gt;</a:t>
             </a:fld>
           </a:p>
@@ -13528,7 +13528,7 @@
         <p:txBody>
           <a:bodyPr/>
           <a:p>
-            <a:fld id="{136F39AA-A457-4A82-A5FE-C99B79BA910D}" type="slidenum">
+            <a:fld id="{D9C25FAC-F000-40B0-832F-92E6053EF370}" type="slidenum">
               <a:t>&lt;#&gt;</a:t>
             </a:fld>
           </a:p>
@@ -13640,7 +13640,7 @@
         <p:txBody>
           <a:bodyPr/>
           <a:p>
-            <a:fld id="{92126E91-82BC-40C7-8A3A-596287B9D24B}" type="slidenum">
+            <a:fld id="{5FB32E9D-DA53-431E-9E91-A8996475F761}" type="slidenum">
               <a:t>&lt;#&gt;</a:t>
             </a:fld>
           </a:p>
@@ -13751,7 +13751,7 @@
         <p:txBody>
           <a:bodyPr/>
           <a:p>
-            <a:fld id="{2AC9ABEE-099A-44A0-970F-F367F7A67719}" type="slidenum">
+            <a:fld id="{2B811881-2A2C-479F-8EF0-B0F8CACF82CE}" type="slidenum">
               <a:t>&lt;#&gt;</a:t>
             </a:fld>
           </a:p>
@@ -13896,7 +13896,7 @@
         <p:txBody>
           <a:bodyPr/>
           <a:p>
-            <a:fld id="{7FC32565-D603-486D-B423-C093B842069B}" type="slidenum">
+            <a:fld id="{A067B639-F687-420E-9415-C23F862286ED}" type="slidenum">
               <a:t>&lt;#&gt;</a:t>
             </a:fld>
           </a:p>
@@ -13973,7 +13973,7 @@
         <p:txBody>
           <a:bodyPr/>
           <a:p>
-            <a:fld id="{B3B9CDD9-F817-4296-A9D8-FDBE5520FB80}" type="slidenum">
+            <a:fld id="{5AA8EDCB-C741-443B-BFFE-666ECDBFEF7A}" type="slidenum">
               <a:t>&lt;#&gt;</a:t>
             </a:fld>
           </a:p>
@@ -14050,7 +14050,7 @@
         <p:txBody>
           <a:bodyPr/>
           <a:p>
-            <a:fld id="{A485558D-0BA1-4494-8973-C917F65C87EF}" type="slidenum">
+            <a:fld id="{E5AE19A1-D42B-4F89-8D8B-7645F1408EF4}" type="slidenum">
               <a:t>&lt;#&gt;</a:t>
             </a:fld>
           </a:p>
@@ -14229,7 +14229,7 @@
         <p:txBody>
           <a:bodyPr/>
           <a:p>
-            <a:fld id="{BDEEAC15-BE6A-4AD7-983D-0DCAA69AA811}" type="slidenum">
+            <a:fld id="{E0778F1B-2A47-4B58-8A97-09FB56ED894E}" type="slidenum">
               <a:t>&lt;#&gt;</a:t>
             </a:fld>
           </a:p>
@@ -14408,7 +14408,7 @@
         <p:txBody>
           <a:bodyPr/>
           <a:p>
-            <a:fld id="{490101C5-D75F-4535-A556-90C53AABD94C}" type="slidenum">
+            <a:fld id="{4157ADED-C501-4195-8F08-AAA69DBA9C6A}" type="slidenum">
               <a:t>&lt;#&gt;</a:t>
             </a:fld>
           </a:p>
@@ -14587,7 +14587,7 @@
         <p:txBody>
           <a:bodyPr/>
           <a:p>
-            <a:fld id="{0F9C4EF1-8AE7-4488-A75B-2FFB4B95D232}" type="slidenum">
+            <a:fld id="{859FAA3B-08D3-4822-853D-A1EDBA3294C1}" type="slidenum">
               <a:t>&lt;#&gt;</a:t>
             </a:fld>
           </a:p>
@@ -14766,7 +14766,7 @@
         <p:txBody>
           <a:bodyPr/>
           <a:p>
-            <a:fld id="{4979B8F0-B509-4477-BD59-51F22B6AAA7D}" type="slidenum">
+            <a:fld id="{09711C9B-8A64-46D2-9655-72318F18B63D}" type="slidenum">
               <a:t>&lt;#&gt;</a:t>
             </a:fld>
           </a:p>
@@ -14911,7 +14911,7 @@
         <p:txBody>
           <a:bodyPr/>
           <a:p>
-            <a:fld id="{B8C4F21A-6EFC-46DE-B4C6-C627C0031564}" type="slidenum">
+            <a:fld id="{16F64300-2BF9-4A00-852A-E6E5E0202933}" type="slidenum">
               <a:t>&lt;#&gt;</a:t>
             </a:fld>
           </a:p>
@@ -15124,7 +15124,7 @@
         <p:txBody>
           <a:bodyPr/>
           <a:p>
-            <a:fld id="{B0F9E5B5-A0ED-4EC4-B12E-7939941C511E}" type="slidenum">
+            <a:fld id="{B5802F4B-0447-4B8F-87F8-761FA49D4BC6}" type="slidenum">
               <a:t>&lt;#&gt;</a:t>
             </a:fld>
           </a:p>
@@ -15405,7 +15405,7 @@
         <p:txBody>
           <a:bodyPr/>
           <a:p>
-            <a:fld id="{CE2ED350-226A-4060-B268-C39AD024AC98}" type="slidenum">
+            <a:fld id="{36820706-0527-4125-B7A9-6F4C24C09BCE}" type="slidenum">
               <a:t>&lt;#&gt;</a:t>
             </a:fld>
           </a:p>
@@ -15447,7 +15447,7 @@
         <p:txBody>
           <a:bodyPr/>
           <a:p>
-            <a:fld id="{84D2BAD7-BCA1-428A-A58D-1BEEB59283D4}" type="slidenum">
+            <a:fld id="{6FB3D14B-E4CD-4B14-A4A5-286F60CAD1ED}" type="slidenum">
               <a:t>&lt;#&gt;</a:t>
             </a:fld>
           </a:p>
@@ -15559,7 +15559,7 @@
         <p:txBody>
           <a:bodyPr/>
           <a:p>
-            <a:fld id="{6B176C11-759F-4F25-AC3F-75841DF3FACF}" type="slidenum">
+            <a:fld id="{F5C285BC-6A32-4C8A-A9AC-FC7AD07996D9}" type="slidenum">
               <a:t>&lt;#&gt;</a:t>
             </a:fld>
           </a:p>
@@ -15670,7 +15670,7 @@
         <p:txBody>
           <a:bodyPr/>
           <a:p>
-            <a:fld id="{772C62AD-4639-44DA-896A-F21E04BDF469}" type="slidenum">
+            <a:fld id="{F5111B49-941F-4122-84D1-7F989F34028B}" type="slidenum">
               <a:t>&lt;#&gt;</a:t>
             </a:fld>
           </a:p>
@@ -15815,7 +15815,7 @@
         <p:txBody>
           <a:bodyPr/>
           <a:p>
-            <a:fld id="{C21528A1-8D06-4AE4-B7D1-81B23F565D73}" type="slidenum">
+            <a:fld id="{97926FF5-ACF4-49A9-A4A0-9B08FAF08A51}" type="slidenum">
               <a:t>&lt;#&gt;</a:t>
             </a:fld>
           </a:p>
@@ -15892,7 +15892,7 @@
         <p:txBody>
           <a:bodyPr/>
           <a:p>
-            <a:fld id="{CC026F69-1BDA-4A76-8284-DC3E1B244624}" type="slidenum">
+            <a:fld id="{D6C6F76A-58B6-41A5-8C49-710F36D3C453}" type="slidenum">
               <a:t>&lt;#&gt;</a:t>
             </a:fld>
           </a:p>
@@ -15969,7 +15969,7 @@
         <p:txBody>
           <a:bodyPr/>
           <a:p>
-            <a:fld id="{528A4E66-5BD0-49F6-829D-E0A36015FE46}" type="slidenum">
+            <a:fld id="{17964567-954A-4E7C-8140-1747A3C75581}" type="slidenum">
               <a:t>&lt;#&gt;</a:t>
             </a:fld>
           </a:p>
@@ -16148,7 +16148,7 @@
         <p:txBody>
           <a:bodyPr/>
           <a:p>
-            <a:fld id="{02DF8B86-E923-4C51-BDC4-7760AACF2241}" type="slidenum">
+            <a:fld id="{85F65F82-581E-46D2-B27A-5EE428929571}" type="slidenum">
               <a:t>&lt;#&gt;</a:t>
             </a:fld>
           </a:p>
@@ -16419,7 +16419,7 @@
         <p:txBody>
           <a:bodyPr/>
           <a:p>
-            <a:fld id="{3DA5F359-1D65-4A78-8A42-A18DB0844CE2}" type="slidenum">
+            <a:fld id="{DB453E20-8964-48E0-AF21-D6D3E8DBA46D}" type="slidenum">
               <a:t>&lt;#&gt;</a:t>
             </a:fld>
           </a:p>
@@ -16598,7 +16598,7 @@
         <p:txBody>
           <a:bodyPr/>
           <a:p>
-            <a:fld id="{821A982E-1B1A-4A97-B413-20F404B6A406}" type="slidenum">
+            <a:fld id="{AB2377D0-DD5C-4270-9A7F-B2E8DA9DDBFC}" type="slidenum">
               <a:t>&lt;#&gt;</a:t>
             </a:fld>
           </a:p>
@@ -16777,7 +16777,7 @@
         <p:txBody>
           <a:bodyPr/>
           <a:p>
-            <a:fld id="{BB66E97D-E71C-4EFE-A130-15AECACC29BC}" type="slidenum">
+            <a:fld id="{B9658F80-E723-461E-A8F2-F1F3865B103E}" type="slidenum">
               <a:t>&lt;#&gt;</a:t>
             </a:fld>
           </a:p>
@@ -16922,7 +16922,7 @@
         <p:txBody>
           <a:bodyPr/>
           <a:p>
-            <a:fld id="{D801BC72-52B6-43C6-9EAB-75C1E38EEC72}" type="slidenum">
+            <a:fld id="{0F7759B6-075E-483B-9C18-91CF5D7E7856}" type="slidenum">
               <a:t>&lt;#&gt;</a:t>
             </a:fld>
           </a:p>
@@ -17135,7 +17135,7 @@
         <p:txBody>
           <a:bodyPr/>
           <a:p>
-            <a:fld id="{87ADFF78-4C7F-4148-B8B0-C7C19D7610A9}" type="slidenum">
+            <a:fld id="{8C930417-8D46-4C8A-A1F2-EFE76BF5F8A3}" type="slidenum">
               <a:t>&lt;#&gt;</a:t>
             </a:fld>
           </a:p>
@@ -17416,7 +17416,7 @@
         <p:txBody>
           <a:bodyPr/>
           <a:p>
-            <a:fld id="{6859A2CB-73E4-469C-BDE5-03A881C0D9E1}" type="slidenum">
+            <a:fld id="{B9D4FFA9-2D4D-4D0A-B4DB-0ACC39601317}" type="slidenum">
               <a:t>&lt;#&gt;</a:t>
             </a:fld>
           </a:p>
@@ -17458,7 +17458,7 @@
         <p:txBody>
           <a:bodyPr/>
           <a:p>
-            <a:fld id="{FB3F6D08-F77D-4E45-87BD-27BBCD61DDFF}" type="slidenum">
+            <a:fld id="{3238B45B-6F76-4C80-8776-0E9DED8FD9FB}" type="slidenum">
               <a:t>&lt;#&gt;</a:t>
             </a:fld>
           </a:p>
@@ -17570,7 +17570,7 @@
         <p:txBody>
           <a:bodyPr/>
           <a:p>
-            <a:fld id="{36C8C26F-7163-48B6-A1DF-BAD99DC2BA57}" type="slidenum">
+            <a:fld id="{4EBD82F5-FE9D-4D00-9D4E-C78ACBAF4E6E}" type="slidenum">
               <a:t>&lt;#&gt;</a:t>
             </a:fld>
           </a:p>
@@ -17681,7 +17681,7 @@
         <p:txBody>
           <a:bodyPr/>
           <a:p>
-            <a:fld id="{42137047-2D37-418F-8A9A-6A80BE181E2F}" type="slidenum">
+            <a:fld id="{541DFCB2-699A-4F0B-83FE-799C23D5734A}" type="slidenum">
               <a:t>&lt;#&gt;</a:t>
             </a:fld>
           </a:p>
@@ -17826,7 +17826,7 @@
         <p:txBody>
           <a:bodyPr/>
           <a:p>
-            <a:fld id="{0C5ED80F-4690-44A1-81E1-979EAB89E366}" type="slidenum">
+            <a:fld id="{50D03C15-D616-4218-99EB-6B9C7701DDF3}" type="slidenum">
               <a:t>&lt;#&gt;</a:t>
             </a:fld>
           </a:p>
@@ -17903,7 +17903,7 @@
         <p:txBody>
           <a:bodyPr/>
           <a:p>
-            <a:fld id="{D35CC552-EFB9-4830-AF91-1177655089B4}" type="slidenum">
+            <a:fld id="{82027987-783F-4263-B59B-66590B3CD15C}" type="slidenum">
               <a:t>&lt;#&gt;</a:t>
             </a:fld>
           </a:p>
@@ -18082,7 +18082,7 @@
         <p:txBody>
           <a:bodyPr/>
           <a:p>
-            <a:fld id="{4726855C-BC49-4E35-845C-6894825CDA08}" type="slidenum">
+            <a:fld id="{EF0AD5FD-06FD-43BF-BA2C-876ED6D24039}" type="slidenum">
               <a:t>&lt;#&gt;</a:t>
             </a:fld>
           </a:p>
@@ -18159,7 +18159,7 @@
         <p:txBody>
           <a:bodyPr/>
           <a:p>
-            <a:fld id="{D46EAD22-53EB-4913-A0AB-BA89897ABC58}" type="slidenum">
+            <a:fld id="{5DFD9085-2670-4A64-BAAA-D47C419E904A}" type="slidenum">
               <a:t>&lt;#&gt;</a:t>
             </a:fld>
           </a:p>
@@ -18338,7 +18338,7 @@
         <p:txBody>
           <a:bodyPr/>
           <a:p>
-            <a:fld id="{39890629-555C-4CBD-89F3-672964D5F02C}" type="slidenum">
+            <a:fld id="{3EE4E334-112B-4CEA-8AC8-BAC7C3078D93}" type="slidenum">
               <a:t>&lt;#&gt;</a:t>
             </a:fld>
           </a:p>
@@ -18517,7 +18517,7 @@
         <p:txBody>
           <a:bodyPr/>
           <a:p>
-            <a:fld id="{CD2B608B-58A1-461A-AD1C-E7FF4F84E015}" type="slidenum">
+            <a:fld id="{ADFC2290-A6D1-4E2B-A964-BC0ECA5A5D69}" type="slidenum">
               <a:t>&lt;#&gt;</a:t>
             </a:fld>
           </a:p>
@@ -18696,7 +18696,7 @@
         <p:txBody>
           <a:bodyPr/>
           <a:p>
-            <a:fld id="{71B12424-ABA4-4ED9-8937-A4461C306E04}" type="slidenum">
+            <a:fld id="{8057A4DB-3235-4A7E-BC25-7805EC34BBB3}" type="slidenum">
               <a:t>&lt;#&gt;</a:t>
             </a:fld>
           </a:p>
@@ -18841,7 +18841,7 @@
         <p:txBody>
           <a:bodyPr/>
           <a:p>
-            <a:fld id="{30653CED-C7BE-4108-8098-AA2C8CABA36B}" type="slidenum">
+            <a:fld id="{7DB6F785-53FA-4E4B-8962-0CB9F83BB763}" type="slidenum">
               <a:t>&lt;#&gt;</a:t>
             </a:fld>
           </a:p>
@@ -19054,7 +19054,7 @@
         <p:txBody>
           <a:bodyPr/>
           <a:p>
-            <a:fld id="{A9777E11-9CD2-4ED2-A500-41D33FD6B993}" type="slidenum">
+            <a:fld id="{6D04E9B0-A76E-46C3-89FB-04E8E4B029D9}" type="slidenum">
               <a:t>&lt;#&gt;</a:t>
             </a:fld>
           </a:p>
@@ -19335,7 +19335,7 @@
         <p:txBody>
           <a:bodyPr/>
           <a:p>
-            <a:fld id="{0E6586A3-3CB0-4C83-965F-310601C7BF74}" type="slidenum">
+            <a:fld id="{DE81722F-391C-48FF-8111-42D7C34EFB29}" type="slidenum">
               <a:t>&lt;#&gt;</a:t>
             </a:fld>
           </a:p>
@@ -19480,7 +19480,7 @@
         <p:txBody>
           <a:bodyPr/>
           <a:p>
-            <a:fld id="{537C5A33-3FA4-45F5-B48A-906F72C6D03B}" type="slidenum">
+            <a:fld id="{67BB5F43-0F0F-4ED9-B721-080E652009C3}" type="slidenum">
               <a:t>&lt;#&gt;</a:t>
             </a:fld>
           </a:p>
@@ -19693,7 +19693,7 @@
         <p:txBody>
           <a:bodyPr/>
           <a:p>
-            <a:fld id="{DFC5FEBC-55B5-4AF8-AACF-DFEF0923B77E}" type="slidenum">
+            <a:fld id="{68271711-EA50-46B7-99D3-9BCBB995D170}" type="slidenum">
               <a:t>&lt;#&gt;</a:t>
             </a:fld>
           </a:p>
@@ -19974,7 +19974,7 @@
         <p:txBody>
           <a:bodyPr/>
           <a:p>
-            <a:fld id="{E16553BB-D608-470E-9D16-913AE86E4699}" type="slidenum">
+            <a:fld id="{6CAE18E4-FA1D-4F12-A8FE-B4068D53CCB8}" type="slidenum">
               <a:t>&lt;#&gt;</a:t>
             </a:fld>
           </a:p>
@@ -20016,7 +20016,7 @@
         <p:txBody>
           <a:bodyPr/>
           <a:p>
-            <a:fld id="{B0FA52F7-3182-45B7-B7A0-BACA38C75929}" type="slidenum">
+            <a:fld id="{D1ECF31C-73F8-4F99-A06E-92F39246F3C2}" type="slidenum">
               <a:t>&lt;#&gt;</a:t>
             </a:fld>
           </a:p>
@@ -20128,7 +20128,7 @@
         <p:txBody>
           <a:bodyPr/>
           <a:p>
-            <a:fld id="{1D32B512-C7AD-4B07-ACB0-C39DDBE4D3A6}" type="slidenum">
+            <a:fld id="{57293334-6242-403A-AF20-1AA6168A77DE}" type="slidenum">
               <a:t>&lt;#&gt;</a:t>
             </a:fld>
           </a:p>
@@ -20239,7 +20239,7 @@
         <p:txBody>
           <a:bodyPr/>
           <a:p>
-            <a:fld id="{C3A791AD-B2F6-4689-9B0F-28795E9795F1}" type="slidenum">
+            <a:fld id="{DB764DED-29CA-45BF-A310-9EC847864EC2}" type="slidenum">
               <a:t>&lt;#&gt;</a:t>
             </a:fld>
           </a:p>
@@ -20384,7 +20384,7 @@
         <p:txBody>
           <a:bodyPr/>
           <a:p>
-            <a:fld id="{ED663436-CC5D-48FC-99F8-B9916657C80F}" type="slidenum">
+            <a:fld id="{F3DF476D-66F8-4AFB-B69B-AA5C7D9C244B}" type="slidenum">
               <a:t>&lt;#&gt;</a:t>
             </a:fld>
           </a:p>
@@ -20461,7 +20461,7 @@
         <p:txBody>
           <a:bodyPr/>
           <a:p>
-            <a:fld id="{F791DCB5-2CD4-4D69-8047-2FCE6863EC6B}" type="slidenum">
+            <a:fld id="{5D6B973E-426C-4056-9C4D-5CA325F7DC0F}" type="slidenum">
               <a:t>&lt;#&gt;</a:t>
             </a:fld>
           </a:p>
@@ -20629,7 +20629,7 @@
         <p:txBody>
           <a:bodyPr/>
           <a:p>
-            <a:fld id="{4E984413-0ABB-44BD-9081-540B196AB7B0}" type="slidenum">
+            <a:fld id="{CE151869-0A22-4A14-B408-E49A0D2A084D}" type="slidenum">
               <a:t>&lt;#&gt;</a:t>
             </a:fld>
           </a:p>
@@ -20808,7 +20808,7 @@
         <p:txBody>
           <a:bodyPr/>
           <a:p>
-            <a:fld id="{4B093E7A-7126-41CE-9F48-678E4113FC42}" type="slidenum">
+            <a:fld id="{DA82F316-04FB-4A13-80F9-9520B3C15B67}" type="slidenum">
               <a:t>&lt;#&gt;</a:t>
             </a:fld>
           </a:p>
@@ -20987,7 +20987,7 @@
         <p:txBody>
           <a:bodyPr/>
           <a:p>
-            <a:fld id="{D88C1C52-5C8D-401A-8366-5B3B70E38745}" type="slidenum">
+            <a:fld id="{11A8ABC1-D0BD-4BA9-B415-7E69756B34F6}" type="slidenum">
               <a:t>&lt;#&gt;</a:t>
             </a:fld>
           </a:p>
@@ -21166,7 +21166,7 @@
         <p:txBody>
           <a:bodyPr/>
           <a:p>
-            <a:fld id="{92D9A19C-4B05-497A-B855-20D873F3312A}" type="slidenum">
+            <a:fld id="{578E97D8-2A58-4492-95F9-066C9B82E0E4}" type="slidenum">
               <a:t>&lt;#&gt;</a:t>
             </a:fld>
           </a:p>
@@ -21311,7 +21311,7 @@
         <p:txBody>
           <a:bodyPr/>
           <a:p>
-            <a:fld id="{2B05FF5D-275B-43F1-BF5D-96BAF922F634}" type="slidenum">
+            <a:fld id="{346BD2C6-699F-4A07-86A5-817C6B27A15E}" type="slidenum">
               <a:t>&lt;#&gt;</a:t>
             </a:fld>
           </a:p>
@@ -21524,7 +21524,7 @@
         <p:txBody>
           <a:bodyPr/>
           <a:p>
-            <a:fld id="{89CDA8A2-0413-42CC-88BE-5A44834CB9D5}" type="slidenum">
+            <a:fld id="{AE40423E-C01A-4346-A0FD-59EEFE7F46F7}" type="slidenum">
               <a:t>&lt;#&gt;</a:t>
             </a:fld>
           </a:p>
@@ -21805,7 +21805,7 @@
         <p:txBody>
           <a:bodyPr/>
           <a:p>
-            <a:fld id="{F276146D-C2FB-46C7-9B3B-21C556513D9C}" type="slidenum">
+            <a:fld id="{9D0197A6-7A02-4CE4-8148-AE7A927E602B}" type="slidenum">
               <a:t>&lt;#&gt;</a:t>
             </a:fld>
           </a:p>
@@ -21847,7 +21847,7 @@
         <p:txBody>
           <a:bodyPr/>
           <a:p>
-            <a:fld id="{5E51B9D6-C36B-4365-88E2-B9A5C3F7CEB3}" type="slidenum">
+            <a:fld id="{0467DE55-6447-488B-99E0-2E84102D5C07}" type="slidenum">
               <a:t>&lt;#&gt;</a:t>
             </a:fld>
           </a:p>
@@ -21959,7 +21959,7 @@
         <p:txBody>
           <a:bodyPr/>
           <a:p>
-            <a:fld id="{F9D14F28-543B-4909-BABA-025F0EDC7DDD}" type="slidenum">
+            <a:fld id="{11C713FE-0E75-44E2-A7E5-26ED5F8EB6C6}" type="slidenum">
               <a:t>&lt;#&gt;</a:t>
             </a:fld>
           </a:p>
@@ -22070,7 +22070,7 @@
         <p:txBody>
           <a:bodyPr/>
           <a:p>
-            <a:fld id="{466ACA97-8D24-4EE5-8C1F-35E0204EC5D7}" type="slidenum">
+            <a:fld id="{1CCA1E42-B898-4DC9-B216-D143AB00047B}" type="slidenum">
               <a:t>&lt;#&gt;</a:t>
             </a:fld>
           </a:p>
@@ -22340,7 +22340,7 @@
         <p:txBody>
           <a:bodyPr/>
           <a:p>
-            <a:fld id="{EFA34AC9-5833-441F-B610-E0E96F6031CF}" type="slidenum">
+            <a:fld id="{8D342FD5-D436-42C6-BD95-7C8FD686E9F6}" type="slidenum">
               <a:t>&lt;#&gt;</a:t>
             </a:fld>
           </a:p>
@@ -22417,7 +22417,7 @@
         <p:txBody>
           <a:bodyPr/>
           <a:p>
-            <a:fld id="{D9959E2A-3D75-4683-99DC-8876564B6E2E}" type="slidenum">
+            <a:fld id="{98D70947-86B1-47F7-A6E4-59CF46636FAB}" type="slidenum">
               <a:t>&lt;#&gt;</a:t>
             </a:fld>
           </a:p>
@@ -22494,7 +22494,7 @@
         <p:txBody>
           <a:bodyPr/>
           <a:p>
-            <a:fld id="{A4E22369-73BB-411B-854C-A01AE0E66606}" type="slidenum">
+            <a:fld id="{6F085784-AF2A-4C81-95A2-E549161266C0}" type="slidenum">
               <a:t>&lt;#&gt;</a:t>
             </a:fld>
           </a:p>
@@ -22673,7 +22673,7 @@
         <p:txBody>
           <a:bodyPr/>
           <a:p>
-            <a:fld id="{6558E7E2-C1FE-4344-970C-994DE0477717}" type="slidenum">
+            <a:fld id="{30556A88-2FB8-4CAD-A55E-4F59DF6B044A}" type="slidenum">
               <a:t>&lt;#&gt;</a:t>
             </a:fld>
           </a:p>
@@ -22852,7 +22852,7 @@
         <p:txBody>
           <a:bodyPr/>
           <a:p>
-            <a:fld id="{97B260FB-1803-4571-8D6D-E2AFC238A1B8}" type="slidenum">
+            <a:fld id="{CF19048C-11A5-4C04-A165-B092811D1883}" type="slidenum">
               <a:t>&lt;#&gt;</a:t>
             </a:fld>
           </a:p>
@@ -23031,7 +23031,7 @@
         <p:txBody>
           <a:bodyPr/>
           <a:p>
-            <a:fld id="{09F4B8AF-6558-4693-9C32-2A77779EF0D4}" type="slidenum">
+            <a:fld id="{D9F6D679-7D9E-44C8-90F0-B624402DD5FB}" type="slidenum">
               <a:t>&lt;#&gt;</a:t>
             </a:fld>
           </a:p>
@@ -23176,7 +23176,7 @@
         <p:txBody>
           <a:bodyPr/>
           <a:p>
-            <a:fld id="{1A1C3ABB-9C7B-4114-B17F-713145F273BB}" type="slidenum">
+            <a:fld id="{EC99FB34-0FA8-4107-A775-FA8049DD840E}" type="slidenum">
               <a:t>&lt;#&gt;</a:t>
             </a:fld>
           </a:p>
@@ -23389,7 +23389,7 @@
         <p:txBody>
           <a:bodyPr/>
           <a:p>
-            <a:fld id="{CA2DE587-39F1-4F44-9AAD-1584E20E4901}" type="slidenum">
+            <a:fld id="{A9A603BB-4B91-4968-BC89-8F8E967385CA}" type="slidenum">
               <a:t>&lt;#&gt;</a:t>
             </a:fld>
           </a:p>
@@ -23670,7 +23670,7 @@
         <p:txBody>
           <a:bodyPr/>
           <a:p>
-            <a:fld id="{7EE675A0-C0B8-41F6-B77C-AA1739D2A104}" type="slidenum">
+            <a:fld id="{6F5705A8-5B43-439C-8AE8-4791918A0477}" type="slidenum">
               <a:t>&lt;#&gt;</a:t>
             </a:fld>
           </a:p>
@@ -23712,7 +23712,7 @@
         <p:txBody>
           <a:bodyPr/>
           <a:p>
-            <a:fld id="{3CEB5E2E-8DE0-4943-9EA2-2A3FCD71DCC0}" type="slidenum">
+            <a:fld id="{183AE1CC-D95D-4069-9F37-7CB0DA8EEFEE}" type="slidenum">
               <a:t>&lt;#&gt;</a:t>
             </a:fld>
           </a:p>
@@ -23881,7 +23881,7 @@
         <p:txBody>
           <a:bodyPr/>
           <a:p>
-            <a:fld id="{3C35DFD0-83F2-4370-A1D8-D9D61B577B87}" type="slidenum">
+            <a:fld id="{AB630A14-19DB-46E3-B516-E12D01518931}" type="slidenum">
               <a:t>&lt;#&gt;</a:t>
             </a:fld>
           </a:p>
@@ -23992,7 +23992,7 @@
         <p:txBody>
           <a:bodyPr/>
           <a:p>
-            <a:fld id="{30E44190-1A4A-4EEE-A0C1-D10DC671F689}" type="slidenum">
+            <a:fld id="{165F0D93-A370-4DC8-8947-F6CBA39C6C53}" type="slidenum">
               <a:t>&lt;#&gt;</a:t>
             </a:fld>
           </a:p>
@@ -24137,7 +24137,7 @@
         <p:txBody>
           <a:bodyPr/>
           <a:p>
-            <a:fld id="{5C28DF49-924B-467C-810C-320B8AF85114}" type="slidenum">
+            <a:fld id="{6EB752E4-77B0-4E30-9493-DFF2F7A1A544}" type="slidenum">
               <a:t>&lt;#&gt;</a:t>
             </a:fld>
           </a:p>
@@ -24214,7 +24214,7 @@
         <p:txBody>
           <a:bodyPr/>
           <a:p>
-            <a:fld id="{17E72129-53AC-4AC6-98EB-EECA5E34DCF6}" type="slidenum">
+            <a:fld id="{819902CF-4289-4B9D-947F-55865F254CD1}" type="slidenum">
               <a:t>&lt;#&gt;</a:t>
             </a:fld>
           </a:p>
@@ -24291,7 +24291,7 @@
         <p:txBody>
           <a:bodyPr/>
           <a:p>
-            <a:fld id="{92470C67-D880-4E3B-8ADA-E005C2FB39F0}" type="slidenum">
+            <a:fld id="{AF24ED67-D564-41F0-8279-1056E9197BE7}" type="slidenum">
               <a:t>&lt;#&gt;</a:t>
             </a:fld>
           </a:p>
@@ -24470,7 +24470,7 @@
         <p:txBody>
           <a:bodyPr/>
           <a:p>
-            <a:fld id="{E54B2195-CE4D-48B5-A27E-8F4AE13182F0}" type="slidenum">
+            <a:fld id="{6D315A77-B984-4EEF-A03D-891DAA7F1132}" type="slidenum">
               <a:t>&lt;#&gt;</a:t>
             </a:fld>
           </a:p>
@@ -24649,7 +24649,7 @@
         <p:txBody>
           <a:bodyPr/>
           <a:p>
-            <a:fld id="{9F9D45C8-9796-4869-8C81-BC85A6A3DF2B}" type="slidenum">
+            <a:fld id="{C45D0161-8945-416A-98AE-256EB9FE37BA}" type="slidenum">
               <a:t>&lt;#&gt;</a:t>
             </a:fld>
           </a:p>
@@ -24828,7 +24828,7 @@
         <p:txBody>
           <a:bodyPr/>
           <a:p>
-            <a:fld id="{501F1BC5-75BE-46E0-910D-FD36E9346EC1}" type="slidenum">
+            <a:fld id="{D83B99A2-6939-4BA1-82C8-80B5400E7459}" type="slidenum">
               <a:t>&lt;#&gt;</a:t>
             </a:fld>
           </a:p>
@@ -24973,7 +24973,7 @@
         <p:txBody>
           <a:bodyPr/>
           <a:p>
-            <a:fld id="{F4797D39-CDE3-4A16-9E67-56E6EFE4AA8B}" type="slidenum">
+            <a:fld id="{13427591-29AC-4E3B-BEB4-97187AF9B545}" type="slidenum">
               <a:t>&lt;#&gt;</a:t>
             </a:fld>
           </a:p>
@@ -25186,7 +25186,7 @@
         <p:txBody>
           <a:bodyPr/>
           <a:p>
-            <a:fld id="{B4F3DFE0-0F15-4308-99AF-B623D061F75D}" type="slidenum">
+            <a:fld id="{F3F2FBBB-C818-4AB4-8A3E-6B9FD5C85932}" type="slidenum">
               <a:t>&lt;#&gt;</a:t>
             </a:fld>
           </a:p>
@@ -25524,7 +25524,7 @@
         <p:txBody>
           <a:bodyPr/>
           <a:p>
-            <a:fld id="{1F2CD147-D640-4776-A525-CB0C9D48EA14}" type="slidenum">
+            <a:fld id="{8C4C9D6E-1BAA-47BC-99D0-01566C782CC8}" type="slidenum">
               <a:t>&lt;#&gt;</a:t>
             </a:fld>
           </a:p>
@@ -25566,7 +25566,7 @@
         <p:txBody>
           <a:bodyPr/>
           <a:p>
-            <a:fld id="{7E2C79B4-E0A4-4BB1-BA2F-F0388F4C619D}" type="slidenum">
+            <a:fld id="{F7CA2941-777F-440B-8F95-C2A002430063}" type="slidenum">
               <a:t>&lt;#&gt;</a:t>
             </a:fld>
           </a:p>
@@ -25678,7 +25678,7 @@
         <p:txBody>
           <a:bodyPr/>
           <a:p>
-            <a:fld id="{018D7406-63EB-4B61-8134-EC2EA1CDACB3}" type="slidenum">
+            <a:fld id="{3B092B4A-B679-4CE6-B2AE-AD748F8F3B4F}" type="slidenum">
               <a:t>&lt;#&gt;</a:t>
             </a:fld>
           </a:p>
@@ -25789,7 +25789,7 @@
         <p:txBody>
           <a:bodyPr/>
           <a:p>
-            <a:fld id="{16B3D75A-FDE5-4423-8FC3-AEA0EAC7DDB7}" type="slidenum">
+            <a:fld id="{3F495217-1364-4D7C-AF27-063110ADCAC3}" type="slidenum">
               <a:t>&lt;#&gt;</a:t>
             </a:fld>
           </a:p>
@@ -25934,7 +25934,7 @@
         <p:txBody>
           <a:bodyPr/>
           <a:p>
-            <a:fld id="{2B93E416-66F3-4744-8DB5-54B29AC89B10}" type="slidenum">
+            <a:fld id="{200487BE-0A27-44C0-B94C-0A75922CC8D4}" type="slidenum">
               <a:t>&lt;#&gt;</a:t>
             </a:fld>
           </a:p>
@@ -26011,7 +26011,7 @@
         <p:txBody>
           <a:bodyPr/>
           <a:p>
-            <a:fld id="{4C6719A9-4AF3-4620-8997-2A0B886D852E}" type="slidenum">
+            <a:fld id="{910A5E65-80D2-47B2-9DE7-D7001A4F1262}" type="slidenum">
               <a:t>&lt;#&gt;</a:t>
             </a:fld>
           </a:p>
@@ -26088,7 +26088,7 @@
         <p:txBody>
           <a:bodyPr/>
           <a:p>
-            <a:fld id="{2DB8A5E8-8180-4329-B155-BA72B7A89F3D}" type="slidenum">
+            <a:fld id="{8D2014C0-3874-4D24-9B3F-052EEDD78F30}" type="slidenum">
               <a:t>&lt;#&gt;</a:t>
             </a:fld>
           </a:p>
@@ -26267,7 +26267,7 @@
         <p:txBody>
           <a:bodyPr/>
           <a:p>
-            <a:fld id="{76DDA58D-1BF5-4858-AB39-20DF9BD310CF}" type="slidenum">
+            <a:fld id="{F523C7B2-9C9C-47B8-89F2-E8F560C53DD1}" type="slidenum">
               <a:t>&lt;#&gt;</a:t>
             </a:fld>
           </a:p>
@@ -26446,7 +26446,7 @@
         <p:txBody>
           <a:bodyPr/>
           <a:p>
-            <a:fld id="{06EAF0B3-C6E9-4774-B6C8-6F0955B1F537}" type="slidenum">
+            <a:fld id="{CF7F5728-2BB0-47CE-9F4B-5552DAD6DA5E}" type="slidenum">
               <a:t>&lt;#&gt;</a:t>
             </a:fld>
           </a:p>
@@ -26625,7 +26625,7 @@
         <p:txBody>
           <a:bodyPr/>
           <a:p>
-            <a:fld id="{B6C0AEBC-F058-4A66-9D01-32936A80993B}" type="slidenum">
+            <a:fld id="{A534C436-249C-46D8-9E1D-B4458F26643F}" type="slidenum">
               <a:t>&lt;#&gt;</a:t>
             </a:fld>
           </a:p>
@@ -26929,7 +26929,7 @@
         <p:txBody>
           <a:bodyPr/>
           <a:p>
-            <a:fld id="{33930163-D945-44BD-A8C6-3BB9A7AFB925}" type="slidenum">
+            <a:fld id="{3AEA7790-99B9-4B50-953C-D2F970B813D2}" type="slidenum">
               <a:t>&lt;#&gt;</a:t>
             </a:fld>
           </a:p>
@@ -27142,7 +27142,7 @@
         <p:txBody>
           <a:bodyPr/>
           <a:p>
-            <a:fld id="{3CE17987-0686-43FE-84F5-C6286C71BE73}" type="slidenum">
+            <a:fld id="{3E4C0F2D-655D-4FF3-A7BF-BD459936B503}" type="slidenum">
               <a:t>&lt;#&gt;</a:t>
             </a:fld>
           </a:p>
@@ -27423,7 +27423,7 @@
         <p:txBody>
           <a:bodyPr/>
           <a:p>
-            <a:fld id="{683993B9-3D5E-4DDB-AB2F-F9FB672B3072}" type="slidenum">
+            <a:fld id="{0E663714-2C84-427B-9914-E158DF51DF93}" type="slidenum">
               <a:t>&lt;#&gt;</a:t>
             </a:fld>
           </a:p>
@@ -27465,7 +27465,7 @@
         <p:txBody>
           <a:bodyPr/>
           <a:p>
-            <a:fld id="{6C99C314-AECB-4EA5-A252-E677A51E9E9B}" type="slidenum">
+            <a:fld id="{D23B0298-DAF9-4304-AD2F-23A92B37E65B}" type="slidenum">
               <a:t>&lt;#&gt;</a:t>
             </a:fld>
           </a:p>
@@ -27577,7 +27577,7 @@
         <p:txBody>
           <a:bodyPr/>
           <a:p>
-            <a:fld id="{9670E396-296E-4880-A224-E2A913EC901A}" type="slidenum">
+            <a:fld id="{73293012-9150-4970-A3E9-34A5343BB992}" type="slidenum">
               <a:t>&lt;#&gt;</a:t>
             </a:fld>
           </a:p>
@@ -27688,7 +27688,7 @@
         <p:txBody>
           <a:bodyPr/>
           <a:p>
-            <a:fld id="{C31DFD24-F54B-47CD-B693-EC1894DBD152}" type="slidenum">
+            <a:fld id="{E2B77B28-688A-4DC1-88E2-ACC688695393}" type="slidenum">
               <a:t>&lt;#&gt;</a:t>
             </a:fld>
           </a:p>
@@ -27833,7 +27833,7 @@
         <p:txBody>
           <a:bodyPr/>
           <a:p>
-            <a:fld id="{AE3639BB-06F4-4D92-B551-97D6BF4A3B65}" type="slidenum">
+            <a:fld id="{69FCC9B5-0836-402E-A8A0-B5FCCECDFB6D}" type="slidenum">
               <a:t>&lt;#&gt;</a:t>
             </a:fld>
           </a:p>
@@ -27910,7 +27910,7 @@
         <p:txBody>
           <a:bodyPr/>
           <a:p>
-            <a:fld id="{205CF0D1-EC04-40A5-9A5D-520685664BC7}" type="slidenum">
+            <a:fld id="{7FADB8A5-9AD4-46FD-B3B1-821B3C58AA88}" type="slidenum">
               <a:t>&lt;#&gt;</a:t>
             </a:fld>
           </a:p>
@@ -27987,7 +27987,7 @@
         <p:txBody>
           <a:bodyPr/>
           <a:p>
-            <a:fld id="{E07764C7-5243-491A-9898-74196E872149}" type="slidenum">
+            <a:fld id="{F13CAF2C-9ECA-444D-8DAE-CD6F226936A9}" type="slidenum">
               <a:t>&lt;#&gt;</a:t>
             </a:fld>
           </a:p>
@@ -28166,7 +28166,7 @@
         <p:txBody>
           <a:bodyPr/>
           <a:p>
-            <a:fld id="{3C3BAA5D-AC00-4031-8F69-67FE1AF1CA07}" type="slidenum">
+            <a:fld id="{7A770D76-845F-423B-B51E-E8409707D86D}" type="slidenum">
               <a:t>&lt;#&gt;</a:t>
             </a:fld>
           </a:p>
@@ -28504,7 +28504,7 @@
         <p:txBody>
           <a:bodyPr/>
           <a:p>
-            <a:fld id="{43D5126D-1B5D-4A7D-A428-00897638FB4D}" type="slidenum">
+            <a:fld id="{6CCFF99F-0389-4EA9-9ABA-D441EA5D4047}" type="slidenum">
               <a:t>&lt;#&gt;</a:t>
             </a:fld>
           </a:p>
@@ -28683,7 +28683,7 @@
         <p:txBody>
           <a:bodyPr/>
           <a:p>
-            <a:fld id="{94785DE2-90B2-48DD-B2FE-8414BD9F55BB}" type="slidenum">
+            <a:fld id="{CCB54519-0DEE-412D-87E8-4CB91D1ADDAF}" type="slidenum">
               <a:t>&lt;#&gt;</a:t>
             </a:fld>
           </a:p>
@@ -28828,7 +28828,7 @@
         <p:txBody>
           <a:bodyPr/>
           <a:p>
-            <a:fld id="{B62ADB23-83CF-4C84-A14B-431C54377C49}" type="slidenum">
+            <a:fld id="{2F9299B1-6808-410E-B4E9-BF3B1116B179}" type="slidenum">
               <a:t>&lt;#&gt;</a:t>
             </a:fld>
           </a:p>
@@ -29041,7 +29041,7 @@
         <p:txBody>
           <a:bodyPr/>
           <a:p>
-            <a:fld id="{4087EAF2-C3B4-4D8D-AD77-1664820A367C}" type="slidenum">
+            <a:fld id="{81B1E33B-E97F-4122-B4F2-645D0E17979E}" type="slidenum">
               <a:t>&lt;#&gt;</a:t>
             </a:fld>
           </a:p>
@@ -29322,7 +29322,7 @@
         <p:txBody>
           <a:bodyPr/>
           <a:p>
-            <a:fld id="{1A97D49B-EB04-4EFB-B5C5-88A0BFFBC73D}" type="slidenum">
+            <a:fld id="{4EE6F9ED-FFD7-41A8-B2E7-58A77B72E6C4}" type="slidenum">
               <a:t>&lt;#&gt;</a:t>
             </a:fld>
           </a:p>
@@ -29364,7 +29364,7 @@
         <p:txBody>
           <a:bodyPr/>
           <a:p>
-            <a:fld id="{5C272E90-C7D4-47A9-9C4E-EB5EB6D3807C}" type="slidenum">
+            <a:fld id="{0340D309-7A15-4D7D-8917-CBFB6E4361D6}" type="slidenum">
               <a:t>&lt;#&gt;</a:t>
             </a:fld>
           </a:p>
@@ -29476,7 +29476,7 @@
         <p:txBody>
           <a:bodyPr/>
           <a:p>
-            <a:fld id="{655042CB-DCC6-417E-BA3F-DA21CF64E20D}" type="slidenum">
+            <a:fld id="{548C65CD-AE07-491F-8089-21E1B231F6D8}" type="slidenum">
               <a:t>&lt;#&gt;</a:t>
             </a:fld>
           </a:p>
@@ -29587,7 +29587,7 @@
         <p:txBody>
           <a:bodyPr/>
           <a:p>
-            <a:fld id="{900CDFF8-6F0F-44F7-8CB2-CFFC2D2C2E76}" type="slidenum">
+            <a:fld id="{ECB307DC-B926-424F-8D96-E6E987104DBB}" type="slidenum">
               <a:t>&lt;#&gt;</a:t>
             </a:fld>
           </a:p>
@@ -29732,7 +29732,7 @@
         <p:txBody>
           <a:bodyPr/>
           <a:p>
-            <a:fld id="{FC0DF5AD-41D2-4204-8DBC-FFDE8B4C0F58}" type="slidenum">
+            <a:fld id="{D100418D-BDEF-46A2-AAB9-639474B93C9E}" type="slidenum">
               <a:t>&lt;#&gt;</a:t>
             </a:fld>
           </a:p>
@@ -29809,7 +29809,7 @@
         <p:txBody>
           <a:bodyPr/>
           <a:p>
-            <a:fld id="{EB04BCA6-C852-4657-B53E-06EFF63F2B29}" type="slidenum">
+            <a:fld id="{1B461837-E3E8-426B-AA27-B2D345741F9E}" type="slidenum">
               <a:t>&lt;#&gt;</a:t>
             </a:fld>
           </a:p>
@@ -30045,7 +30045,7 @@
         <p:txBody>
           <a:bodyPr/>
           <a:p>
-            <a:fld id="{0FCB250B-40AC-48AC-A31D-7909DCE89591}" type="slidenum">
+            <a:fld id="{FF26869A-5778-40AD-912B-00475D2D559C}" type="slidenum">
               <a:t>&lt;#&gt;</a:t>
             </a:fld>
           </a:p>
@@ -30224,7 +30224,7 @@
         <p:txBody>
           <a:bodyPr/>
           <a:p>
-            <a:fld id="{43A905FF-4BC0-409D-AD34-8F15138CE745}" type="slidenum">
+            <a:fld id="{D68E0178-6F49-4DA2-8B7B-102F3F144CF3}" type="slidenum">
               <a:t>&lt;#&gt;</a:t>
             </a:fld>
           </a:p>
@@ -30403,7 +30403,7 @@
         <p:txBody>
           <a:bodyPr/>
           <a:p>
-            <a:fld id="{048DD9DA-2C05-4383-A0EF-56F95289A31C}" type="slidenum">
+            <a:fld id="{A448461E-3D94-4FAC-AA77-F9E968867365}" type="slidenum">
               <a:t>&lt;#&gt;</a:t>
             </a:fld>
           </a:p>
@@ -30582,7 +30582,7 @@
         <p:txBody>
           <a:bodyPr/>
           <a:p>
-            <a:fld id="{A33391B2-5D75-44E9-B53C-71520D8DCBFE}" type="slidenum">
+            <a:fld id="{22950582-5BF2-4C45-AF02-4702439CBF7C}" type="slidenum">
               <a:t>&lt;#&gt;</a:t>
             </a:fld>
           </a:p>
@@ -30727,7 +30727,7 @@
         <p:txBody>
           <a:bodyPr/>
           <a:p>
-            <a:fld id="{A95BFCAD-589E-45C7-B317-C2427E360E4B}" type="slidenum">
+            <a:fld id="{5B149531-9E00-43CB-81E5-5DD9123CC5C4}" type="slidenum">
               <a:t>&lt;#&gt;</a:t>
             </a:fld>
           </a:p>
@@ -30940,7 +30940,7 @@
         <p:txBody>
           <a:bodyPr/>
           <a:p>
-            <a:fld id="{E348DFFE-FB83-439D-B86F-338DAC401FC2}" type="slidenum">
+            <a:fld id="{22AA15C7-FAB5-4BA7-B8B0-4306965DD83E}" type="slidenum">
               <a:t>&lt;#&gt;</a:t>
             </a:fld>
           </a:p>
@@ -31221,7 +31221,7 @@
         <p:txBody>
           <a:bodyPr/>
           <a:p>
-            <a:fld id="{B950BC32-F27E-4D49-A995-ABE8B1C73DAE}" type="slidenum">
+            <a:fld id="{3AAB8302-DC18-4C57-9F77-54EE21ED1D94}" type="slidenum">
               <a:t>&lt;#&gt;</a:t>
             </a:fld>
           </a:p>
@@ -31263,7 +31263,7 @@
         <p:txBody>
           <a:bodyPr/>
           <a:p>
-            <a:fld id="{C6C9C0B0-127C-4DD9-9271-81C03EE4F103}" type="slidenum">
+            <a:fld id="{7FC78678-F39F-48B3-874F-3EDA985A12BD}" type="slidenum">
               <a:t>&lt;#&gt;</a:t>
             </a:fld>
           </a:p>
@@ -31375,7 +31375,7 @@
         <p:txBody>
           <a:bodyPr/>
           <a:p>
-            <a:fld id="{0E2545D8-434D-46EC-A6D7-C1623DBD3F57}" type="slidenum">
+            <a:fld id="{F41D7A60-6F69-411C-95B5-0AF7FDC31B77}" type="slidenum">
               <a:t>&lt;#&gt;</a:t>
             </a:fld>
           </a:p>
@@ -31486,7 +31486,7 @@
         <p:txBody>
           <a:bodyPr/>
           <a:p>
-            <a:fld id="{7F299049-0926-4660-9388-7CEF33736EF8}" type="slidenum">
+            <a:fld id="{36669FDC-647D-4408-BD6B-D16A8A19AAF6}" type="slidenum">
               <a:t>&lt;#&gt;</a:t>
             </a:fld>
           </a:p>
@@ -31529,8 +31529,8 @@
         </p:nvSpPr>
         <p:spPr>
           <a:xfrm flipH="1">
-            <a:off x="3240" y="301680"/>
-            <a:ext cx="9148320" cy="4494960"/>
+            <a:off x="2520" y="301680"/>
+            <a:ext cx="9147960" cy="4494600"/>
           </a:xfrm>
           <a:custGeom>
             <a:avLst/>
@@ -31586,7 +31586,7 @@
         <p:spPr>
           <a:xfrm>
             <a:off x="-5760" y="759960"/>
-            <a:ext cx="9142200" cy="3768120"/>
+            <a:ext cx="9141840" cy="3767760"/>
           </a:xfrm>
           <a:custGeom>
             <a:avLst/>
@@ -31642,7 +31642,7 @@
         <p:spPr>
           <a:xfrm>
             <a:off x="0" y="1351080"/>
-            <a:ext cx="9154440" cy="2887200"/>
+            <a:ext cx="9154080" cy="2886840"/>
           </a:xfrm>
           <a:custGeom>
             <a:avLst/>
@@ -31960,9 +31960,9 @@
         <p:grpSpPr>
           <a:xfrm>
             <a:off x="-6120" y="0"/>
-            <a:ext cx="9166320" cy="5161320"/>
+            <a:ext cx="9165960" cy="5160960"/>
             <a:chOff x="-6120" y="0"/>
-            <a:chExt cx="9166320" cy="5161320"/>
+            <a:chExt cx="9165960" cy="5160960"/>
           </a:xfrm>
         </p:grpSpPr>
         <p:sp>
@@ -31974,7 +31974,7 @@
           <p:spPr>
             <a:xfrm>
               <a:off x="0" y="0"/>
-              <a:ext cx="8551080" cy="1331280"/>
+              <a:ext cx="8550720" cy="1330920"/>
             </a:xfrm>
             <a:custGeom>
               <a:avLst/>
@@ -32019,7 +32019,7 @@
           <p:spPr>
             <a:xfrm>
               <a:off x="2563560" y="0"/>
-              <a:ext cx="6578640" cy="1270800"/>
+              <a:ext cx="6578280" cy="1270440"/>
             </a:xfrm>
             <a:custGeom>
               <a:avLst/>
@@ -32069,7 +32069,7 @@
           <p:spPr>
             <a:xfrm>
               <a:off x="-6120" y="0"/>
-              <a:ext cx="7296480" cy="1469880"/>
+              <a:ext cx="7296120" cy="1469520"/>
             </a:xfrm>
             <a:custGeom>
               <a:avLst/>
@@ -32119,7 +32119,7 @@
           <p:spPr>
             <a:xfrm>
               <a:off x="3596040" y="4667040"/>
-              <a:ext cx="5088960" cy="474840"/>
+              <a:ext cx="5088600" cy="474480"/>
             </a:xfrm>
             <a:custGeom>
               <a:avLst/>
@@ -32164,7 +32164,7 @@
           <p:spPr>
             <a:xfrm>
               <a:off x="5524920" y="4692600"/>
-              <a:ext cx="3635280" cy="468720"/>
+              <a:ext cx="3634920" cy="468360"/>
             </a:xfrm>
             <a:custGeom>
               <a:avLst/>
@@ -32211,7 +32211,7 @@
           <p:spPr>
             <a:xfrm>
               <a:off x="7521480" y="4023000"/>
-              <a:ext cx="1632960" cy="1138320"/>
+              <a:ext cx="1632600" cy="1137960"/>
             </a:xfrm>
             <a:custGeom>
               <a:avLst/>
@@ -32263,7 +32263,7 @@
         <p:spPr>
           <a:xfrm>
             <a:off x="27000" y="4749840"/>
-            <a:ext cx="546840" cy="391680"/>
+            <a:ext cx="546480" cy="391320"/>
           </a:xfrm>
           <a:prstGeom prst="rect">
             <a:avLst/>
@@ -32303,7 +32303,7 @@
                 <a:tab algn="l" pos="0"/>
               </a:tabLst>
             </a:pPr>
-            <a:fld id="{2ACD684B-AAD1-45B5-BB72-D878734928C3}" type="slidenum">
+            <a:fld id="{51F577CD-EF71-46B4-94FB-DC0BFA587465}" type="slidenum">
               <a:rPr b="0" lang="en" sz="1200" spc="-1" strike="noStrike">
                 <a:solidFill>
                   <a:srgbClr val="00ae9d"/>
@@ -32596,9 +32596,9 @@
         <p:grpSpPr>
           <a:xfrm>
             <a:off x="-6120" y="0"/>
-            <a:ext cx="9166320" cy="5161320"/>
+            <a:ext cx="9165960" cy="5160960"/>
             <a:chOff x="-6120" y="0"/>
-            <a:chExt cx="9166320" cy="5161320"/>
+            <a:chExt cx="9165960" cy="5160960"/>
           </a:xfrm>
         </p:grpSpPr>
         <p:sp>
@@ -32610,7 +32610,7 @@
           <p:spPr>
             <a:xfrm>
               <a:off x="0" y="0"/>
-              <a:ext cx="8551080" cy="1331280"/>
+              <a:ext cx="8550720" cy="1330920"/>
             </a:xfrm>
             <a:custGeom>
               <a:avLst/>
@@ -32655,7 +32655,7 @@
           <p:spPr>
             <a:xfrm>
               <a:off x="2563560" y="0"/>
-              <a:ext cx="6578640" cy="1270800"/>
+              <a:ext cx="6578280" cy="1270440"/>
             </a:xfrm>
             <a:custGeom>
               <a:avLst/>
@@ -32705,7 +32705,7 @@
           <p:spPr>
             <a:xfrm>
               <a:off x="-6120" y="0"/>
-              <a:ext cx="7296480" cy="1469880"/>
+              <a:ext cx="7296120" cy="1469520"/>
             </a:xfrm>
             <a:custGeom>
               <a:avLst/>
@@ -32755,7 +32755,7 @@
           <p:spPr>
             <a:xfrm>
               <a:off x="3596040" y="4667040"/>
-              <a:ext cx="5088960" cy="474840"/>
+              <a:ext cx="5088600" cy="474480"/>
             </a:xfrm>
             <a:custGeom>
               <a:avLst/>
@@ -32800,7 +32800,7 @@
           <p:spPr>
             <a:xfrm>
               <a:off x="5524920" y="4692600"/>
-              <a:ext cx="3635280" cy="468720"/>
+              <a:ext cx="3634920" cy="468360"/>
             </a:xfrm>
             <a:custGeom>
               <a:avLst/>
@@ -32847,7 +32847,7 @@
           <p:spPr>
             <a:xfrm>
               <a:off x="7521480" y="4023000"/>
-              <a:ext cx="1632960" cy="1138320"/>
+              <a:ext cx="1632600" cy="1137960"/>
             </a:xfrm>
             <a:custGeom>
               <a:avLst/>
@@ -32899,7 +32899,7 @@
         <p:spPr>
           <a:xfrm>
             <a:off x="27000" y="4749840"/>
-            <a:ext cx="546840" cy="391680"/>
+            <a:ext cx="546480" cy="391320"/>
           </a:xfrm>
           <a:prstGeom prst="rect">
             <a:avLst/>
@@ -32939,7 +32939,7 @@
                 <a:tab algn="l" pos="0"/>
               </a:tabLst>
             </a:pPr>
-            <a:fld id="{E9A2B48C-13AF-4FBB-84B7-4C3018481A45}" type="slidenum">
+            <a:fld id="{948D8B7A-4A2F-42F5-A3EE-148CCCFBA330}" type="slidenum">
               <a:rPr b="0" lang="en" sz="1200" spc="-1" strike="noStrike">
                 <a:solidFill>
                   <a:srgbClr val="00ae9d"/>
@@ -33232,9 +33232,9 @@
         <p:grpSpPr>
           <a:xfrm>
             <a:off x="-6120" y="0"/>
-            <a:ext cx="9166320" cy="5161320"/>
+            <a:ext cx="9165960" cy="5160960"/>
             <a:chOff x="-6120" y="0"/>
-            <a:chExt cx="9166320" cy="5161320"/>
+            <a:chExt cx="9165960" cy="5160960"/>
           </a:xfrm>
         </p:grpSpPr>
         <p:sp>
@@ -33246,7 +33246,7 @@
           <p:spPr>
             <a:xfrm>
               <a:off x="0" y="0"/>
-              <a:ext cx="8551080" cy="1331280"/>
+              <a:ext cx="8550720" cy="1330920"/>
             </a:xfrm>
             <a:custGeom>
               <a:avLst/>
@@ -33291,7 +33291,7 @@
           <p:spPr>
             <a:xfrm>
               <a:off x="2563560" y="0"/>
-              <a:ext cx="6578640" cy="1270800"/>
+              <a:ext cx="6578280" cy="1270440"/>
             </a:xfrm>
             <a:custGeom>
               <a:avLst/>
@@ -33341,7 +33341,7 @@
           <p:spPr>
             <a:xfrm>
               <a:off x="-6120" y="0"/>
-              <a:ext cx="7296480" cy="1469880"/>
+              <a:ext cx="7296120" cy="1469520"/>
             </a:xfrm>
             <a:custGeom>
               <a:avLst/>
@@ -33391,7 +33391,7 @@
           <p:spPr>
             <a:xfrm>
               <a:off x="3596040" y="4667040"/>
-              <a:ext cx="5088960" cy="474840"/>
+              <a:ext cx="5088600" cy="474480"/>
             </a:xfrm>
             <a:custGeom>
               <a:avLst/>
@@ -33436,7 +33436,7 @@
           <p:spPr>
             <a:xfrm>
               <a:off x="5524920" y="4692600"/>
-              <a:ext cx="3635280" cy="468720"/>
+              <a:ext cx="3634920" cy="468360"/>
             </a:xfrm>
             <a:custGeom>
               <a:avLst/>
@@ -33483,7 +33483,7 @@
           <p:spPr>
             <a:xfrm>
               <a:off x="7521480" y="4023000"/>
-              <a:ext cx="1632960" cy="1138320"/>
+              <a:ext cx="1632600" cy="1137960"/>
             </a:xfrm>
             <a:custGeom>
               <a:avLst/>
@@ -33535,7 +33535,7 @@
         <p:spPr>
           <a:xfrm>
             <a:off x="27000" y="4749840"/>
-            <a:ext cx="546840" cy="391680"/>
+            <a:ext cx="546480" cy="391320"/>
           </a:xfrm>
           <a:prstGeom prst="rect">
             <a:avLst/>
@@ -33575,7 +33575,7 @@
                 <a:tab algn="l" pos="0"/>
               </a:tabLst>
             </a:pPr>
-            <a:fld id="{CC881D6C-67A0-471B-A503-83F3AABEB876}" type="slidenum">
+            <a:fld id="{1C2FEEE9-024F-4C50-81F5-EF43E86EC931}" type="slidenum">
               <a:rPr b="0" lang="en" sz="1200" spc="-1" strike="noStrike">
                 <a:solidFill>
                   <a:srgbClr val="00ae9d"/>
@@ -33868,9 +33868,9 @@
         <p:grpSpPr>
           <a:xfrm>
             <a:off x="-6120" y="0"/>
-            <a:ext cx="9166320" cy="5161320"/>
+            <a:ext cx="9165960" cy="5160960"/>
             <a:chOff x="-6120" y="0"/>
-            <a:chExt cx="9166320" cy="5161320"/>
+            <a:chExt cx="9165960" cy="5160960"/>
           </a:xfrm>
         </p:grpSpPr>
         <p:sp>
@@ -33882,7 +33882,7 @@
           <p:spPr>
             <a:xfrm>
               <a:off x="0" y="0"/>
-              <a:ext cx="8551080" cy="1331280"/>
+              <a:ext cx="8550720" cy="1330920"/>
             </a:xfrm>
             <a:custGeom>
               <a:avLst/>
@@ -33927,7 +33927,7 @@
           <p:spPr>
             <a:xfrm>
               <a:off x="2563560" y="0"/>
-              <a:ext cx="6578640" cy="1270800"/>
+              <a:ext cx="6578280" cy="1270440"/>
             </a:xfrm>
             <a:custGeom>
               <a:avLst/>
@@ -33977,7 +33977,7 @@
           <p:spPr>
             <a:xfrm>
               <a:off x="-6120" y="0"/>
-              <a:ext cx="7296480" cy="1469880"/>
+              <a:ext cx="7296120" cy="1469520"/>
             </a:xfrm>
             <a:custGeom>
               <a:avLst/>
@@ -34027,7 +34027,7 @@
           <p:spPr>
             <a:xfrm>
               <a:off x="3596040" y="4667040"/>
-              <a:ext cx="5088960" cy="474840"/>
+              <a:ext cx="5088600" cy="474480"/>
             </a:xfrm>
             <a:custGeom>
               <a:avLst/>
@@ -34072,7 +34072,7 @@
           <p:spPr>
             <a:xfrm>
               <a:off x="5524920" y="4692600"/>
-              <a:ext cx="3635280" cy="468720"/>
+              <a:ext cx="3634920" cy="468360"/>
             </a:xfrm>
             <a:custGeom>
               <a:avLst/>
@@ -34119,7 +34119,7 @@
           <p:spPr>
             <a:xfrm>
               <a:off x="7521480" y="4023000"/>
-              <a:ext cx="1632960" cy="1138320"/>
+              <a:ext cx="1632600" cy="1137960"/>
             </a:xfrm>
             <a:custGeom>
               <a:avLst/>
@@ -34171,7 +34171,7 @@
         <p:spPr>
           <a:xfrm>
             <a:off x="27000" y="4749840"/>
-            <a:ext cx="546840" cy="391680"/>
+            <a:ext cx="546480" cy="391320"/>
           </a:xfrm>
           <a:prstGeom prst="rect">
             <a:avLst/>
@@ -34211,7 +34211,7 @@
                 <a:tab algn="l" pos="0"/>
               </a:tabLst>
             </a:pPr>
-            <a:fld id="{54C32207-86A8-4FF9-B850-9BA273194E09}" type="slidenum">
+            <a:fld id="{31812B7A-EA03-498A-B7AB-487AB7AC2117}" type="slidenum">
               <a:rPr b="0" lang="en" sz="1200" spc="-1" strike="noStrike">
                 <a:solidFill>
                   <a:srgbClr val="00ae9d"/>
@@ -34504,9 +34504,9 @@
         <p:grpSpPr>
           <a:xfrm>
             <a:off x="-6120" y="0"/>
-            <a:ext cx="9166320" cy="5161320"/>
+            <a:ext cx="9165960" cy="5160960"/>
             <a:chOff x="-6120" y="0"/>
-            <a:chExt cx="9166320" cy="5161320"/>
+            <a:chExt cx="9165960" cy="5160960"/>
           </a:xfrm>
         </p:grpSpPr>
         <p:sp>
@@ -34518,7 +34518,7 @@
           <p:spPr>
             <a:xfrm>
               <a:off x="0" y="0"/>
-              <a:ext cx="8551080" cy="1331280"/>
+              <a:ext cx="8550720" cy="1330920"/>
             </a:xfrm>
             <a:custGeom>
               <a:avLst/>
@@ -34563,7 +34563,7 @@
           <p:spPr>
             <a:xfrm>
               <a:off x="2563560" y="0"/>
-              <a:ext cx="6578640" cy="1270800"/>
+              <a:ext cx="6578280" cy="1270440"/>
             </a:xfrm>
             <a:custGeom>
               <a:avLst/>
@@ -34613,7 +34613,7 @@
           <p:spPr>
             <a:xfrm>
               <a:off x="-6120" y="0"/>
-              <a:ext cx="7296480" cy="1469880"/>
+              <a:ext cx="7296120" cy="1469520"/>
             </a:xfrm>
             <a:custGeom>
               <a:avLst/>
@@ -34663,7 +34663,7 @@
           <p:spPr>
             <a:xfrm>
               <a:off x="3596040" y="4667040"/>
-              <a:ext cx="5088960" cy="474840"/>
+              <a:ext cx="5088600" cy="474480"/>
             </a:xfrm>
             <a:custGeom>
               <a:avLst/>
@@ -34708,7 +34708,7 @@
           <p:spPr>
             <a:xfrm>
               <a:off x="5524920" y="4692600"/>
-              <a:ext cx="3635280" cy="468720"/>
+              <a:ext cx="3634920" cy="468360"/>
             </a:xfrm>
             <a:custGeom>
               <a:avLst/>
@@ -34755,7 +34755,7 @@
           <p:spPr>
             <a:xfrm>
               <a:off x="7521480" y="4023000"/>
-              <a:ext cx="1632960" cy="1138320"/>
+              <a:ext cx="1632600" cy="1137960"/>
             </a:xfrm>
             <a:custGeom>
               <a:avLst/>
@@ -34807,7 +34807,7 @@
         <p:spPr>
           <a:xfrm>
             <a:off x="27000" y="4749840"/>
-            <a:ext cx="546840" cy="391680"/>
+            <a:ext cx="546480" cy="391320"/>
           </a:xfrm>
           <a:prstGeom prst="rect">
             <a:avLst/>
@@ -34847,7 +34847,7 @@
                 <a:tab algn="l" pos="0"/>
               </a:tabLst>
             </a:pPr>
-            <a:fld id="{A321E76E-6113-4F52-89B1-338811363875}" type="slidenum">
+            <a:fld id="{D58663B3-402F-4997-B63B-1488634185A3}" type="slidenum">
               <a:rPr b="0" lang="en" sz="1200" spc="-1" strike="noStrike">
                 <a:solidFill>
                   <a:srgbClr val="00ae9d"/>
@@ -35140,9 +35140,9 @@
         <p:grpSpPr>
           <a:xfrm>
             <a:off x="-6120" y="0"/>
-            <a:ext cx="9166320" cy="5161320"/>
+            <a:ext cx="9165960" cy="5160960"/>
             <a:chOff x="-6120" y="0"/>
-            <a:chExt cx="9166320" cy="5161320"/>
+            <a:chExt cx="9165960" cy="5160960"/>
           </a:xfrm>
         </p:grpSpPr>
         <p:sp>
@@ -35154,7 +35154,7 @@
           <p:spPr>
             <a:xfrm>
               <a:off x="0" y="0"/>
-              <a:ext cx="8551080" cy="1331280"/>
+              <a:ext cx="8550720" cy="1330920"/>
             </a:xfrm>
             <a:custGeom>
               <a:avLst/>
@@ -35199,7 +35199,7 @@
           <p:spPr>
             <a:xfrm>
               <a:off x="2563560" y="0"/>
-              <a:ext cx="6578640" cy="1270800"/>
+              <a:ext cx="6578280" cy="1270440"/>
             </a:xfrm>
             <a:custGeom>
               <a:avLst/>
@@ -35249,7 +35249,7 @@
           <p:spPr>
             <a:xfrm>
               <a:off x="-6120" y="0"/>
-              <a:ext cx="7296480" cy="1469880"/>
+              <a:ext cx="7296120" cy="1469520"/>
             </a:xfrm>
             <a:custGeom>
               <a:avLst/>
@@ -35299,7 +35299,7 @@
           <p:spPr>
             <a:xfrm>
               <a:off x="3596040" y="4667040"/>
-              <a:ext cx="5088960" cy="474840"/>
+              <a:ext cx="5088600" cy="474480"/>
             </a:xfrm>
             <a:custGeom>
               <a:avLst/>
@@ -35344,7 +35344,7 @@
           <p:spPr>
             <a:xfrm>
               <a:off x="5524920" y="4692600"/>
-              <a:ext cx="3635280" cy="468720"/>
+              <a:ext cx="3634920" cy="468360"/>
             </a:xfrm>
             <a:custGeom>
               <a:avLst/>
@@ -35391,7 +35391,7 @@
           <p:spPr>
             <a:xfrm>
               <a:off x="7521480" y="4023000"/>
-              <a:ext cx="1632960" cy="1138320"/>
+              <a:ext cx="1632600" cy="1137960"/>
             </a:xfrm>
             <a:custGeom>
               <a:avLst/>
@@ -35443,7 +35443,7 @@
         <p:spPr>
           <a:xfrm>
             <a:off x="27000" y="4749840"/>
-            <a:ext cx="546840" cy="391680"/>
+            <a:ext cx="546480" cy="391320"/>
           </a:xfrm>
           <a:prstGeom prst="rect">
             <a:avLst/>
@@ -35483,7 +35483,7 @@
                 <a:tab algn="l" pos="0"/>
               </a:tabLst>
             </a:pPr>
-            <a:fld id="{ECFCE30A-ACC3-4306-82F2-0FEC6AA4052C}" type="slidenum">
+            <a:fld id="{66E63604-A2B9-4756-B234-E788FC61C0E2}" type="slidenum">
               <a:rPr b="0" lang="en" sz="1200" spc="-1" strike="noStrike">
                 <a:solidFill>
                   <a:srgbClr val="00ae9d"/>
@@ -35776,9 +35776,9 @@
         <p:grpSpPr>
           <a:xfrm>
             <a:off x="-6120" y="0"/>
-            <a:ext cx="9166320" cy="5161320"/>
+            <a:ext cx="9165960" cy="5160960"/>
             <a:chOff x="-6120" y="0"/>
-            <a:chExt cx="9166320" cy="5161320"/>
+            <a:chExt cx="9165960" cy="5160960"/>
           </a:xfrm>
         </p:grpSpPr>
         <p:sp>
@@ -35790,7 +35790,7 @@
           <p:spPr>
             <a:xfrm>
               <a:off x="0" y="0"/>
-              <a:ext cx="8551080" cy="1331280"/>
+              <a:ext cx="8550720" cy="1330920"/>
             </a:xfrm>
             <a:custGeom>
               <a:avLst/>
@@ -35835,7 +35835,7 @@
           <p:spPr>
             <a:xfrm>
               <a:off x="2563560" y="0"/>
-              <a:ext cx="6578640" cy="1270800"/>
+              <a:ext cx="6578280" cy="1270440"/>
             </a:xfrm>
             <a:custGeom>
               <a:avLst/>
@@ -35885,7 +35885,7 @@
           <p:spPr>
             <a:xfrm>
               <a:off x="-6120" y="0"/>
-              <a:ext cx="7296480" cy="1469880"/>
+              <a:ext cx="7296120" cy="1469520"/>
             </a:xfrm>
             <a:custGeom>
               <a:avLst/>
@@ -35935,7 +35935,7 @@
           <p:spPr>
             <a:xfrm>
               <a:off x="3596040" y="4667040"/>
-              <a:ext cx="5088960" cy="474840"/>
+              <a:ext cx="5088600" cy="474480"/>
             </a:xfrm>
             <a:custGeom>
               <a:avLst/>
@@ -35980,7 +35980,7 @@
           <p:spPr>
             <a:xfrm>
               <a:off x="5524920" y="4692600"/>
-              <a:ext cx="3635280" cy="468720"/>
+              <a:ext cx="3634920" cy="468360"/>
             </a:xfrm>
             <a:custGeom>
               <a:avLst/>
@@ -36027,7 +36027,7 @@
           <p:spPr>
             <a:xfrm>
               <a:off x="7521480" y="4023000"/>
-              <a:ext cx="1632960" cy="1138320"/>
+              <a:ext cx="1632600" cy="1137960"/>
             </a:xfrm>
             <a:custGeom>
               <a:avLst/>
@@ -36079,7 +36079,7 @@
         <p:spPr>
           <a:xfrm>
             <a:off x="27000" y="4749840"/>
-            <a:ext cx="546840" cy="391680"/>
+            <a:ext cx="546480" cy="391320"/>
           </a:xfrm>
           <a:prstGeom prst="rect">
             <a:avLst/>
@@ -36119,7 +36119,7 @@
                 <a:tab algn="l" pos="0"/>
               </a:tabLst>
             </a:pPr>
-            <a:fld id="{2B039900-F434-42DF-AE47-BFA6D24E0292}" type="slidenum">
+            <a:fld id="{E2D7346F-96D2-4F97-9CEF-C078EF72D7D6}" type="slidenum">
               <a:rPr b="0" lang="en" sz="1200" spc="-1" strike="noStrike">
                 <a:solidFill>
                   <a:srgbClr val="00ae9d"/>
@@ -36412,9 +36412,9 @@
         <p:grpSpPr>
           <a:xfrm>
             <a:off x="-6120" y="0"/>
-            <a:ext cx="9166320" cy="5161320"/>
+            <a:ext cx="9165960" cy="5160960"/>
             <a:chOff x="-6120" y="0"/>
-            <a:chExt cx="9166320" cy="5161320"/>
+            <a:chExt cx="9165960" cy="5160960"/>
           </a:xfrm>
         </p:grpSpPr>
         <p:sp>
@@ -36426,7 +36426,7 @@
           <p:spPr>
             <a:xfrm>
               <a:off x="0" y="0"/>
-              <a:ext cx="8551080" cy="1331280"/>
+              <a:ext cx="8550720" cy="1330920"/>
             </a:xfrm>
             <a:custGeom>
               <a:avLst/>
@@ -36471,7 +36471,7 @@
           <p:spPr>
             <a:xfrm>
               <a:off x="2563560" y="0"/>
-              <a:ext cx="6578640" cy="1270800"/>
+              <a:ext cx="6578280" cy="1270440"/>
             </a:xfrm>
             <a:custGeom>
               <a:avLst/>
@@ -36521,7 +36521,7 @@
           <p:spPr>
             <a:xfrm>
               <a:off x="-6120" y="0"/>
-              <a:ext cx="7296480" cy="1469880"/>
+              <a:ext cx="7296120" cy="1469520"/>
             </a:xfrm>
             <a:custGeom>
               <a:avLst/>
@@ -36571,7 +36571,7 @@
           <p:spPr>
             <a:xfrm>
               <a:off x="3596040" y="4667040"/>
-              <a:ext cx="5088960" cy="474840"/>
+              <a:ext cx="5088600" cy="474480"/>
             </a:xfrm>
             <a:custGeom>
               <a:avLst/>
@@ -36616,7 +36616,7 @@
           <p:spPr>
             <a:xfrm>
               <a:off x="5524920" y="4692600"/>
-              <a:ext cx="3635280" cy="468720"/>
+              <a:ext cx="3634920" cy="468360"/>
             </a:xfrm>
             <a:custGeom>
               <a:avLst/>
@@ -36663,7 +36663,7 @@
           <p:spPr>
             <a:xfrm>
               <a:off x="7521480" y="4023000"/>
-              <a:ext cx="1632960" cy="1138320"/>
+              <a:ext cx="1632600" cy="1137960"/>
             </a:xfrm>
             <a:custGeom>
               <a:avLst/>
@@ -36715,7 +36715,7 @@
         <p:spPr>
           <a:xfrm>
             <a:off x="27000" y="4749840"/>
-            <a:ext cx="546840" cy="391680"/>
+            <a:ext cx="546480" cy="391320"/>
           </a:xfrm>
           <a:prstGeom prst="rect">
             <a:avLst/>
@@ -36755,7 +36755,7 @@
                 <a:tab algn="l" pos="0"/>
               </a:tabLst>
             </a:pPr>
-            <a:fld id="{5C176DBD-B37A-4846-9C02-832E0C12EFAE}" type="slidenum">
+            <a:fld id="{0C18550F-4D54-4487-B102-85751EA6C136}" type="slidenum">
               <a:rPr b="0" lang="en" sz="1200" spc="-1" strike="noStrike">
                 <a:solidFill>
                   <a:srgbClr val="00ae9d"/>
@@ -37048,9 +37048,9 @@
         <p:grpSpPr>
           <a:xfrm>
             <a:off x="-6120" y="0"/>
-            <a:ext cx="9166320" cy="5161320"/>
+            <a:ext cx="9165960" cy="5160960"/>
             <a:chOff x="-6120" y="0"/>
-            <a:chExt cx="9166320" cy="5161320"/>
+            <a:chExt cx="9165960" cy="5160960"/>
           </a:xfrm>
         </p:grpSpPr>
         <p:sp>
@@ -37062,7 +37062,7 @@
           <p:spPr>
             <a:xfrm>
               <a:off x="0" y="0"/>
-              <a:ext cx="8551080" cy="1331280"/>
+              <a:ext cx="8550720" cy="1330920"/>
             </a:xfrm>
             <a:custGeom>
               <a:avLst/>
@@ -37107,7 +37107,7 @@
           <p:spPr>
             <a:xfrm>
               <a:off x="2563560" y="0"/>
-              <a:ext cx="6578640" cy="1270800"/>
+              <a:ext cx="6578280" cy="1270440"/>
             </a:xfrm>
             <a:custGeom>
               <a:avLst/>
@@ -37157,7 +37157,7 @@
           <p:spPr>
             <a:xfrm>
               <a:off x="-6120" y="0"/>
-              <a:ext cx="7296480" cy="1469880"/>
+              <a:ext cx="7296120" cy="1469520"/>
             </a:xfrm>
             <a:custGeom>
               <a:avLst/>
@@ -37207,7 +37207,7 @@
           <p:spPr>
             <a:xfrm>
               <a:off x="3596040" y="4667040"/>
-              <a:ext cx="5088960" cy="474840"/>
+              <a:ext cx="5088600" cy="474480"/>
             </a:xfrm>
             <a:custGeom>
               <a:avLst/>
@@ -37252,7 +37252,7 @@
           <p:spPr>
             <a:xfrm>
               <a:off x="5524920" y="4692600"/>
-              <a:ext cx="3635280" cy="468720"/>
+              <a:ext cx="3634920" cy="468360"/>
             </a:xfrm>
             <a:custGeom>
               <a:avLst/>
@@ -37299,7 +37299,7 @@
           <p:spPr>
             <a:xfrm>
               <a:off x="7521480" y="4023000"/>
-              <a:ext cx="1632960" cy="1138320"/>
+              <a:ext cx="1632600" cy="1137960"/>
             </a:xfrm>
             <a:custGeom>
               <a:avLst/>
@@ -37351,7 +37351,7 @@
         <p:spPr>
           <a:xfrm>
             <a:off x="27000" y="4749840"/>
-            <a:ext cx="546840" cy="391680"/>
+            <a:ext cx="546480" cy="391320"/>
           </a:xfrm>
           <a:prstGeom prst="rect">
             <a:avLst/>
@@ -37391,7 +37391,7 @@
                 <a:tab algn="l" pos="0"/>
               </a:tabLst>
             </a:pPr>
-            <a:fld id="{6FDFBE06-C302-405F-A585-734CFB7635FE}" type="slidenum">
+            <a:fld id="{0F5E3B6D-10BE-4DC7-BF8B-6A0F26637D94}" type="slidenum">
               <a:rPr b="0" lang="en" sz="1200" spc="-1" strike="noStrike">
                 <a:solidFill>
                   <a:srgbClr val="00ae9d"/>
@@ -37684,9 +37684,9 @@
         <p:grpSpPr>
           <a:xfrm>
             <a:off x="-6120" y="0"/>
-            <a:ext cx="9166320" cy="5161320"/>
+            <a:ext cx="9165960" cy="5160960"/>
             <a:chOff x="-6120" y="0"/>
-            <a:chExt cx="9166320" cy="5161320"/>
+            <a:chExt cx="9165960" cy="5160960"/>
           </a:xfrm>
         </p:grpSpPr>
         <p:sp>
@@ -37698,7 +37698,7 @@
           <p:spPr>
             <a:xfrm>
               <a:off x="0" y="0"/>
-              <a:ext cx="8551080" cy="1331280"/>
+              <a:ext cx="8550720" cy="1330920"/>
             </a:xfrm>
             <a:custGeom>
               <a:avLst/>
@@ -37743,7 +37743,7 @@
           <p:spPr>
             <a:xfrm>
               <a:off x="2563560" y="0"/>
-              <a:ext cx="6578640" cy="1270800"/>
+              <a:ext cx="6578280" cy="1270440"/>
             </a:xfrm>
             <a:custGeom>
               <a:avLst/>
@@ -37793,7 +37793,7 @@
           <p:spPr>
             <a:xfrm>
               <a:off x="-6120" y="0"/>
-              <a:ext cx="7296480" cy="1469880"/>
+              <a:ext cx="7296120" cy="1469520"/>
             </a:xfrm>
             <a:custGeom>
               <a:avLst/>
@@ -37843,7 +37843,7 @@
           <p:spPr>
             <a:xfrm>
               <a:off x="3596040" y="4667040"/>
-              <a:ext cx="5088960" cy="474840"/>
+              <a:ext cx="5088600" cy="474480"/>
             </a:xfrm>
             <a:custGeom>
               <a:avLst/>
@@ -37888,7 +37888,7 @@
           <p:spPr>
             <a:xfrm>
               <a:off x="5524920" y="4692600"/>
-              <a:ext cx="3635280" cy="468720"/>
+              <a:ext cx="3634920" cy="468360"/>
             </a:xfrm>
             <a:custGeom>
               <a:avLst/>
@@ -37935,7 +37935,7 @@
           <p:spPr>
             <a:xfrm>
               <a:off x="7521480" y="4023000"/>
-              <a:ext cx="1632960" cy="1138320"/>
+              <a:ext cx="1632600" cy="1137960"/>
             </a:xfrm>
             <a:custGeom>
               <a:avLst/>
@@ -37987,7 +37987,7 @@
         <p:spPr>
           <a:xfrm>
             <a:off x="27000" y="4749840"/>
-            <a:ext cx="546840" cy="391680"/>
+            <a:ext cx="546480" cy="391320"/>
           </a:xfrm>
           <a:prstGeom prst="rect">
             <a:avLst/>
@@ -38027,7 +38027,7 @@
                 <a:tab algn="l" pos="0"/>
               </a:tabLst>
             </a:pPr>
-            <a:fld id="{C49752DC-B454-4059-9123-9FD073FF40B0}" type="slidenum">
+            <a:fld id="{81EE4853-563E-41EE-AE22-D6724516B4AD}" type="slidenum">
               <a:rPr b="0" lang="en" sz="1200" spc="-1" strike="noStrike">
                 <a:solidFill>
                   <a:srgbClr val="00ae9d"/>
@@ -38320,9 +38320,9 @@
         <p:grpSpPr>
           <a:xfrm>
             <a:off x="-6120" y="0"/>
-            <a:ext cx="9166320" cy="5161320"/>
+            <a:ext cx="9165960" cy="5160960"/>
             <a:chOff x="-6120" y="0"/>
-            <a:chExt cx="9166320" cy="5161320"/>
+            <a:chExt cx="9165960" cy="5160960"/>
           </a:xfrm>
         </p:grpSpPr>
         <p:sp>
@@ -38334,7 +38334,7 @@
           <p:spPr>
             <a:xfrm>
               <a:off x="0" y="0"/>
-              <a:ext cx="8551080" cy="1331280"/>
+              <a:ext cx="8550720" cy="1330920"/>
             </a:xfrm>
             <a:custGeom>
               <a:avLst/>
@@ -38379,7 +38379,7 @@
           <p:spPr>
             <a:xfrm>
               <a:off x="2563560" y="0"/>
-              <a:ext cx="6578640" cy="1270800"/>
+              <a:ext cx="6578280" cy="1270440"/>
             </a:xfrm>
             <a:custGeom>
               <a:avLst/>
@@ -38429,7 +38429,7 @@
           <p:spPr>
             <a:xfrm>
               <a:off x="-6120" y="0"/>
-              <a:ext cx="7296480" cy="1469880"/>
+              <a:ext cx="7296120" cy="1469520"/>
             </a:xfrm>
             <a:custGeom>
               <a:avLst/>
@@ -38479,7 +38479,7 @@
           <p:spPr>
             <a:xfrm>
               <a:off x="3596040" y="4667040"/>
-              <a:ext cx="5088960" cy="474840"/>
+              <a:ext cx="5088600" cy="474480"/>
             </a:xfrm>
             <a:custGeom>
               <a:avLst/>
@@ -38524,7 +38524,7 @@
           <p:spPr>
             <a:xfrm>
               <a:off x="5524920" y="4692600"/>
-              <a:ext cx="3635280" cy="468720"/>
+              <a:ext cx="3634920" cy="468360"/>
             </a:xfrm>
             <a:custGeom>
               <a:avLst/>
@@ -38571,7 +38571,7 @@
           <p:spPr>
             <a:xfrm>
               <a:off x="7521480" y="4023000"/>
-              <a:ext cx="1632960" cy="1138320"/>
+              <a:ext cx="1632600" cy="1137960"/>
             </a:xfrm>
             <a:custGeom>
               <a:avLst/>
@@ -38619,7 +38619,7 @@
         <p:spPr>
           <a:xfrm>
             <a:off x="886680" y="398520"/>
-            <a:ext cx="7368840" cy="855720"/>
+            <a:ext cx="7368480" cy="855360"/>
           </a:xfrm>
           <a:prstGeom prst="rect">
             <a:avLst/>
@@ -38645,7 +38645,7 @@
         <p:spPr>
           <a:xfrm>
             <a:off x="886680" y="1598400"/>
-            <a:ext cx="7368840" cy="3325680"/>
+            <a:ext cx="7368480" cy="3325320"/>
           </a:xfrm>
           <a:prstGeom prst="rect">
             <a:avLst/>
@@ -38675,7 +38675,7 @@
         <p:spPr>
           <a:xfrm>
             <a:off x="27000" y="4749840"/>
-            <a:ext cx="546840" cy="391680"/>
+            <a:ext cx="546480" cy="391320"/>
           </a:xfrm>
           <a:prstGeom prst="rect">
             <a:avLst/>
@@ -38715,7 +38715,7 @@
                 <a:tab algn="l" pos="0"/>
               </a:tabLst>
             </a:pPr>
-            <a:fld id="{9EF48D07-A5B3-4A5D-9995-C3A024533777}" type="slidenum">
+            <a:fld id="{E9CFF34F-FECD-4DED-A7FD-C6B24A16010B}" type="slidenum">
               <a:rPr b="0" lang="en" sz="1200" spc="-1" strike="noStrike">
                 <a:solidFill>
                   <a:srgbClr val="00ae9d"/>
@@ -39008,9 +39008,9 @@
         <p:grpSpPr>
           <a:xfrm>
             <a:off x="-6120" y="0"/>
-            <a:ext cx="9166320" cy="5161320"/>
+            <a:ext cx="9165960" cy="5160960"/>
             <a:chOff x="-6120" y="0"/>
-            <a:chExt cx="9166320" cy="5161320"/>
+            <a:chExt cx="9165960" cy="5160960"/>
           </a:xfrm>
         </p:grpSpPr>
         <p:sp>
@@ -39022,7 +39022,7 @@
           <p:spPr>
             <a:xfrm>
               <a:off x="0" y="0"/>
-              <a:ext cx="8551080" cy="1331280"/>
+              <a:ext cx="8550720" cy="1330920"/>
             </a:xfrm>
             <a:custGeom>
               <a:avLst/>
@@ -39067,7 +39067,7 @@
           <p:spPr>
             <a:xfrm>
               <a:off x="2563560" y="0"/>
-              <a:ext cx="6578640" cy="1270800"/>
+              <a:ext cx="6578280" cy="1270440"/>
             </a:xfrm>
             <a:custGeom>
               <a:avLst/>
@@ -39117,7 +39117,7 @@
           <p:spPr>
             <a:xfrm>
               <a:off x="-6120" y="0"/>
-              <a:ext cx="7296480" cy="1469880"/>
+              <a:ext cx="7296120" cy="1469520"/>
             </a:xfrm>
             <a:custGeom>
               <a:avLst/>
@@ -39167,7 +39167,7 @@
           <p:spPr>
             <a:xfrm>
               <a:off x="3596040" y="4667040"/>
-              <a:ext cx="5088960" cy="474840"/>
+              <a:ext cx="5088600" cy="474480"/>
             </a:xfrm>
             <a:custGeom>
               <a:avLst/>
@@ -39212,7 +39212,7 @@
           <p:spPr>
             <a:xfrm>
               <a:off x="5524920" y="4692600"/>
-              <a:ext cx="3635280" cy="468720"/>
+              <a:ext cx="3634920" cy="468360"/>
             </a:xfrm>
             <a:custGeom>
               <a:avLst/>
@@ -39259,7 +39259,7 @@
           <p:spPr>
             <a:xfrm>
               <a:off x="7521480" y="4023000"/>
-              <a:ext cx="1632960" cy="1138320"/>
+              <a:ext cx="1632600" cy="1137960"/>
             </a:xfrm>
             <a:custGeom>
               <a:avLst/>
@@ -39311,7 +39311,7 @@
         <p:spPr>
           <a:xfrm>
             <a:off x="27000" y="4749840"/>
-            <a:ext cx="546840" cy="391680"/>
+            <a:ext cx="546480" cy="391320"/>
           </a:xfrm>
           <a:prstGeom prst="rect">
             <a:avLst/>
@@ -39351,7 +39351,7 @@
                 <a:tab algn="l" pos="0"/>
               </a:tabLst>
             </a:pPr>
-            <a:fld id="{ED741992-D86D-4516-BDC5-C2269EAECCC9}" type="slidenum">
+            <a:fld id="{5E032829-B4A7-4141-8AE5-6FB30733D4DB}" type="slidenum">
               <a:rPr b="0" lang="en" sz="1200" spc="-1" strike="noStrike">
                 <a:solidFill>
                   <a:srgbClr val="00ae9d"/>
@@ -39644,9 +39644,9 @@
         <p:grpSpPr>
           <a:xfrm>
             <a:off x="-6120" y="0"/>
-            <a:ext cx="9166320" cy="5161320"/>
+            <a:ext cx="9165960" cy="5160960"/>
             <a:chOff x="-6120" y="0"/>
-            <a:chExt cx="9166320" cy="5161320"/>
+            <a:chExt cx="9165960" cy="5160960"/>
           </a:xfrm>
         </p:grpSpPr>
         <p:sp>
@@ -39658,7 +39658,7 @@
           <p:spPr>
             <a:xfrm>
               <a:off x="0" y="0"/>
-              <a:ext cx="8551080" cy="1331280"/>
+              <a:ext cx="8550720" cy="1330920"/>
             </a:xfrm>
             <a:custGeom>
               <a:avLst/>
@@ -39703,7 +39703,7 @@
           <p:spPr>
             <a:xfrm>
               <a:off x="2563560" y="0"/>
-              <a:ext cx="6578640" cy="1270800"/>
+              <a:ext cx="6578280" cy="1270440"/>
             </a:xfrm>
             <a:custGeom>
               <a:avLst/>
@@ -39753,7 +39753,7 @@
           <p:spPr>
             <a:xfrm>
               <a:off x="-6120" y="0"/>
-              <a:ext cx="7296480" cy="1469880"/>
+              <a:ext cx="7296120" cy="1469520"/>
             </a:xfrm>
             <a:custGeom>
               <a:avLst/>
@@ -39803,7 +39803,7 @@
           <p:spPr>
             <a:xfrm>
               <a:off x="3596040" y="4667040"/>
-              <a:ext cx="5088960" cy="474840"/>
+              <a:ext cx="5088600" cy="474480"/>
             </a:xfrm>
             <a:custGeom>
               <a:avLst/>
@@ -39848,7 +39848,7 @@
           <p:spPr>
             <a:xfrm>
               <a:off x="5524920" y="4692600"/>
-              <a:ext cx="3635280" cy="468720"/>
+              <a:ext cx="3634920" cy="468360"/>
             </a:xfrm>
             <a:custGeom>
               <a:avLst/>
@@ -39895,7 +39895,7 @@
           <p:spPr>
             <a:xfrm>
               <a:off x="7521480" y="4023000"/>
-              <a:ext cx="1632960" cy="1138320"/>
+              <a:ext cx="1632600" cy="1137960"/>
             </a:xfrm>
             <a:custGeom>
               <a:avLst/>
@@ -39943,7 +39943,7 @@
         <p:spPr>
           <a:xfrm>
             <a:off x="886680" y="398520"/>
-            <a:ext cx="7368840" cy="855720"/>
+            <a:ext cx="7368480" cy="855360"/>
           </a:xfrm>
           <a:prstGeom prst="rect">
             <a:avLst/>
@@ -39969,7 +39969,7 @@
         <p:spPr>
           <a:xfrm>
             <a:off x="886680" y="1598400"/>
-            <a:ext cx="7368840" cy="3325680"/>
+            <a:ext cx="7368480" cy="3325320"/>
           </a:xfrm>
           <a:prstGeom prst="rect">
             <a:avLst/>
@@ -39999,7 +39999,7 @@
         <p:spPr>
           <a:xfrm>
             <a:off x="27000" y="4749840"/>
-            <a:ext cx="546840" cy="391680"/>
+            <a:ext cx="546480" cy="391320"/>
           </a:xfrm>
           <a:prstGeom prst="rect">
             <a:avLst/>
@@ -40039,7 +40039,7 @@
                 <a:tab algn="l" pos="0"/>
               </a:tabLst>
             </a:pPr>
-            <a:fld id="{41EB56E9-4A84-4F2A-A699-A9500E4EBEC7}" type="slidenum">
+            <a:fld id="{47ADAD68-0B65-404C-AEF4-0AFEF3630CD7}" type="slidenum">
               <a:rPr b="0" lang="en" sz="1200" spc="-1" strike="noStrike">
                 <a:solidFill>
                   <a:srgbClr val="00ae9d"/>
@@ -40332,7 +40332,7 @@
         <p:spPr>
           <a:xfrm>
             <a:off x="-2520" y="0"/>
-            <a:ext cx="5207760" cy="981720"/>
+            <a:ext cx="5207400" cy="981360"/>
           </a:xfrm>
           <a:custGeom>
             <a:avLst/>
@@ -40377,7 +40377,7 @@
         <p:spPr>
           <a:xfrm>
             <a:off x="-6120" y="0"/>
-            <a:ext cx="4443480" cy="1083960"/>
+            <a:ext cx="4443120" cy="1083600"/>
           </a:xfrm>
           <a:custGeom>
             <a:avLst/>
@@ -40427,7 +40427,7 @@
         <p:spPr>
           <a:xfrm>
             <a:off x="6375600" y="4745880"/>
-            <a:ext cx="2547000" cy="399240"/>
+            <a:ext cx="2546640" cy="398880"/>
           </a:xfrm>
           <a:custGeom>
             <a:avLst/>
@@ -40472,7 +40472,7 @@
         <p:spPr>
           <a:xfrm>
             <a:off x="7341120" y="4767480"/>
-            <a:ext cx="1819440" cy="393840"/>
+            <a:ext cx="1819080" cy="393480"/>
           </a:xfrm>
           <a:custGeom>
             <a:avLst/>
@@ -40519,7 +40519,7 @@
         <p:spPr>
           <a:xfrm>
             <a:off x="8340840" y="4204080"/>
-            <a:ext cx="816480" cy="957240"/>
+            <a:ext cx="816120" cy="956880"/>
           </a:xfrm>
           <a:custGeom>
             <a:avLst/>
@@ -40566,7 +40566,7 @@
         <p:spPr>
           <a:xfrm>
             <a:off x="1559160" y="-6120"/>
-            <a:ext cx="4114800" cy="943200"/>
+            <a:ext cx="4114440" cy="942840"/>
           </a:xfrm>
           <a:custGeom>
             <a:avLst/>
@@ -40620,7 +40620,7 @@
         <p:spPr>
           <a:xfrm>
             <a:off x="27000" y="4749840"/>
-            <a:ext cx="546840" cy="391680"/>
+            <a:ext cx="546480" cy="391320"/>
           </a:xfrm>
           <a:prstGeom prst="rect">
             <a:avLst/>
@@ -40660,7 +40660,7 @@
                 <a:tab algn="l" pos="0"/>
               </a:tabLst>
             </a:pPr>
-            <a:fld id="{6C736E8E-F7C3-454B-B8E0-232E4B35562C}" type="slidenum">
+            <a:fld id="{8CA58109-4C6A-4AE4-8F0B-D87553E010FD}" type="slidenum">
               <a:rPr b="0" lang="en" sz="1200" spc="-1" strike="noStrike">
                 <a:solidFill>
                   <a:srgbClr val="00ae9d"/>
@@ -40953,9 +40953,9 @@
         <p:grpSpPr>
           <a:xfrm>
             <a:off x="-6120" y="0"/>
-            <a:ext cx="9166320" cy="5161320"/>
+            <a:ext cx="9165960" cy="5160960"/>
             <a:chOff x="-6120" y="0"/>
-            <a:chExt cx="9166320" cy="5161320"/>
+            <a:chExt cx="9165960" cy="5160960"/>
           </a:xfrm>
         </p:grpSpPr>
         <p:sp>
@@ -40967,7 +40967,7 @@
           <p:spPr>
             <a:xfrm>
               <a:off x="0" y="0"/>
-              <a:ext cx="8551080" cy="1331280"/>
+              <a:ext cx="8550720" cy="1330920"/>
             </a:xfrm>
             <a:custGeom>
               <a:avLst/>
@@ -41012,7 +41012,7 @@
           <p:spPr>
             <a:xfrm>
               <a:off x="2563560" y="0"/>
-              <a:ext cx="6578640" cy="1270800"/>
+              <a:ext cx="6578280" cy="1270440"/>
             </a:xfrm>
             <a:custGeom>
               <a:avLst/>
@@ -41062,7 +41062,7 @@
           <p:spPr>
             <a:xfrm>
               <a:off x="-6120" y="0"/>
-              <a:ext cx="7296480" cy="1469880"/>
+              <a:ext cx="7296120" cy="1469520"/>
             </a:xfrm>
             <a:custGeom>
               <a:avLst/>
@@ -41112,7 +41112,7 @@
           <p:spPr>
             <a:xfrm>
               <a:off x="3596040" y="4667040"/>
-              <a:ext cx="5088960" cy="474840"/>
+              <a:ext cx="5088600" cy="474480"/>
             </a:xfrm>
             <a:custGeom>
               <a:avLst/>
@@ -41157,7 +41157,7 @@
           <p:spPr>
             <a:xfrm>
               <a:off x="5524920" y="4692600"/>
-              <a:ext cx="3635280" cy="468720"/>
+              <a:ext cx="3634920" cy="468360"/>
             </a:xfrm>
             <a:custGeom>
               <a:avLst/>
@@ -41204,7 +41204,7 @@
           <p:spPr>
             <a:xfrm>
               <a:off x="7521480" y="4023000"/>
-              <a:ext cx="1632960" cy="1138320"/>
+              <a:ext cx="1632600" cy="1137960"/>
             </a:xfrm>
             <a:custGeom>
               <a:avLst/>
@@ -41256,7 +41256,7 @@
         <p:spPr>
           <a:xfrm>
             <a:off x="27000" y="4749840"/>
-            <a:ext cx="546840" cy="391680"/>
+            <a:ext cx="546480" cy="391320"/>
           </a:xfrm>
           <a:prstGeom prst="rect">
             <a:avLst/>
@@ -41296,7 +41296,7 @@
                 <a:tab algn="l" pos="0"/>
               </a:tabLst>
             </a:pPr>
-            <a:fld id="{75853805-E303-4303-A5B1-EFD4E6A7D96F}" type="slidenum">
+            <a:fld id="{A53E2DCC-2C5E-43BD-B4FE-EE39DAFF05DF}" type="slidenum">
               <a:rPr b="0" lang="en" sz="1200" spc="-1" strike="noStrike">
                 <a:solidFill>
                   <a:srgbClr val="00ae9d"/>
@@ -41589,9 +41589,9 @@
         <p:grpSpPr>
           <a:xfrm>
             <a:off x="-6120" y="0"/>
-            <a:ext cx="9166320" cy="5161320"/>
+            <a:ext cx="9165960" cy="5160960"/>
             <a:chOff x="-6120" y="0"/>
-            <a:chExt cx="9166320" cy="5161320"/>
+            <a:chExt cx="9165960" cy="5160960"/>
           </a:xfrm>
         </p:grpSpPr>
         <p:sp>
@@ -41603,7 +41603,7 @@
           <p:spPr>
             <a:xfrm>
               <a:off x="0" y="0"/>
-              <a:ext cx="8551080" cy="1331280"/>
+              <a:ext cx="8550720" cy="1330920"/>
             </a:xfrm>
             <a:custGeom>
               <a:avLst/>
@@ -41648,7 +41648,7 @@
           <p:spPr>
             <a:xfrm>
               <a:off x="2563560" y="0"/>
-              <a:ext cx="6578640" cy="1270800"/>
+              <a:ext cx="6578280" cy="1270440"/>
             </a:xfrm>
             <a:custGeom>
               <a:avLst/>
@@ -41698,7 +41698,7 @@
           <p:spPr>
             <a:xfrm>
               <a:off x="-6120" y="0"/>
-              <a:ext cx="7296480" cy="1469880"/>
+              <a:ext cx="7296120" cy="1469520"/>
             </a:xfrm>
             <a:custGeom>
               <a:avLst/>
@@ -41748,7 +41748,7 @@
           <p:spPr>
             <a:xfrm>
               <a:off x="3596040" y="4667040"/>
-              <a:ext cx="5088960" cy="474840"/>
+              <a:ext cx="5088600" cy="474480"/>
             </a:xfrm>
             <a:custGeom>
               <a:avLst/>
@@ -41793,7 +41793,7 @@
           <p:spPr>
             <a:xfrm>
               <a:off x="5524920" y="4692600"/>
-              <a:ext cx="3635280" cy="468720"/>
+              <a:ext cx="3634920" cy="468360"/>
             </a:xfrm>
             <a:custGeom>
               <a:avLst/>
@@ -41840,7 +41840,7 @@
           <p:spPr>
             <a:xfrm>
               <a:off x="7521480" y="4023000"/>
-              <a:ext cx="1632960" cy="1138320"/>
+              <a:ext cx="1632600" cy="1137960"/>
             </a:xfrm>
             <a:custGeom>
               <a:avLst/>
@@ -41892,7 +41892,7 @@
         <p:spPr>
           <a:xfrm>
             <a:off x="27000" y="4749840"/>
-            <a:ext cx="546840" cy="391680"/>
+            <a:ext cx="546480" cy="391320"/>
           </a:xfrm>
           <a:prstGeom prst="rect">
             <a:avLst/>
@@ -41932,7 +41932,7 @@
                 <a:tab algn="l" pos="0"/>
               </a:tabLst>
             </a:pPr>
-            <a:fld id="{3E2ED78A-C1D5-4AE6-9B32-E3B4F3C38426}" type="slidenum">
+            <a:fld id="{E9465745-1FEA-41AC-8352-9B0FBB462E48}" type="slidenum">
               <a:rPr b="0" lang="en" sz="1200" spc="-1" strike="noStrike">
                 <a:solidFill>
                   <a:srgbClr val="00ae9d"/>
@@ -42225,9 +42225,9 @@
         <p:grpSpPr>
           <a:xfrm>
             <a:off x="-6120" y="0"/>
-            <a:ext cx="9166320" cy="5161320"/>
+            <a:ext cx="9165960" cy="5160960"/>
             <a:chOff x="-6120" y="0"/>
-            <a:chExt cx="9166320" cy="5161320"/>
+            <a:chExt cx="9165960" cy="5160960"/>
           </a:xfrm>
         </p:grpSpPr>
         <p:sp>
@@ -42239,7 +42239,7 @@
           <p:spPr>
             <a:xfrm>
               <a:off x="0" y="0"/>
-              <a:ext cx="8551080" cy="1331280"/>
+              <a:ext cx="8550720" cy="1330920"/>
             </a:xfrm>
             <a:custGeom>
               <a:avLst/>
@@ -42284,7 +42284,7 @@
           <p:spPr>
             <a:xfrm>
               <a:off x="2563560" y="0"/>
-              <a:ext cx="6578640" cy="1270800"/>
+              <a:ext cx="6578280" cy="1270440"/>
             </a:xfrm>
             <a:custGeom>
               <a:avLst/>
@@ -42334,7 +42334,7 @@
           <p:spPr>
             <a:xfrm>
               <a:off x="-6120" y="0"/>
-              <a:ext cx="7296480" cy="1469880"/>
+              <a:ext cx="7296120" cy="1469520"/>
             </a:xfrm>
             <a:custGeom>
               <a:avLst/>
@@ -42384,7 +42384,7 @@
           <p:spPr>
             <a:xfrm>
               <a:off x="3596040" y="4667040"/>
-              <a:ext cx="5088960" cy="474840"/>
+              <a:ext cx="5088600" cy="474480"/>
             </a:xfrm>
             <a:custGeom>
               <a:avLst/>
@@ -42429,7 +42429,7 @@
           <p:spPr>
             <a:xfrm>
               <a:off x="5524920" y="4692600"/>
-              <a:ext cx="3635280" cy="468720"/>
+              <a:ext cx="3634920" cy="468360"/>
             </a:xfrm>
             <a:custGeom>
               <a:avLst/>
@@ -42476,7 +42476,7 @@
           <p:spPr>
             <a:xfrm>
               <a:off x="7521480" y="4023000"/>
-              <a:ext cx="1632960" cy="1138320"/>
+              <a:ext cx="1632600" cy="1137960"/>
             </a:xfrm>
             <a:custGeom>
               <a:avLst/>
@@ -42528,7 +42528,7 @@
         <p:spPr>
           <a:xfrm>
             <a:off x="27000" y="4749840"/>
-            <a:ext cx="546840" cy="391680"/>
+            <a:ext cx="546480" cy="391320"/>
           </a:xfrm>
           <a:prstGeom prst="rect">
             <a:avLst/>
@@ -42568,7 +42568,7 @@
                 <a:tab algn="l" pos="0"/>
               </a:tabLst>
             </a:pPr>
-            <a:fld id="{7A7B06B6-C312-4C5B-9A6D-952B8CDF2B95}" type="slidenum">
+            <a:fld id="{07BC83AA-9242-4685-91F8-76742F4CC9AD}" type="slidenum">
               <a:rPr b="0" lang="en" sz="1200" spc="-1" strike="noStrike">
                 <a:solidFill>
                   <a:srgbClr val="00ae9d"/>
@@ -42854,7 +42854,7 @@
         <p:spPr>
           <a:xfrm>
             <a:off x="7149240" y="4774320"/>
-            <a:ext cx="3136320" cy="363960"/>
+            <a:ext cx="3135960" cy="363960"/>
           </a:xfrm>
           <a:prstGeom prst="rect">
             <a:avLst/>
@@ -42909,7 +42909,7 @@
         <p:spPr>
           <a:xfrm>
             <a:off x="-7560" y="-13680"/>
-            <a:ext cx="9151200" cy="5142240"/>
+            <a:ext cx="9150840" cy="5141880"/>
           </a:xfrm>
           <a:prstGeom prst="rect">
             <a:avLst/>
@@ -42962,7 +42962,7 @@
         <p:spPr>
           <a:xfrm>
             <a:off x="0" y="0"/>
-            <a:ext cx="9142560" cy="5142240"/>
+            <a:ext cx="9142200" cy="5141880"/>
           </a:xfrm>
           <a:prstGeom prst="rect">
             <a:avLst/>
@@ -43015,7 +43015,7 @@
         <p:spPr>
           <a:xfrm>
             <a:off x="886680" y="398520"/>
-            <a:ext cx="7368840" cy="855720"/>
+            <a:ext cx="7368480" cy="855360"/>
           </a:xfrm>
           <a:prstGeom prst="rect">
             <a:avLst/>
@@ -43064,7 +43064,7 @@
         <p:spPr>
           <a:xfrm>
             <a:off x="886680" y="1669680"/>
-            <a:ext cx="7368840" cy="3080520"/>
+            <a:ext cx="7368480" cy="3080160"/>
           </a:xfrm>
           <a:prstGeom prst="rect">
             <a:avLst/>
@@ -43148,7 +43148,7 @@
         <p:spPr>
           <a:xfrm>
             <a:off x="27000" y="4749840"/>
-            <a:ext cx="546840" cy="391680"/>
+            <a:ext cx="546480" cy="391320"/>
           </a:xfrm>
           <a:prstGeom prst="rect">
             <a:avLst/>
@@ -43188,7 +43188,7 @@
                 <a:tab algn="l" pos="0"/>
               </a:tabLst>
             </a:pPr>
-            <a:fld id="{42079326-7851-46BF-B568-42A3C4591949}" type="slidenum">
+            <a:fld id="{8EB4C366-5485-4798-B4E9-DC893E4EF367}" type="slidenum">
               <a:rPr b="0" lang="en" sz="1200" spc="-1" strike="noStrike">
                 <a:solidFill>
                   <a:srgbClr val="00ae9d"/>
@@ -43196,7 +43196,7 @@
                 <a:latin typeface="Karla"/>
                 <a:ea typeface="Karla"/>
               </a:rPr>
-              <a:t>8</a:t>
+              <a:t>&lt;number&gt;</a:t>
             </a:fld>
             <a:endParaRPr b="0" lang="en-US" sz="1200" spc="-1" strike="noStrike">
               <a:latin typeface="Times New Roman"/>
@@ -43213,7 +43213,7 @@
         <p:spPr>
           <a:xfrm>
             <a:off x="6400800" y="4779000"/>
-            <a:ext cx="2284560" cy="363960"/>
+            <a:ext cx="2284200" cy="363960"/>
           </a:xfrm>
           <a:prstGeom prst="rect">
             <a:avLst/>
@@ -43278,7 +43278,7 @@
         <p:spPr>
           <a:xfrm>
             <a:off x="686160" y="1702080"/>
-            <a:ext cx="7368840" cy="2639880"/>
+            <a:ext cx="7368480" cy="2639520"/>
           </a:xfrm>
           <a:prstGeom prst="rect">
             <a:avLst/>
@@ -43405,7 +43405,7 @@
         <p:spPr>
           <a:xfrm>
             <a:off x="886680" y="398520"/>
-            <a:ext cx="7368840" cy="855720"/>
+            <a:ext cx="7368480" cy="855360"/>
           </a:xfrm>
           <a:prstGeom prst="rect">
             <a:avLst/>
@@ -43454,7 +43454,7 @@
         <p:spPr>
           <a:xfrm>
             <a:off x="886680" y="1669680"/>
-            <a:ext cx="7368840" cy="3080520"/>
+            <a:ext cx="7368480" cy="3080160"/>
           </a:xfrm>
           <a:prstGeom prst="rect">
             <a:avLst/>
@@ -43538,7 +43538,7 @@
         <p:spPr>
           <a:xfrm>
             <a:off x="27000" y="4749840"/>
-            <a:ext cx="546840" cy="391680"/>
+            <a:ext cx="546480" cy="391320"/>
           </a:xfrm>
           <a:prstGeom prst="rect">
             <a:avLst/>
@@ -43578,7 +43578,7 @@
                 <a:tab algn="l" pos="0"/>
               </a:tabLst>
             </a:pPr>
-            <a:fld id="{5A917E45-E329-4802-8761-77798302A256}" type="slidenum">
+            <a:fld id="{E9672374-046E-4975-883C-94CC4B85F9C0}" type="slidenum">
               <a:rPr b="0" lang="en" sz="1200" spc="-1" strike="noStrike">
                 <a:solidFill>
                   <a:srgbClr val="00ae9d"/>
@@ -43586,7 +43586,7 @@
                 <a:latin typeface="Karla"/>
                 <a:ea typeface="Karla"/>
               </a:rPr>
-              <a:t>8</a:t>
+              <a:t>&lt;number&gt;</a:t>
             </a:fld>
             <a:endParaRPr b="0" lang="en-US" sz="1200" spc="-1" strike="noStrike">
               <a:latin typeface="Times New Roman"/>
@@ -43603,7 +43603,7 @@
         <p:spPr>
           <a:xfrm>
             <a:off x="6400800" y="4779000"/>
-            <a:ext cx="2284560" cy="363960"/>
+            <a:ext cx="2284200" cy="363960"/>
           </a:xfrm>
           <a:prstGeom prst="rect">
             <a:avLst/>
@@ -43668,7 +43668,7 @@
         <p:spPr>
           <a:xfrm>
             <a:off x="686160" y="1702080"/>
-            <a:ext cx="7368840" cy="2639880"/>
+            <a:ext cx="7368480" cy="2639520"/>
           </a:xfrm>
           <a:prstGeom prst="rect">
             <a:avLst/>
@@ -43811,7 +43811,7 @@
         <p:spPr>
           <a:xfrm>
             <a:off x="886680" y="398520"/>
-            <a:ext cx="7368840" cy="855720"/>
+            <a:ext cx="7368480" cy="855360"/>
           </a:xfrm>
           <a:prstGeom prst="rect">
             <a:avLst/>
@@ -43860,7 +43860,7 @@
         <p:spPr>
           <a:xfrm>
             <a:off x="1053720" y="1694880"/>
-            <a:ext cx="6656040" cy="3080520"/>
+            <a:ext cx="6655680" cy="3080160"/>
           </a:xfrm>
           <a:prstGeom prst="rect">
             <a:avLst/>
@@ -43944,7 +43944,7 @@
         <p:spPr>
           <a:xfrm>
             <a:off x="27000" y="4749840"/>
-            <a:ext cx="546840" cy="391680"/>
+            <a:ext cx="546480" cy="391320"/>
           </a:xfrm>
           <a:prstGeom prst="rect">
             <a:avLst/>
@@ -43984,7 +43984,7 @@
                 <a:tab algn="l" pos="0"/>
               </a:tabLst>
             </a:pPr>
-            <a:fld id="{6503B171-E535-45B1-8AB0-14AA0E245ABA}" type="slidenum">
+            <a:fld id="{7AF86A5A-15D0-469E-83B8-58B439BC7288}" type="slidenum">
               <a:rPr b="0" lang="en" sz="1200" spc="-1" strike="noStrike">
                 <a:solidFill>
                   <a:srgbClr val="00ae9d"/>
@@ -43992,7 +43992,7 @@
                 <a:latin typeface="Karla"/>
                 <a:ea typeface="Karla"/>
               </a:rPr>
-              <a:t>8</a:t>
+              <a:t>&lt;number&gt;</a:t>
             </a:fld>
             <a:endParaRPr b="0" lang="en-US" sz="1200" spc="-1" strike="noStrike">
               <a:latin typeface="Times New Roman"/>
@@ -44009,7 +44009,7 @@
         <p:spPr>
           <a:xfrm>
             <a:off x="6400800" y="4779000"/>
-            <a:ext cx="2284560" cy="363960"/>
+            <a:ext cx="2284200" cy="363960"/>
           </a:xfrm>
           <a:prstGeom prst="rect">
             <a:avLst/>
@@ -44074,7 +44074,7 @@
         <p:spPr>
           <a:xfrm>
             <a:off x="686160" y="1702080"/>
-            <a:ext cx="7368840" cy="2639880"/>
+            <a:ext cx="7368480" cy="2639520"/>
           </a:xfrm>
           <a:prstGeom prst="rect">
             <a:avLst/>
@@ -44243,7 +44243,7 @@
         <p:spPr>
           <a:xfrm>
             <a:off x="886680" y="398520"/>
-            <a:ext cx="7368840" cy="855720"/>
+            <a:ext cx="7368480" cy="855360"/>
           </a:xfrm>
           <a:prstGeom prst="rect">
             <a:avLst/>
@@ -44292,7 +44292,7 @@
         <p:spPr>
           <a:xfrm>
             <a:off x="1053720" y="1694880"/>
-            <a:ext cx="6656040" cy="3080520"/>
+            <a:ext cx="6655680" cy="3080160"/>
           </a:xfrm>
           <a:prstGeom prst="rect">
             <a:avLst/>
@@ -44376,7 +44376,7 @@
         <p:spPr>
           <a:xfrm>
             <a:off x="27000" y="4749840"/>
-            <a:ext cx="546840" cy="391680"/>
+            <a:ext cx="546480" cy="391320"/>
           </a:xfrm>
           <a:prstGeom prst="rect">
             <a:avLst/>
@@ -44416,7 +44416,7 @@
                 <a:tab algn="l" pos="0"/>
               </a:tabLst>
             </a:pPr>
-            <a:fld id="{5D7B3A78-BA16-441F-86D1-6041D1D37EDC}" type="slidenum">
+            <a:fld id="{3B3C3391-2505-48AE-B801-2776C94B81F2}" type="slidenum">
               <a:rPr b="0" lang="en" sz="1200" spc="-1" strike="noStrike">
                 <a:solidFill>
                   <a:srgbClr val="00ae9d"/>
@@ -44424,7 +44424,7 @@
                 <a:latin typeface="Karla"/>
                 <a:ea typeface="Karla"/>
               </a:rPr>
-              <a:t>8</a:t>
+              <a:t>&lt;number&gt;</a:t>
             </a:fld>
             <a:endParaRPr b="0" lang="en-US" sz="1200" spc="-1" strike="noStrike">
               <a:latin typeface="Times New Roman"/>
@@ -44441,7 +44441,7 @@
         <p:spPr>
           <a:xfrm>
             <a:off x="6400800" y="4779000"/>
-            <a:ext cx="2284560" cy="363960"/>
+            <a:ext cx="2284200" cy="363960"/>
           </a:xfrm>
           <a:prstGeom prst="rect">
             <a:avLst/>
@@ -44506,7 +44506,7 @@
         <p:spPr>
           <a:xfrm>
             <a:off x="686160" y="1702080"/>
-            <a:ext cx="7368840" cy="2639880"/>
+            <a:ext cx="7368480" cy="2639520"/>
           </a:xfrm>
           <a:prstGeom prst="rect">
             <a:avLst/>
@@ -44691,7 +44691,7 @@
         <p:spPr>
           <a:xfrm>
             <a:off x="886680" y="398520"/>
-            <a:ext cx="7368840" cy="855720"/>
+            <a:ext cx="7368480" cy="855360"/>
           </a:xfrm>
           <a:prstGeom prst="rect">
             <a:avLst/>
@@ -44740,7 +44740,7 @@
         <p:spPr>
           <a:xfrm>
             <a:off x="886680" y="1669680"/>
-            <a:ext cx="7368840" cy="3080520"/>
+            <a:ext cx="7368480" cy="3080160"/>
           </a:xfrm>
           <a:prstGeom prst="rect">
             <a:avLst/>
@@ -44824,7 +44824,7 @@
         <p:spPr>
           <a:xfrm>
             <a:off x="27000" y="4749840"/>
-            <a:ext cx="546840" cy="391680"/>
+            <a:ext cx="546480" cy="391320"/>
           </a:xfrm>
           <a:prstGeom prst="rect">
             <a:avLst/>
@@ -44864,7 +44864,7 @@
                 <a:tab algn="l" pos="0"/>
               </a:tabLst>
             </a:pPr>
-            <a:fld id="{F3FE2A2B-C62B-4B45-83D2-FF8F20A03A5B}" type="slidenum">
+            <a:fld id="{324CBA6F-3685-438B-B012-F52D5DDAB1FC}" type="slidenum">
               <a:rPr b="0" lang="en" sz="1200" spc="-1" strike="noStrike">
                 <a:solidFill>
                   <a:srgbClr val="00ae9d"/>
@@ -44872,7 +44872,7 @@
                 <a:latin typeface="Karla"/>
                 <a:ea typeface="Karla"/>
               </a:rPr>
-              <a:t>8</a:t>
+              <a:t>&lt;number&gt;</a:t>
             </a:fld>
             <a:endParaRPr b="0" lang="en-US" sz="1200" spc="-1" strike="noStrike">
               <a:latin typeface="Times New Roman"/>
@@ -44889,7 +44889,7 @@
         <p:spPr>
           <a:xfrm>
             <a:off x="6400800" y="4779000"/>
-            <a:ext cx="2284560" cy="363960"/>
+            <a:ext cx="2284200" cy="363960"/>
           </a:xfrm>
           <a:prstGeom prst="rect">
             <a:avLst/>
@@ -44954,7 +44954,7 @@
         <p:spPr>
           <a:xfrm>
             <a:off x="686160" y="1702080"/>
-            <a:ext cx="7368840" cy="2639880"/>
+            <a:ext cx="7368480" cy="2639520"/>
           </a:xfrm>
           <a:prstGeom prst="rect">
             <a:avLst/>
@@ -45129,7 +45129,7 @@
         <p:spPr>
           <a:xfrm>
             <a:off x="886680" y="398520"/>
-            <a:ext cx="7368840" cy="855720"/>
+            <a:ext cx="7368480" cy="855360"/>
           </a:xfrm>
           <a:prstGeom prst="rect">
             <a:avLst/>
@@ -45178,7 +45178,7 @@
         <p:spPr>
           <a:xfrm>
             <a:off x="886680" y="1669680"/>
-            <a:ext cx="7368840" cy="3080520"/>
+            <a:ext cx="7368480" cy="3080160"/>
           </a:xfrm>
           <a:prstGeom prst="rect">
             <a:avLst/>
@@ -45262,7 +45262,7 @@
         <p:spPr>
           <a:xfrm>
             <a:off x="27000" y="4749840"/>
-            <a:ext cx="546840" cy="391680"/>
+            <a:ext cx="546480" cy="391320"/>
           </a:xfrm>
           <a:prstGeom prst="rect">
             <a:avLst/>
@@ -45302,7 +45302,7 @@
                 <a:tab algn="l" pos="0"/>
               </a:tabLst>
             </a:pPr>
-            <a:fld id="{864A3065-A44D-4D9B-A040-9F540857D1FE}" type="slidenum">
+            <a:fld id="{311AAD1B-810D-47B4-AF77-3E9E8055721A}" type="slidenum">
               <a:rPr b="0" lang="en" sz="1200" spc="-1" strike="noStrike">
                 <a:solidFill>
                   <a:srgbClr val="00ae9d"/>
@@ -45310,7 +45310,7 @@
                 <a:latin typeface="Karla"/>
                 <a:ea typeface="Karla"/>
               </a:rPr>
-              <a:t>8</a:t>
+              <a:t>&lt;number&gt;</a:t>
             </a:fld>
             <a:endParaRPr b="0" lang="en-US" sz="1200" spc="-1" strike="noStrike">
               <a:latin typeface="Times New Roman"/>
@@ -45327,7 +45327,7 @@
         <p:spPr>
           <a:xfrm>
             <a:off x="6400800" y="4779000"/>
-            <a:ext cx="2284560" cy="363960"/>
+            <a:ext cx="2284200" cy="363960"/>
           </a:xfrm>
           <a:prstGeom prst="rect">
             <a:avLst/>
@@ -45392,7 +45392,7 @@
         <p:spPr>
           <a:xfrm>
             <a:off x="686160" y="1702080"/>
-            <a:ext cx="7368840" cy="2639880"/>
+            <a:ext cx="7368480" cy="2639520"/>
           </a:xfrm>
           <a:prstGeom prst="rect">
             <a:avLst/>
@@ -45567,7 +45567,7 @@
         <p:spPr>
           <a:xfrm>
             <a:off x="886680" y="398520"/>
-            <a:ext cx="7368840" cy="855720"/>
+            <a:ext cx="7368480" cy="855360"/>
           </a:xfrm>
           <a:prstGeom prst="rect">
             <a:avLst/>
@@ -45616,7 +45616,7 @@
         <p:spPr>
           <a:xfrm>
             <a:off x="886680" y="1669680"/>
-            <a:ext cx="7368840" cy="3080520"/>
+            <a:ext cx="7368480" cy="3080160"/>
           </a:xfrm>
           <a:prstGeom prst="rect">
             <a:avLst/>
@@ -45700,7 +45700,7 @@
         <p:spPr>
           <a:xfrm>
             <a:off x="27000" y="4749840"/>
-            <a:ext cx="546840" cy="391680"/>
+            <a:ext cx="546480" cy="391320"/>
           </a:xfrm>
           <a:prstGeom prst="rect">
             <a:avLst/>
@@ -45740,7 +45740,7 @@
                 <a:tab algn="l" pos="0"/>
               </a:tabLst>
             </a:pPr>
-            <a:fld id="{1C2FD528-B1A0-4242-8294-059754089CE3}" type="slidenum">
+            <a:fld id="{A62D6310-96D4-4CBB-83CD-C2DA4A00E09B}" type="slidenum">
               <a:rPr b="0" lang="en" sz="1200" spc="-1" strike="noStrike">
                 <a:solidFill>
                   <a:srgbClr val="00ae9d"/>
@@ -45748,7 +45748,7 @@
                 <a:latin typeface="Karla"/>
                 <a:ea typeface="Karla"/>
               </a:rPr>
-              <a:t>8</a:t>
+              <a:t>&lt;number&gt;</a:t>
             </a:fld>
             <a:endParaRPr b="0" lang="en-US" sz="1200" spc="-1" strike="noStrike">
               <a:latin typeface="Times New Roman"/>
@@ -45765,7 +45765,7 @@
         <p:spPr>
           <a:xfrm>
             <a:off x="6400800" y="4779000"/>
-            <a:ext cx="2284560" cy="363960"/>
+            <a:ext cx="2284200" cy="363960"/>
           </a:xfrm>
           <a:prstGeom prst="rect">
             <a:avLst/>
@@ -45830,7 +45830,7 @@
         <p:spPr>
           <a:xfrm>
             <a:off x="686160" y="1702080"/>
-            <a:ext cx="7368840" cy="2639880"/>
+            <a:ext cx="7368480" cy="2639520"/>
           </a:xfrm>
           <a:prstGeom prst="rect">
             <a:avLst/>
@@ -45995,7 +45995,7 @@
         <p:spPr>
           <a:xfrm>
             <a:off x="886680" y="398520"/>
-            <a:ext cx="7368840" cy="855720"/>
+            <a:ext cx="7368480" cy="855360"/>
           </a:xfrm>
           <a:prstGeom prst="rect">
             <a:avLst/>
@@ -46044,7 +46044,7 @@
         <p:spPr>
           <a:xfrm>
             <a:off x="886680" y="1669680"/>
-            <a:ext cx="7368840" cy="3080520"/>
+            <a:ext cx="7368480" cy="3080160"/>
           </a:xfrm>
           <a:prstGeom prst="rect">
             <a:avLst/>
@@ -46128,7 +46128,7 @@
         <p:spPr>
           <a:xfrm>
             <a:off x="27000" y="4749840"/>
-            <a:ext cx="546840" cy="391680"/>
+            <a:ext cx="546480" cy="391320"/>
           </a:xfrm>
           <a:prstGeom prst="rect">
             <a:avLst/>
@@ -46168,7 +46168,7 @@
                 <a:tab algn="l" pos="0"/>
               </a:tabLst>
             </a:pPr>
-            <a:fld id="{BAF35085-C354-43E7-A9C8-6276A990C2D6}" type="slidenum">
+            <a:fld id="{64F28E5B-56AC-41B0-97D9-C44B4DA0D651}" type="slidenum">
               <a:rPr b="0" lang="en" sz="1200" spc="-1" strike="noStrike">
                 <a:solidFill>
                   <a:srgbClr val="00ae9d"/>
@@ -46176,7 +46176,7 @@
                 <a:latin typeface="Karla"/>
                 <a:ea typeface="Karla"/>
               </a:rPr>
-              <a:t>8</a:t>
+              <a:t>&lt;number&gt;</a:t>
             </a:fld>
             <a:endParaRPr b="0" lang="en-US" sz="1200" spc="-1" strike="noStrike">
               <a:latin typeface="Times New Roman"/>
@@ -46193,7 +46193,7 @@
         <p:spPr>
           <a:xfrm>
             <a:off x="6400800" y="4779000"/>
-            <a:ext cx="2284560" cy="363960"/>
+            <a:ext cx="2284200" cy="363960"/>
           </a:xfrm>
           <a:prstGeom prst="rect">
             <a:avLst/>
@@ -46258,7 +46258,7 @@
         <p:spPr>
           <a:xfrm>
             <a:off x="686160" y="1702080"/>
-            <a:ext cx="7368840" cy="2639880"/>
+            <a:ext cx="7368480" cy="2639520"/>
           </a:xfrm>
           <a:prstGeom prst="rect">
             <a:avLst/>
@@ -46491,7 +46491,7 @@
         <p:spPr>
           <a:xfrm>
             <a:off x="886680" y="398520"/>
-            <a:ext cx="7368840" cy="855720"/>
+            <a:ext cx="7368480" cy="855360"/>
           </a:xfrm>
           <a:prstGeom prst="rect">
             <a:avLst/>
@@ -46540,7 +46540,7 @@
         <p:spPr>
           <a:xfrm>
             <a:off x="886680" y="1669680"/>
-            <a:ext cx="7368840" cy="3080520"/>
+            <a:ext cx="7368480" cy="3080160"/>
           </a:xfrm>
           <a:prstGeom prst="rect">
             <a:avLst/>
@@ -46624,7 +46624,7 @@
         <p:spPr>
           <a:xfrm>
             <a:off x="27000" y="4749840"/>
-            <a:ext cx="546840" cy="391680"/>
+            <a:ext cx="546480" cy="391320"/>
           </a:xfrm>
           <a:prstGeom prst="rect">
             <a:avLst/>
@@ -46664,7 +46664,7 @@
                 <a:tab algn="l" pos="0"/>
               </a:tabLst>
             </a:pPr>
-            <a:fld id="{DF347BDA-3BFC-4082-A7EF-FC4F45D60A6C}" type="slidenum">
+            <a:fld id="{3F288D91-A6CD-4FD6-90A2-346307602A3E}" type="slidenum">
               <a:rPr b="0" lang="en" sz="1200" spc="-1" strike="noStrike">
                 <a:solidFill>
                   <a:srgbClr val="00ae9d"/>
@@ -46672,7 +46672,7 @@
                 <a:latin typeface="Karla"/>
                 <a:ea typeface="Karla"/>
               </a:rPr>
-              <a:t>8</a:t>
+              <a:t>&lt;number&gt;</a:t>
             </a:fld>
             <a:endParaRPr b="0" lang="en-US" sz="1200" spc="-1" strike="noStrike">
               <a:latin typeface="Times New Roman"/>
@@ -46689,7 +46689,7 @@
         <p:spPr>
           <a:xfrm>
             <a:off x="6400800" y="4779000"/>
-            <a:ext cx="2284560" cy="363960"/>
+            <a:ext cx="2284200" cy="363960"/>
           </a:xfrm>
           <a:prstGeom prst="rect">
             <a:avLst/>
@@ -46754,7 +46754,7 @@
         <p:spPr>
           <a:xfrm>
             <a:off x="686160" y="1702080"/>
-            <a:ext cx="7368840" cy="2639880"/>
+            <a:ext cx="7368480" cy="2639520"/>
           </a:xfrm>
           <a:prstGeom prst="rect">
             <a:avLst/>
@@ -46957,7 +46957,7 @@
         <p:spPr>
           <a:xfrm>
             <a:off x="1143000" y="1600200"/>
-            <a:ext cx="5943240" cy="2514240"/>
+            <a:ext cx="5942880" cy="2513880"/>
           </a:xfrm>
           <a:prstGeom prst="rect">
             <a:avLst/>
@@ -46980,7 +46980,7 @@
         <p:spPr>
           <a:xfrm>
             <a:off x="0" y="0"/>
-            <a:ext cx="9143640" cy="5143320"/>
+            <a:ext cx="9143280" cy="5142960"/>
           </a:xfrm>
           <a:prstGeom prst="rect">
             <a:avLst/>
@@ -46999,7 +46999,7 @@
         <p:spPr>
           <a:xfrm>
             <a:off x="2286000" y="58320"/>
-            <a:ext cx="7368840" cy="855720"/>
+            <a:ext cx="7368480" cy="855360"/>
           </a:xfrm>
           <a:prstGeom prst="rect">
             <a:avLst/>
@@ -47084,7 +47084,7 @@
         <p:spPr>
           <a:xfrm>
             <a:off x="27000" y="4749840"/>
-            <a:ext cx="546840" cy="391680"/>
+            <a:ext cx="546480" cy="391320"/>
           </a:xfrm>
           <a:prstGeom prst="rect">
             <a:avLst/>
@@ -47124,7 +47124,7 @@
                 <a:tab algn="l" pos="0"/>
               </a:tabLst>
             </a:pPr>
-            <a:fld id="{117818E1-197A-4411-BC85-E0EB258D614E}" type="slidenum">
+            <a:fld id="{4DFC666E-7AF3-488C-AA63-79F0D18CA863}" type="slidenum">
               <a:rPr b="0" lang="en" sz="1200" spc="-1" strike="noStrike">
                 <a:solidFill>
                   <a:srgbClr val="00ae9d"/>
@@ -47149,7 +47149,7 @@
         <p:spPr>
           <a:xfrm>
             <a:off x="6005880" y="4774320"/>
-            <a:ext cx="3136320" cy="363960"/>
+            <a:ext cx="3135960" cy="363960"/>
           </a:xfrm>
           <a:prstGeom prst="rect">
             <a:avLst/>
@@ -47204,7 +47204,7 @@
         <p:spPr>
           <a:xfrm>
             <a:off x="0" y="0"/>
-            <a:ext cx="9142560" cy="5142240"/>
+            <a:ext cx="9142200" cy="5141880"/>
           </a:xfrm>
           <a:prstGeom prst="rect">
             <a:avLst/>
@@ -47227,7 +47227,7 @@
         <p:spPr>
           <a:xfrm>
             <a:off x="2688120" y="4286520"/>
-            <a:ext cx="7368840" cy="855720"/>
+            <a:ext cx="7368480" cy="855360"/>
           </a:xfrm>
           <a:prstGeom prst="rect">
             <a:avLst/>
@@ -47306,7 +47306,7 @@
         <p:spPr>
           <a:xfrm>
             <a:off x="886680" y="398520"/>
-            <a:ext cx="7368840" cy="855720"/>
+            <a:ext cx="7368480" cy="855360"/>
           </a:xfrm>
           <a:prstGeom prst="rect">
             <a:avLst/>
@@ -47355,7 +47355,7 @@
         <p:spPr>
           <a:xfrm>
             <a:off x="886680" y="1669680"/>
-            <a:ext cx="7368840" cy="3080520"/>
+            <a:ext cx="7368480" cy="3080160"/>
           </a:xfrm>
           <a:prstGeom prst="rect">
             <a:avLst/>
@@ -47439,7 +47439,7 @@
         <p:spPr>
           <a:xfrm>
             <a:off x="27000" y="4749840"/>
-            <a:ext cx="546840" cy="391680"/>
+            <a:ext cx="546480" cy="391320"/>
           </a:xfrm>
           <a:prstGeom prst="rect">
             <a:avLst/>
@@ -47479,7 +47479,7 @@
                 <a:tab algn="l" pos="0"/>
               </a:tabLst>
             </a:pPr>
-            <a:fld id="{A56BE340-9DE4-45A4-871E-23B743E970E4}" type="slidenum">
+            <a:fld id="{5B15911F-AB3D-491B-928C-E5A3947AD140}" type="slidenum">
               <a:rPr b="0" lang="en" sz="1200" spc="-1" strike="noStrike">
                 <a:solidFill>
                   <a:srgbClr val="00ae9d"/>
@@ -47504,7 +47504,7 @@
         <p:spPr>
           <a:xfrm>
             <a:off x="6400800" y="4779000"/>
-            <a:ext cx="2284560" cy="363960"/>
+            <a:ext cx="2284200" cy="363960"/>
           </a:xfrm>
           <a:prstGeom prst="rect">
             <a:avLst/>
@@ -47569,7 +47569,7 @@
         <p:spPr>
           <a:xfrm>
             <a:off x="686160" y="1702080"/>
-            <a:ext cx="7368840" cy="2639880"/>
+            <a:ext cx="7368480" cy="2639520"/>
           </a:xfrm>
           <a:prstGeom prst="rect">
             <a:avLst/>
@@ -47792,7 +47792,7 @@
         <p:spPr>
           <a:xfrm>
             <a:off x="886680" y="398520"/>
-            <a:ext cx="7368840" cy="855720"/>
+            <a:ext cx="7368480" cy="855360"/>
           </a:xfrm>
           <a:prstGeom prst="rect">
             <a:avLst/>
@@ -47841,7 +47841,7 @@
         <p:spPr>
           <a:xfrm>
             <a:off x="886680" y="1669680"/>
-            <a:ext cx="7368840" cy="3080520"/>
+            <a:ext cx="7368480" cy="3080160"/>
           </a:xfrm>
           <a:prstGeom prst="rect">
             <a:avLst/>
@@ -47925,7 +47925,7 @@
         <p:spPr>
           <a:xfrm>
             <a:off x="27000" y="4749840"/>
-            <a:ext cx="546840" cy="391680"/>
+            <a:ext cx="546480" cy="391320"/>
           </a:xfrm>
           <a:prstGeom prst="rect">
             <a:avLst/>
@@ -47965,7 +47965,7 @@
                 <a:tab algn="l" pos="0"/>
               </a:tabLst>
             </a:pPr>
-            <a:fld id="{10E4D8F1-2DB4-40D1-8B35-152E8FA9EA47}" type="slidenum">
+            <a:fld id="{2729D5EA-0F08-44F4-8B7D-C9388393E282}" type="slidenum">
               <a:rPr b="0" lang="en" sz="1200" spc="-1" strike="noStrike">
                 <a:solidFill>
                   <a:srgbClr val="00ae9d"/>
@@ -47990,7 +47990,7 @@
         <p:spPr>
           <a:xfrm>
             <a:off x="6400800" y="4779000"/>
-            <a:ext cx="2284560" cy="363960"/>
+            <a:ext cx="2284200" cy="363960"/>
           </a:xfrm>
           <a:prstGeom prst="rect">
             <a:avLst/>
@@ -48055,7 +48055,7 @@
         <p:spPr>
           <a:xfrm>
             <a:off x="686160" y="1702080"/>
-            <a:ext cx="7368840" cy="2639880"/>
+            <a:ext cx="7368480" cy="2639520"/>
           </a:xfrm>
           <a:prstGeom prst="rect">
             <a:avLst/>
@@ -48310,7 +48310,7 @@
         <p:spPr>
           <a:xfrm>
             <a:off x="886680" y="398520"/>
-            <a:ext cx="7368840" cy="855720"/>
+            <a:ext cx="7368480" cy="855360"/>
           </a:xfrm>
           <a:prstGeom prst="rect">
             <a:avLst/>
@@ -48359,7 +48359,7 @@
         <p:spPr>
           <a:xfrm>
             <a:off x="886680" y="1669680"/>
-            <a:ext cx="7368840" cy="3080520"/>
+            <a:ext cx="7368480" cy="3080160"/>
           </a:xfrm>
           <a:prstGeom prst="rect">
             <a:avLst/>
@@ -48443,7 +48443,7 @@
         <p:spPr>
           <a:xfrm>
             <a:off x="27000" y="4749840"/>
-            <a:ext cx="546840" cy="391680"/>
+            <a:ext cx="546480" cy="391320"/>
           </a:xfrm>
           <a:prstGeom prst="rect">
             <a:avLst/>
@@ -48483,7 +48483,7 @@
                 <a:tab algn="l" pos="0"/>
               </a:tabLst>
             </a:pPr>
-            <a:fld id="{F819C703-9836-48C0-BE39-AAE338CFC2B2}" type="slidenum">
+            <a:fld id="{BC4E88C4-94E8-4C32-9C02-B7D79D28BDF5}" type="slidenum">
               <a:rPr b="0" lang="en" sz="1200" spc="-1" strike="noStrike">
                 <a:solidFill>
                   <a:srgbClr val="00ae9d"/>
@@ -48508,7 +48508,7 @@
         <p:spPr>
           <a:xfrm>
             <a:off x="6400800" y="4779000"/>
-            <a:ext cx="2284560" cy="363960"/>
+            <a:ext cx="2284200" cy="363960"/>
           </a:xfrm>
           <a:prstGeom prst="rect">
             <a:avLst/>
@@ -48573,7 +48573,7 @@
         <p:spPr>
           <a:xfrm>
             <a:off x="685800" y="1600200"/>
-            <a:ext cx="7368840" cy="2639880"/>
+            <a:ext cx="7368480" cy="2639520"/>
           </a:xfrm>
           <a:prstGeom prst="rect">
             <a:avLst/>
@@ -48896,7 +48896,7 @@
         <p:spPr>
           <a:xfrm>
             <a:off x="886680" y="398520"/>
-            <a:ext cx="7368840" cy="855720"/>
+            <a:ext cx="7368480" cy="855360"/>
           </a:xfrm>
           <a:prstGeom prst="rect">
             <a:avLst/>
@@ -48945,7 +48945,7 @@
         <p:spPr>
           <a:xfrm>
             <a:off x="886680" y="1669680"/>
-            <a:ext cx="7368840" cy="3080520"/>
+            <a:ext cx="7368480" cy="3080160"/>
           </a:xfrm>
           <a:prstGeom prst="rect">
             <a:avLst/>
@@ -49029,7 +49029,7 @@
         <p:spPr>
           <a:xfrm>
             <a:off x="27000" y="4749840"/>
-            <a:ext cx="546840" cy="391680"/>
+            <a:ext cx="546480" cy="391320"/>
           </a:xfrm>
           <a:prstGeom prst="rect">
             <a:avLst/>
@@ -49069,7 +49069,7 @@
                 <a:tab algn="l" pos="0"/>
               </a:tabLst>
             </a:pPr>
-            <a:fld id="{EA074941-E2AE-46CE-A016-64ACF244E8AB}" type="slidenum">
+            <a:fld id="{24E90EB5-8A9A-4FFF-A4DD-82E037206087}" type="slidenum">
               <a:rPr b="0" lang="en" sz="1200" spc="-1" strike="noStrike">
                 <a:solidFill>
                   <a:srgbClr val="00ae9d"/>
@@ -49094,7 +49094,7 @@
         <p:spPr>
           <a:xfrm>
             <a:off x="6400800" y="4779000"/>
-            <a:ext cx="2284560" cy="363960"/>
+            <a:ext cx="2284200" cy="363960"/>
           </a:xfrm>
           <a:prstGeom prst="rect">
             <a:avLst/>
@@ -49159,7 +49159,7 @@
         <p:spPr>
           <a:xfrm>
             <a:off x="685800" y="1600200"/>
-            <a:ext cx="7368840" cy="2639880"/>
+            <a:ext cx="7368480" cy="2639520"/>
           </a:xfrm>
           <a:prstGeom prst="rect">
             <a:avLst/>
@@ -49414,7 +49414,7 @@
         <p:spPr>
           <a:xfrm>
             <a:off x="926280" y="398520"/>
-            <a:ext cx="7368840" cy="855720"/>
+            <a:ext cx="7368480" cy="855360"/>
           </a:xfrm>
           <a:prstGeom prst="rect">
             <a:avLst/>
@@ -49463,7 +49463,7 @@
         <p:spPr>
           <a:xfrm>
             <a:off x="926280" y="1669680"/>
-            <a:ext cx="7368840" cy="3080520"/>
+            <a:ext cx="7368480" cy="3080160"/>
           </a:xfrm>
           <a:prstGeom prst="rect">
             <a:avLst/>
@@ -49547,7 +49547,7 @@
         <p:spPr>
           <a:xfrm>
             <a:off x="66600" y="4749840"/>
-            <a:ext cx="546840" cy="391680"/>
+            <a:ext cx="546480" cy="391320"/>
           </a:xfrm>
           <a:prstGeom prst="rect">
             <a:avLst/>
@@ -49587,7 +49587,7 @@
                 <a:tab algn="l" pos="0"/>
               </a:tabLst>
             </a:pPr>
-            <a:fld id="{4D9D44D4-719B-4CD8-B5D8-88AC5F400789}" type="slidenum">
+            <a:fld id="{F7B4240C-C329-4D41-8FA8-A47FCCF64D8A}" type="slidenum">
               <a:rPr b="0" lang="en" sz="1200" spc="-1" strike="noStrike">
                 <a:solidFill>
                   <a:srgbClr val="00ae9d"/>
@@ -49612,7 +49612,7 @@
         <p:spPr>
           <a:xfrm>
             <a:off x="6440400" y="4779000"/>
-            <a:ext cx="2284560" cy="363960"/>
+            <a:ext cx="2284200" cy="363960"/>
           </a:xfrm>
           <a:prstGeom prst="rect">
             <a:avLst/>
@@ -49677,7 +49677,7 @@
         <p:spPr>
           <a:xfrm>
             <a:off x="725400" y="1600200"/>
-            <a:ext cx="7368840" cy="2639880"/>
+            <a:ext cx="7368480" cy="2639520"/>
           </a:xfrm>
           <a:prstGeom prst="rect">
             <a:avLst/>
@@ -49922,7 +49922,7 @@
         <p:spPr>
           <a:xfrm>
             <a:off x="926280" y="398520"/>
-            <a:ext cx="7368840" cy="855720"/>
+            <a:ext cx="7368480" cy="855360"/>
           </a:xfrm>
           <a:prstGeom prst="rect">
             <a:avLst/>
@@ -49971,7 +49971,7 @@
         <p:spPr>
           <a:xfrm>
             <a:off x="926280" y="1669680"/>
-            <a:ext cx="7368840" cy="3080520"/>
+            <a:ext cx="7368480" cy="3080160"/>
           </a:xfrm>
           <a:prstGeom prst="rect">
             <a:avLst/>
@@ -50055,7 +50055,7 @@
         <p:spPr>
           <a:xfrm>
             <a:off x="66600" y="4749840"/>
-            <a:ext cx="546840" cy="391680"/>
+            <a:ext cx="546480" cy="391320"/>
           </a:xfrm>
           <a:prstGeom prst="rect">
             <a:avLst/>
@@ -50095,7 +50095,7 @@
                 <a:tab algn="l" pos="0"/>
               </a:tabLst>
             </a:pPr>
-            <a:fld id="{88CB259E-DACE-4B37-A064-5F1627D8418D}" type="slidenum">
+            <a:fld id="{E0B8A44B-614C-4BFD-A920-121D8EF39789}" type="slidenum">
               <a:rPr b="0" lang="en" sz="1200" spc="-1" strike="noStrike">
                 <a:solidFill>
                   <a:srgbClr val="00ae9d"/>
@@ -50120,7 +50120,7 @@
         <p:spPr>
           <a:xfrm>
             <a:off x="6440400" y="4779000"/>
-            <a:ext cx="2284560" cy="363960"/>
+            <a:ext cx="2284200" cy="363960"/>
           </a:xfrm>
           <a:prstGeom prst="rect">
             <a:avLst/>
@@ -50185,7 +50185,7 @@
         <p:spPr>
           <a:xfrm>
             <a:off x="725400" y="1600200"/>
-            <a:ext cx="7368840" cy="2639880"/>
+            <a:ext cx="7368480" cy="2639520"/>
           </a:xfrm>
           <a:prstGeom prst="rect">
             <a:avLst/>
@@ -50472,7 +50472,7 @@
         <p:spPr>
           <a:xfrm>
             <a:off x="926280" y="398520"/>
-            <a:ext cx="7368840" cy="855720"/>
+            <a:ext cx="7368480" cy="855360"/>
           </a:xfrm>
           <a:prstGeom prst="rect">
             <a:avLst/>
@@ -50521,7 +50521,7 @@
         <p:spPr>
           <a:xfrm>
             <a:off x="926280" y="1669680"/>
-            <a:ext cx="7368840" cy="3080520"/>
+            <a:ext cx="7368480" cy="3080160"/>
           </a:xfrm>
           <a:prstGeom prst="rect">
             <a:avLst/>
@@ -50605,7 +50605,7 @@
         <p:spPr>
           <a:xfrm>
             <a:off x="66600" y="4749840"/>
-            <a:ext cx="546840" cy="391680"/>
+            <a:ext cx="546480" cy="391320"/>
           </a:xfrm>
           <a:prstGeom prst="rect">
             <a:avLst/>
@@ -50645,7 +50645,7 @@
                 <a:tab algn="l" pos="0"/>
               </a:tabLst>
             </a:pPr>
-            <a:fld id="{01DD0B60-C04A-41D8-B937-73AEA062C176}" type="slidenum">
+            <a:fld id="{EF524A86-C077-4117-8C43-B21A8F5FF58B}" type="slidenum">
               <a:rPr b="0" lang="en" sz="1200" spc="-1" strike="noStrike">
                 <a:solidFill>
                   <a:srgbClr val="00ae9d"/>
@@ -50670,7 +50670,7 @@
         <p:spPr>
           <a:xfrm>
             <a:off x="6440400" y="4779000"/>
-            <a:ext cx="2284560" cy="363960"/>
+            <a:ext cx="2284200" cy="363960"/>
           </a:xfrm>
           <a:prstGeom prst="rect">
             <a:avLst/>
@@ -50735,7 +50735,7 @@
         <p:spPr>
           <a:xfrm>
             <a:off x="725400" y="1600200"/>
-            <a:ext cx="7368840" cy="2639880"/>
+            <a:ext cx="7368480" cy="2639520"/>
           </a:xfrm>
           <a:prstGeom prst="rect">
             <a:avLst/>
@@ -51016,7 +51016,7 @@
         <p:spPr>
           <a:xfrm>
             <a:off x="926280" y="398520"/>
-            <a:ext cx="7368840" cy="855720"/>
+            <a:ext cx="7368480" cy="855360"/>
           </a:xfrm>
           <a:prstGeom prst="rect">
             <a:avLst/>
@@ -51065,7 +51065,7 @@
         <p:spPr>
           <a:xfrm>
             <a:off x="926280" y="1669680"/>
-            <a:ext cx="7368840" cy="3080520"/>
+            <a:ext cx="7368480" cy="3080160"/>
           </a:xfrm>
           <a:prstGeom prst="rect">
             <a:avLst/>
@@ -51149,7 +51149,7 @@
         <p:spPr>
           <a:xfrm>
             <a:off x="66600" y="4749840"/>
-            <a:ext cx="546840" cy="391680"/>
+            <a:ext cx="546480" cy="391320"/>
           </a:xfrm>
           <a:prstGeom prst="rect">
             <a:avLst/>
@@ -51189,7 +51189,7 @@
                 <a:tab algn="l" pos="0"/>
               </a:tabLst>
             </a:pPr>
-            <a:fld id="{35060701-FE0A-4F26-ACD9-18FEDE519969}" type="slidenum">
+            <a:fld id="{849D8D8E-DE64-4DF1-8B35-D1A78A2888DF}" type="slidenum">
               <a:rPr b="0" lang="en" sz="1200" spc="-1" strike="noStrike">
                 <a:solidFill>
                   <a:srgbClr val="00ae9d"/>
@@ -51214,7 +51214,7 @@
         <p:spPr>
           <a:xfrm>
             <a:off x="6440400" y="4779000"/>
-            <a:ext cx="2284560" cy="363960"/>
+            <a:ext cx="2284200" cy="363960"/>
           </a:xfrm>
           <a:prstGeom prst="rect">
             <a:avLst/>
@@ -51278,8 +51278,8 @@
         </p:nvSpPr>
         <p:spPr>
           <a:xfrm>
-            <a:off x="860760" y="1474920"/>
-            <a:ext cx="7368840" cy="2639880"/>
+            <a:off x="860760" y="1246680"/>
+            <a:ext cx="7368480" cy="2639520"/>
           </a:xfrm>
           <a:prstGeom prst="rect">
             <a:avLst/>
@@ -51294,7 +51294,7 @@
             <a:noAutofit/>
           </a:bodyPr>
           <a:p>
-            <a:pPr marL="76320">
+            <a:pPr marL="76320" indent="-324000">
               <a:lnSpc>
                 <a:spcPct val="100000"/>
               </a:lnSpc>
@@ -51311,7 +51311,7 @@
               </a:tabLst>
             </a:pPr>
             <a:r>
-              <a:rPr b="0" lang="en-US" sz="1900" spc="-1" strike="noStrike">
+              <a:rPr b="0" lang="en-US" sz="1600" spc="-1" strike="noStrike">
                 <a:solidFill>
                   <a:srgbClr val="004c52"/>
                 </a:solidFill>
@@ -51320,12 +51320,12 @@
               </a:rPr>
               <a:t>Second Life</a:t>
             </a:r>
-            <a:endParaRPr b="0" lang="en-US" sz="1900" spc="-1" strike="noStrike">
-              <a:latin typeface="Arial"/>
-            </a:endParaRPr>
-          </a:p>
-          <a:p>
-            <a:pPr marL="76320">
+            <a:endParaRPr b="0" lang="en-US" sz="1600" spc="-1" strike="noStrike">
+              <a:latin typeface="Arial"/>
+            </a:endParaRPr>
+          </a:p>
+          <a:p>
+            <a:pPr marL="76320" indent="-324000">
               <a:lnSpc>
                 <a:spcPct val="100000"/>
               </a:lnSpc>
@@ -51342,7 +51342,7 @@
               </a:tabLst>
             </a:pPr>
             <a:r>
-              <a:rPr b="0" lang="en-US" sz="1900" spc="-1" strike="noStrike">
+              <a:rPr b="0" lang="en-US" sz="1600" spc="-1" strike="noStrike">
                 <a:solidFill>
                   <a:srgbClr val="004c52"/>
                 </a:solidFill>
@@ -51351,12 +51351,12 @@
               </a:rPr>
               <a:t>Mine Craft</a:t>
             </a:r>
-            <a:endParaRPr b="0" lang="en-US" sz="1900" spc="-1" strike="noStrike">
-              <a:latin typeface="Arial"/>
-            </a:endParaRPr>
-          </a:p>
-          <a:p>
-            <a:pPr marL="76320">
+            <a:endParaRPr b="0" lang="en-US" sz="1600" spc="-1" strike="noStrike">
+              <a:latin typeface="Arial"/>
+            </a:endParaRPr>
+          </a:p>
+          <a:p>
+            <a:pPr marL="76320" indent="-324000">
               <a:lnSpc>
                 <a:spcPct val="100000"/>
               </a:lnSpc>
@@ -51373,7 +51373,7 @@
               </a:tabLst>
             </a:pPr>
             <a:r>
-              <a:rPr b="0" lang="en-US" sz="1900" spc="-1" strike="noStrike">
+              <a:rPr b="0" lang="en-US" sz="1600" spc="-1" strike="noStrike">
                 <a:solidFill>
                   <a:srgbClr val="004c52"/>
                 </a:solidFill>
@@ -51382,12 +51382,12 @@
               </a:rPr>
               <a:t>Roblox</a:t>
             </a:r>
-            <a:endParaRPr b="0" lang="en-US" sz="1900" spc="-1" strike="noStrike">
-              <a:latin typeface="Arial"/>
-            </a:endParaRPr>
-          </a:p>
-          <a:p>
-            <a:pPr marL="76320">
+            <a:endParaRPr b="0" lang="en-US" sz="1600" spc="-1" strike="noStrike">
+              <a:latin typeface="Arial"/>
+            </a:endParaRPr>
+          </a:p>
+          <a:p>
+            <a:pPr marL="76320" indent="-324000">
               <a:lnSpc>
                 <a:spcPct val="100000"/>
               </a:lnSpc>
@@ -51404,7 +51404,7 @@
               </a:tabLst>
             </a:pPr>
             <a:r>
-              <a:rPr b="0" lang="en-US" sz="1900" spc="-1" strike="noStrike">
+              <a:rPr b="0" lang="en-US" sz="1600" spc="-1" strike="noStrike">
                 <a:solidFill>
                   <a:srgbClr val="004c52"/>
                 </a:solidFill>
@@ -51413,12 +51413,12 @@
               </a:rPr>
               <a:t>PubG</a:t>
             </a:r>
-            <a:endParaRPr b="0" lang="en-US" sz="1900" spc="-1" strike="noStrike">
-              <a:latin typeface="Arial"/>
-            </a:endParaRPr>
-          </a:p>
-          <a:p>
-            <a:pPr marL="76320">
+            <a:endParaRPr b="0" lang="en-US" sz="1600" spc="-1" strike="noStrike">
+              <a:latin typeface="Arial"/>
+            </a:endParaRPr>
+          </a:p>
+          <a:p>
+            <a:pPr marL="76320" indent="-324000">
               <a:lnSpc>
                 <a:spcPct val="100000"/>
               </a:lnSpc>
@@ -51435,7 +51435,7 @@
               </a:tabLst>
             </a:pPr>
             <a:r>
-              <a:rPr b="0" lang="en-US" sz="1900" spc="-1" strike="noStrike">
+              <a:rPr b="0" lang="en-US" sz="1600" spc="-1" strike="noStrike">
                 <a:solidFill>
                   <a:srgbClr val="004c52"/>
                 </a:solidFill>
@@ -51444,12 +51444,12 @@
               </a:rPr>
               <a:t>FreeFire.</a:t>
             </a:r>
-            <a:endParaRPr b="0" lang="en-US" sz="1900" spc="-1" strike="noStrike">
-              <a:latin typeface="Arial"/>
-            </a:endParaRPr>
-          </a:p>
-          <a:p>
-            <a:pPr marL="76320">
+            <a:endParaRPr b="0" lang="en-US" sz="1600" spc="-1" strike="noStrike">
+              <a:latin typeface="Arial"/>
+            </a:endParaRPr>
+          </a:p>
+          <a:p>
+            <a:pPr marL="76320" indent="-324000">
               <a:lnSpc>
                 <a:spcPct val="100000"/>
               </a:lnSpc>
@@ -51466,7 +51466,7 @@
               </a:tabLst>
             </a:pPr>
             <a:r>
-              <a:rPr b="0" lang="en-US" sz="1900" spc="-1" strike="noStrike">
+              <a:rPr b="0" lang="en-US" sz="1600" spc="-1" strike="noStrike">
                 <a:solidFill>
                   <a:srgbClr val="004c52"/>
                 </a:solidFill>
@@ -51475,12 +51475,12 @@
               </a:rPr>
               <a:t>GTA 5</a:t>
             </a:r>
-            <a:endParaRPr b="0" lang="en-US" sz="1900" spc="-1" strike="noStrike">
-              <a:latin typeface="Arial"/>
-            </a:endParaRPr>
-          </a:p>
-          <a:p>
-            <a:pPr marL="76320">
+            <a:endParaRPr b="0" lang="en-US" sz="1600" spc="-1" strike="noStrike">
+              <a:latin typeface="Arial"/>
+            </a:endParaRPr>
+          </a:p>
+          <a:p>
+            <a:pPr marL="76320" indent="-324000">
               <a:lnSpc>
                 <a:spcPct val="100000"/>
               </a:lnSpc>
@@ -51497,7 +51497,7 @@
               </a:tabLst>
             </a:pPr>
             <a:r>
-              <a:rPr b="0" lang="en-US" sz="1900" spc="-1" strike="noStrike">
+              <a:rPr b="0" lang="en-US" sz="1600" spc="-1" strike="noStrike">
                 <a:solidFill>
                   <a:srgbClr val="004c52"/>
                 </a:solidFill>
@@ -51506,12 +51506,12 @@
               </a:rPr>
               <a:t>Call of Duty</a:t>
             </a:r>
-            <a:endParaRPr b="0" lang="en-US" sz="1900" spc="-1" strike="noStrike">
-              <a:latin typeface="Arial"/>
-            </a:endParaRPr>
-          </a:p>
-          <a:p>
-            <a:pPr marL="76320">
+            <a:endParaRPr b="0" lang="en-US" sz="1600" spc="-1" strike="noStrike">
+              <a:latin typeface="Arial"/>
+            </a:endParaRPr>
+          </a:p>
+          <a:p>
+            <a:pPr marL="76320" indent="-324000">
               <a:lnSpc>
                 <a:spcPct val="100000"/>
               </a:lnSpc>
@@ -51528,7 +51528,7 @@
               </a:tabLst>
             </a:pPr>
             <a:r>
-              <a:rPr b="0" lang="en-US" sz="1900" spc="-1" strike="noStrike">
+              <a:rPr b="0" lang="en-US" sz="1600" spc="-1" strike="noStrike">
                 <a:solidFill>
                   <a:srgbClr val="004c52"/>
                 </a:solidFill>
@@ -51537,7 +51537,100 @@
               </a:rPr>
               <a:t>Legend of zelda</a:t>
             </a:r>
-            <a:endParaRPr b="0" lang="en-US" sz="1900" spc="-1" strike="noStrike">
+            <a:endParaRPr b="0" lang="en-US" sz="1600" spc="-1" strike="noStrike">
+              <a:latin typeface="Arial"/>
+            </a:endParaRPr>
+          </a:p>
+          <a:p>
+            <a:pPr marL="76320" indent="-324000">
+              <a:lnSpc>
+                <a:spcPct val="100000"/>
+              </a:lnSpc>
+              <a:spcBef>
+                <a:spcPts val="601"/>
+              </a:spcBef>
+              <a:buClr>
+                <a:srgbClr val="004c52"/>
+              </a:buClr>
+              <a:buFont typeface="Wingdings" charset="2"/>
+              <a:buChar char=""/>
+              <a:tabLst>
+                <a:tab algn="l" pos="0"/>
+              </a:tabLst>
+            </a:pPr>
+            <a:r>
+              <a:rPr b="0" lang="en-US" sz="1600" spc="-1" strike="noStrike">
+                <a:solidFill>
+                  <a:srgbClr val="004c52"/>
+                </a:solidFill>
+                <a:latin typeface="Karla"/>
+                <a:ea typeface="Karla"/>
+              </a:rPr>
+              <a:t>Adopt me!</a:t>
+            </a:r>
+            <a:endParaRPr b="0" lang="en-US" sz="1600" spc="-1" strike="noStrike">
+              <a:latin typeface="Arial"/>
+            </a:endParaRPr>
+          </a:p>
+          <a:p>
+            <a:pPr marL="76320" indent="-324000">
+              <a:lnSpc>
+                <a:spcPct val="100000"/>
+              </a:lnSpc>
+              <a:spcBef>
+                <a:spcPts val="601"/>
+              </a:spcBef>
+              <a:buClr>
+                <a:srgbClr val="004c52"/>
+              </a:buClr>
+              <a:buFont typeface="Wingdings" charset="2"/>
+              <a:buChar char=""/>
+              <a:tabLst>
+                <a:tab algn="l" pos="0"/>
+              </a:tabLst>
+            </a:pPr>
+            <a:r>
+              <a:rPr b="0" lang="en-US" sz="1600" spc="-1" strike="noStrike">
+                <a:solidFill>
+                  <a:srgbClr val="004c52"/>
+                </a:solidFill>
+                <a:latin typeface="Karla"/>
+                <a:ea typeface="Karla"/>
+              </a:rPr>
+              <a:t>Super Mario Bros</a:t>
+            </a:r>
+            <a:endParaRPr b="0" lang="en-US" sz="1600" spc="-1" strike="noStrike">
+              <a:latin typeface="Arial"/>
+            </a:endParaRPr>
+          </a:p>
+          <a:p>
+            <a:pPr marL="76320" indent="-324000">
+              <a:lnSpc>
+                <a:spcPct val="100000"/>
+              </a:lnSpc>
+              <a:spcBef>
+                <a:spcPts val="601"/>
+              </a:spcBef>
+              <a:buClr>
+                <a:srgbClr val="004c52"/>
+              </a:buClr>
+              <a:buFont typeface="Wingdings" charset="2"/>
+              <a:buChar char=""/>
+              <a:tabLst>
+                <a:tab algn="l" pos="0"/>
+              </a:tabLst>
+            </a:pPr>
+            <a:r>
+              <a:rPr b="0" lang="en-US" sz="1600" spc="-1" strike="noStrike">
+                <a:solidFill>
+                  <a:srgbClr val="004c52"/>
+                </a:solidFill>
+                <a:latin typeface="Karla"/>
+                <a:ea typeface="Karla"/>
+              </a:rPr>
+              <a:t>New Horrizon</a:t>
+            </a:r>
+            <a:endParaRPr b="0" lang="en-US" sz="1600" spc="-1" strike="noStrike">
               <a:latin typeface="Arial"/>
             </a:endParaRPr>
           </a:p>
@@ -51553,7 +51646,7 @@
                 <a:tab algn="l" pos="0"/>
               </a:tabLst>
             </a:pPr>
-            <a:endParaRPr b="0" lang="en-US" sz="1900" spc="-1" strike="noStrike">
+            <a:endParaRPr b="0" lang="en-US" sz="1600" spc="-1" strike="noStrike">
               <a:latin typeface="Arial"/>
             </a:endParaRPr>
           </a:p>
@@ -51569,7 +51662,7 @@
                 <a:tab algn="l" pos="0"/>
               </a:tabLst>
             </a:pPr>
-            <a:endParaRPr b="0" lang="en-US" sz="1900" spc="-1" strike="noStrike">
+            <a:endParaRPr b="0" lang="en-US" sz="1600" spc="-1" strike="noStrike">
               <a:latin typeface="Arial"/>
             </a:endParaRPr>
           </a:p>
@@ -51585,7 +51678,7 @@
                 <a:tab algn="l" pos="0"/>
               </a:tabLst>
             </a:pPr>
-            <a:endParaRPr b="0" lang="en-US" sz="1900" spc="-1" strike="noStrike">
+            <a:endParaRPr b="0" lang="en-US" sz="1600" spc="-1" strike="noStrike">
               <a:latin typeface="Arial"/>
             </a:endParaRPr>
           </a:p>
@@ -51601,7 +51694,7 @@
                 <a:tab algn="l" pos="0"/>
               </a:tabLst>
             </a:pPr>
-            <a:endParaRPr b="0" lang="en-US" sz="1900" spc="-1" strike="noStrike">
+            <a:endParaRPr b="0" lang="en-US" sz="1600" spc="-1" strike="noStrike">
               <a:latin typeface="Arial"/>
             </a:endParaRPr>
           </a:p>
@@ -51617,7 +51710,7 @@
                 <a:tab algn="l" pos="0"/>
               </a:tabLst>
             </a:pPr>
-            <a:endParaRPr b="0" lang="en-US" sz="1900" spc="-1" strike="noStrike">
+            <a:endParaRPr b="0" lang="en-US" sz="1600" spc="-1" strike="noStrike">
               <a:latin typeface="Arial"/>
             </a:endParaRPr>
           </a:p>
@@ -51633,7 +51726,7 @@
                 <a:tab algn="l" pos="0"/>
               </a:tabLst>
             </a:pPr>
-            <a:endParaRPr b="0" lang="en-US" sz="1900" spc="-1" strike="noStrike">
+            <a:endParaRPr b="0" lang="en-US" sz="1600" spc="-1" strike="noStrike">
               <a:latin typeface="Arial"/>
             </a:endParaRPr>
           </a:p>
@@ -51649,7 +51742,7 @@
                 <a:tab algn="l" pos="0"/>
               </a:tabLst>
             </a:pPr>
-            <a:endParaRPr b="0" lang="en-US" sz="1900" spc="-1" strike="noStrike">
+            <a:endParaRPr b="0" lang="en-US" sz="1600" spc="-1" strike="noStrike">
               <a:latin typeface="Arial"/>
             </a:endParaRPr>
           </a:p>
@@ -51665,7 +51758,7 @@
                 <a:tab algn="l" pos="0"/>
               </a:tabLst>
             </a:pPr>
-            <a:endParaRPr b="0" lang="en-US" sz="1900" spc="-1" strike="noStrike">
+            <a:endParaRPr b="0" lang="en-US" sz="1600" spc="-1" strike="noStrike">
               <a:latin typeface="Arial"/>
             </a:endParaRPr>
           </a:p>
@@ -51681,7 +51774,7 @@
                 <a:tab algn="l" pos="0"/>
               </a:tabLst>
             </a:pPr>
-            <a:endParaRPr b="0" lang="en-US" sz="1900" spc="-1" strike="noStrike">
+            <a:endParaRPr b="0" lang="en-US" sz="1600" spc="-1" strike="noStrike">
               <a:latin typeface="Arial"/>
             </a:endParaRPr>
           </a:p>
@@ -51697,7 +51790,7 @@
                 <a:tab algn="l" pos="0"/>
               </a:tabLst>
             </a:pPr>
-            <a:endParaRPr b="0" lang="en-US" sz="1900" spc="-1" strike="noStrike">
+            <a:endParaRPr b="0" lang="en-US" sz="1600" spc="-1" strike="noStrike">
               <a:latin typeface="Arial"/>
             </a:endParaRPr>
           </a:p>
@@ -51746,7 +51839,7 @@
         <p:spPr>
           <a:xfrm>
             <a:off x="3064680" y="1513080"/>
-            <a:ext cx="5532120" cy="1158120"/>
+            <a:ext cx="5531760" cy="1157760"/>
           </a:xfrm>
           <a:prstGeom prst="rect">
             <a:avLst/>
@@ -51798,7 +51891,7 @@
         <p:spPr>
           <a:xfrm>
             <a:off x="3064680" y="2636280"/>
-            <a:ext cx="5532120" cy="2196000"/>
+            <a:ext cx="5531760" cy="2195640"/>
           </a:xfrm>
           <a:prstGeom prst="rect">
             <a:avLst/>
@@ -51849,9 +51942,9 @@
         <p:grpSpPr>
           <a:xfrm>
             <a:off x="685800" y="1814400"/>
-            <a:ext cx="1680120" cy="1177920"/>
+            <a:ext cx="1679760" cy="1177560"/>
             <a:chOff x="685800" y="1814400"/>
-            <a:chExt cx="1680120" cy="1177920"/>
+            <a:chExt cx="1679760" cy="1177560"/>
           </a:xfrm>
         </p:grpSpPr>
         <p:sp>
@@ -51863,7 +51956,7 @@
           <p:spPr>
             <a:xfrm>
               <a:off x="685800" y="1814400"/>
-              <a:ext cx="1680120" cy="711360"/>
+              <a:ext cx="1679760" cy="711000"/>
             </a:xfrm>
             <a:custGeom>
               <a:avLst/>
@@ -51958,7 +52051,7 @@
           <p:spPr>
             <a:xfrm>
               <a:off x="685800" y="1972800"/>
-              <a:ext cx="1680120" cy="1019520"/>
+              <a:ext cx="1679760" cy="1019160"/>
             </a:xfrm>
             <a:custGeom>
               <a:avLst/>
@@ -52096,7 +52189,7 @@
         <p:spPr>
           <a:xfrm>
             <a:off x="1681920" y="2683080"/>
-            <a:ext cx="1272960" cy="1158120"/>
+            <a:ext cx="1272600" cy="1157760"/>
           </a:xfrm>
           <a:custGeom>
             <a:avLst/>
@@ -52561,7 +52654,7 @@
         <p:spPr>
           <a:xfrm>
             <a:off x="27000" y="4749840"/>
-            <a:ext cx="546840" cy="391680"/>
+            <a:ext cx="546480" cy="391320"/>
           </a:xfrm>
           <a:prstGeom prst="rect">
             <a:avLst/>
@@ -52601,7 +52694,7 @@
                 <a:tab algn="l" pos="0"/>
               </a:tabLst>
             </a:pPr>
-            <a:fld id="{A253A75D-E3E6-4F75-A005-FD73FDA23DDB}" type="slidenum">
+            <a:fld id="{35159202-3CF6-4F14-A4C9-8A34E235FE33}" type="slidenum">
               <a:rPr b="0" lang="en" sz="1200" spc="-1" strike="noStrike">
                 <a:solidFill>
                   <a:srgbClr val="00ae9d"/>
@@ -52626,7 +52719,7 @@
         <p:spPr>
           <a:xfrm>
             <a:off x="6005880" y="0"/>
-            <a:ext cx="3136320" cy="363960"/>
+            <a:ext cx="3135960" cy="363960"/>
           </a:xfrm>
           <a:prstGeom prst="rect">
             <a:avLst/>
@@ -52711,7 +52804,7 @@
         <p:spPr>
           <a:xfrm>
             <a:off x="27000" y="4749840"/>
-            <a:ext cx="546840" cy="391680"/>
+            <a:ext cx="546480" cy="391320"/>
           </a:xfrm>
           <a:prstGeom prst="rect">
             <a:avLst/>
@@ -52751,7 +52844,7 @@
                 <a:tab algn="l" pos="0"/>
               </a:tabLst>
             </a:pPr>
-            <a:fld id="{DE57DCF4-B7DD-4B0D-85CE-6F1A13DDE4B5}" type="slidenum">
+            <a:fld id="{1C9373E8-5508-4FB2-8A90-4ADD6B022A4D}" type="slidenum">
               <a:rPr b="0" lang="en" sz="1200" spc="-1" strike="noStrike">
                 <a:solidFill>
                   <a:srgbClr val="00ae9d"/>
@@ -52776,7 +52869,7 @@
         <p:spPr>
           <a:xfrm>
             <a:off x="7086960" y="4779000"/>
-            <a:ext cx="1827000" cy="363960"/>
+            <a:ext cx="1826640" cy="363960"/>
           </a:xfrm>
           <a:prstGeom prst="rect">
             <a:avLst/>
@@ -52831,7 +52924,7 @@
         <p:spPr>
           <a:xfrm>
             <a:off x="3085560" y="1561320"/>
-            <a:ext cx="3073320" cy="3073320"/>
+            <a:ext cx="3072960" cy="3072960"/>
           </a:xfrm>
           <a:prstGeom prst="rect">
             <a:avLst/>
@@ -52884,7 +52977,7 @@
         <p:spPr>
           <a:xfrm>
             <a:off x="886680" y="398520"/>
-            <a:ext cx="7368840" cy="855720"/>
+            <a:ext cx="7368480" cy="855360"/>
           </a:xfrm>
           <a:prstGeom prst="rect">
             <a:avLst/>
@@ -52933,7 +53026,7 @@
         <p:spPr>
           <a:xfrm>
             <a:off x="457200" y="1753920"/>
-            <a:ext cx="7368840" cy="3502440"/>
+            <a:ext cx="7368480" cy="3502080"/>
           </a:xfrm>
           <a:prstGeom prst="rect">
             <a:avLst/>
@@ -53122,7 +53215,7 @@
         <p:spPr>
           <a:xfrm>
             <a:off x="7086600" y="4774320"/>
-            <a:ext cx="2055600" cy="363960"/>
+            <a:ext cx="2055240" cy="363960"/>
           </a:xfrm>
           <a:prstGeom prst="rect">
             <a:avLst/>
@@ -53211,7 +53304,7 @@
         <p:spPr>
           <a:xfrm>
             <a:off x="886680" y="398520"/>
-            <a:ext cx="7368840" cy="855720"/>
+            <a:ext cx="7368480" cy="855360"/>
           </a:xfrm>
           <a:prstGeom prst="rect">
             <a:avLst/>
@@ -53256,7 +53349,7 @@
         <p:spPr>
           <a:xfrm>
             <a:off x="914400" y="1600200"/>
-            <a:ext cx="7368840" cy="3502440"/>
+            <a:ext cx="7368480" cy="3502080"/>
           </a:xfrm>
           <a:prstGeom prst="rect">
             <a:avLst/>
@@ -53415,7 +53508,7 @@
         <p:spPr>
           <a:xfrm>
             <a:off x="7086600" y="4774320"/>
-            <a:ext cx="2055600" cy="363960"/>
+            <a:ext cx="2055240" cy="363960"/>
           </a:xfrm>
           <a:prstGeom prst="rect">
             <a:avLst/>
@@ -53470,7 +53563,7 @@
         <p:spPr>
           <a:xfrm>
             <a:off x="859320" y="1447200"/>
-            <a:ext cx="7368840" cy="3325680"/>
+            <a:ext cx="7368480" cy="3325320"/>
           </a:xfrm>
           <a:prstGeom prst="rect">
             <a:avLst/>
@@ -53659,7 +53752,7 @@
         <p:spPr>
           <a:xfrm>
             <a:off x="886680" y="398520"/>
-            <a:ext cx="7368840" cy="855720"/>
+            <a:ext cx="7368480" cy="855360"/>
           </a:xfrm>
           <a:prstGeom prst="rect">
             <a:avLst/>
@@ -53708,7 +53801,7 @@
         <p:spPr>
           <a:xfrm>
             <a:off x="457200" y="2057400"/>
-            <a:ext cx="7368840" cy="3502440"/>
+            <a:ext cx="7368480" cy="3502080"/>
           </a:xfrm>
           <a:prstGeom prst="rect">
             <a:avLst/>
@@ -53845,7 +53938,7 @@
         <p:spPr>
           <a:xfrm>
             <a:off x="7086600" y="4774320"/>
-            <a:ext cx="2055600" cy="363960"/>
+            <a:ext cx="2055240" cy="363960"/>
           </a:xfrm>
           <a:prstGeom prst="rect">
             <a:avLst/>
@@ -53900,7 +53993,7 @@
         <p:spPr>
           <a:xfrm>
             <a:off x="859320" y="1598400"/>
-            <a:ext cx="7368840" cy="3325680"/>
+            <a:ext cx="7368480" cy="3325320"/>
           </a:xfrm>
           <a:prstGeom prst="rect">
             <a:avLst/>
@@ -54145,7 +54238,7 @@
         <p:spPr>
           <a:xfrm>
             <a:off x="914400" y="398520"/>
-            <a:ext cx="7313760" cy="855720"/>
+            <a:ext cx="7313400" cy="855360"/>
           </a:xfrm>
           <a:prstGeom prst="rect">
             <a:avLst/>
@@ -54194,7 +54287,7 @@
         <p:spPr>
           <a:xfrm>
             <a:off x="457200" y="2057400"/>
-            <a:ext cx="7368840" cy="3502440"/>
+            <a:ext cx="7368480" cy="3502080"/>
           </a:xfrm>
           <a:prstGeom prst="rect">
             <a:avLst/>
@@ -54331,7 +54424,7 @@
         <p:spPr>
           <a:xfrm>
             <a:off x="7086600" y="4774320"/>
-            <a:ext cx="2055600" cy="363960"/>
+            <a:ext cx="2055240" cy="363960"/>
           </a:xfrm>
           <a:prstGeom prst="rect">
             <a:avLst/>
@@ -54386,7 +54479,7 @@
         <p:spPr>
           <a:xfrm>
             <a:off x="859320" y="1255680"/>
-            <a:ext cx="7368840" cy="3325680"/>
+            <a:ext cx="7368480" cy="3325320"/>
           </a:xfrm>
           <a:prstGeom prst="rect">
             <a:avLst/>
@@ -54559,7 +54652,7 @@
         <p:spPr>
           <a:xfrm>
             <a:off x="886680" y="398520"/>
-            <a:ext cx="7368840" cy="855720"/>
+            <a:ext cx="7368480" cy="855360"/>
           </a:xfrm>
           <a:prstGeom prst="rect">
             <a:avLst/>
@@ -54608,7 +54701,7 @@
         <p:spPr>
           <a:xfrm>
             <a:off x="457200" y="5561280"/>
-            <a:ext cx="7368840" cy="380880"/>
+            <a:ext cx="7368480" cy="380520"/>
           </a:xfrm>
           <a:prstGeom prst="rect">
             <a:avLst/>
@@ -54745,7 +54838,7 @@
         <p:spPr>
           <a:xfrm>
             <a:off x="7086600" y="4774320"/>
-            <a:ext cx="2055600" cy="363960"/>
+            <a:ext cx="2055240" cy="363960"/>
           </a:xfrm>
           <a:prstGeom prst="rect">
             <a:avLst/>
@@ -54800,7 +54893,7 @@
         <p:spPr>
           <a:xfrm>
             <a:off x="859320" y="1255680"/>
-            <a:ext cx="7368840" cy="1714680"/>
+            <a:ext cx="7368480" cy="1714320"/>
           </a:xfrm>
           <a:prstGeom prst="rect">
             <a:avLst/>
@@ -54961,7 +55054,7 @@
         <p:spPr>
           <a:xfrm>
             <a:off x="859680" y="3200400"/>
-            <a:ext cx="7368840" cy="1379880"/>
+            <a:ext cx="7368480" cy="1379520"/>
           </a:xfrm>
           <a:prstGeom prst="rect">
             <a:avLst/>
@@ -55018,7 +55111,7 @@
         <p:spPr>
           <a:xfrm>
             <a:off x="27000" y="4749840"/>
-            <a:ext cx="546840" cy="391680"/>
+            <a:ext cx="546480" cy="391320"/>
           </a:xfrm>
           <a:prstGeom prst="rect">
             <a:avLst/>
@@ -55058,7 +55151,7 @@
                 <a:tab algn="l" pos="0"/>
               </a:tabLst>
             </a:pPr>
-            <a:fld id="{F4FB16FE-4BB4-44DB-82F9-4A1DBBE16B90}" type="slidenum">
+            <a:fld id="{18CEA4B9-2B73-4107-8DD8-34A39398E02B}" type="slidenum">
               <a:rPr b="0" lang="en" sz="1200" spc="-1" strike="noStrike">
                 <a:solidFill>
                   <a:srgbClr val="00ae9d"/>
@@ -55066,7 +55159,7 @@
                 <a:latin typeface="Karla"/>
                 <a:ea typeface="Karla"/>
               </a:rPr>
-              <a:t>8</a:t>
+              <a:t>&lt;number&gt;</a:t>
             </a:fld>
             <a:endParaRPr b="0" lang="en-US" sz="1200" spc="-1" strike="noStrike">
               <a:latin typeface="Times New Roman"/>
@@ -55083,7 +55176,7 @@
         <p:spPr>
           <a:xfrm>
             <a:off x="7086600" y="4774320"/>
-            <a:ext cx="2284200" cy="363960"/>
+            <a:ext cx="2283840" cy="363960"/>
           </a:xfrm>
           <a:prstGeom prst="rect">
             <a:avLst/>
@@ -55138,7 +55231,7 @@
         <p:spPr>
           <a:xfrm>
             <a:off x="886680" y="2512440"/>
-            <a:ext cx="7368840" cy="855720"/>
+            <a:ext cx="7368480" cy="855360"/>
           </a:xfrm>
           <a:prstGeom prst="rect">
             <a:avLst/>

--- a/Slides/Quarter 1/What is Metaverse.pptx
+++ b/Slides/Quarter 1/What is Metaverse.pptx
@@ -328,7 +328,7 @@
           </a:lstStyle>
           <a:p>
             <a:pPr algn="r"/>
-            <a:fld id="{78693FB9-4634-4226-9796-116229B3E31B}" type="slidenum">
+            <a:fld id="{75194B3D-BDA0-45A0-9602-CDB22A56E147}" type="slidenum">
               <a:rPr b="0" lang="en-US" sz="1400" spc="-1" strike="noStrike">
                 <a:latin typeface="Times New Roman"/>
               </a:rPr>
@@ -376,7 +376,7 @@
         <p:spPr>
           <a:xfrm>
             <a:off x="533520" y="764280"/>
-            <a:ext cx="6702840" cy="3769560"/>
+            <a:ext cx="6702480" cy="3769200"/>
           </a:xfrm>
           <a:prstGeom prst="rect">
             <a:avLst/>
@@ -395,7 +395,7 @@
         <p:spPr>
           <a:xfrm>
             <a:off x="777240" y="4777560"/>
-            <a:ext cx="6215760" cy="4524120"/>
+            <a:ext cx="6215400" cy="4523760"/>
           </a:xfrm>
           <a:prstGeom prst="rect">
             <a:avLst/>
@@ -698,7 +698,7 @@
         <p:txBody>
           <a:bodyPr/>
           <a:p>
-            <a:fld id="{E561ECC1-FBC0-4446-8257-7C35B9DDDA40}" type="slidenum">
+            <a:fld id="{2181BF9A-86D2-4770-8509-D75BD4EEAEDC}" type="slidenum">
               <a:t>&lt;#&gt;</a:t>
             </a:fld>
           </a:p>
@@ -775,7 +775,7 @@
         <p:txBody>
           <a:bodyPr/>
           <a:p>
-            <a:fld id="{E5E5B018-2858-4F3D-83F4-44195174FBF6}" type="slidenum">
+            <a:fld id="{6BC08F1A-0CB9-45E3-93A9-544C506D97FA}" type="slidenum">
               <a:t>&lt;#&gt;</a:t>
             </a:fld>
           </a:p>
@@ -852,7 +852,7 @@
         <p:txBody>
           <a:bodyPr/>
           <a:p>
-            <a:fld id="{A572683D-E9CD-47A2-8725-A4041D45383B}" type="slidenum">
+            <a:fld id="{BA5DD25F-1EDC-43EE-BE21-2514286BC7C1}" type="slidenum">
               <a:t>&lt;#&gt;</a:t>
             </a:fld>
           </a:p>
@@ -1031,7 +1031,7 @@
         <p:txBody>
           <a:bodyPr/>
           <a:p>
-            <a:fld id="{454C5986-B03D-4A1F-80CF-3B1F65FA5E3D}" type="slidenum">
+            <a:fld id="{B5CE9BCE-75EF-447E-9604-92E7CC095D98}" type="slidenum">
               <a:t>&lt;#&gt;</a:t>
             </a:fld>
           </a:p>
@@ -1210,7 +1210,7 @@
         <p:txBody>
           <a:bodyPr/>
           <a:p>
-            <a:fld id="{05E314E4-A78A-4188-A0C3-7B9771E67A7E}" type="slidenum">
+            <a:fld id="{AF3B3B2F-E859-4CC7-A344-4D822CB2B7E0}" type="slidenum">
               <a:t>&lt;#&gt;</a:t>
             </a:fld>
           </a:p>
@@ -1389,7 +1389,7 @@
         <p:txBody>
           <a:bodyPr/>
           <a:p>
-            <a:fld id="{18F1634E-B480-46DE-A164-029A3E7AB3C4}" type="slidenum">
+            <a:fld id="{984722DA-49B6-4C64-8FD4-4B4FF46C3761}" type="slidenum">
               <a:t>&lt;#&gt;</a:t>
             </a:fld>
           </a:p>
@@ -1534,7 +1534,7 @@
         <p:txBody>
           <a:bodyPr/>
           <a:p>
-            <a:fld id="{E402BDDB-2E67-4B6C-A0B4-E392FA038816}" type="slidenum">
+            <a:fld id="{D396D588-9133-4A5A-B214-386111AA0D83}" type="slidenum">
               <a:t>&lt;#&gt;</a:t>
             </a:fld>
           </a:p>
@@ -1747,7 +1747,7 @@
         <p:txBody>
           <a:bodyPr/>
           <a:p>
-            <a:fld id="{F151D65D-C5A1-4239-A8DD-D7FBF9090B82}" type="slidenum">
+            <a:fld id="{2B075D09-D2D1-434C-B43E-369C205E9A3B}" type="slidenum">
               <a:t>&lt;#&gt;</a:t>
             </a:fld>
           </a:p>
@@ -2028,7 +2028,7 @@
         <p:txBody>
           <a:bodyPr/>
           <a:p>
-            <a:fld id="{DAD23829-C394-48EF-9193-1546715428C8}" type="slidenum">
+            <a:fld id="{B5017CE3-A59D-4318-8615-40B7A12DDCAC}" type="slidenum">
               <a:t>&lt;#&gt;</a:t>
             </a:fld>
           </a:p>
@@ -2070,7 +2070,7 @@
         <p:txBody>
           <a:bodyPr/>
           <a:p>
-            <a:fld id="{C871E0B5-16A0-4F21-B062-7F135BD93BAE}" type="slidenum">
+            <a:fld id="{4E281F4A-6C6A-4A7A-95FE-EDB899676A13}" type="slidenum">
               <a:t>&lt;#&gt;</a:t>
             </a:fld>
           </a:p>
@@ -2375,7 +2375,7 @@
         <p:txBody>
           <a:bodyPr/>
           <a:p>
-            <a:fld id="{9C4A9820-DBB7-46BF-87DD-156041EC170E}" type="slidenum">
+            <a:fld id="{7A75EB5D-2015-443F-A512-E79E4790AF19}" type="slidenum">
               <a:t>&lt;#&gt;</a:t>
             </a:fld>
           </a:p>
@@ -2486,7 +2486,7 @@
         <p:txBody>
           <a:bodyPr/>
           <a:p>
-            <a:fld id="{139D0CFB-8B69-49DC-A6FD-CB63A01E99A2}" type="slidenum">
+            <a:fld id="{B6EAC136-9218-4443-95C8-BB7DCC4EF253}" type="slidenum">
               <a:t>&lt;#&gt;</a:t>
             </a:fld>
           </a:p>
@@ -2631,7 +2631,7 @@
         <p:txBody>
           <a:bodyPr/>
           <a:p>
-            <a:fld id="{39C5598D-FBFE-45E8-82D5-21BCE8CFBFCF}" type="slidenum">
+            <a:fld id="{1934D60A-5B03-4BAF-9841-DC96FE4A5F63}" type="slidenum">
               <a:t>&lt;#&gt;</a:t>
             </a:fld>
           </a:p>
@@ -2708,7 +2708,7 @@
         <p:txBody>
           <a:bodyPr/>
           <a:p>
-            <a:fld id="{488B42ED-94BF-4574-9C70-4C07D76938D0}" type="slidenum">
+            <a:fld id="{EA25A808-2429-46AD-9DF9-BCB6CB1315DF}" type="slidenum">
               <a:t>&lt;#&gt;</a:t>
             </a:fld>
           </a:p>
@@ -2785,7 +2785,7 @@
         <p:txBody>
           <a:bodyPr/>
           <a:p>
-            <a:fld id="{B6D87C18-6922-46D3-9926-26114649041C}" type="slidenum">
+            <a:fld id="{6C5B06EF-7E5B-4163-9055-F686995D8827}" type="slidenum">
               <a:t>&lt;#&gt;</a:t>
             </a:fld>
           </a:p>
@@ -2964,7 +2964,7 @@
         <p:txBody>
           <a:bodyPr/>
           <a:p>
-            <a:fld id="{EA086E73-9EC2-451E-975D-79419E1FAB99}" type="slidenum">
+            <a:fld id="{180C84F5-653A-475D-B9EC-B57202ADEB78}" type="slidenum">
               <a:t>&lt;#&gt;</a:t>
             </a:fld>
           </a:p>
@@ -3143,7 +3143,7 @@
         <p:txBody>
           <a:bodyPr/>
           <a:p>
-            <a:fld id="{BC830B87-A460-4510-B759-27770C51925C}" type="slidenum">
+            <a:fld id="{2EAB6773-1393-4886-A651-D633A4C3DEFD}" type="slidenum">
               <a:t>&lt;#&gt;</a:t>
             </a:fld>
           </a:p>
@@ -3322,7 +3322,7 @@
         <p:txBody>
           <a:bodyPr/>
           <a:p>
-            <a:fld id="{BA774C8C-E13F-419A-9AF3-08CEC1F151D0}" type="slidenum">
+            <a:fld id="{2350DA8E-D9F3-4410-8776-3AD389C602C1}" type="slidenum">
               <a:t>&lt;#&gt;</a:t>
             </a:fld>
           </a:p>
@@ -3467,7 +3467,7 @@
         <p:txBody>
           <a:bodyPr/>
           <a:p>
-            <a:fld id="{1EBAA9D3-E115-4DD0-A61F-5922818CD05B}" type="slidenum">
+            <a:fld id="{CEB6F1A2-ACC8-4676-8BE7-A32A91CD9467}" type="slidenum">
               <a:t>&lt;#&gt;</a:t>
             </a:fld>
           </a:p>
@@ -3680,7 +3680,7 @@
         <p:txBody>
           <a:bodyPr/>
           <a:p>
-            <a:fld id="{E3A964C6-345F-4D52-BFC4-344BA2D500D2}" type="slidenum">
+            <a:fld id="{8B1B30AD-6F45-4B7A-82A0-DD2275842422}" type="slidenum">
               <a:t>&lt;#&gt;</a:t>
             </a:fld>
           </a:p>
@@ -4222,7 +4222,7 @@
         <p:txBody>
           <a:bodyPr/>
           <a:p>
-            <a:fld id="{0257D0EB-4D0F-4E04-A27F-A03490DB4528}" type="slidenum">
+            <a:fld id="{2D4A8053-319E-4753-9D5A-E281212C7382}" type="slidenum">
               <a:t>&lt;#&gt;</a:t>
             </a:fld>
           </a:p>
@@ -4264,7 +4264,7 @@
         <p:txBody>
           <a:bodyPr/>
           <a:p>
-            <a:fld id="{25F29596-1979-4688-94EF-CCDBBF87532B}" type="slidenum">
+            <a:fld id="{28BAB38D-B784-4343-A1D4-302D7B9984BE}" type="slidenum">
               <a:t>&lt;#&gt;</a:t>
             </a:fld>
           </a:p>
@@ -4376,7 +4376,7 @@
         <p:txBody>
           <a:bodyPr/>
           <a:p>
-            <a:fld id="{09850656-A9B7-4D89-8602-07B7A0E018B4}" type="slidenum">
+            <a:fld id="{A50A01D7-0B21-4588-878B-FAB9AC5D28A4}" type="slidenum">
               <a:t>&lt;#&gt;</a:t>
             </a:fld>
           </a:p>
@@ -4487,7 +4487,7 @@
         <p:txBody>
           <a:bodyPr/>
           <a:p>
-            <a:fld id="{98DF7B45-FB47-4C4D-A9C6-FB5D882C4603}" type="slidenum">
+            <a:fld id="{0E5FD0E5-FEA7-463E-993D-06FF4A9FCB56}" type="slidenum">
               <a:t>&lt;#&gt;</a:t>
             </a:fld>
           </a:p>
@@ -4632,7 +4632,7 @@
         <p:txBody>
           <a:bodyPr/>
           <a:p>
-            <a:fld id="{74C8A65D-9575-4948-A798-538A439BC335}" type="slidenum">
+            <a:fld id="{CAA7F2E2-80CD-4685-A5E1-D9681EB25A0F}" type="slidenum">
               <a:t>&lt;#&gt;</a:t>
             </a:fld>
           </a:p>
@@ -4709,7 +4709,7 @@
         <p:txBody>
           <a:bodyPr/>
           <a:p>
-            <a:fld id="{20113E03-662E-41B5-AAEF-1AEE2F41CB59}" type="slidenum">
+            <a:fld id="{D2A2B4CC-D9B4-4D20-BA4A-AE245122C838}" type="slidenum">
               <a:t>&lt;#&gt;</a:t>
             </a:fld>
           </a:p>
@@ -4786,7 +4786,7 @@
         <p:txBody>
           <a:bodyPr/>
           <a:p>
-            <a:fld id="{0A665F21-5B89-46C0-9BBF-876C64C7AE25}" type="slidenum">
+            <a:fld id="{B466B336-ABCC-45CD-8161-69C7C491513F}" type="slidenum">
               <a:t>&lt;#&gt;</a:t>
             </a:fld>
           </a:p>
@@ -4965,7 +4965,7 @@
         <p:txBody>
           <a:bodyPr/>
           <a:p>
-            <a:fld id="{67A6F57D-18BC-45BF-8B7C-9338968B3AB0}" type="slidenum">
+            <a:fld id="{57292E8E-6E58-47AF-A584-3AF6A54EB39B}" type="slidenum">
               <a:t>&lt;#&gt;</a:t>
             </a:fld>
           </a:p>
@@ -5144,7 +5144,7 @@
         <p:txBody>
           <a:bodyPr/>
           <a:p>
-            <a:fld id="{56C26AA9-2A86-43FF-9FEB-2B768141FCE8}" type="slidenum">
+            <a:fld id="{5A71A8C4-BA25-499D-AB4B-0793E18F5DB4}" type="slidenum">
               <a:t>&lt;#&gt;</a:t>
             </a:fld>
           </a:p>
@@ -5323,7 +5323,7 @@
         <p:txBody>
           <a:bodyPr/>
           <a:p>
-            <a:fld id="{794BC91B-AF93-49CA-BE82-AE31FFA6E279}" type="slidenum">
+            <a:fld id="{036A077B-67B9-4F32-B4DF-3408D1DF94BF}" type="slidenum">
               <a:t>&lt;#&gt;</a:t>
             </a:fld>
           </a:p>
@@ -5365,7 +5365,7 @@
         <p:txBody>
           <a:bodyPr/>
           <a:p>
-            <a:fld id="{47C829DB-6A9D-4FD4-AA2C-2873CBCFC8E6}" type="slidenum">
+            <a:fld id="{C6FC1077-ED73-4ED9-8EFF-D9BDB30377ED}" type="slidenum">
               <a:t>&lt;#&gt;</a:t>
             </a:fld>
           </a:p>
@@ -5510,7 +5510,7 @@
         <p:txBody>
           <a:bodyPr/>
           <a:p>
-            <a:fld id="{E3B0D6EB-CA87-4AC8-9C04-CD7C5D6DF76D}" type="slidenum">
+            <a:fld id="{CDAC869E-03DD-45F5-B9B6-86AA25EED004}" type="slidenum">
               <a:t>&lt;#&gt;</a:t>
             </a:fld>
           </a:p>
@@ -5723,7 +5723,7 @@
         <p:txBody>
           <a:bodyPr/>
           <a:p>
-            <a:fld id="{AC966EEB-AADF-4DCC-8FD9-296060FFD31D}" type="slidenum">
+            <a:fld id="{78D8CDCC-A8A2-4CCB-9050-04EC2DB43716}" type="slidenum">
               <a:t>&lt;#&gt;</a:t>
             </a:fld>
           </a:p>
@@ -6004,7 +6004,7 @@
         <p:txBody>
           <a:bodyPr/>
           <a:p>
-            <a:fld id="{42D19FC6-0416-45EA-8E36-129F3E3CBEB1}" type="slidenum">
+            <a:fld id="{E4403240-4871-4236-8605-C6C097C233C5}" type="slidenum">
               <a:t>&lt;#&gt;</a:t>
             </a:fld>
           </a:p>
@@ -6046,7 +6046,7 @@
         <p:txBody>
           <a:bodyPr/>
           <a:p>
-            <a:fld id="{30B2D1FC-88B4-4256-B19B-6B99A4B13524}" type="slidenum">
+            <a:fld id="{8F7C7A2C-EF1F-4316-8624-F528D77B22E3}" type="slidenum">
               <a:t>&lt;#&gt;</a:t>
             </a:fld>
           </a:p>
@@ -6158,7 +6158,7 @@
         <p:txBody>
           <a:bodyPr/>
           <a:p>
-            <a:fld id="{910878C0-4B14-4B06-8782-6F1D07284F04}" type="slidenum">
+            <a:fld id="{D090F5A6-D0FF-430F-A2E2-7312912AAECD}" type="slidenum">
               <a:t>&lt;#&gt;</a:t>
             </a:fld>
           </a:p>
@@ -6269,7 +6269,7 @@
         <p:txBody>
           <a:bodyPr/>
           <a:p>
-            <a:fld id="{3418B7FB-DE06-4315-9272-B7A4E11556A2}" type="slidenum">
+            <a:fld id="{F0531F46-72B3-4B22-B26A-76DFA6265D65}" type="slidenum">
               <a:t>&lt;#&gt;</a:t>
             </a:fld>
           </a:p>
@@ -6414,7 +6414,7 @@
         <p:txBody>
           <a:bodyPr/>
           <a:p>
-            <a:fld id="{896DFCED-9860-48A5-B397-602167796EB2}" type="slidenum">
+            <a:fld id="{ECD8C85C-5410-4174-89B8-58A0231044CC}" type="slidenum">
               <a:t>&lt;#&gt;</a:t>
             </a:fld>
           </a:p>
@@ -6491,7 +6491,7 @@
         <p:txBody>
           <a:bodyPr/>
           <a:p>
-            <a:fld id="{246E233B-8781-408C-9A18-B87F166DC336}" type="slidenum">
+            <a:fld id="{75DCB94C-ECE7-464E-AF7E-7DC20FC4B2E4}" type="slidenum">
               <a:t>&lt;#&gt;</a:t>
             </a:fld>
           </a:p>
@@ -6568,7 +6568,7 @@
         <p:txBody>
           <a:bodyPr/>
           <a:p>
-            <a:fld id="{604B9C7F-721F-4044-9C28-3DFEA51349AC}" type="slidenum">
+            <a:fld id="{1EA1FA44-DBA7-41FB-A95A-071D6474A051}" type="slidenum">
               <a:t>&lt;#&gt;</a:t>
             </a:fld>
           </a:p>
@@ -6747,7 +6747,7 @@
         <p:txBody>
           <a:bodyPr/>
           <a:p>
-            <a:fld id="{9AB8B617-62E4-4AA0-9A98-614D089B9253}" type="slidenum">
+            <a:fld id="{D010271E-2142-46AE-B682-07E5698E93D6}" type="slidenum">
               <a:t>&lt;#&gt;</a:t>
             </a:fld>
           </a:p>
@@ -6859,7 +6859,7 @@
         <p:txBody>
           <a:bodyPr/>
           <a:p>
-            <a:fld id="{71EDE0D2-A2A9-445A-A3F0-791EE3780CDF}" type="slidenum">
+            <a:fld id="{C46D9CA3-C05C-4247-824E-96C465CD17DF}" type="slidenum">
               <a:t>&lt;#&gt;</a:t>
             </a:fld>
           </a:p>
@@ -7038,7 +7038,7 @@
         <p:txBody>
           <a:bodyPr/>
           <a:p>
-            <a:fld id="{F91CA1E1-AFF7-4752-A0DD-E2112FDBA2ED}" type="slidenum">
+            <a:fld id="{0B9D8D81-377B-48CB-A67C-B4BFBAB243CF}" type="slidenum">
               <a:t>&lt;#&gt;</a:t>
             </a:fld>
           </a:p>
@@ -7217,7 +7217,7 @@
         <p:txBody>
           <a:bodyPr/>
           <a:p>
-            <a:fld id="{D89B448D-4F4B-46AF-B203-049495CAEE5B}" type="slidenum">
+            <a:fld id="{CA4DA0C8-233C-40AF-9C9D-DC712CC4F681}" type="slidenum">
               <a:t>&lt;#&gt;</a:t>
             </a:fld>
           </a:p>
@@ -7362,7 +7362,7 @@
         <p:txBody>
           <a:bodyPr/>
           <a:p>
-            <a:fld id="{C0809C7A-F2ED-4938-ADCA-F2C5483CF4F7}" type="slidenum">
+            <a:fld id="{1BB9FED5-F824-433C-99C1-5516832CDAB5}" type="slidenum">
               <a:t>&lt;#&gt;</a:t>
             </a:fld>
           </a:p>
@@ -7575,7 +7575,7 @@
         <p:txBody>
           <a:bodyPr/>
           <a:p>
-            <a:fld id="{DBCFA5F1-7693-4737-8CD5-11593262719E}" type="slidenum">
+            <a:fld id="{9657DBC7-7F7B-40D4-ADEF-EAFF72A46FA5}" type="slidenum">
               <a:t>&lt;#&gt;</a:t>
             </a:fld>
           </a:p>
@@ -7856,7 +7856,7 @@
         <p:txBody>
           <a:bodyPr/>
           <a:p>
-            <a:fld id="{993C5315-B083-4BAB-9CF4-DA6CD8195FA3}" type="slidenum">
+            <a:fld id="{C225009E-206B-4981-87AD-3745875B6DC4}" type="slidenum">
               <a:t>&lt;#&gt;</a:t>
             </a:fld>
           </a:p>
@@ -7898,7 +7898,7 @@
         <p:txBody>
           <a:bodyPr/>
           <a:p>
-            <a:fld id="{D3C99175-8AE4-48ED-9C7D-0F4EEE8B22E4}" type="slidenum">
+            <a:fld id="{52C74A14-BFB3-4B96-ABC8-2914543118A6}" type="slidenum">
               <a:t>&lt;#&gt;</a:t>
             </a:fld>
           </a:p>
@@ -8010,7 +8010,7 @@
         <p:txBody>
           <a:bodyPr/>
           <a:p>
-            <a:fld id="{E8DCF938-4F8E-4DB9-AFC3-C690C3411F12}" type="slidenum">
+            <a:fld id="{A255F44C-5AFB-484F-A333-261F9239FB93}" type="slidenum">
               <a:t>&lt;#&gt;</a:t>
             </a:fld>
           </a:p>
@@ -8121,7 +8121,7 @@
         <p:txBody>
           <a:bodyPr/>
           <a:p>
-            <a:fld id="{8750C4D8-5589-4E42-8437-542CA9F8F22D}" type="slidenum">
+            <a:fld id="{2A4C9C03-2CF1-4514-941C-F8F4E90DD2CE}" type="slidenum">
               <a:t>&lt;#&gt;</a:t>
             </a:fld>
           </a:p>
@@ -8266,7 +8266,7 @@
         <p:txBody>
           <a:bodyPr/>
           <a:p>
-            <a:fld id="{FF543E05-AC0D-4FBC-AFD0-9092166174D1}" type="slidenum">
+            <a:fld id="{B0AEFA77-593C-4AEB-9FAE-B73A5C8725A5}" type="slidenum">
               <a:t>&lt;#&gt;</a:t>
             </a:fld>
           </a:p>
@@ -8343,7 +8343,7 @@
         <p:txBody>
           <a:bodyPr/>
           <a:p>
-            <a:fld id="{209F245F-E34F-4EED-AF31-34B4ED9FDB9E}" type="slidenum">
+            <a:fld id="{30B594EA-2178-4639-BD87-4738A3E1683A}" type="slidenum">
               <a:t>&lt;#&gt;</a:t>
             </a:fld>
           </a:p>
@@ -8454,7 +8454,7 @@
         <p:txBody>
           <a:bodyPr/>
           <a:p>
-            <a:fld id="{60FE072E-25F9-465C-815E-96E6597E2FF3}" type="slidenum">
+            <a:fld id="{FC77236D-7E9C-4193-AF0F-F16E6DB77985}" type="slidenum">
               <a:t>&lt;#&gt;</a:t>
             </a:fld>
           </a:p>
@@ -8531,7 +8531,7 @@
         <p:txBody>
           <a:bodyPr/>
           <a:p>
-            <a:fld id="{EA54D86B-BC81-438F-9329-BB6ABAFD259B}" type="slidenum">
+            <a:fld id="{6BEC3888-1276-4A90-9A56-B151A84F66AD}" type="slidenum">
               <a:t>&lt;#&gt;</a:t>
             </a:fld>
           </a:p>
@@ -8710,7 +8710,7 @@
         <p:txBody>
           <a:bodyPr/>
           <a:p>
-            <a:fld id="{73E06DC3-427C-442B-92FC-4FF39A6D9399}" type="slidenum">
+            <a:fld id="{34D83581-97B2-4DC9-BDBB-7D9D568A82A6}" type="slidenum">
               <a:t>&lt;#&gt;</a:t>
             </a:fld>
           </a:p>
@@ -8889,7 +8889,7 @@
         <p:txBody>
           <a:bodyPr/>
           <a:p>
-            <a:fld id="{2D570A06-22C4-4120-A98B-C37F63FCB5F3}" type="slidenum">
+            <a:fld id="{1045B0F9-3542-4F3E-B5DF-919C2EF28743}" type="slidenum">
               <a:t>&lt;#&gt;</a:t>
             </a:fld>
           </a:p>
@@ -9068,7 +9068,7 @@
         <p:txBody>
           <a:bodyPr/>
           <a:p>
-            <a:fld id="{135C5E99-F913-4ADC-BCBC-D95CC5354C03}" type="slidenum">
+            <a:fld id="{69D88192-C0B1-4825-9CD4-E235634E2C7D}" type="slidenum">
               <a:t>&lt;#&gt;</a:t>
             </a:fld>
           </a:p>
@@ -9213,7 +9213,7 @@
         <p:txBody>
           <a:bodyPr/>
           <a:p>
-            <a:fld id="{404F21AF-8F6E-4235-9A9E-3AA764D8DF33}" type="slidenum">
+            <a:fld id="{D434BF29-912E-4C36-8AF9-9CDEC16B91A7}" type="slidenum">
               <a:t>&lt;#&gt;</a:t>
             </a:fld>
           </a:p>
@@ -9426,7 +9426,7 @@
         <p:txBody>
           <a:bodyPr/>
           <a:p>
-            <a:fld id="{53B492D4-A290-4A36-AA9F-904F41FEDD4A}" type="slidenum">
+            <a:fld id="{4CA77E80-F85F-46C4-87A1-39BDF912D508}" type="slidenum">
               <a:t>&lt;#&gt;</a:t>
             </a:fld>
           </a:p>
@@ -9707,7 +9707,7 @@
         <p:txBody>
           <a:bodyPr/>
           <a:p>
-            <a:fld id="{62CC3D6B-29C8-48E9-804B-58EDB824D8E2}" type="slidenum">
+            <a:fld id="{E5EBA796-8308-4C98-803B-C097760C37D9}" type="slidenum">
               <a:t>&lt;#&gt;</a:t>
             </a:fld>
           </a:p>
@@ -9749,7 +9749,7 @@
         <p:txBody>
           <a:bodyPr/>
           <a:p>
-            <a:fld id="{605EC667-DEFF-4F8F-B18B-56B1CA02D3BB}" type="slidenum">
+            <a:fld id="{777664E1-26BE-4A93-A5B8-FCFC6E03BB6E}" type="slidenum">
               <a:t>&lt;#&gt;</a:t>
             </a:fld>
           </a:p>
@@ -9861,7 +9861,7 @@
         <p:txBody>
           <a:bodyPr/>
           <a:p>
-            <a:fld id="{5CC9C511-6B6A-475F-B397-4F6A60AA58D4}" type="slidenum">
+            <a:fld id="{86ACC610-44E6-4BE0-B2FD-95BF27A4933B}" type="slidenum">
               <a:t>&lt;#&gt;</a:t>
             </a:fld>
           </a:p>
@@ -9972,7 +9972,7 @@
         <p:txBody>
           <a:bodyPr/>
           <a:p>
-            <a:fld id="{B57051DD-CD2A-4EDA-8B56-9DA570E88317}" type="slidenum">
+            <a:fld id="{3649D87E-1CF5-4C57-ABA6-4A228CB0919F}" type="slidenum">
               <a:t>&lt;#&gt;</a:t>
             </a:fld>
           </a:p>
@@ -10117,7 +10117,7 @@
         <p:txBody>
           <a:bodyPr/>
           <a:p>
-            <a:fld id="{42B78860-13FA-4F78-8057-4FF29C0B82CF}" type="slidenum">
+            <a:fld id="{491172B1-031F-419A-A5AD-C62E380D57F3}" type="slidenum">
               <a:t>&lt;#&gt;</a:t>
             </a:fld>
           </a:p>
@@ -10262,7 +10262,7 @@
         <p:txBody>
           <a:bodyPr/>
           <a:p>
-            <a:fld id="{43AB2E5E-7AA4-4012-937E-2DAB086F0864}" type="slidenum">
+            <a:fld id="{16E3619F-D112-444A-B20B-B5E88B64F3AA}" type="slidenum">
               <a:t>&lt;#&gt;</a:t>
             </a:fld>
           </a:p>
@@ -10339,7 +10339,7 @@
         <p:txBody>
           <a:bodyPr/>
           <a:p>
-            <a:fld id="{A67EF0F2-4C5B-41AF-9E42-6CB3F175E3FA}" type="slidenum">
+            <a:fld id="{1A81A7DA-E6CE-4FD0-BDCB-7E65475DCE49}" type="slidenum">
               <a:t>&lt;#&gt;</a:t>
             </a:fld>
           </a:p>
@@ -10416,7 +10416,7 @@
         <p:txBody>
           <a:bodyPr/>
           <a:p>
-            <a:fld id="{5EBDACD5-8745-4C79-859A-A9CA050B122F}" type="slidenum">
+            <a:fld id="{040EABEB-3539-4585-BF42-5FB6CA22C24A}" type="slidenum">
               <a:t>&lt;#&gt;</a:t>
             </a:fld>
           </a:p>
@@ -10595,7 +10595,7 @@
         <p:txBody>
           <a:bodyPr/>
           <a:p>
-            <a:fld id="{4DE66E93-E688-4825-9FDE-F6B63A65E01C}" type="slidenum">
+            <a:fld id="{B3416FEA-9171-44C9-99B2-1FDFBEA00C25}" type="slidenum">
               <a:t>&lt;#&gt;</a:t>
             </a:fld>
           </a:p>
@@ -10774,7 +10774,7 @@
         <p:txBody>
           <a:bodyPr/>
           <a:p>
-            <a:fld id="{DFAF8582-EF02-4935-97D6-0DE88BFE7952}" type="slidenum">
+            <a:fld id="{DB6D56BC-0397-4433-9F62-0BEC44941FF1}" type="slidenum">
               <a:t>&lt;#&gt;</a:t>
             </a:fld>
           </a:p>
@@ -10953,7 +10953,7 @@
         <p:txBody>
           <a:bodyPr/>
           <a:p>
-            <a:fld id="{234F4E74-AE90-4930-9F48-D3E0FFEE2FCC}" type="slidenum">
+            <a:fld id="{45CB3B6B-2600-4371-A38A-C84A2266E78F}" type="slidenum">
               <a:t>&lt;#&gt;</a:t>
             </a:fld>
           </a:p>
@@ -11098,7 +11098,7 @@
         <p:txBody>
           <a:bodyPr/>
           <a:p>
-            <a:fld id="{AA8CCE7F-B135-4263-A182-5BC97E4C4977}" type="slidenum">
+            <a:fld id="{9E2A1D80-B2DD-4CF5-8BA9-1C269C74C018}" type="slidenum">
               <a:t>&lt;#&gt;</a:t>
             </a:fld>
           </a:p>
@@ -11311,7 +11311,7 @@
         <p:txBody>
           <a:bodyPr/>
           <a:p>
-            <a:fld id="{FBF91B52-0AFA-4FF6-8FC2-478615890E39}" type="slidenum">
+            <a:fld id="{01A886A8-21EA-4350-80CE-6438973A0835}" type="slidenum">
               <a:t>&lt;#&gt;</a:t>
             </a:fld>
           </a:p>
@@ -11592,7 +11592,7 @@
         <p:txBody>
           <a:bodyPr/>
           <a:p>
-            <a:fld id="{97E3B2A8-76A9-4C43-A76E-6D286C46132C}" type="slidenum">
+            <a:fld id="{2425E4F0-B4D9-48FA-9449-466DDA4B436A}" type="slidenum">
               <a:t>&lt;#&gt;</a:t>
             </a:fld>
           </a:p>
@@ -11634,7 +11634,7 @@
         <p:txBody>
           <a:bodyPr/>
           <a:p>
-            <a:fld id="{9EEB448A-CA1B-4D79-9F0F-45439A849829}" type="slidenum">
+            <a:fld id="{AF165869-5B97-4361-BF86-BC637D13715D}" type="slidenum">
               <a:t>&lt;#&gt;</a:t>
             </a:fld>
           </a:p>
@@ -11711,7 +11711,7 @@
         <p:txBody>
           <a:bodyPr/>
           <a:p>
-            <a:fld id="{C9C25741-1DC3-43DD-9AAD-C0B892E62350}" type="slidenum">
+            <a:fld id="{AB3C8924-C9F1-44E5-9DB0-1D7A37440967}" type="slidenum">
               <a:t>&lt;#&gt;</a:t>
             </a:fld>
           </a:p>
@@ -11823,7 +11823,7 @@
         <p:txBody>
           <a:bodyPr/>
           <a:p>
-            <a:fld id="{0664B2A4-FF8C-493A-B96D-CF386AD78B49}" type="slidenum">
+            <a:fld id="{9C31CE48-FBE2-40B6-B246-585C2D446CA9}" type="slidenum">
               <a:t>&lt;#&gt;</a:t>
             </a:fld>
           </a:p>
@@ -11934,7 +11934,7 @@
         <p:txBody>
           <a:bodyPr/>
           <a:p>
-            <a:fld id="{0027878D-9CCC-4430-8836-812DE1B1D0EA}" type="slidenum">
+            <a:fld id="{A9C4924C-32D3-48B6-ADC6-EEE9B49C531D}" type="slidenum">
               <a:t>&lt;#&gt;</a:t>
             </a:fld>
           </a:p>
@@ -12079,7 +12079,7 @@
         <p:txBody>
           <a:bodyPr/>
           <a:p>
-            <a:fld id="{DE66765D-1649-44D1-B776-74D48780F56D}" type="slidenum">
+            <a:fld id="{6FAFFE66-5762-4925-B653-C81EC4D340D8}" type="slidenum">
               <a:t>&lt;#&gt;</a:t>
             </a:fld>
           </a:p>
@@ -12156,7 +12156,7 @@
         <p:txBody>
           <a:bodyPr/>
           <a:p>
-            <a:fld id="{5591B8D8-E6A6-4390-8CE1-517629838AF1}" type="slidenum">
+            <a:fld id="{CA7A918F-70B1-4292-993B-8157039E0809}" type="slidenum">
               <a:t>&lt;#&gt;</a:t>
             </a:fld>
           </a:p>
@@ -12233,7 +12233,7 @@
         <p:txBody>
           <a:bodyPr/>
           <a:p>
-            <a:fld id="{C4FAA9E4-490F-4FA4-B4D3-8E65466ADBB2}" type="slidenum">
+            <a:fld id="{61A241F9-BE3D-4507-93EA-6A1796C281AF}" type="slidenum">
               <a:t>&lt;#&gt;</a:t>
             </a:fld>
           </a:p>
@@ -12412,7 +12412,7 @@
         <p:txBody>
           <a:bodyPr/>
           <a:p>
-            <a:fld id="{49DFD11D-42D6-4B13-AF74-6CBC7274ADC5}" type="slidenum">
+            <a:fld id="{E3971D43-59F0-4661-9F6F-F516312D1F1C}" type="slidenum">
               <a:t>&lt;#&gt;</a:t>
             </a:fld>
           </a:p>
@@ -12591,7 +12591,7 @@
         <p:txBody>
           <a:bodyPr/>
           <a:p>
-            <a:fld id="{1595683B-7A98-4FF4-B4E4-FA86DAF795C6}" type="slidenum">
+            <a:fld id="{C0CF3B8D-D880-438F-865F-729165545480}" type="slidenum">
               <a:t>&lt;#&gt;</a:t>
             </a:fld>
           </a:p>
@@ -12770,7 +12770,7 @@
         <p:txBody>
           <a:bodyPr/>
           <a:p>
-            <a:fld id="{D3E0F4DD-CA3F-4CBC-B5C8-BA18742DA0CA}" type="slidenum">
+            <a:fld id="{5D9547EC-0C28-4DAA-BC32-D23FDD33FDCC}" type="slidenum">
               <a:t>&lt;#&gt;</a:t>
             </a:fld>
           </a:p>
@@ -12915,7 +12915,7 @@
         <p:txBody>
           <a:bodyPr/>
           <a:p>
-            <a:fld id="{E093BE9F-E66F-40F5-8304-7446C9F7F80C}" type="slidenum">
+            <a:fld id="{ABBCC912-5C84-48E5-98B2-3B889CB12570}" type="slidenum">
               <a:t>&lt;#&gt;</a:t>
             </a:fld>
           </a:p>
@@ -13128,7 +13128,7 @@
         <p:txBody>
           <a:bodyPr/>
           <a:p>
-            <a:fld id="{B5580498-08B5-48A1-AC3E-3A045692DD67}" type="slidenum">
+            <a:fld id="{11602460-AC6D-4A08-9D0A-B7FB989E91CB}" type="slidenum">
               <a:t>&lt;#&gt;</a:t>
             </a:fld>
           </a:p>
@@ -13205,7 +13205,7 @@
         <p:txBody>
           <a:bodyPr/>
           <a:p>
-            <a:fld id="{51AE54F6-5438-4E8C-A58F-27C03626999B}" type="slidenum">
+            <a:fld id="{A5BFD841-AF0A-47B1-B3BE-67017C6F8933}" type="slidenum">
               <a:t>&lt;#&gt;</a:t>
             </a:fld>
           </a:p>
@@ -13486,7 +13486,7 @@
         <p:txBody>
           <a:bodyPr/>
           <a:p>
-            <a:fld id="{49D9B2D4-59A2-4681-89FA-74CA6F894D12}" type="slidenum">
+            <a:fld id="{2032B794-A510-4A2C-967C-E36B0421551D}" type="slidenum">
               <a:t>&lt;#&gt;</a:t>
             </a:fld>
           </a:p>
@@ -13528,7 +13528,7 @@
         <p:txBody>
           <a:bodyPr/>
           <a:p>
-            <a:fld id="{D9C25FAC-F000-40B0-832F-92E6053EF370}" type="slidenum">
+            <a:fld id="{A915AC5C-47D9-46DC-BCC7-61799E278298}" type="slidenum">
               <a:t>&lt;#&gt;</a:t>
             </a:fld>
           </a:p>
@@ -13640,7 +13640,7 @@
         <p:txBody>
           <a:bodyPr/>
           <a:p>
-            <a:fld id="{5FB32E9D-DA53-431E-9E91-A8996475F761}" type="slidenum">
+            <a:fld id="{EB4D3841-6CF7-458C-BF37-FD1801D9290A}" type="slidenum">
               <a:t>&lt;#&gt;</a:t>
             </a:fld>
           </a:p>
@@ -13751,7 +13751,7 @@
         <p:txBody>
           <a:bodyPr/>
           <a:p>
-            <a:fld id="{2B811881-2A2C-479F-8EF0-B0F8CACF82CE}" type="slidenum">
+            <a:fld id="{7859F7EF-0650-409B-9C38-ED2796D10DAC}" type="slidenum">
               <a:t>&lt;#&gt;</a:t>
             </a:fld>
           </a:p>
@@ -13896,7 +13896,7 @@
         <p:txBody>
           <a:bodyPr/>
           <a:p>
-            <a:fld id="{A067B639-F687-420E-9415-C23F862286ED}" type="slidenum">
+            <a:fld id="{46970E3F-052F-4FAA-A3FC-53D28552388A}" type="slidenum">
               <a:t>&lt;#&gt;</a:t>
             </a:fld>
           </a:p>
@@ -13973,7 +13973,7 @@
         <p:txBody>
           <a:bodyPr/>
           <a:p>
-            <a:fld id="{5AA8EDCB-C741-443B-BFFE-666ECDBFEF7A}" type="slidenum">
+            <a:fld id="{0E340DFF-73F4-40E8-9C96-F971CB5FBA79}" type="slidenum">
               <a:t>&lt;#&gt;</a:t>
             </a:fld>
           </a:p>
@@ -14050,7 +14050,7 @@
         <p:txBody>
           <a:bodyPr/>
           <a:p>
-            <a:fld id="{E5AE19A1-D42B-4F89-8D8B-7645F1408EF4}" type="slidenum">
+            <a:fld id="{05049F7E-32A4-426A-A055-57287BA2CAD1}" type="slidenum">
               <a:t>&lt;#&gt;</a:t>
             </a:fld>
           </a:p>
@@ -14229,7 +14229,7 @@
         <p:txBody>
           <a:bodyPr/>
           <a:p>
-            <a:fld id="{E0778F1B-2A47-4B58-8A97-09FB56ED894E}" type="slidenum">
+            <a:fld id="{785D742A-7DE9-40BD-B18E-6C0FEA63F5A0}" type="slidenum">
               <a:t>&lt;#&gt;</a:t>
             </a:fld>
           </a:p>
@@ -14408,7 +14408,7 @@
         <p:txBody>
           <a:bodyPr/>
           <a:p>
-            <a:fld id="{4157ADED-C501-4195-8F08-AAA69DBA9C6A}" type="slidenum">
+            <a:fld id="{20297989-9DE2-417A-8814-C62C4D20C8DA}" type="slidenum">
               <a:t>&lt;#&gt;</a:t>
             </a:fld>
           </a:p>
@@ -14587,7 +14587,7 @@
         <p:txBody>
           <a:bodyPr/>
           <a:p>
-            <a:fld id="{859FAA3B-08D3-4822-853D-A1EDBA3294C1}" type="slidenum">
+            <a:fld id="{CA214B0E-19C1-4C01-9ED1-A004E381CF94}" type="slidenum">
               <a:t>&lt;#&gt;</a:t>
             </a:fld>
           </a:p>
@@ -14766,7 +14766,7 @@
         <p:txBody>
           <a:bodyPr/>
           <a:p>
-            <a:fld id="{09711C9B-8A64-46D2-9655-72318F18B63D}" type="slidenum">
+            <a:fld id="{3F8FEE8D-5A2F-46AE-9CED-BAD4766ED98A}" type="slidenum">
               <a:t>&lt;#&gt;</a:t>
             </a:fld>
           </a:p>
@@ -14911,7 +14911,7 @@
         <p:txBody>
           <a:bodyPr/>
           <a:p>
-            <a:fld id="{16F64300-2BF9-4A00-852A-E6E5E0202933}" type="slidenum">
+            <a:fld id="{337339F2-820A-4136-8CE1-C87090F8C340}" type="slidenum">
               <a:t>&lt;#&gt;</a:t>
             </a:fld>
           </a:p>
@@ -15124,7 +15124,7 @@
         <p:txBody>
           <a:bodyPr/>
           <a:p>
-            <a:fld id="{B5802F4B-0447-4B8F-87F8-761FA49D4BC6}" type="slidenum">
+            <a:fld id="{DC1C7060-2A7A-40AD-BF27-6943093CCE96}" type="slidenum">
               <a:t>&lt;#&gt;</a:t>
             </a:fld>
           </a:p>
@@ -15405,7 +15405,7 @@
         <p:txBody>
           <a:bodyPr/>
           <a:p>
-            <a:fld id="{36820706-0527-4125-B7A9-6F4C24C09BCE}" type="slidenum">
+            <a:fld id="{5E715821-AF7F-4608-BCA7-62D760405570}" type="slidenum">
               <a:t>&lt;#&gt;</a:t>
             </a:fld>
           </a:p>
@@ -15447,7 +15447,7 @@
         <p:txBody>
           <a:bodyPr/>
           <a:p>
-            <a:fld id="{6FB3D14B-E4CD-4B14-A4A5-286F60CAD1ED}" type="slidenum">
+            <a:fld id="{7A5D9F28-EBE6-4574-919B-D2B1ACA7617E}" type="slidenum">
               <a:t>&lt;#&gt;</a:t>
             </a:fld>
           </a:p>
@@ -15559,7 +15559,7 @@
         <p:txBody>
           <a:bodyPr/>
           <a:p>
-            <a:fld id="{F5C285BC-6A32-4C8A-A9AC-FC7AD07996D9}" type="slidenum">
+            <a:fld id="{718B9427-0849-4B31-9BDF-7C13528F94EC}" type="slidenum">
               <a:t>&lt;#&gt;</a:t>
             </a:fld>
           </a:p>
@@ -15670,7 +15670,7 @@
         <p:txBody>
           <a:bodyPr/>
           <a:p>
-            <a:fld id="{F5111B49-941F-4122-84D1-7F989F34028B}" type="slidenum">
+            <a:fld id="{6A3A9C89-E04F-493D-B3B0-6C21BAAABB2C}" type="slidenum">
               <a:t>&lt;#&gt;</a:t>
             </a:fld>
           </a:p>
@@ -15815,7 +15815,7 @@
         <p:txBody>
           <a:bodyPr/>
           <a:p>
-            <a:fld id="{97926FF5-ACF4-49A9-A4A0-9B08FAF08A51}" type="slidenum">
+            <a:fld id="{34CE3D2B-8611-4358-89F2-9FCA6BF9827B}" type="slidenum">
               <a:t>&lt;#&gt;</a:t>
             </a:fld>
           </a:p>
@@ -15892,7 +15892,7 @@
         <p:txBody>
           <a:bodyPr/>
           <a:p>
-            <a:fld id="{D6C6F76A-58B6-41A5-8C49-710F36D3C453}" type="slidenum">
+            <a:fld id="{18B6614D-7600-4F73-A54C-44BDC70102FA}" type="slidenum">
               <a:t>&lt;#&gt;</a:t>
             </a:fld>
           </a:p>
@@ -15969,7 +15969,7 @@
         <p:txBody>
           <a:bodyPr/>
           <a:p>
-            <a:fld id="{17964567-954A-4E7C-8140-1747A3C75581}" type="slidenum">
+            <a:fld id="{20B909A5-F376-4D2E-9717-625F5E0E43B8}" type="slidenum">
               <a:t>&lt;#&gt;</a:t>
             </a:fld>
           </a:p>
@@ -16148,7 +16148,7 @@
         <p:txBody>
           <a:bodyPr/>
           <a:p>
-            <a:fld id="{85F65F82-581E-46D2-B27A-5EE428929571}" type="slidenum">
+            <a:fld id="{DAC32B9F-6D7D-440C-8A5E-900B39C3313C}" type="slidenum">
               <a:t>&lt;#&gt;</a:t>
             </a:fld>
           </a:p>
@@ -16419,7 +16419,7 @@
         <p:txBody>
           <a:bodyPr/>
           <a:p>
-            <a:fld id="{DB453E20-8964-48E0-AF21-D6D3E8DBA46D}" type="slidenum">
+            <a:fld id="{09DEF4CC-5572-481B-8913-17E95877B8A2}" type="slidenum">
               <a:t>&lt;#&gt;</a:t>
             </a:fld>
           </a:p>
@@ -16598,7 +16598,7 @@
         <p:txBody>
           <a:bodyPr/>
           <a:p>
-            <a:fld id="{AB2377D0-DD5C-4270-9A7F-B2E8DA9DDBFC}" type="slidenum">
+            <a:fld id="{70A79DAC-486D-4E2E-998D-0772BBB87E33}" type="slidenum">
               <a:t>&lt;#&gt;</a:t>
             </a:fld>
           </a:p>
@@ -16777,7 +16777,7 @@
         <p:txBody>
           <a:bodyPr/>
           <a:p>
-            <a:fld id="{B9658F80-E723-461E-A8F2-F1F3865B103E}" type="slidenum">
+            <a:fld id="{31A2ACFE-DE42-48E9-8D49-34B657A10C57}" type="slidenum">
               <a:t>&lt;#&gt;</a:t>
             </a:fld>
           </a:p>
@@ -16922,7 +16922,7 @@
         <p:txBody>
           <a:bodyPr/>
           <a:p>
-            <a:fld id="{0F7759B6-075E-483B-9C18-91CF5D7E7856}" type="slidenum">
+            <a:fld id="{08DB194B-80DB-4365-A937-EADB840C6415}" type="slidenum">
               <a:t>&lt;#&gt;</a:t>
             </a:fld>
           </a:p>
@@ -17135,7 +17135,7 @@
         <p:txBody>
           <a:bodyPr/>
           <a:p>
-            <a:fld id="{8C930417-8D46-4C8A-A1F2-EFE76BF5F8A3}" type="slidenum">
+            <a:fld id="{67088A9D-E2D6-41ED-BE47-5DE9EE6AEA5D}" type="slidenum">
               <a:t>&lt;#&gt;</a:t>
             </a:fld>
           </a:p>
@@ -17416,7 +17416,7 @@
         <p:txBody>
           <a:bodyPr/>
           <a:p>
-            <a:fld id="{B9D4FFA9-2D4D-4D0A-B4DB-0ACC39601317}" type="slidenum">
+            <a:fld id="{F4BD0791-F8F4-4C57-82D0-40E42A0CBAF3}" type="slidenum">
               <a:t>&lt;#&gt;</a:t>
             </a:fld>
           </a:p>
@@ -17458,7 +17458,7 @@
         <p:txBody>
           <a:bodyPr/>
           <a:p>
-            <a:fld id="{3238B45B-6F76-4C80-8776-0E9DED8FD9FB}" type="slidenum">
+            <a:fld id="{AB8E2AB6-8998-43DE-A653-D37B271D0B05}" type="slidenum">
               <a:t>&lt;#&gt;</a:t>
             </a:fld>
           </a:p>
@@ -17570,7 +17570,7 @@
         <p:txBody>
           <a:bodyPr/>
           <a:p>
-            <a:fld id="{4EBD82F5-FE9D-4D00-9D4E-C78ACBAF4E6E}" type="slidenum">
+            <a:fld id="{C684EE1B-77E1-43A7-A774-A1C9C7DDE8B2}" type="slidenum">
               <a:t>&lt;#&gt;</a:t>
             </a:fld>
           </a:p>
@@ -17681,7 +17681,7 @@
         <p:txBody>
           <a:bodyPr/>
           <a:p>
-            <a:fld id="{541DFCB2-699A-4F0B-83FE-799C23D5734A}" type="slidenum">
+            <a:fld id="{37BEC083-6067-4830-92B7-9EAC1D7F5E4D}" type="slidenum">
               <a:t>&lt;#&gt;</a:t>
             </a:fld>
           </a:p>
@@ -17826,7 +17826,7 @@
         <p:txBody>
           <a:bodyPr/>
           <a:p>
-            <a:fld id="{50D03C15-D616-4218-99EB-6B9C7701DDF3}" type="slidenum">
+            <a:fld id="{63885978-2474-445E-A3A4-B66E8DB7CCE6}" type="slidenum">
               <a:t>&lt;#&gt;</a:t>
             </a:fld>
           </a:p>
@@ -17903,7 +17903,7 @@
         <p:txBody>
           <a:bodyPr/>
           <a:p>
-            <a:fld id="{82027987-783F-4263-B59B-66590B3CD15C}" type="slidenum">
+            <a:fld id="{3A87909B-6285-43BF-B6D6-FC59939A7A39}" type="slidenum">
               <a:t>&lt;#&gt;</a:t>
             </a:fld>
           </a:p>
@@ -18082,7 +18082,7 @@
         <p:txBody>
           <a:bodyPr/>
           <a:p>
-            <a:fld id="{EF0AD5FD-06FD-43BF-BA2C-876ED6D24039}" type="slidenum">
+            <a:fld id="{A8AFA968-C047-431F-B006-9E5E6F493737}" type="slidenum">
               <a:t>&lt;#&gt;</a:t>
             </a:fld>
           </a:p>
@@ -18159,7 +18159,7 @@
         <p:txBody>
           <a:bodyPr/>
           <a:p>
-            <a:fld id="{5DFD9085-2670-4A64-BAAA-D47C419E904A}" type="slidenum">
+            <a:fld id="{8E943AFD-86FC-4E13-B3CC-3180D103D059}" type="slidenum">
               <a:t>&lt;#&gt;</a:t>
             </a:fld>
           </a:p>
@@ -18338,7 +18338,7 @@
         <p:txBody>
           <a:bodyPr/>
           <a:p>
-            <a:fld id="{3EE4E334-112B-4CEA-8AC8-BAC7C3078D93}" type="slidenum">
+            <a:fld id="{89105961-F668-4BF5-8965-DEC21A7226B2}" type="slidenum">
               <a:t>&lt;#&gt;</a:t>
             </a:fld>
           </a:p>
@@ -18517,7 +18517,7 @@
         <p:txBody>
           <a:bodyPr/>
           <a:p>
-            <a:fld id="{ADFC2290-A6D1-4E2B-A964-BC0ECA5A5D69}" type="slidenum">
+            <a:fld id="{24FA2E12-D94D-406C-AE78-C02E30F0414A}" type="slidenum">
               <a:t>&lt;#&gt;</a:t>
             </a:fld>
           </a:p>
@@ -18696,7 +18696,7 @@
         <p:txBody>
           <a:bodyPr/>
           <a:p>
-            <a:fld id="{8057A4DB-3235-4A7E-BC25-7805EC34BBB3}" type="slidenum">
+            <a:fld id="{93257FC7-5900-4799-9EC9-922F319C84B5}" type="slidenum">
               <a:t>&lt;#&gt;</a:t>
             </a:fld>
           </a:p>
@@ -18841,7 +18841,7 @@
         <p:txBody>
           <a:bodyPr/>
           <a:p>
-            <a:fld id="{7DB6F785-53FA-4E4B-8962-0CB9F83BB763}" type="slidenum">
+            <a:fld id="{BC18E13A-61F6-4672-B135-55AF5D7031E1}" type="slidenum">
               <a:t>&lt;#&gt;</a:t>
             </a:fld>
           </a:p>
@@ -19054,7 +19054,7 @@
         <p:txBody>
           <a:bodyPr/>
           <a:p>
-            <a:fld id="{6D04E9B0-A76E-46C3-89FB-04E8E4B029D9}" type="slidenum">
+            <a:fld id="{F89A6FD7-7628-4BC8-BA89-602AA48B8FD4}" type="slidenum">
               <a:t>&lt;#&gt;</a:t>
             </a:fld>
           </a:p>
@@ -19335,7 +19335,7 @@
         <p:txBody>
           <a:bodyPr/>
           <a:p>
-            <a:fld id="{DE81722F-391C-48FF-8111-42D7C34EFB29}" type="slidenum">
+            <a:fld id="{ACD7E2D7-7DE5-4CB3-A4E9-8E6D047C0FC2}" type="slidenum">
               <a:t>&lt;#&gt;</a:t>
             </a:fld>
           </a:p>
@@ -19480,7 +19480,7 @@
         <p:txBody>
           <a:bodyPr/>
           <a:p>
-            <a:fld id="{67BB5F43-0F0F-4ED9-B721-080E652009C3}" type="slidenum">
+            <a:fld id="{A916FA81-FACE-4167-9267-C727C99D661C}" type="slidenum">
               <a:t>&lt;#&gt;</a:t>
             </a:fld>
           </a:p>
@@ -19693,7 +19693,7 @@
         <p:txBody>
           <a:bodyPr/>
           <a:p>
-            <a:fld id="{68271711-EA50-46B7-99D3-9BCBB995D170}" type="slidenum">
+            <a:fld id="{7FA7CBEF-3909-4FD8-BC80-D3B10A5DF3F4}" type="slidenum">
               <a:t>&lt;#&gt;</a:t>
             </a:fld>
           </a:p>
@@ -19974,7 +19974,7 @@
         <p:txBody>
           <a:bodyPr/>
           <a:p>
-            <a:fld id="{6CAE18E4-FA1D-4F12-A8FE-B4068D53CCB8}" type="slidenum">
+            <a:fld id="{DB3199CA-D461-4F89-8AC8-8EF2DAFADC67}" type="slidenum">
               <a:t>&lt;#&gt;</a:t>
             </a:fld>
           </a:p>
@@ -20016,7 +20016,7 @@
         <p:txBody>
           <a:bodyPr/>
           <a:p>
-            <a:fld id="{D1ECF31C-73F8-4F99-A06E-92F39246F3C2}" type="slidenum">
+            <a:fld id="{FF926452-5872-4D40-B5A6-BD377EC1762B}" type="slidenum">
               <a:t>&lt;#&gt;</a:t>
             </a:fld>
           </a:p>
@@ -20128,7 +20128,7 @@
         <p:txBody>
           <a:bodyPr/>
           <a:p>
-            <a:fld id="{57293334-6242-403A-AF20-1AA6168A77DE}" type="slidenum">
+            <a:fld id="{7BE6ED05-EA89-4C61-B3B1-3FDDF5094879}" type="slidenum">
               <a:t>&lt;#&gt;</a:t>
             </a:fld>
           </a:p>
@@ -20239,7 +20239,7 @@
         <p:txBody>
           <a:bodyPr/>
           <a:p>
-            <a:fld id="{DB764DED-29CA-45BF-A310-9EC847864EC2}" type="slidenum">
+            <a:fld id="{BA04F9F0-56AC-460B-A62A-21313681F5B1}" type="slidenum">
               <a:t>&lt;#&gt;</a:t>
             </a:fld>
           </a:p>
@@ -20384,7 +20384,7 @@
         <p:txBody>
           <a:bodyPr/>
           <a:p>
-            <a:fld id="{F3DF476D-66F8-4AFB-B69B-AA5C7D9C244B}" type="slidenum">
+            <a:fld id="{62CA7E9F-1409-4667-A97E-755C654DA016}" type="slidenum">
               <a:t>&lt;#&gt;</a:t>
             </a:fld>
           </a:p>
@@ -20461,7 +20461,7 @@
         <p:txBody>
           <a:bodyPr/>
           <a:p>
-            <a:fld id="{5D6B973E-426C-4056-9C4D-5CA325F7DC0F}" type="slidenum">
+            <a:fld id="{84A13631-7D0D-4AF0-83E3-6040754A2AF3}" type="slidenum">
               <a:t>&lt;#&gt;</a:t>
             </a:fld>
           </a:p>
@@ -20629,7 +20629,7 @@
         <p:txBody>
           <a:bodyPr/>
           <a:p>
-            <a:fld id="{CE151869-0A22-4A14-B408-E49A0D2A084D}" type="slidenum">
+            <a:fld id="{F9438DA3-DA64-4952-94A8-5D0D0C44A1C4}" type="slidenum">
               <a:t>&lt;#&gt;</a:t>
             </a:fld>
           </a:p>
@@ -20808,7 +20808,7 @@
         <p:txBody>
           <a:bodyPr/>
           <a:p>
-            <a:fld id="{DA82F316-04FB-4A13-80F9-9520B3C15B67}" type="slidenum">
+            <a:fld id="{179AA876-8ECF-46D1-BA43-805C6B6EE145}" type="slidenum">
               <a:t>&lt;#&gt;</a:t>
             </a:fld>
           </a:p>
@@ -20987,7 +20987,7 @@
         <p:txBody>
           <a:bodyPr/>
           <a:p>
-            <a:fld id="{11A8ABC1-D0BD-4BA9-B415-7E69756B34F6}" type="slidenum">
+            <a:fld id="{995CACB7-9A85-4815-81C6-1707F32987F7}" type="slidenum">
               <a:t>&lt;#&gt;</a:t>
             </a:fld>
           </a:p>
@@ -21166,7 +21166,7 @@
         <p:txBody>
           <a:bodyPr/>
           <a:p>
-            <a:fld id="{578E97D8-2A58-4492-95F9-066C9B82E0E4}" type="slidenum">
+            <a:fld id="{6C357410-87C8-48DB-98B3-0AF88F7C19B4}" type="slidenum">
               <a:t>&lt;#&gt;</a:t>
             </a:fld>
           </a:p>
@@ -21311,7 +21311,7 @@
         <p:txBody>
           <a:bodyPr/>
           <a:p>
-            <a:fld id="{346BD2C6-699F-4A07-86A5-817C6B27A15E}" type="slidenum">
+            <a:fld id="{C11822C6-6948-4F74-81CC-105C2E850DB4}" type="slidenum">
               <a:t>&lt;#&gt;</a:t>
             </a:fld>
           </a:p>
@@ -21524,7 +21524,7 @@
         <p:txBody>
           <a:bodyPr/>
           <a:p>
-            <a:fld id="{AE40423E-C01A-4346-A0FD-59EEFE7F46F7}" type="slidenum">
+            <a:fld id="{F1496D20-034C-4FD7-9BB1-1CC08A289BFB}" type="slidenum">
               <a:t>&lt;#&gt;</a:t>
             </a:fld>
           </a:p>
@@ -21805,7 +21805,7 @@
         <p:txBody>
           <a:bodyPr/>
           <a:p>
-            <a:fld id="{9D0197A6-7A02-4CE4-8148-AE7A927E602B}" type="slidenum">
+            <a:fld id="{556341D2-F6AC-40B5-81C8-B561BE0BAEF4}" type="slidenum">
               <a:t>&lt;#&gt;</a:t>
             </a:fld>
           </a:p>
@@ -21847,7 +21847,7 @@
         <p:txBody>
           <a:bodyPr/>
           <a:p>
-            <a:fld id="{0467DE55-6447-488B-99E0-2E84102D5C07}" type="slidenum">
+            <a:fld id="{A2EAA4FB-3354-4CDF-9899-C2FCE6D7B51F}" type="slidenum">
               <a:t>&lt;#&gt;</a:t>
             </a:fld>
           </a:p>
@@ -21959,7 +21959,7 @@
         <p:txBody>
           <a:bodyPr/>
           <a:p>
-            <a:fld id="{11C713FE-0E75-44E2-A7E5-26ED5F8EB6C6}" type="slidenum">
+            <a:fld id="{F8B6ECC2-B970-4FED-AA6E-600AC74EAECD}" type="slidenum">
               <a:t>&lt;#&gt;</a:t>
             </a:fld>
           </a:p>
@@ -22070,7 +22070,7 @@
         <p:txBody>
           <a:bodyPr/>
           <a:p>
-            <a:fld id="{1CCA1E42-B898-4DC9-B216-D143AB00047B}" type="slidenum">
+            <a:fld id="{6861084B-9626-47DE-8408-E029AA0DB082}" type="slidenum">
               <a:t>&lt;#&gt;</a:t>
             </a:fld>
           </a:p>
@@ -22340,7 +22340,7 @@
         <p:txBody>
           <a:bodyPr/>
           <a:p>
-            <a:fld id="{8D342FD5-D436-42C6-BD95-7C8FD686E9F6}" type="slidenum">
+            <a:fld id="{EF57D16B-8012-4D40-ABF5-FA09CC440388}" type="slidenum">
               <a:t>&lt;#&gt;</a:t>
             </a:fld>
           </a:p>
@@ -22417,7 +22417,7 @@
         <p:txBody>
           <a:bodyPr/>
           <a:p>
-            <a:fld id="{98D70947-86B1-47F7-A6E4-59CF46636FAB}" type="slidenum">
+            <a:fld id="{073B3CDC-55E4-4F9A-9AB5-7F00C895588B}" type="slidenum">
               <a:t>&lt;#&gt;</a:t>
             </a:fld>
           </a:p>
@@ -22494,7 +22494,7 @@
         <p:txBody>
           <a:bodyPr/>
           <a:p>
-            <a:fld id="{6F085784-AF2A-4C81-95A2-E549161266C0}" type="slidenum">
+            <a:fld id="{A8F47594-9ACE-4D47-8C50-920797D1E5AB}" type="slidenum">
               <a:t>&lt;#&gt;</a:t>
             </a:fld>
           </a:p>
@@ -22673,7 +22673,7 @@
         <p:txBody>
           <a:bodyPr/>
           <a:p>
-            <a:fld id="{30556A88-2FB8-4CAD-A55E-4F59DF6B044A}" type="slidenum">
+            <a:fld id="{CF45EFF9-A774-4C4A-97DD-A7D9902A7DC2}" type="slidenum">
               <a:t>&lt;#&gt;</a:t>
             </a:fld>
           </a:p>
@@ -22852,7 +22852,7 @@
         <p:txBody>
           <a:bodyPr/>
           <a:p>
-            <a:fld id="{CF19048C-11A5-4C04-A165-B092811D1883}" type="slidenum">
+            <a:fld id="{9358433E-8F7E-487A-9366-E0D0035EEB62}" type="slidenum">
               <a:t>&lt;#&gt;</a:t>
             </a:fld>
           </a:p>
@@ -23031,7 +23031,7 @@
         <p:txBody>
           <a:bodyPr/>
           <a:p>
-            <a:fld id="{D9F6D679-7D9E-44C8-90F0-B624402DD5FB}" type="slidenum">
+            <a:fld id="{E73B20B2-6D07-4AAB-B90B-97A7AA7C135B}" type="slidenum">
               <a:t>&lt;#&gt;</a:t>
             </a:fld>
           </a:p>
@@ -23176,7 +23176,7 @@
         <p:txBody>
           <a:bodyPr/>
           <a:p>
-            <a:fld id="{EC99FB34-0FA8-4107-A775-FA8049DD840E}" type="slidenum">
+            <a:fld id="{C21A6A81-7BA5-4D94-9C29-2240D2730FDE}" type="slidenum">
               <a:t>&lt;#&gt;</a:t>
             </a:fld>
           </a:p>
@@ -23389,7 +23389,7 @@
         <p:txBody>
           <a:bodyPr/>
           <a:p>
-            <a:fld id="{A9A603BB-4B91-4968-BC89-8F8E967385CA}" type="slidenum">
+            <a:fld id="{7D560EC9-8EC7-43DF-8068-AA6F512FCAA6}" type="slidenum">
               <a:t>&lt;#&gt;</a:t>
             </a:fld>
           </a:p>
@@ -23670,7 +23670,7 @@
         <p:txBody>
           <a:bodyPr/>
           <a:p>
-            <a:fld id="{6F5705A8-5B43-439C-8AE8-4791918A0477}" type="slidenum">
+            <a:fld id="{F1E29019-7BD9-44B5-853D-E2E931C80ECF}" type="slidenum">
               <a:t>&lt;#&gt;</a:t>
             </a:fld>
           </a:p>
@@ -23712,7 +23712,7 @@
         <p:txBody>
           <a:bodyPr/>
           <a:p>
-            <a:fld id="{183AE1CC-D95D-4069-9F37-7CB0DA8EEFEE}" type="slidenum">
+            <a:fld id="{474775F3-D6EC-4D72-B348-39742DD8652F}" type="slidenum">
               <a:t>&lt;#&gt;</a:t>
             </a:fld>
           </a:p>
@@ -23881,7 +23881,7 @@
         <p:txBody>
           <a:bodyPr/>
           <a:p>
-            <a:fld id="{AB630A14-19DB-46E3-B516-E12D01518931}" type="slidenum">
+            <a:fld id="{908B545E-F479-41F2-9B46-E3212F80A6CA}" type="slidenum">
               <a:t>&lt;#&gt;</a:t>
             </a:fld>
           </a:p>
@@ -23992,7 +23992,7 @@
         <p:txBody>
           <a:bodyPr/>
           <a:p>
-            <a:fld id="{165F0D93-A370-4DC8-8947-F6CBA39C6C53}" type="slidenum">
+            <a:fld id="{9AF2FBFE-DCD5-4A07-9395-42226DE70825}" type="slidenum">
               <a:t>&lt;#&gt;</a:t>
             </a:fld>
           </a:p>
@@ -24137,7 +24137,7 @@
         <p:txBody>
           <a:bodyPr/>
           <a:p>
-            <a:fld id="{6EB752E4-77B0-4E30-9493-DFF2F7A1A544}" type="slidenum">
+            <a:fld id="{9B9DFA60-742C-46E5-84CF-892DA53FF706}" type="slidenum">
               <a:t>&lt;#&gt;</a:t>
             </a:fld>
           </a:p>
@@ -24214,7 +24214,7 @@
         <p:txBody>
           <a:bodyPr/>
           <a:p>
-            <a:fld id="{819902CF-4289-4B9D-947F-55865F254CD1}" type="slidenum">
+            <a:fld id="{22921150-9C1E-4FEE-8D67-36B0BE940141}" type="slidenum">
               <a:t>&lt;#&gt;</a:t>
             </a:fld>
           </a:p>
@@ -24291,7 +24291,7 @@
         <p:txBody>
           <a:bodyPr/>
           <a:p>
-            <a:fld id="{AF24ED67-D564-41F0-8279-1056E9197BE7}" type="slidenum">
+            <a:fld id="{6E070242-EBAA-43DB-B1B0-3DE59350BFAA}" type="slidenum">
               <a:t>&lt;#&gt;</a:t>
             </a:fld>
           </a:p>
@@ -24470,7 +24470,7 @@
         <p:txBody>
           <a:bodyPr/>
           <a:p>
-            <a:fld id="{6D315A77-B984-4EEF-A03D-891DAA7F1132}" type="slidenum">
+            <a:fld id="{5733A25D-8E55-454C-835C-012C2CB73CBC}" type="slidenum">
               <a:t>&lt;#&gt;</a:t>
             </a:fld>
           </a:p>
@@ -24649,7 +24649,7 @@
         <p:txBody>
           <a:bodyPr/>
           <a:p>
-            <a:fld id="{C45D0161-8945-416A-98AE-256EB9FE37BA}" type="slidenum">
+            <a:fld id="{B958626B-29F3-4CFF-BCC2-01450F9B48C3}" type="slidenum">
               <a:t>&lt;#&gt;</a:t>
             </a:fld>
           </a:p>
@@ -24828,7 +24828,7 @@
         <p:txBody>
           <a:bodyPr/>
           <a:p>
-            <a:fld id="{D83B99A2-6939-4BA1-82C8-80B5400E7459}" type="slidenum">
+            <a:fld id="{D30C5652-EA90-4AF6-9492-549DFB180799}" type="slidenum">
               <a:t>&lt;#&gt;</a:t>
             </a:fld>
           </a:p>
@@ -24973,7 +24973,7 @@
         <p:txBody>
           <a:bodyPr/>
           <a:p>
-            <a:fld id="{13427591-29AC-4E3B-BEB4-97187AF9B545}" type="slidenum">
+            <a:fld id="{D373FEE4-891F-41A9-BB01-B6101B7D9A45}" type="slidenum">
               <a:t>&lt;#&gt;</a:t>
             </a:fld>
           </a:p>
@@ -25186,7 +25186,7 @@
         <p:txBody>
           <a:bodyPr/>
           <a:p>
-            <a:fld id="{F3F2FBBB-C818-4AB4-8A3E-6B9FD5C85932}" type="slidenum">
+            <a:fld id="{05D4F68B-BB69-4954-B7AD-70EDBB158B85}" type="slidenum">
               <a:t>&lt;#&gt;</a:t>
             </a:fld>
           </a:p>
@@ -25524,7 +25524,7 @@
         <p:txBody>
           <a:bodyPr/>
           <a:p>
-            <a:fld id="{8C4C9D6E-1BAA-47BC-99D0-01566C782CC8}" type="slidenum">
+            <a:fld id="{CDD1F5BC-261A-400A-AC43-A7965092ACC4}" type="slidenum">
               <a:t>&lt;#&gt;</a:t>
             </a:fld>
           </a:p>
@@ -25566,7 +25566,7 @@
         <p:txBody>
           <a:bodyPr/>
           <a:p>
-            <a:fld id="{F7CA2941-777F-440B-8F95-C2A002430063}" type="slidenum">
+            <a:fld id="{45BDDACC-9B85-459C-8D06-B57BBCA3823C}" type="slidenum">
               <a:t>&lt;#&gt;</a:t>
             </a:fld>
           </a:p>
@@ -25678,7 +25678,7 @@
         <p:txBody>
           <a:bodyPr/>
           <a:p>
-            <a:fld id="{3B092B4A-B679-4CE6-B2AE-AD748F8F3B4F}" type="slidenum">
+            <a:fld id="{75120000-C65A-444A-B73E-5B210B6C722C}" type="slidenum">
               <a:t>&lt;#&gt;</a:t>
             </a:fld>
           </a:p>
@@ -25789,7 +25789,7 @@
         <p:txBody>
           <a:bodyPr/>
           <a:p>
-            <a:fld id="{3F495217-1364-4D7C-AF27-063110ADCAC3}" type="slidenum">
+            <a:fld id="{687FB749-5B20-46F2-9D1D-D6F7DB2C7FF1}" type="slidenum">
               <a:t>&lt;#&gt;</a:t>
             </a:fld>
           </a:p>
@@ -25934,7 +25934,7 @@
         <p:txBody>
           <a:bodyPr/>
           <a:p>
-            <a:fld id="{200487BE-0A27-44C0-B94C-0A75922CC8D4}" type="slidenum">
+            <a:fld id="{1F6FFCD6-9CDA-4562-BED0-2C5E24F734A0}" type="slidenum">
               <a:t>&lt;#&gt;</a:t>
             </a:fld>
           </a:p>
@@ -26011,7 +26011,7 @@
         <p:txBody>
           <a:bodyPr/>
           <a:p>
-            <a:fld id="{910A5E65-80D2-47B2-9DE7-D7001A4F1262}" type="slidenum">
+            <a:fld id="{77A3ADBE-643B-458D-BBDA-F47D01CAE5FF}" type="slidenum">
               <a:t>&lt;#&gt;</a:t>
             </a:fld>
           </a:p>
@@ -26088,7 +26088,7 @@
         <p:txBody>
           <a:bodyPr/>
           <a:p>
-            <a:fld id="{8D2014C0-3874-4D24-9B3F-052EEDD78F30}" type="slidenum">
+            <a:fld id="{E294BEFC-77FD-4778-95CB-32934940B516}" type="slidenum">
               <a:t>&lt;#&gt;</a:t>
             </a:fld>
           </a:p>
@@ -26267,7 +26267,7 @@
         <p:txBody>
           <a:bodyPr/>
           <a:p>
-            <a:fld id="{F523C7B2-9C9C-47B8-89F2-E8F560C53DD1}" type="slidenum">
+            <a:fld id="{165AA927-3626-47F5-9684-44F2C398134D}" type="slidenum">
               <a:t>&lt;#&gt;</a:t>
             </a:fld>
           </a:p>
@@ -26446,7 +26446,7 @@
         <p:txBody>
           <a:bodyPr/>
           <a:p>
-            <a:fld id="{CF7F5728-2BB0-47CE-9F4B-5552DAD6DA5E}" type="slidenum">
+            <a:fld id="{8A5ACF07-53F9-40B0-8F3B-3D84225C25DA}" type="slidenum">
               <a:t>&lt;#&gt;</a:t>
             </a:fld>
           </a:p>
@@ -26625,7 +26625,7 @@
         <p:txBody>
           <a:bodyPr/>
           <a:p>
-            <a:fld id="{A534C436-249C-46D8-9E1D-B4458F26643F}" type="slidenum">
+            <a:fld id="{05D0D7AA-5C66-4F1B-80E4-74D69C90AC45}" type="slidenum">
               <a:t>&lt;#&gt;</a:t>
             </a:fld>
           </a:p>
@@ -26929,7 +26929,7 @@
         <p:txBody>
           <a:bodyPr/>
           <a:p>
-            <a:fld id="{3AEA7790-99B9-4B50-953C-D2F970B813D2}" type="slidenum">
+            <a:fld id="{ABC00308-414D-4B96-996C-7614A693B4E8}" type="slidenum">
               <a:t>&lt;#&gt;</a:t>
             </a:fld>
           </a:p>
@@ -27142,7 +27142,7 @@
         <p:txBody>
           <a:bodyPr/>
           <a:p>
-            <a:fld id="{3E4C0F2D-655D-4FF3-A7BF-BD459936B503}" type="slidenum">
+            <a:fld id="{E4DCE01B-36E6-49B0-AB1D-6A97A28A7851}" type="slidenum">
               <a:t>&lt;#&gt;</a:t>
             </a:fld>
           </a:p>
@@ -27423,7 +27423,7 @@
         <p:txBody>
           <a:bodyPr/>
           <a:p>
-            <a:fld id="{0E663714-2C84-427B-9914-E158DF51DF93}" type="slidenum">
+            <a:fld id="{B3F0D10E-570B-4EB1-8B38-EC26AC80E538}" type="slidenum">
               <a:t>&lt;#&gt;</a:t>
             </a:fld>
           </a:p>
@@ -27465,7 +27465,7 @@
         <p:txBody>
           <a:bodyPr/>
           <a:p>
-            <a:fld id="{D23B0298-DAF9-4304-AD2F-23A92B37E65B}" type="slidenum">
+            <a:fld id="{DC2B7FDB-0CC8-4C15-B5D7-0A39868638A7}" type="slidenum">
               <a:t>&lt;#&gt;</a:t>
             </a:fld>
           </a:p>
@@ -27577,7 +27577,7 @@
         <p:txBody>
           <a:bodyPr/>
           <a:p>
-            <a:fld id="{73293012-9150-4970-A3E9-34A5343BB992}" type="slidenum">
+            <a:fld id="{2906D18E-2059-457F-80D5-C91C55B93E82}" type="slidenum">
               <a:t>&lt;#&gt;</a:t>
             </a:fld>
           </a:p>
@@ -27688,7 +27688,7 @@
         <p:txBody>
           <a:bodyPr/>
           <a:p>
-            <a:fld id="{E2B77B28-688A-4DC1-88E2-ACC688695393}" type="slidenum">
+            <a:fld id="{1FCE1534-DD11-4CF7-BD9B-D91BB8B26AD2}" type="slidenum">
               <a:t>&lt;#&gt;</a:t>
             </a:fld>
           </a:p>
@@ -27833,7 +27833,7 @@
         <p:txBody>
           <a:bodyPr/>
           <a:p>
-            <a:fld id="{69FCC9B5-0836-402E-A8A0-B5FCCECDFB6D}" type="slidenum">
+            <a:fld id="{AAACAC3C-DCA6-4F0E-AC8D-08DB85E66B95}" type="slidenum">
               <a:t>&lt;#&gt;</a:t>
             </a:fld>
           </a:p>
@@ -27910,7 +27910,7 @@
         <p:txBody>
           <a:bodyPr/>
           <a:p>
-            <a:fld id="{7FADB8A5-9AD4-46FD-B3B1-821B3C58AA88}" type="slidenum">
+            <a:fld id="{A5A1E949-1998-467E-88A2-E148AA0460C0}" type="slidenum">
               <a:t>&lt;#&gt;</a:t>
             </a:fld>
           </a:p>
@@ -27987,7 +27987,7 @@
         <p:txBody>
           <a:bodyPr/>
           <a:p>
-            <a:fld id="{F13CAF2C-9ECA-444D-8DAE-CD6F226936A9}" type="slidenum">
+            <a:fld id="{0C0EB4BA-2C90-419C-ADA0-364B98726491}" type="slidenum">
               <a:t>&lt;#&gt;</a:t>
             </a:fld>
           </a:p>
@@ -28166,7 +28166,7 @@
         <p:txBody>
           <a:bodyPr/>
           <a:p>
-            <a:fld id="{7A770D76-845F-423B-B51E-E8409707D86D}" type="slidenum">
+            <a:fld id="{937473C6-726A-489A-9D6E-773AB0DAA300}" type="slidenum">
               <a:t>&lt;#&gt;</a:t>
             </a:fld>
           </a:p>
@@ -28504,7 +28504,7 @@
         <p:txBody>
           <a:bodyPr/>
           <a:p>
-            <a:fld id="{6CCFF99F-0389-4EA9-9ABA-D441EA5D4047}" type="slidenum">
+            <a:fld id="{7102776E-A5D8-466C-9D93-1E06D732C406}" type="slidenum">
               <a:t>&lt;#&gt;</a:t>
             </a:fld>
           </a:p>
@@ -28683,7 +28683,7 @@
         <p:txBody>
           <a:bodyPr/>
           <a:p>
-            <a:fld id="{CCB54519-0DEE-412D-87E8-4CB91D1ADDAF}" type="slidenum">
+            <a:fld id="{90031DC7-C161-4C13-9D9B-F82236F92356}" type="slidenum">
               <a:t>&lt;#&gt;</a:t>
             </a:fld>
           </a:p>
@@ -28828,7 +28828,7 @@
         <p:txBody>
           <a:bodyPr/>
           <a:p>
-            <a:fld id="{2F9299B1-6808-410E-B4E9-BF3B1116B179}" type="slidenum">
+            <a:fld id="{1307BC83-A510-4151-ACB6-90B025061D5D}" type="slidenum">
               <a:t>&lt;#&gt;</a:t>
             </a:fld>
           </a:p>
@@ -29041,7 +29041,7 @@
         <p:txBody>
           <a:bodyPr/>
           <a:p>
-            <a:fld id="{81B1E33B-E97F-4122-B4F2-645D0E17979E}" type="slidenum">
+            <a:fld id="{2C5F90E1-3671-4B11-B673-DC00A23E3C37}" type="slidenum">
               <a:t>&lt;#&gt;</a:t>
             </a:fld>
           </a:p>
@@ -29322,7 +29322,7 @@
         <p:txBody>
           <a:bodyPr/>
           <a:p>
-            <a:fld id="{4EE6F9ED-FFD7-41A8-B2E7-58A77B72E6C4}" type="slidenum">
+            <a:fld id="{06CEE1AC-01A9-4F84-A141-32BAC65CAF9F}" type="slidenum">
               <a:t>&lt;#&gt;</a:t>
             </a:fld>
           </a:p>
@@ -29364,7 +29364,7 @@
         <p:txBody>
           <a:bodyPr/>
           <a:p>
-            <a:fld id="{0340D309-7A15-4D7D-8917-CBFB6E4361D6}" type="slidenum">
+            <a:fld id="{A03087A8-425E-4AEE-94A4-B7C1E6A93CE4}" type="slidenum">
               <a:t>&lt;#&gt;</a:t>
             </a:fld>
           </a:p>
@@ -29476,7 +29476,7 @@
         <p:txBody>
           <a:bodyPr/>
           <a:p>
-            <a:fld id="{548C65CD-AE07-491F-8089-21E1B231F6D8}" type="slidenum">
+            <a:fld id="{6A6BC33B-770D-4B5A-B733-97FA42A84610}" type="slidenum">
               <a:t>&lt;#&gt;</a:t>
             </a:fld>
           </a:p>
@@ -29587,7 +29587,7 @@
         <p:txBody>
           <a:bodyPr/>
           <a:p>
-            <a:fld id="{ECB307DC-B926-424F-8D96-E6E987104DBB}" type="slidenum">
+            <a:fld id="{98E38E0D-BCB5-44FE-8622-5D004F5104C3}" type="slidenum">
               <a:t>&lt;#&gt;</a:t>
             </a:fld>
           </a:p>
@@ -29732,7 +29732,7 @@
         <p:txBody>
           <a:bodyPr/>
           <a:p>
-            <a:fld id="{D100418D-BDEF-46A2-AAB9-639474B93C9E}" type="slidenum">
+            <a:fld id="{E370634A-65C3-481D-86A2-6C72BC86E9A3}" type="slidenum">
               <a:t>&lt;#&gt;</a:t>
             </a:fld>
           </a:p>
@@ -29809,7 +29809,7 @@
         <p:txBody>
           <a:bodyPr/>
           <a:p>
-            <a:fld id="{1B461837-E3E8-426B-AA27-B2D345741F9E}" type="slidenum">
+            <a:fld id="{FB506A76-0192-452F-9D04-7476EC3E0EC6}" type="slidenum">
               <a:t>&lt;#&gt;</a:t>
             </a:fld>
           </a:p>
@@ -30045,7 +30045,7 @@
         <p:txBody>
           <a:bodyPr/>
           <a:p>
-            <a:fld id="{FF26869A-5778-40AD-912B-00475D2D559C}" type="slidenum">
+            <a:fld id="{5CDAB798-324A-43D0-91AB-8D73E268253D}" type="slidenum">
               <a:t>&lt;#&gt;</a:t>
             </a:fld>
           </a:p>
@@ -30224,7 +30224,7 @@
         <p:txBody>
           <a:bodyPr/>
           <a:p>
-            <a:fld id="{D68E0178-6F49-4DA2-8B7B-102F3F144CF3}" type="slidenum">
+            <a:fld id="{1E88CD36-52AA-48C4-BCDE-F3218F9DDEE4}" type="slidenum">
               <a:t>&lt;#&gt;</a:t>
             </a:fld>
           </a:p>
@@ -30403,7 +30403,7 @@
         <p:txBody>
           <a:bodyPr/>
           <a:p>
-            <a:fld id="{A448461E-3D94-4FAC-AA77-F9E968867365}" type="slidenum">
+            <a:fld id="{DDC07C86-1034-49F8-98A4-23A32F32BE5B}" type="slidenum">
               <a:t>&lt;#&gt;</a:t>
             </a:fld>
           </a:p>
@@ -30582,7 +30582,7 @@
         <p:txBody>
           <a:bodyPr/>
           <a:p>
-            <a:fld id="{22950582-5BF2-4C45-AF02-4702439CBF7C}" type="slidenum">
+            <a:fld id="{F3DF0A5C-3563-46F1-B33B-652BE48165BA}" type="slidenum">
               <a:t>&lt;#&gt;</a:t>
             </a:fld>
           </a:p>
@@ -30727,7 +30727,7 @@
         <p:txBody>
           <a:bodyPr/>
           <a:p>
-            <a:fld id="{5B149531-9E00-43CB-81E5-5DD9123CC5C4}" type="slidenum">
+            <a:fld id="{82D74B09-965B-4BAD-BF00-DCA87EFB99EB}" type="slidenum">
               <a:t>&lt;#&gt;</a:t>
             </a:fld>
           </a:p>
@@ -30940,7 +30940,7 @@
         <p:txBody>
           <a:bodyPr/>
           <a:p>
-            <a:fld id="{22AA15C7-FAB5-4BA7-B8B0-4306965DD83E}" type="slidenum">
+            <a:fld id="{2C398F8A-2BA1-4E60-B062-79A299CFC854}" type="slidenum">
               <a:t>&lt;#&gt;</a:t>
             </a:fld>
           </a:p>
@@ -31221,7 +31221,7 @@
         <p:txBody>
           <a:bodyPr/>
           <a:p>
-            <a:fld id="{3AAB8302-DC18-4C57-9F77-54EE21ED1D94}" type="slidenum">
+            <a:fld id="{29ED7349-1275-446A-974B-FE46F30E4181}" type="slidenum">
               <a:t>&lt;#&gt;</a:t>
             </a:fld>
           </a:p>
@@ -31263,7 +31263,7 @@
         <p:txBody>
           <a:bodyPr/>
           <a:p>
-            <a:fld id="{7FC78678-F39F-48B3-874F-3EDA985A12BD}" type="slidenum">
+            <a:fld id="{614A8A2E-8A1F-449A-917E-1F9F2C011EA8}" type="slidenum">
               <a:t>&lt;#&gt;</a:t>
             </a:fld>
           </a:p>
@@ -31375,7 +31375,7 @@
         <p:txBody>
           <a:bodyPr/>
           <a:p>
-            <a:fld id="{F41D7A60-6F69-411C-95B5-0AF7FDC31B77}" type="slidenum">
+            <a:fld id="{30B8B139-C950-4FBF-9755-39847F99E65D}" type="slidenum">
               <a:t>&lt;#&gt;</a:t>
             </a:fld>
           </a:p>
@@ -31486,7 +31486,7 @@
         <p:txBody>
           <a:bodyPr/>
           <a:p>
-            <a:fld id="{36669FDC-647D-4408-BD6B-D16A8A19AAF6}" type="slidenum">
+            <a:fld id="{79938FE2-8006-4685-BF24-30FC169B7AA4}" type="slidenum">
               <a:t>&lt;#&gt;</a:t>
             </a:fld>
           </a:p>
@@ -31530,7 +31530,7 @@
         <p:spPr>
           <a:xfrm flipH="1">
             <a:off x="2520" y="301680"/>
-            <a:ext cx="9147960" cy="4494600"/>
+            <a:ext cx="9147600" cy="4494240"/>
           </a:xfrm>
           <a:custGeom>
             <a:avLst/>
@@ -31586,7 +31586,7 @@
         <p:spPr>
           <a:xfrm>
             <a:off x="-5760" y="759960"/>
-            <a:ext cx="9141840" cy="3767760"/>
+            <a:ext cx="9141480" cy="3767400"/>
           </a:xfrm>
           <a:custGeom>
             <a:avLst/>
@@ -31642,7 +31642,7 @@
         <p:spPr>
           <a:xfrm>
             <a:off x="0" y="1351080"/>
-            <a:ext cx="9154080" cy="2886840"/>
+            <a:ext cx="9153720" cy="2886480"/>
           </a:xfrm>
           <a:custGeom>
             <a:avLst/>
@@ -31960,9 +31960,9 @@
         <p:grpSpPr>
           <a:xfrm>
             <a:off x="-6120" y="0"/>
-            <a:ext cx="9165960" cy="5160960"/>
+            <a:ext cx="9165600" cy="5160600"/>
             <a:chOff x="-6120" y="0"/>
-            <a:chExt cx="9165960" cy="5160960"/>
+            <a:chExt cx="9165600" cy="5160600"/>
           </a:xfrm>
         </p:grpSpPr>
         <p:sp>
@@ -31974,7 +31974,7 @@
           <p:spPr>
             <a:xfrm>
               <a:off x="0" y="0"/>
-              <a:ext cx="8550720" cy="1330920"/>
+              <a:ext cx="8550360" cy="1330560"/>
             </a:xfrm>
             <a:custGeom>
               <a:avLst/>
@@ -32019,7 +32019,7 @@
           <p:spPr>
             <a:xfrm>
               <a:off x="2563560" y="0"/>
-              <a:ext cx="6578280" cy="1270440"/>
+              <a:ext cx="6577920" cy="1270080"/>
             </a:xfrm>
             <a:custGeom>
               <a:avLst/>
@@ -32069,7 +32069,7 @@
           <p:spPr>
             <a:xfrm>
               <a:off x="-6120" y="0"/>
-              <a:ext cx="7296120" cy="1469520"/>
+              <a:ext cx="7295760" cy="1469160"/>
             </a:xfrm>
             <a:custGeom>
               <a:avLst/>
@@ -32119,7 +32119,7 @@
           <p:spPr>
             <a:xfrm>
               <a:off x="3596040" y="4667040"/>
-              <a:ext cx="5088600" cy="474480"/>
+              <a:ext cx="5088240" cy="474120"/>
             </a:xfrm>
             <a:custGeom>
               <a:avLst/>
@@ -32164,7 +32164,7 @@
           <p:spPr>
             <a:xfrm>
               <a:off x="5524920" y="4692600"/>
-              <a:ext cx="3634920" cy="468360"/>
+              <a:ext cx="3634560" cy="468000"/>
             </a:xfrm>
             <a:custGeom>
               <a:avLst/>
@@ -32211,7 +32211,7 @@
           <p:spPr>
             <a:xfrm>
               <a:off x="7521480" y="4023000"/>
-              <a:ext cx="1632600" cy="1137960"/>
+              <a:ext cx="1632240" cy="1137600"/>
             </a:xfrm>
             <a:custGeom>
               <a:avLst/>
@@ -32263,7 +32263,7 @@
         <p:spPr>
           <a:xfrm>
             <a:off x="27000" y="4749840"/>
-            <a:ext cx="546480" cy="391320"/>
+            <a:ext cx="546120" cy="390960"/>
           </a:xfrm>
           <a:prstGeom prst="rect">
             <a:avLst/>
@@ -32303,7 +32303,7 @@
                 <a:tab algn="l" pos="0"/>
               </a:tabLst>
             </a:pPr>
-            <a:fld id="{51F577CD-EF71-46B4-94FB-DC0BFA587465}" type="slidenum">
+            <a:fld id="{4F6B7CDD-9A46-4ECE-A2B5-89FEF0369DC0}" type="slidenum">
               <a:rPr b="0" lang="en" sz="1200" spc="-1" strike="noStrike">
                 <a:solidFill>
                   <a:srgbClr val="00ae9d"/>
@@ -32596,9 +32596,9 @@
         <p:grpSpPr>
           <a:xfrm>
             <a:off x="-6120" y="0"/>
-            <a:ext cx="9165960" cy="5160960"/>
+            <a:ext cx="9165600" cy="5160600"/>
             <a:chOff x="-6120" y="0"/>
-            <a:chExt cx="9165960" cy="5160960"/>
+            <a:chExt cx="9165600" cy="5160600"/>
           </a:xfrm>
         </p:grpSpPr>
         <p:sp>
@@ -32610,7 +32610,7 @@
           <p:spPr>
             <a:xfrm>
               <a:off x="0" y="0"/>
-              <a:ext cx="8550720" cy="1330920"/>
+              <a:ext cx="8550360" cy="1330560"/>
             </a:xfrm>
             <a:custGeom>
               <a:avLst/>
@@ -32655,7 +32655,7 @@
           <p:spPr>
             <a:xfrm>
               <a:off x="2563560" y="0"/>
-              <a:ext cx="6578280" cy="1270440"/>
+              <a:ext cx="6577920" cy="1270080"/>
             </a:xfrm>
             <a:custGeom>
               <a:avLst/>
@@ -32705,7 +32705,7 @@
           <p:spPr>
             <a:xfrm>
               <a:off x="-6120" y="0"/>
-              <a:ext cx="7296120" cy="1469520"/>
+              <a:ext cx="7295760" cy="1469160"/>
             </a:xfrm>
             <a:custGeom>
               <a:avLst/>
@@ -32755,7 +32755,7 @@
           <p:spPr>
             <a:xfrm>
               <a:off x="3596040" y="4667040"/>
-              <a:ext cx="5088600" cy="474480"/>
+              <a:ext cx="5088240" cy="474120"/>
             </a:xfrm>
             <a:custGeom>
               <a:avLst/>
@@ -32800,7 +32800,7 @@
           <p:spPr>
             <a:xfrm>
               <a:off x="5524920" y="4692600"/>
-              <a:ext cx="3634920" cy="468360"/>
+              <a:ext cx="3634560" cy="468000"/>
             </a:xfrm>
             <a:custGeom>
               <a:avLst/>
@@ -32847,7 +32847,7 @@
           <p:spPr>
             <a:xfrm>
               <a:off x="7521480" y="4023000"/>
-              <a:ext cx="1632600" cy="1137960"/>
+              <a:ext cx="1632240" cy="1137600"/>
             </a:xfrm>
             <a:custGeom>
               <a:avLst/>
@@ -32899,7 +32899,7 @@
         <p:spPr>
           <a:xfrm>
             <a:off x="27000" y="4749840"/>
-            <a:ext cx="546480" cy="391320"/>
+            <a:ext cx="546120" cy="390960"/>
           </a:xfrm>
           <a:prstGeom prst="rect">
             <a:avLst/>
@@ -32939,7 +32939,7 @@
                 <a:tab algn="l" pos="0"/>
               </a:tabLst>
             </a:pPr>
-            <a:fld id="{948D8B7A-4A2F-42F5-A3EE-148CCCFBA330}" type="slidenum">
+            <a:fld id="{7101AD3F-F569-4FAA-984B-5B2FE839CDB2}" type="slidenum">
               <a:rPr b="0" lang="en" sz="1200" spc="-1" strike="noStrike">
                 <a:solidFill>
                   <a:srgbClr val="00ae9d"/>
@@ -33232,9 +33232,9 @@
         <p:grpSpPr>
           <a:xfrm>
             <a:off x="-6120" y="0"/>
-            <a:ext cx="9165960" cy="5160960"/>
+            <a:ext cx="9165600" cy="5160600"/>
             <a:chOff x="-6120" y="0"/>
-            <a:chExt cx="9165960" cy="5160960"/>
+            <a:chExt cx="9165600" cy="5160600"/>
           </a:xfrm>
         </p:grpSpPr>
         <p:sp>
@@ -33246,7 +33246,7 @@
           <p:spPr>
             <a:xfrm>
               <a:off x="0" y="0"/>
-              <a:ext cx="8550720" cy="1330920"/>
+              <a:ext cx="8550360" cy="1330560"/>
             </a:xfrm>
             <a:custGeom>
               <a:avLst/>
@@ -33291,7 +33291,7 @@
           <p:spPr>
             <a:xfrm>
               <a:off x="2563560" y="0"/>
-              <a:ext cx="6578280" cy="1270440"/>
+              <a:ext cx="6577920" cy="1270080"/>
             </a:xfrm>
             <a:custGeom>
               <a:avLst/>
@@ -33341,7 +33341,7 @@
           <p:spPr>
             <a:xfrm>
               <a:off x="-6120" y="0"/>
-              <a:ext cx="7296120" cy="1469520"/>
+              <a:ext cx="7295760" cy="1469160"/>
             </a:xfrm>
             <a:custGeom>
               <a:avLst/>
@@ -33391,7 +33391,7 @@
           <p:spPr>
             <a:xfrm>
               <a:off x="3596040" y="4667040"/>
-              <a:ext cx="5088600" cy="474480"/>
+              <a:ext cx="5088240" cy="474120"/>
             </a:xfrm>
             <a:custGeom>
               <a:avLst/>
@@ -33436,7 +33436,7 @@
           <p:spPr>
             <a:xfrm>
               <a:off x="5524920" y="4692600"/>
-              <a:ext cx="3634920" cy="468360"/>
+              <a:ext cx="3634560" cy="468000"/>
             </a:xfrm>
             <a:custGeom>
               <a:avLst/>
@@ -33483,7 +33483,7 @@
           <p:spPr>
             <a:xfrm>
               <a:off x="7521480" y="4023000"/>
-              <a:ext cx="1632600" cy="1137960"/>
+              <a:ext cx="1632240" cy="1137600"/>
             </a:xfrm>
             <a:custGeom>
               <a:avLst/>
@@ -33535,7 +33535,7 @@
         <p:spPr>
           <a:xfrm>
             <a:off x="27000" y="4749840"/>
-            <a:ext cx="546480" cy="391320"/>
+            <a:ext cx="546120" cy="390960"/>
           </a:xfrm>
           <a:prstGeom prst="rect">
             <a:avLst/>
@@ -33575,7 +33575,7 @@
                 <a:tab algn="l" pos="0"/>
               </a:tabLst>
             </a:pPr>
-            <a:fld id="{1C2FEEE9-024F-4C50-81F5-EF43E86EC931}" type="slidenum">
+            <a:fld id="{0B6F445A-A8BD-4210-A0B2-79508FF5F094}" type="slidenum">
               <a:rPr b="0" lang="en" sz="1200" spc="-1" strike="noStrike">
                 <a:solidFill>
                   <a:srgbClr val="00ae9d"/>
@@ -33868,9 +33868,9 @@
         <p:grpSpPr>
           <a:xfrm>
             <a:off x="-6120" y="0"/>
-            <a:ext cx="9165960" cy="5160960"/>
+            <a:ext cx="9165600" cy="5160600"/>
             <a:chOff x="-6120" y="0"/>
-            <a:chExt cx="9165960" cy="5160960"/>
+            <a:chExt cx="9165600" cy="5160600"/>
           </a:xfrm>
         </p:grpSpPr>
         <p:sp>
@@ -33882,7 +33882,7 @@
           <p:spPr>
             <a:xfrm>
               <a:off x="0" y="0"/>
-              <a:ext cx="8550720" cy="1330920"/>
+              <a:ext cx="8550360" cy="1330560"/>
             </a:xfrm>
             <a:custGeom>
               <a:avLst/>
@@ -33927,7 +33927,7 @@
           <p:spPr>
             <a:xfrm>
               <a:off x="2563560" y="0"/>
-              <a:ext cx="6578280" cy="1270440"/>
+              <a:ext cx="6577920" cy="1270080"/>
             </a:xfrm>
             <a:custGeom>
               <a:avLst/>
@@ -33977,7 +33977,7 @@
           <p:spPr>
             <a:xfrm>
               <a:off x="-6120" y="0"/>
-              <a:ext cx="7296120" cy="1469520"/>
+              <a:ext cx="7295760" cy="1469160"/>
             </a:xfrm>
             <a:custGeom>
               <a:avLst/>
@@ -34027,7 +34027,7 @@
           <p:spPr>
             <a:xfrm>
               <a:off x="3596040" y="4667040"/>
-              <a:ext cx="5088600" cy="474480"/>
+              <a:ext cx="5088240" cy="474120"/>
             </a:xfrm>
             <a:custGeom>
               <a:avLst/>
@@ -34072,7 +34072,7 @@
           <p:spPr>
             <a:xfrm>
               <a:off x="5524920" y="4692600"/>
-              <a:ext cx="3634920" cy="468360"/>
+              <a:ext cx="3634560" cy="468000"/>
             </a:xfrm>
             <a:custGeom>
               <a:avLst/>
@@ -34119,7 +34119,7 @@
           <p:spPr>
             <a:xfrm>
               <a:off x="7521480" y="4023000"/>
-              <a:ext cx="1632600" cy="1137960"/>
+              <a:ext cx="1632240" cy="1137600"/>
             </a:xfrm>
             <a:custGeom>
               <a:avLst/>
@@ -34171,7 +34171,7 @@
         <p:spPr>
           <a:xfrm>
             <a:off x="27000" y="4749840"/>
-            <a:ext cx="546480" cy="391320"/>
+            <a:ext cx="546120" cy="390960"/>
           </a:xfrm>
           <a:prstGeom prst="rect">
             <a:avLst/>
@@ -34211,7 +34211,7 @@
                 <a:tab algn="l" pos="0"/>
               </a:tabLst>
             </a:pPr>
-            <a:fld id="{31812B7A-EA03-498A-B7AB-487AB7AC2117}" type="slidenum">
+            <a:fld id="{656760B2-9A81-4030-B785-2314A88270DD}" type="slidenum">
               <a:rPr b="0" lang="en" sz="1200" spc="-1" strike="noStrike">
                 <a:solidFill>
                   <a:srgbClr val="00ae9d"/>
@@ -34504,9 +34504,9 @@
         <p:grpSpPr>
           <a:xfrm>
             <a:off x="-6120" y="0"/>
-            <a:ext cx="9165960" cy="5160960"/>
+            <a:ext cx="9165600" cy="5160600"/>
             <a:chOff x="-6120" y="0"/>
-            <a:chExt cx="9165960" cy="5160960"/>
+            <a:chExt cx="9165600" cy="5160600"/>
           </a:xfrm>
         </p:grpSpPr>
         <p:sp>
@@ -34518,7 +34518,7 @@
           <p:spPr>
             <a:xfrm>
               <a:off x="0" y="0"/>
-              <a:ext cx="8550720" cy="1330920"/>
+              <a:ext cx="8550360" cy="1330560"/>
             </a:xfrm>
             <a:custGeom>
               <a:avLst/>
@@ -34563,7 +34563,7 @@
           <p:spPr>
             <a:xfrm>
               <a:off x="2563560" y="0"/>
-              <a:ext cx="6578280" cy="1270440"/>
+              <a:ext cx="6577920" cy="1270080"/>
             </a:xfrm>
             <a:custGeom>
               <a:avLst/>
@@ -34613,7 +34613,7 @@
           <p:spPr>
             <a:xfrm>
               <a:off x="-6120" y="0"/>
-              <a:ext cx="7296120" cy="1469520"/>
+              <a:ext cx="7295760" cy="1469160"/>
             </a:xfrm>
             <a:custGeom>
               <a:avLst/>
@@ -34663,7 +34663,7 @@
           <p:spPr>
             <a:xfrm>
               <a:off x="3596040" y="4667040"/>
-              <a:ext cx="5088600" cy="474480"/>
+              <a:ext cx="5088240" cy="474120"/>
             </a:xfrm>
             <a:custGeom>
               <a:avLst/>
@@ -34708,7 +34708,7 @@
           <p:spPr>
             <a:xfrm>
               <a:off x="5524920" y="4692600"/>
-              <a:ext cx="3634920" cy="468360"/>
+              <a:ext cx="3634560" cy="468000"/>
             </a:xfrm>
             <a:custGeom>
               <a:avLst/>
@@ -34755,7 +34755,7 @@
           <p:spPr>
             <a:xfrm>
               <a:off x="7521480" y="4023000"/>
-              <a:ext cx="1632600" cy="1137960"/>
+              <a:ext cx="1632240" cy="1137600"/>
             </a:xfrm>
             <a:custGeom>
               <a:avLst/>
@@ -34807,7 +34807,7 @@
         <p:spPr>
           <a:xfrm>
             <a:off x="27000" y="4749840"/>
-            <a:ext cx="546480" cy="391320"/>
+            <a:ext cx="546120" cy="390960"/>
           </a:xfrm>
           <a:prstGeom prst="rect">
             <a:avLst/>
@@ -34847,7 +34847,7 @@
                 <a:tab algn="l" pos="0"/>
               </a:tabLst>
             </a:pPr>
-            <a:fld id="{D58663B3-402F-4997-B63B-1488634185A3}" type="slidenum">
+            <a:fld id="{7CB35587-FA93-472E-9285-93B5816ED24D}" type="slidenum">
               <a:rPr b="0" lang="en" sz="1200" spc="-1" strike="noStrike">
                 <a:solidFill>
                   <a:srgbClr val="00ae9d"/>
@@ -35140,9 +35140,9 @@
         <p:grpSpPr>
           <a:xfrm>
             <a:off x="-6120" y="0"/>
-            <a:ext cx="9165960" cy="5160960"/>
+            <a:ext cx="9165600" cy="5160600"/>
             <a:chOff x="-6120" y="0"/>
-            <a:chExt cx="9165960" cy="5160960"/>
+            <a:chExt cx="9165600" cy="5160600"/>
           </a:xfrm>
         </p:grpSpPr>
         <p:sp>
@@ -35154,7 +35154,7 @@
           <p:spPr>
             <a:xfrm>
               <a:off x="0" y="0"/>
-              <a:ext cx="8550720" cy="1330920"/>
+              <a:ext cx="8550360" cy="1330560"/>
             </a:xfrm>
             <a:custGeom>
               <a:avLst/>
@@ -35199,7 +35199,7 @@
           <p:spPr>
             <a:xfrm>
               <a:off x="2563560" y="0"/>
-              <a:ext cx="6578280" cy="1270440"/>
+              <a:ext cx="6577920" cy="1270080"/>
             </a:xfrm>
             <a:custGeom>
               <a:avLst/>
@@ -35249,7 +35249,7 @@
           <p:spPr>
             <a:xfrm>
               <a:off x="-6120" y="0"/>
-              <a:ext cx="7296120" cy="1469520"/>
+              <a:ext cx="7295760" cy="1469160"/>
             </a:xfrm>
             <a:custGeom>
               <a:avLst/>
@@ -35299,7 +35299,7 @@
           <p:spPr>
             <a:xfrm>
               <a:off x="3596040" y="4667040"/>
-              <a:ext cx="5088600" cy="474480"/>
+              <a:ext cx="5088240" cy="474120"/>
             </a:xfrm>
             <a:custGeom>
               <a:avLst/>
@@ -35344,7 +35344,7 @@
           <p:spPr>
             <a:xfrm>
               <a:off x="5524920" y="4692600"/>
-              <a:ext cx="3634920" cy="468360"/>
+              <a:ext cx="3634560" cy="468000"/>
             </a:xfrm>
             <a:custGeom>
               <a:avLst/>
@@ -35391,7 +35391,7 @@
           <p:spPr>
             <a:xfrm>
               <a:off x="7521480" y="4023000"/>
-              <a:ext cx="1632600" cy="1137960"/>
+              <a:ext cx="1632240" cy="1137600"/>
             </a:xfrm>
             <a:custGeom>
               <a:avLst/>
@@ -35443,7 +35443,7 @@
         <p:spPr>
           <a:xfrm>
             <a:off x="27000" y="4749840"/>
-            <a:ext cx="546480" cy="391320"/>
+            <a:ext cx="546120" cy="390960"/>
           </a:xfrm>
           <a:prstGeom prst="rect">
             <a:avLst/>
@@ -35483,7 +35483,7 @@
                 <a:tab algn="l" pos="0"/>
               </a:tabLst>
             </a:pPr>
-            <a:fld id="{66E63604-A2B9-4756-B234-E788FC61C0E2}" type="slidenum">
+            <a:fld id="{B7F3124B-9461-452E-B655-65D38EF5B1C3}" type="slidenum">
               <a:rPr b="0" lang="en" sz="1200" spc="-1" strike="noStrike">
                 <a:solidFill>
                   <a:srgbClr val="00ae9d"/>
@@ -35776,9 +35776,9 @@
         <p:grpSpPr>
           <a:xfrm>
             <a:off x="-6120" y="0"/>
-            <a:ext cx="9165960" cy="5160960"/>
+            <a:ext cx="9165600" cy="5160600"/>
             <a:chOff x="-6120" y="0"/>
-            <a:chExt cx="9165960" cy="5160960"/>
+            <a:chExt cx="9165600" cy="5160600"/>
           </a:xfrm>
         </p:grpSpPr>
         <p:sp>
@@ -35790,7 +35790,7 @@
           <p:spPr>
             <a:xfrm>
               <a:off x="0" y="0"/>
-              <a:ext cx="8550720" cy="1330920"/>
+              <a:ext cx="8550360" cy="1330560"/>
             </a:xfrm>
             <a:custGeom>
               <a:avLst/>
@@ -35835,7 +35835,7 @@
           <p:spPr>
             <a:xfrm>
               <a:off x="2563560" y="0"/>
-              <a:ext cx="6578280" cy="1270440"/>
+              <a:ext cx="6577920" cy="1270080"/>
             </a:xfrm>
             <a:custGeom>
               <a:avLst/>
@@ -35885,7 +35885,7 @@
           <p:spPr>
             <a:xfrm>
               <a:off x="-6120" y="0"/>
-              <a:ext cx="7296120" cy="1469520"/>
+              <a:ext cx="7295760" cy="1469160"/>
             </a:xfrm>
             <a:custGeom>
               <a:avLst/>
@@ -35935,7 +35935,7 @@
           <p:spPr>
             <a:xfrm>
               <a:off x="3596040" y="4667040"/>
-              <a:ext cx="5088600" cy="474480"/>
+              <a:ext cx="5088240" cy="474120"/>
             </a:xfrm>
             <a:custGeom>
               <a:avLst/>
@@ -35980,7 +35980,7 @@
           <p:spPr>
             <a:xfrm>
               <a:off x="5524920" y="4692600"/>
-              <a:ext cx="3634920" cy="468360"/>
+              <a:ext cx="3634560" cy="468000"/>
             </a:xfrm>
             <a:custGeom>
               <a:avLst/>
@@ -36027,7 +36027,7 @@
           <p:spPr>
             <a:xfrm>
               <a:off x="7521480" y="4023000"/>
-              <a:ext cx="1632600" cy="1137960"/>
+              <a:ext cx="1632240" cy="1137600"/>
             </a:xfrm>
             <a:custGeom>
               <a:avLst/>
@@ -36079,7 +36079,7 @@
         <p:spPr>
           <a:xfrm>
             <a:off x="27000" y="4749840"/>
-            <a:ext cx="546480" cy="391320"/>
+            <a:ext cx="546120" cy="390960"/>
           </a:xfrm>
           <a:prstGeom prst="rect">
             <a:avLst/>
@@ -36119,7 +36119,7 @@
                 <a:tab algn="l" pos="0"/>
               </a:tabLst>
             </a:pPr>
-            <a:fld id="{E2D7346F-96D2-4F97-9CEF-C078EF72D7D6}" type="slidenum">
+            <a:fld id="{CEED5A2C-C1F6-471D-B2F8-9D9AABEC7B1E}" type="slidenum">
               <a:rPr b="0" lang="en" sz="1200" spc="-1" strike="noStrike">
                 <a:solidFill>
                   <a:srgbClr val="00ae9d"/>
@@ -36412,9 +36412,9 @@
         <p:grpSpPr>
           <a:xfrm>
             <a:off x="-6120" y="0"/>
-            <a:ext cx="9165960" cy="5160960"/>
+            <a:ext cx="9165600" cy="5160600"/>
             <a:chOff x="-6120" y="0"/>
-            <a:chExt cx="9165960" cy="5160960"/>
+            <a:chExt cx="9165600" cy="5160600"/>
           </a:xfrm>
         </p:grpSpPr>
         <p:sp>
@@ -36426,7 +36426,7 @@
           <p:spPr>
             <a:xfrm>
               <a:off x="0" y="0"/>
-              <a:ext cx="8550720" cy="1330920"/>
+              <a:ext cx="8550360" cy="1330560"/>
             </a:xfrm>
             <a:custGeom>
               <a:avLst/>
@@ -36471,7 +36471,7 @@
           <p:spPr>
             <a:xfrm>
               <a:off x="2563560" y="0"/>
-              <a:ext cx="6578280" cy="1270440"/>
+              <a:ext cx="6577920" cy="1270080"/>
             </a:xfrm>
             <a:custGeom>
               <a:avLst/>
@@ -36521,7 +36521,7 @@
           <p:spPr>
             <a:xfrm>
               <a:off x="-6120" y="0"/>
-              <a:ext cx="7296120" cy="1469520"/>
+              <a:ext cx="7295760" cy="1469160"/>
             </a:xfrm>
             <a:custGeom>
               <a:avLst/>
@@ -36571,7 +36571,7 @@
           <p:spPr>
             <a:xfrm>
               <a:off x="3596040" y="4667040"/>
-              <a:ext cx="5088600" cy="474480"/>
+              <a:ext cx="5088240" cy="474120"/>
             </a:xfrm>
             <a:custGeom>
               <a:avLst/>
@@ -36616,7 +36616,7 @@
           <p:spPr>
             <a:xfrm>
               <a:off x="5524920" y="4692600"/>
-              <a:ext cx="3634920" cy="468360"/>
+              <a:ext cx="3634560" cy="468000"/>
             </a:xfrm>
             <a:custGeom>
               <a:avLst/>
@@ -36663,7 +36663,7 @@
           <p:spPr>
             <a:xfrm>
               <a:off x="7521480" y="4023000"/>
-              <a:ext cx="1632600" cy="1137960"/>
+              <a:ext cx="1632240" cy="1137600"/>
             </a:xfrm>
             <a:custGeom>
               <a:avLst/>
@@ -36715,7 +36715,7 @@
         <p:spPr>
           <a:xfrm>
             <a:off x="27000" y="4749840"/>
-            <a:ext cx="546480" cy="391320"/>
+            <a:ext cx="546120" cy="390960"/>
           </a:xfrm>
           <a:prstGeom prst="rect">
             <a:avLst/>
@@ -36755,7 +36755,7 @@
                 <a:tab algn="l" pos="0"/>
               </a:tabLst>
             </a:pPr>
-            <a:fld id="{0C18550F-4D54-4487-B102-85751EA6C136}" type="slidenum">
+            <a:fld id="{B6C1FCA8-ACC0-49BD-9A5F-9CA6CC741289}" type="slidenum">
               <a:rPr b="0" lang="en" sz="1200" spc="-1" strike="noStrike">
                 <a:solidFill>
                   <a:srgbClr val="00ae9d"/>
@@ -37048,9 +37048,9 @@
         <p:grpSpPr>
           <a:xfrm>
             <a:off x="-6120" y="0"/>
-            <a:ext cx="9165960" cy="5160960"/>
+            <a:ext cx="9165600" cy="5160600"/>
             <a:chOff x="-6120" y="0"/>
-            <a:chExt cx="9165960" cy="5160960"/>
+            <a:chExt cx="9165600" cy="5160600"/>
           </a:xfrm>
         </p:grpSpPr>
         <p:sp>
@@ -37062,7 +37062,7 @@
           <p:spPr>
             <a:xfrm>
               <a:off x="0" y="0"/>
-              <a:ext cx="8550720" cy="1330920"/>
+              <a:ext cx="8550360" cy="1330560"/>
             </a:xfrm>
             <a:custGeom>
               <a:avLst/>
@@ -37107,7 +37107,7 @@
           <p:spPr>
             <a:xfrm>
               <a:off x="2563560" y="0"/>
-              <a:ext cx="6578280" cy="1270440"/>
+              <a:ext cx="6577920" cy="1270080"/>
             </a:xfrm>
             <a:custGeom>
               <a:avLst/>
@@ -37157,7 +37157,7 @@
           <p:spPr>
             <a:xfrm>
               <a:off x="-6120" y="0"/>
-              <a:ext cx="7296120" cy="1469520"/>
+              <a:ext cx="7295760" cy="1469160"/>
             </a:xfrm>
             <a:custGeom>
               <a:avLst/>
@@ -37207,7 +37207,7 @@
           <p:spPr>
             <a:xfrm>
               <a:off x="3596040" y="4667040"/>
-              <a:ext cx="5088600" cy="474480"/>
+              <a:ext cx="5088240" cy="474120"/>
             </a:xfrm>
             <a:custGeom>
               <a:avLst/>
@@ -37252,7 +37252,7 @@
           <p:spPr>
             <a:xfrm>
               <a:off x="5524920" y="4692600"/>
-              <a:ext cx="3634920" cy="468360"/>
+              <a:ext cx="3634560" cy="468000"/>
             </a:xfrm>
             <a:custGeom>
               <a:avLst/>
@@ -37299,7 +37299,7 @@
           <p:spPr>
             <a:xfrm>
               <a:off x="7521480" y="4023000"/>
-              <a:ext cx="1632600" cy="1137960"/>
+              <a:ext cx="1632240" cy="1137600"/>
             </a:xfrm>
             <a:custGeom>
               <a:avLst/>
@@ -37351,7 +37351,7 @@
         <p:spPr>
           <a:xfrm>
             <a:off x="27000" y="4749840"/>
-            <a:ext cx="546480" cy="391320"/>
+            <a:ext cx="546120" cy="390960"/>
           </a:xfrm>
           <a:prstGeom prst="rect">
             <a:avLst/>
@@ -37391,7 +37391,7 @@
                 <a:tab algn="l" pos="0"/>
               </a:tabLst>
             </a:pPr>
-            <a:fld id="{0F5E3B6D-10BE-4DC7-BF8B-6A0F26637D94}" type="slidenum">
+            <a:fld id="{D6ECC3CD-0686-4A48-856E-2D505C750F52}" type="slidenum">
               <a:rPr b="0" lang="en" sz="1200" spc="-1" strike="noStrike">
                 <a:solidFill>
                   <a:srgbClr val="00ae9d"/>
@@ -37684,9 +37684,9 @@
         <p:grpSpPr>
           <a:xfrm>
             <a:off x="-6120" y="0"/>
-            <a:ext cx="9165960" cy="5160960"/>
+            <a:ext cx="9165600" cy="5160600"/>
             <a:chOff x="-6120" y="0"/>
-            <a:chExt cx="9165960" cy="5160960"/>
+            <a:chExt cx="9165600" cy="5160600"/>
           </a:xfrm>
         </p:grpSpPr>
         <p:sp>
@@ -37698,7 +37698,7 @@
           <p:spPr>
             <a:xfrm>
               <a:off x="0" y="0"/>
-              <a:ext cx="8550720" cy="1330920"/>
+              <a:ext cx="8550360" cy="1330560"/>
             </a:xfrm>
             <a:custGeom>
               <a:avLst/>
@@ -37743,7 +37743,7 @@
           <p:spPr>
             <a:xfrm>
               <a:off x="2563560" y="0"/>
-              <a:ext cx="6578280" cy="1270440"/>
+              <a:ext cx="6577920" cy="1270080"/>
             </a:xfrm>
             <a:custGeom>
               <a:avLst/>
@@ -37793,7 +37793,7 @@
           <p:spPr>
             <a:xfrm>
               <a:off x="-6120" y="0"/>
-              <a:ext cx="7296120" cy="1469520"/>
+              <a:ext cx="7295760" cy="1469160"/>
             </a:xfrm>
             <a:custGeom>
               <a:avLst/>
@@ -37843,7 +37843,7 @@
           <p:spPr>
             <a:xfrm>
               <a:off x="3596040" y="4667040"/>
-              <a:ext cx="5088600" cy="474480"/>
+              <a:ext cx="5088240" cy="474120"/>
             </a:xfrm>
             <a:custGeom>
               <a:avLst/>
@@ -37888,7 +37888,7 @@
           <p:spPr>
             <a:xfrm>
               <a:off x="5524920" y="4692600"/>
-              <a:ext cx="3634920" cy="468360"/>
+              <a:ext cx="3634560" cy="468000"/>
             </a:xfrm>
             <a:custGeom>
               <a:avLst/>
@@ -37935,7 +37935,7 @@
           <p:spPr>
             <a:xfrm>
               <a:off x="7521480" y="4023000"/>
-              <a:ext cx="1632600" cy="1137960"/>
+              <a:ext cx="1632240" cy="1137600"/>
             </a:xfrm>
             <a:custGeom>
               <a:avLst/>
@@ -37987,7 +37987,7 @@
         <p:spPr>
           <a:xfrm>
             <a:off x="27000" y="4749840"/>
-            <a:ext cx="546480" cy="391320"/>
+            <a:ext cx="546120" cy="390960"/>
           </a:xfrm>
           <a:prstGeom prst="rect">
             <a:avLst/>
@@ -38027,7 +38027,7 @@
                 <a:tab algn="l" pos="0"/>
               </a:tabLst>
             </a:pPr>
-            <a:fld id="{81EE4853-563E-41EE-AE22-D6724516B4AD}" type="slidenum">
+            <a:fld id="{6AEBDAFF-B560-48CA-AA49-37584CDC74DE}" type="slidenum">
               <a:rPr b="0" lang="en" sz="1200" spc="-1" strike="noStrike">
                 <a:solidFill>
                   <a:srgbClr val="00ae9d"/>
@@ -38320,9 +38320,9 @@
         <p:grpSpPr>
           <a:xfrm>
             <a:off x="-6120" y="0"/>
-            <a:ext cx="9165960" cy="5160960"/>
+            <a:ext cx="9165600" cy="5160600"/>
             <a:chOff x="-6120" y="0"/>
-            <a:chExt cx="9165960" cy="5160960"/>
+            <a:chExt cx="9165600" cy="5160600"/>
           </a:xfrm>
         </p:grpSpPr>
         <p:sp>
@@ -38334,7 +38334,7 @@
           <p:spPr>
             <a:xfrm>
               <a:off x="0" y="0"/>
-              <a:ext cx="8550720" cy="1330920"/>
+              <a:ext cx="8550360" cy="1330560"/>
             </a:xfrm>
             <a:custGeom>
               <a:avLst/>
@@ -38379,7 +38379,7 @@
           <p:spPr>
             <a:xfrm>
               <a:off x="2563560" y="0"/>
-              <a:ext cx="6578280" cy="1270440"/>
+              <a:ext cx="6577920" cy="1270080"/>
             </a:xfrm>
             <a:custGeom>
               <a:avLst/>
@@ -38429,7 +38429,7 @@
           <p:spPr>
             <a:xfrm>
               <a:off x="-6120" y="0"/>
-              <a:ext cx="7296120" cy="1469520"/>
+              <a:ext cx="7295760" cy="1469160"/>
             </a:xfrm>
             <a:custGeom>
               <a:avLst/>
@@ -38479,7 +38479,7 @@
           <p:spPr>
             <a:xfrm>
               <a:off x="3596040" y="4667040"/>
-              <a:ext cx="5088600" cy="474480"/>
+              <a:ext cx="5088240" cy="474120"/>
             </a:xfrm>
             <a:custGeom>
               <a:avLst/>
@@ -38524,7 +38524,7 @@
           <p:spPr>
             <a:xfrm>
               <a:off x="5524920" y="4692600"/>
-              <a:ext cx="3634920" cy="468360"/>
+              <a:ext cx="3634560" cy="468000"/>
             </a:xfrm>
             <a:custGeom>
               <a:avLst/>
@@ -38571,7 +38571,7 @@
           <p:spPr>
             <a:xfrm>
               <a:off x="7521480" y="4023000"/>
-              <a:ext cx="1632600" cy="1137960"/>
+              <a:ext cx="1632240" cy="1137600"/>
             </a:xfrm>
             <a:custGeom>
               <a:avLst/>
@@ -38619,7 +38619,7 @@
         <p:spPr>
           <a:xfrm>
             <a:off x="886680" y="398520"/>
-            <a:ext cx="7368480" cy="855360"/>
+            <a:ext cx="7368120" cy="855000"/>
           </a:xfrm>
           <a:prstGeom prst="rect">
             <a:avLst/>
@@ -38645,7 +38645,7 @@
         <p:spPr>
           <a:xfrm>
             <a:off x="886680" y="1598400"/>
-            <a:ext cx="7368480" cy="3325320"/>
+            <a:ext cx="7368120" cy="3324960"/>
           </a:xfrm>
           <a:prstGeom prst="rect">
             <a:avLst/>
@@ -38675,7 +38675,7 @@
         <p:spPr>
           <a:xfrm>
             <a:off x="27000" y="4749840"/>
-            <a:ext cx="546480" cy="391320"/>
+            <a:ext cx="546120" cy="390960"/>
           </a:xfrm>
           <a:prstGeom prst="rect">
             <a:avLst/>
@@ -38715,7 +38715,7 @@
                 <a:tab algn="l" pos="0"/>
               </a:tabLst>
             </a:pPr>
-            <a:fld id="{E9CFF34F-FECD-4DED-A7FD-C6B24A16010B}" type="slidenum">
+            <a:fld id="{5FE5FC96-62DA-4535-B043-EDFCFBE4D25C}" type="slidenum">
               <a:rPr b="0" lang="en" sz="1200" spc="-1" strike="noStrike">
                 <a:solidFill>
                   <a:srgbClr val="00ae9d"/>
@@ -39008,9 +39008,9 @@
         <p:grpSpPr>
           <a:xfrm>
             <a:off x="-6120" y="0"/>
-            <a:ext cx="9165960" cy="5160960"/>
+            <a:ext cx="9165600" cy="5160600"/>
             <a:chOff x="-6120" y="0"/>
-            <a:chExt cx="9165960" cy="5160960"/>
+            <a:chExt cx="9165600" cy="5160600"/>
           </a:xfrm>
         </p:grpSpPr>
         <p:sp>
@@ -39022,7 +39022,7 @@
           <p:spPr>
             <a:xfrm>
               <a:off x="0" y="0"/>
-              <a:ext cx="8550720" cy="1330920"/>
+              <a:ext cx="8550360" cy="1330560"/>
             </a:xfrm>
             <a:custGeom>
               <a:avLst/>
@@ -39067,7 +39067,7 @@
           <p:spPr>
             <a:xfrm>
               <a:off x="2563560" y="0"/>
-              <a:ext cx="6578280" cy="1270440"/>
+              <a:ext cx="6577920" cy="1270080"/>
             </a:xfrm>
             <a:custGeom>
               <a:avLst/>
@@ -39117,7 +39117,7 @@
           <p:spPr>
             <a:xfrm>
               <a:off x="-6120" y="0"/>
-              <a:ext cx="7296120" cy="1469520"/>
+              <a:ext cx="7295760" cy="1469160"/>
             </a:xfrm>
             <a:custGeom>
               <a:avLst/>
@@ -39167,7 +39167,7 @@
           <p:spPr>
             <a:xfrm>
               <a:off x="3596040" y="4667040"/>
-              <a:ext cx="5088600" cy="474480"/>
+              <a:ext cx="5088240" cy="474120"/>
             </a:xfrm>
             <a:custGeom>
               <a:avLst/>
@@ -39212,7 +39212,7 @@
           <p:spPr>
             <a:xfrm>
               <a:off x="5524920" y="4692600"/>
-              <a:ext cx="3634920" cy="468360"/>
+              <a:ext cx="3634560" cy="468000"/>
             </a:xfrm>
             <a:custGeom>
               <a:avLst/>
@@ -39259,7 +39259,7 @@
           <p:spPr>
             <a:xfrm>
               <a:off x="7521480" y="4023000"/>
-              <a:ext cx="1632600" cy="1137960"/>
+              <a:ext cx="1632240" cy="1137600"/>
             </a:xfrm>
             <a:custGeom>
               <a:avLst/>
@@ -39311,7 +39311,7 @@
         <p:spPr>
           <a:xfrm>
             <a:off x="27000" y="4749840"/>
-            <a:ext cx="546480" cy="391320"/>
+            <a:ext cx="546120" cy="390960"/>
           </a:xfrm>
           <a:prstGeom prst="rect">
             <a:avLst/>
@@ -39351,7 +39351,7 @@
                 <a:tab algn="l" pos="0"/>
               </a:tabLst>
             </a:pPr>
-            <a:fld id="{5E032829-B4A7-4141-8AE5-6FB30733D4DB}" type="slidenum">
+            <a:fld id="{A51AB378-650E-4495-9DB2-5E4400645B53}" type="slidenum">
               <a:rPr b="0" lang="en" sz="1200" spc="-1" strike="noStrike">
                 <a:solidFill>
                   <a:srgbClr val="00ae9d"/>
@@ -39644,9 +39644,9 @@
         <p:grpSpPr>
           <a:xfrm>
             <a:off x="-6120" y="0"/>
-            <a:ext cx="9165960" cy="5160960"/>
+            <a:ext cx="9165600" cy="5160600"/>
             <a:chOff x="-6120" y="0"/>
-            <a:chExt cx="9165960" cy="5160960"/>
+            <a:chExt cx="9165600" cy="5160600"/>
           </a:xfrm>
         </p:grpSpPr>
         <p:sp>
@@ -39658,7 +39658,7 @@
           <p:spPr>
             <a:xfrm>
               <a:off x="0" y="0"/>
-              <a:ext cx="8550720" cy="1330920"/>
+              <a:ext cx="8550360" cy="1330560"/>
             </a:xfrm>
             <a:custGeom>
               <a:avLst/>
@@ -39703,7 +39703,7 @@
           <p:spPr>
             <a:xfrm>
               <a:off x="2563560" y="0"/>
-              <a:ext cx="6578280" cy="1270440"/>
+              <a:ext cx="6577920" cy="1270080"/>
             </a:xfrm>
             <a:custGeom>
               <a:avLst/>
@@ -39753,7 +39753,7 @@
           <p:spPr>
             <a:xfrm>
               <a:off x="-6120" y="0"/>
-              <a:ext cx="7296120" cy="1469520"/>
+              <a:ext cx="7295760" cy="1469160"/>
             </a:xfrm>
             <a:custGeom>
               <a:avLst/>
@@ -39803,7 +39803,7 @@
           <p:spPr>
             <a:xfrm>
               <a:off x="3596040" y="4667040"/>
-              <a:ext cx="5088600" cy="474480"/>
+              <a:ext cx="5088240" cy="474120"/>
             </a:xfrm>
             <a:custGeom>
               <a:avLst/>
@@ -39848,7 +39848,7 @@
           <p:spPr>
             <a:xfrm>
               <a:off x="5524920" y="4692600"/>
-              <a:ext cx="3634920" cy="468360"/>
+              <a:ext cx="3634560" cy="468000"/>
             </a:xfrm>
             <a:custGeom>
               <a:avLst/>
@@ -39895,7 +39895,7 @@
           <p:spPr>
             <a:xfrm>
               <a:off x="7521480" y="4023000"/>
-              <a:ext cx="1632600" cy="1137960"/>
+              <a:ext cx="1632240" cy="1137600"/>
             </a:xfrm>
             <a:custGeom>
               <a:avLst/>
@@ -39943,7 +39943,7 @@
         <p:spPr>
           <a:xfrm>
             <a:off x="886680" y="398520"/>
-            <a:ext cx="7368480" cy="855360"/>
+            <a:ext cx="7368120" cy="855000"/>
           </a:xfrm>
           <a:prstGeom prst="rect">
             <a:avLst/>
@@ -39969,7 +39969,7 @@
         <p:spPr>
           <a:xfrm>
             <a:off x="886680" y="1598400"/>
-            <a:ext cx="7368480" cy="3325320"/>
+            <a:ext cx="7368120" cy="3324960"/>
           </a:xfrm>
           <a:prstGeom prst="rect">
             <a:avLst/>
@@ -39999,7 +39999,7 @@
         <p:spPr>
           <a:xfrm>
             <a:off x="27000" y="4749840"/>
-            <a:ext cx="546480" cy="391320"/>
+            <a:ext cx="546120" cy="390960"/>
           </a:xfrm>
           <a:prstGeom prst="rect">
             <a:avLst/>
@@ -40039,7 +40039,7 @@
                 <a:tab algn="l" pos="0"/>
               </a:tabLst>
             </a:pPr>
-            <a:fld id="{47ADAD68-0B65-404C-AEF4-0AFEF3630CD7}" type="slidenum">
+            <a:fld id="{97BC309B-3A93-4AB4-8AF0-C8F4D5905C4F}" type="slidenum">
               <a:rPr b="0" lang="en" sz="1200" spc="-1" strike="noStrike">
                 <a:solidFill>
                   <a:srgbClr val="00ae9d"/>
@@ -40332,7 +40332,7 @@
         <p:spPr>
           <a:xfrm>
             <a:off x="-2520" y="0"/>
-            <a:ext cx="5207400" cy="981360"/>
+            <a:ext cx="5207040" cy="981000"/>
           </a:xfrm>
           <a:custGeom>
             <a:avLst/>
@@ -40377,7 +40377,7 @@
         <p:spPr>
           <a:xfrm>
             <a:off x="-6120" y="0"/>
-            <a:ext cx="4443120" cy="1083600"/>
+            <a:ext cx="4442760" cy="1083240"/>
           </a:xfrm>
           <a:custGeom>
             <a:avLst/>
@@ -40427,7 +40427,7 @@
         <p:spPr>
           <a:xfrm>
             <a:off x="6375600" y="4745880"/>
-            <a:ext cx="2546640" cy="398880"/>
+            <a:ext cx="2546280" cy="398520"/>
           </a:xfrm>
           <a:custGeom>
             <a:avLst/>
@@ -40472,7 +40472,7 @@
         <p:spPr>
           <a:xfrm>
             <a:off x="7341120" y="4767480"/>
-            <a:ext cx="1819080" cy="393480"/>
+            <a:ext cx="1818720" cy="393120"/>
           </a:xfrm>
           <a:custGeom>
             <a:avLst/>
@@ -40519,7 +40519,7 @@
         <p:spPr>
           <a:xfrm>
             <a:off x="8340840" y="4204080"/>
-            <a:ext cx="816120" cy="956880"/>
+            <a:ext cx="815760" cy="956520"/>
           </a:xfrm>
           <a:custGeom>
             <a:avLst/>
@@ -40566,7 +40566,7 @@
         <p:spPr>
           <a:xfrm>
             <a:off x="1559160" y="-6120"/>
-            <a:ext cx="4114440" cy="942840"/>
+            <a:ext cx="4114080" cy="942480"/>
           </a:xfrm>
           <a:custGeom>
             <a:avLst/>
@@ -40620,7 +40620,7 @@
         <p:spPr>
           <a:xfrm>
             <a:off x="27000" y="4749840"/>
-            <a:ext cx="546480" cy="391320"/>
+            <a:ext cx="546120" cy="390960"/>
           </a:xfrm>
           <a:prstGeom prst="rect">
             <a:avLst/>
@@ -40660,7 +40660,7 @@
                 <a:tab algn="l" pos="0"/>
               </a:tabLst>
             </a:pPr>
-            <a:fld id="{8CA58109-4C6A-4AE4-8F0B-D87553E010FD}" type="slidenum">
+            <a:fld id="{AB720640-B540-4DBD-9964-6302DD99C0D4}" type="slidenum">
               <a:rPr b="0" lang="en" sz="1200" spc="-1" strike="noStrike">
                 <a:solidFill>
                   <a:srgbClr val="00ae9d"/>
@@ -40953,9 +40953,9 @@
         <p:grpSpPr>
           <a:xfrm>
             <a:off x="-6120" y="0"/>
-            <a:ext cx="9165960" cy="5160960"/>
+            <a:ext cx="9165600" cy="5160600"/>
             <a:chOff x="-6120" y="0"/>
-            <a:chExt cx="9165960" cy="5160960"/>
+            <a:chExt cx="9165600" cy="5160600"/>
           </a:xfrm>
         </p:grpSpPr>
         <p:sp>
@@ -40967,7 +40967,7 @@
           <p:spPr>
             <a:xfrm>
               <a:off x="0" y="0"/>
-              <a:ext cx="8550720" cy="1330920"/>
+              <a:ext cx="8550360" cy="1330560"/>
             </a:xfrm>
             <a:custGeom>
               <a:avLst/>
@@ -41012,7 +41012,7 @@
           <p:spPr>
             <a:xfrm>
               <a:off x="2563560" y="0"/>
-              <a:ext cx="6578280" cy="1270440"/>
+              <a:ext cx="6577920" cy="1270080"/>
             </a:xfrm>
             <a:custGeom>
               <a:avLst/>
@@ -41062,7 +41062,7 @@
           <p:spPr>
             <a:xfrm>
               <a:off x="-6120" y="0"/>
-              <a:ext cx="7296120" cy="1469520"/>
+              <a:ext cx="7295760" cy="1469160"/>
             </a:xfrm>
             <a:custGeom>
               <a:avLst/>
@@ -41112,7 +41112,7 @@
           <p:spPr>
             <a:xfrm>
               <a:off x="3596040" y="4667040"/>
-              <a:ext cx="5088600" cy="474480"/>
+              <a:ext cx="5088240" cy="474120"/>
             </a:xfrm>
             <a:custGeom>
               <a:avLst/>
@@ -41157,7 +41157,7 @@
           <p:spPr>
             <a:xfrm>
               <a:off x="5524920" y="4692600"/>
-              <a:ext cx="3634920" cy="468360"/>
+              <a:ext cx="3634560" cy="468000"/>
             </a:xfrm>
             <a:custGeom>
               <a:avLst/>
@@ -41204,7 +41204,7 @@
           <p:spPr>
             <a:xfrm>
               <a:off x="7521480" y="4023000"/>
-              <a:ext cx="1632600" cy="1137960"/>
+              <a:ext cx="1632240" cy="1137600"/>
             </a:xfrm>
             <a:custGeom>
               <a:avLst/>
@@ -41256,7 +41256,7 @@
         <p:spPr>
           <a:xfrm>
             <a:off x="27000" y="4749840"/>
-            <a:ext cx="546480" cy="391320"/>
+            <a:ext cx="546120" cy="390960"/>
           </a:xfrm>
           <a:prstGeom prst="rect">
             <a:avLst/>
@@ -41296,7 +41296,7 @@
                 <a:tab algn="l" pos="0"/>
               </a:tabLst>
             </a:pPr>
-            <a:fld id="{A53E2DCC-2C5E-43BD-B4FE-EE39DAFF05DF}" type="slidenum">
+            <a:fld id="{E4DC77BE-88E8-404B-A8FB-6BB8F7817C25}" type="slidenum">
               <a:rPr b="0" lang="en" sz="1200" spc="-1" strike="noStrike">
                 <a:solidFill>
                   <a:srgbClr val="00ae9d"/>
@@ -41589,9 +41589,9 @@
         <p:grpSpPr>
           <a:xfrm>
             <a:off x="-6120" y="0"/>
-            <a:ext cx="9165960" cy="5160960"/>
+            <a:ext cx="9165600" cy="5160600"/>
             <a:chOff x="-6120" y="0"/>
-            <a:chExt cx="9165960" cy="5160960"/>
+            <a:chExt cx="9165600" cy="5160600"/>
           </a:xfrm>
         </p:grpSpPr>
         <p:sp>
@@ -41603,7 +41603,7 @@
           <p:spPr>
             <a:xfrm>
               <a:off x="0" y="0"/>
-              <a:ext cx="8550720" cy="1330920"/>
+              <a:ext cx="8550360" cy="1330560"/>
             </a:xfrm>
             <a:custGeom>
               <a:avLst/>
@@ -41648,7 +41648,7 @@
           <p:spPr>
             <a:xfrm>
               <a:off x="2563560" y="0"/>
-              <a:ext cx="6578280" cy="1270440"/>
+              <a:ext cx="6577920" cy="1270080"/>
             </a:xfrm>
             <a:custGeom>
               <a:avLst/>
@@ -41698,7 +41698,7 @@
           <p:spPr>
             <a:xfrm>
               <a:off x="-6120" y="0"/>
-              <a:ext cx="7296120" cy="1469520"/>
+              <a:ext cx="7295760" cy="1469160"/>
             </a:xfrm>
             <a:custGeom>
               <a:avLst/>
@@ -41748,7 +41748,7 @@
           <p:spPr>
             <a:xfrm>
               <a:off x="3596040" y="4667040"/>
-              <a:ext cx="5088600" cy="474480"/>
+              <a:ext cx="5088240" cy="474120"/>
             </a:xfrm>
             <a:custGeom>
               <a:avLst/>
@@ -41793,7 +41793,7 @@
           <p:spPr>
             <a:xfrm>
               <a:off x="5524920" y="4692600"/>
-              <a:ext cx="3634920" cy="468360"/>
+              <a:ext cx="3634560" cy="468000"/>
             </a:xfrm>
             <a:custGeom>
               <a:avLst/>
@@ -41840,7 +41840,7 @@
           <p:spPr>
             <a:xfrm>
               <a:off x="7521480" y="4023000"/>
-              <a:ext cx="1632600" cy="1137960"/>
+              <a:ext cx="1632240" cy="1137600"/>
             </a:xfrm>
             <a:custGeom>
               <a:avLst/>
@@ -41892,7 +41892,7 @@
         <p:spPr>
           <a:xfrm>
             <a:off x="27000" y="4749840"/>
-            <a:ext cx="546480" cy="391320"/>
+            <a:ext cx="546120" cy="390960"/>
           </a:xfrm>
           <a:prstGeom prst="rect">
             <a:avLst/>
@@ -41932,7 +41932,7 @@
                 <a:tab algn="l" pos="0"/>
               </a:tabLst>
             </a:pPr>
-            <a:fld id="{E9465745-1FEA-41AC-8352-9B0FBB462E48}" type="slidenum">
+            <a:fld id="{1704735B-E891-4C26-89FF-36FF6CD67298}" type="slidenum">
               <a:rPr b="0" lang="en" sz="1200" spc="-1" strike="noStrike">
                 <a:solidFill>
                   <a:srgbClr val="00ae9d"/>
@@ -42225,9 +42225,9 @@
         <p:grpSpPr>
           <a:xfrm>
             <a:off x="-6120" y="0"/>
-            <a:ext cx="9165960" cy="5160960"/>
+            <a:ext cx="9165600" cy="5160600"/>
             <a:chOff x="-6120" y="0"/>
-            <a:chExt cx="9165960" cy="5160960"/>
+            <a:chExt cx="9165600" cy="5160600"/>
           </a:xfrm>
         </p:grpSpPr>
         <p:sp>
@@ -42239,7 +42239,7 @@
           <p:spPr>
             <a:xfrm>
               <a:off x="0" y="0"/>
-              <a:ext cx="8550720" cy="1330920"/>
+              <a:ext cx="8550360" cy="1330560"/>
             </a:xfrm>
             <a:custGeom>
               <a:avLst/>
@@ -42284,7 +42284,7 @@
           <p:spPr>
             <a:xfrm>
               <a:off x="2563560" y="0"/>
-              <a:ext cx="6578280" cy="1270440"/>
+              <a:ext cx="6577920" cy="1270080"/>
             </a:xfrm>
             <a:custGeom>
               <a:avLst/>
@@ -42334,7 +42334,7 @@
           <p:spPr>
             <a:xfrm>
               <a:off x="-6120" y="0"/>
-              <a:ext cx="7296120" cy="1469520"/>
+              <a:ext cx="7295760" cy="1469160"/>
             </a:xfrm>
             <a:custGeom>
               <a:avLst/>
@@ -42384,7 +42384,7 @@
           <p:spPr>
             <a:xfrm>
               <a:off x="3596040" y="4667040"/>
-              <a:ext cx="5088600" cy="474480"/>
+              <a:ext cx="5088240" cy="474120"/>
             </a:xfrm>
             <a:custGeom>
               <a:avLst/>
@@ -42429,7 +42429,7 @@
           <p:spPr>
             <a:xfrm>
               <a:off x="5524920" y="4692600"/>
-              <a:ext cx="3634920" cy="468360"/>
+              <a:ext cx="3634560" cy="468000"/>
             </a:xfrm>
             <a:custGeom>
               <a:avLst/>
@@ -42476,7 +42476,7 @@
           <p:spPr>
             <a:xfrm>
               <a:off x="7521480" y="4023000"/>
-              <a:ext cx="1632600" cy="1137960"/>
+              <a:ext cx="1632240" cy="1137600"/>
             </a:xfrm>
             <a:custGeom>
               <a:avLst/>
@@ -42528,7 +42528,7 @@
         <p:spPr>
           <a:xfrm>
             <a:off x="27000" y="4749840"/>
-            <a:ext cx="546480" cy="391320"/>
+            <a:ext cx="546120" cy="390960"/>
           </a:xfrm>
           <a:prstGeom prst="rect">
             <a:avLst/>
@@ -42568,7 +42568,7 @@
                 <a:tab algn="l" pos="0"/>
               </a:tabLst>
             </a:pPr>
-            <a:fld id="{07BC83AA-9242-4685-91F8-76742F4CC9AD}" type="slidenum">
+            <a:fld id="{85B849B0-4B1F-4DBA-8BFC-9A4F06851309}" type="slidenum">
               <a:rPr b="0" lang="en" sz="1200" spc="-1" strike="noStrike">
                 <a:solidFill>
                   <a:srgbClr val="00ae9d"/>
@@ -42854,7 +42854,7 @@
         <p:spPr>
           <a:xfrm>
             <a:off x="7149240" y="4774320"/>
-            <a:ext cx="3135960" cy="363960"/>
+            <a:ext cx="3135600" cy="363960"/>
           </a:xfrm>
           <a:prstGeom prst="rect">
             <a:avLst/>
@@ -42909,7 +42909,7 @@
         <p:spPr>
           <a:xfrm>
             <a:off x="-7560" y="-13680"/>
-            <a:ext cx="9150840" cy="5141880"/>
+            <a:ext cx="9150480" cy="5141520"/>
           </a:xfrm>
           <a:prstGeom prst="rect">
             <a:avLst/>
@@ -42962,7 +42962,7 @@
         <p:spPr>
           <a:xfrm>
             <a:off x="0" y="0"/>
-            <a:ext cx="9142200" cy="5141880"/>
+            <a:ext cx="9141840" cy="5141520"/>
           </a:xfrm>
           <a:prstGeom prst="rect">
             <a:avLst/>
@@ -43015,7 +43015,7 @@
         <p:spPr>
           <a:xfrm>
             <a:off x="886680" y="398520"/>
-            <a:ext cx="7368480" cy="855360"/>
+            <a:ext cx="7368120" cy="855000"/>
           </a:xfrm>
           <a:prstGeom prst="rect">
             <a:avLst/>
@@ -43064,7 +43064,7 @@
         <p:spPr>
           <a:xfrm>
             <a:off x="886680" y="1669680"/>
-            <a:ext cx="7368480" cy="3080160"/>
+            <a:ext cx="7368120" cy="3079800"/>
           </a:xfrm>
           <a:prstGeom prst="rect">
             <a:avLst/>
@@ -43148,7 +43148,7 @@
         <p:spPr>
           <a:xfrm>
             <a:off x="27000" y="4749840"/>
-            <a:ext cx="546480" cy="391320"/>
+            <a:ext cx="546120" cy="390960"/>
           </a:xfrm>
           <a:prstGeom prst="rect">
             <a:avLst/>
@@ -43188,7 +43188,7 @@
                 <a:tab algn="l" pos="0"/>
               </a:tabLst>
             </a:pPr>
-            <a:fld id="{8EB4C366-5485-4798-B4E9-DC893E4EF367}" type="slidenum">
+            <a:fld id="{C2C551C2-4031-48F3-86E4-6A1B920476E8}" type="slidenum">
               <a:rPr b="0" lang="en" sz="1200" spc="-1" strike="noStrike">
                 <a:solidFill>
                   <a:srgbClr val="00ae9d"/>
@@ -43196,7 +43196,7 @@
                 <a:latin typeface="Karla"/>
                 <a:ea typeface="Karla"/>
               </a:rPr>
-              <a:t>&lt;number&gt;</a:t>
+              <a:t>8</a:t>
             </a:fld>
             <a:endParaRPr b="0" lang="en-US" sz="1200" spc="-1" strike="noStrike">
               <a:latin typeface="Times New Roman"/>
@@ -43213,7 +43213,7 @@
         <p:spPr>
           <a:xfrm>
             <a:off x="6400800" y="4779000"/>
-            <a:ext cx="2284200" cy="363960"/>
+            <a:ext cx="2283840" cy="363960"/>
           </a:xfrm>
           <a:prstGeom prst="rect">
             <a:avLst/>
@@ -43278,7 +43278,7 @@
         <p:spPr>
           <a:xfrm>
             <a:off x="686160" y="1702080"/>
-            <a:ext cx="7368480" cy="2639520"/>
+            <a:ext cx="7368120" cy="2639160"/>
           </a:xfrm>
           <a:prstGeom prst="rect">
             <a:avLst/>
@@ -43405,7 +43405,7 @@
         <p:spPr>
           <a:xfrm>
             <a:off x="886680" y="398520"/>
-            <a:ext cx="7368480" cy="855360"/>
+            <a:ext cx="7368120" cy="855000"/>
           </a:xfrm>
           <a:prstGeom prst="rect">
             <a:avLst/>
@@ -43454,7 +43454,7 @@
         <p:spPr>
           <a:xfrm>
             <a:off x="886680" y="1669680"/>
-            <a:ext cx="7368480" cy="3080160"/>
+            <a:ext cx="7368120" cy="3079800"/>
           </a:xfrm>
           <a:prstGeom prst="rect">
             <a:avLst/>
@@ -43538,7 +43538,7 @@
         <p:spPr>
           <a:xfrm>
             <a:off x="27000" y="4749840"/>
-            <a:ext cx="546480" cy="391320"/>
+            <a:ext cx="546120" cy="390960"/>
           </a:xfrm>
           <a:prstGeom prst="rect">
             <a:avLst/>
@@ -43578,7 +43578,7 @@
                 <a:tab algn="l" pos="0"/>
               </a:tabLst>
             </a:pPr>
-            <a:fld id="{E9672374-046E-4975-883C-94CC4B85F9C0}" type="slidenum">
+            <a:fld id="{CFF266A4-8483-4A7B-AE29-7EEE362A5734}" type="slidenum">
               <a:rPr b="0" lang="en" sz="1200" spc="-1" strike="noStrike">
                 <a:solidFill>
                   <a:srgbClr val="00ae9d"/>
@@ -43586,7 +43586,7 @@
                 <a:latin typeface="Karla"/>
                 <a:ea typeface="Karla"/>
               </a:rPr>
-              <a:t>&lt;number&gt;</a:t>
+              <a:t>8</a:t>
             </a:fld>
             <a:endParaRPr b="0" lang="en-US" sz="1200" spc="-1" strike="noStrike">
               <a:latin typeface="Times New Roman"/>
@@ -43603,7 +43603,7 @@
         <p:spPr>
           <a:xfrm>
             <a:off x="6400800" y="4779000"/>
-            <a:ext cx="2284200" cy="363960"/>
+            <a:ext cx="2283840" cy="363960"/>
           </a:xfrm>
           <a:prstGeom prst="rect">
             <a:avLst/>
@@ -43668,7 +43668,7 @@
         <p:spPr>
           <a:xfrm>
             <a:off x="686160" y="1702080"/>
-            <a:ext cx="7368480" cy="2639520"/>
+            <a:ext cx="7368120" cy="2639160"/>
           </a:xfrm>
           <a:prstGeom prst="rect">
             <a:avLst/>
@@ -43811,7 +43811,7 @@
         <p:spPr>
           <a:xfrm>
             <a:off x="886680" y="398520"/>
-            <a:ext cx="7368480" cy="855360"/>
+            <a:ext cx="7368120" cy="855000"/>
           </a:xfrm>
           <a:prstGeom prst="rect">
             <a:avLst/>
@@ -43860,7 +43860,7 @@
         <p:spPr>
           <a:xfrm>
             <a:off x="1053720" y="1694880"/>
-            <a:ext cx="6655680" cy="3080160"/>
+            <a:ext cx="6655320" cy="3079800"/>
           </a:xfrm>
           <a:prstGeom prst="rect">
             <a:avLst/>
@@ -43944,7 +43944,7 @@
         <p:spPr>
           <a:xfrm>
             <a:off x="27000" y="4749840"/>
-            <a:ext cx="546480" cy="391320"/>
+            <a:ext cx="546120" cy="390960"/>
           </a:xfrm>
           <a:prstGeom prst="rect">
             <a:avLst/>
@@ -43984,7 +43984,7 @@
                 <a:tab algn="l" pos="0"/>
               </a:tabLst>
             </a:pPr>
-            <a:fld id="{7AF86A5A-15D0-469E-83B8-58B439BC7288}" type="slidenum">
+            <a:fld id="{F08FC84E-38D4-40A6-86F5-07ACDE7116DA}" type="slidenum">
               <a:rPr b="0" lang="en" sz="1200" spc="-1" strike="noStrike">
                 <a:solidFill>
                   <a:srgbClr val="00ae9d"/>
@@ -43992,7 +43992,7 @@
                 <a:latin typeface="Karla"/>
                 <a:ea typeface="Karla"/>
               </a:rPr>
-              <a:t>&lt;number&gt;</a:t>
+              <a:t>8</a:t>
             </a:fld>
             <a:endParaRPr b="0" lang="en-US" sz="1200" spc="-1" strike="noStrike">
               <a:latin typeface="Times New Roman"/>
@@ -44009,7 +44009,7 @@
         <p:spPr>
           <a:xfrm>
             <a:off x="6400800" y="4779000"/>
-            <a:ext cx="2284200" cy="363960"/>
+            <a:ext cx="2283840" cy="363960"/>
           </a:xfrm>
           <a:prstGeom prst="rect">
             <a:avLst/>
@@ -44074,7 +44074,7 @@
         <p:spPr>
           <a:xfrm>
             <a:off x="686160" y="1702080"/>
-            <a:ext cx="7368480" cy="2639520"/>
+            <a:ext cx="7368120" cy="2639160"/>
           </a:xfrm>
           <a:prstGeom prst="rect">
             <a:avLst/>
@@ -44243,7 +44243,7 @@
         <p:spPr>
           <a:xfrm>
             <a:off x="886680" y="398520"/>
-            <a:ext cx="7368480" cy="855360"/>
+            <a:ext cx="7368120" cy="855000"/>
           </a:xfrm>
           <a:prstGeom prst="rect">
             <a:avLst/>
@@ -44292,7 +44292,7 @@
         <p:spPr>
           <a:xfrm>
             <a:off x="1053720" y="1694880"/>
-            <a:ext cx="6655680" cy="3080160"/>
+            <a:ext cx="6655320" cy="3079800"/>
           </a:xfrm>
           <a:prstGeom prst="rect">
             <a:avLst/>
@@ -44376,7 +44376,7 @@
         <p:spPr>
           <a:xfrm>
             <a:off x="27000" y="4749840"/>
-            <a:ext cx="546480" cy="391320"/>
+            <a:ext cx="546120" cy="390960"/>
           </a:xfrm>
           <a:prstGeom prst="rect">
             <a:avLst/>
@@ -44416,7 +44416,7 @@
                 <a:tab algn="l" pos="0"/>
               </a:tabLst>
             </a:pPr>
-            <a:fld id="{3B3C3391-2505-48AE-B801-2776C94B81F2}" type="slidenum">
+            <a:fld id="{E398C812-53FF-40E4-95BA-AA9D482F10EE}" type="slidenum">
               <a:rPr b="0" lang="en" sz="1200" spc="-1" strike="noStrike">
                 <a:solidFill>
                   <a:srgbClr val="00ae9d"/>
@@ -44424,7 +44424,7 @@
                 <a:latin typeface="Karla"/>
                 <a:ea typeface="Karla"/>
               </a:rPr>
-              <a:t>&lt;number&gt;</a:t>
+              <a:t>8</a:t>
             </a:fld>
             <a:endParaRPr b="0" lang="en-US" sz="1200" spc="-1" strike="noStrike">
               <a:latin typeface="Times New Roman"/>
@@ -44441,7 +44441,7 @@
         <p:spPr>
           <a:xfrm>
             <a:off x="6400800" y="4779000"/>
-            <a:ext cx="2284200" cy="363960"/>
+            <a:ext cx="2283840" cy="363960"/>
           </a:xfrm>
           <a:prstGeom prst="rect">
             <a:avLst/>
@@ -44506,7 +44506,7 @@
         <p:spPr>
           <a:xfrm>
             <a:off x="686160" y="1702080"/>
-            <a:ext cx="7368480" cy="2639520"/>
+            <a:ext cx="7368120" cy="2639160"/>
           </a:xfrm>
           <a:prstGeom prst="rect">
             <a:avLst/>
@@ -44691,7 +44691,7 @@
         <p:spPr>
           <a:xfrm>
             <a:off x="886680" y="398520"/>
-            <a:ext cx="7368480" cy="855360"/>
+            <a:ext cx="7368120" cy="855000"/>
           </a:xfrm>
           <a:prstGeom prst="rect">
             <a:avLst/>
@@ -44740,7 +44740,7 @@
         <p:spPr>
           <a:xfrm>
             <a:off x="886680" y="1669680"/>
-            <a:ext cx="7368480" cy="3080160"/>
+            <a:ext cx="7368120" cy="3079800"/>
           </a:xfrm>
           <a:prstGeom prst="rect">
             <a:avLst/>
@@ -44824,7 +44824,7 @@
         <p:spPr>
           <a:xfrm>
             <a:off x="27000" y="4749840"/>
-            <a:ext cx="546480" cy="391320"/>
+            <a:ext cx="546120" cy="390960"/>
           </a:xfrm>
           <a:prstGeom prst="rect">
             <a:avLst/>
@@ -44864,7 +44864,7 @@
                 <a:tab algn="l" pos="0"/>
               </a:tabLst>
             </a:pPr>
-            <a:fld id="{324CBA6F-3685-438B-B012-F52D5DDAB1FC}" type="slidenum">
+            <a:fld id="{06B021D6-4AE8-41B8-9D5D-42D39A8ED2B0}" type="slidenum">
               <a:rPr b="0" lang="en" sz="1200" spc="-1" strike="noStrike">
                 <a:solidFill>
                   <a:srgbClr val="00ae9d"/>
@@ -44872,7 +44872,7 @@
                 <a:latin typeface="Karla"/>
                 <a:ea typeface="Karla"/>
               </a:rPr>
-              <a:t>&lt;number&gt;</a:t>
+              <a:t>8</a:t>
             </a:fld>
             <a:endParaRPr b="0" lang="en-US" sz="1200" spc="-1" strike="noStrike">
               <a:latin typeface="Times New Roman"/>
@@ -44889,7 +44889,7 @@
         <p:spPr>
           <a:xfrm>
             <a:off x="6400800" y="4779000"/>
-            <a:ext cx="2284200" cy="363960"/>
+            <a:ext cx="2283840" cy="363960"/>
           </a:xfrm>
           <a:prstGeom prst="rect">
             <a:avLst/>
@@ -44954,7 +44954,7 @@
         <p:spPr>
           <a:xfrm>
             <a:off x="686160" y="1702080"/>
-            <a:ext cx="7368480" cy="2639520"/>
+            <a:ext cx="7368120" cy="2639160"/>
           </a:xfrm>
           <a:prstGeom prst="rect">
             <a:avLst/>
@@ -45129,7 +45129,7 @@
         <p:spPr>
           <a:xfrm>
             <a:off x="886680" y="398520"/>
-            <a:ext cx="7368480" cy="855360"/>
+            <a:ext cx="7368120" cy="855000"/>
           </a:xfrm>
           <a:prstGeom prst="rect">
             <a:avLst/>
@@ -45178,7 +45178,7 @@
         <p:spPr>
           <a:xfrm>
             <a:off x="886680" y="1669680"/>
-            <a:ext cx="7368480" cy="3080160"/>
+            <a:ext cx="7368120" cy="3079800"/>
           </a:xfrm>
           <a:prstGeom prst="rect">
             <a:avLst/>
@@ -45262,7 +45262,7 @@
         <p:spPr>
           <a:xfrm>
             <a:off x="27000" y="4749840"/>
-            <a:ext cx="546480" cy="391320"/>
+            <a:ext cx="546120" cy="390960"/>
           </a:xfrm>
           <a:prstGeom prst="rect">
             <a:avLst/>
@@ -45302,7 +45302,7 @@
                 <a:tab algn="l" pos="0"/>
               </a:tabLst>
             </a:pPr>
-            <a:fld id="{311AAD1B-810D-47B4-AF77-3E9E8055721A}" type="slidenum">
+            <a:fld id="{F26C347F-193F-47FF-9066-074932576BEA}" type="slidenum">
               <a:rPr b="0" lang="en" sz="1200" spc="-1" strike="noStrike">
                 <a:solidFill>
                   <a:srgbClr val="00ae9d"/>
@@ -45310,7 +45310,7 @@
                 <a:latin typeface="Karla"/>
                 <a:ea typeface="Karla"/>
               </a:rPr>
-              <a:t>&lt;number&gt;</a:t>
+              <a:t>8</a:t>
             </a:fld>
             <a:endParaRPr b="0" lang="en-US" sz="1200" spc="-1" strike="noStrike">
               <a:latin typeface="Times New Roman"/>
@@ -45327,7 +45327,7 @@
         <p:spPr>
           <a:xfrm>
             <a:off x="6400800" y="4779000"/>
-            <a:ext cx="2284200" cy="363960"/>
+            <a:ext cx="2283840" cy="363960"/>
           </a:xfrm>
           <a:prstGeom prst="rect">
             <a:avLst/>
@@ -45392,7 +45392,7 @@
         <p:spPr>
           <a:xfrm>
             <a:off x="686160" y="1702080"/>
-            <a:ext cx="7368480" cy="2639520"/>
+            <a:ext cx="7368120" cy="2639160"/>
           </a:xfrm>
           <a:prstGeom prst="rect">
             <a:avLst/>
@@ -45567,7 +45567,7 @@
         <p:spPr>
           <a:xfrm>
             <a:off x="886680" y="398520"/>
-            <a:ext cx="7368480" cy="855360"/>
+            <a:ext cx="7368120" cy="855000"/>
           </a:xfrm>
           <a:prstGeom prst="rect">
             <a:avLst/>
@@ -45616,7 +45616,7 @@
         <p:spPr>
           <a:xfrm>
             <a:off x="886680" y="1669680"/>
-            <a:ext cx="7368480" cy="3080160"/>
+            <a:ext cx="7368120" cy="3079800"/>
           </a:xfrm>
           <a:prstGeom prst="rect">
             <a:avLst/>
@@ -45700,7 +45700,7 @@
         <p:spPr>
           <a:xfrm>
             <a:off x="27000" y="4749840"/>
-            <a:ext cx="546480" cy="391320"/>
+            <a:ext cx="546120" cy="390960"/>
           </a:xfrm>
           <a:prstGeom prst="rect">
             <a:avLst/>
@@ -45740,7 +45740,7 @@
                 <a:tab algn="l" pos="0"/>
               </a:tabLst>
             </a:pPr>
-            <a:fld id="{A62D6310-96D4-4CBB-83CD-C2DA4A00E09B}" type="slidenum">
+            <a:fld id="{E1CEC85A-67F8-4C8C-A31F-BD0CF906A0A1}" type="slidenum">
               <a:rPr b="0" lang="en" sz="1200" spc="-1" strike="noStrike">
                 <a:solidFill>
                   <a:srgbClr val="00ae9d"/>
@@ -45748,7 +45748,7 @@
                 <a:latin typeface="Karla"/>
                 <a:ea typeface="Karla"/>
               </a:rPr>
-              <a:t>&lt;number&gt;</a:t>
+              <a:t>8</a:t>
             </a:fld>
             <a:endParaRPr b="0" lang="en-US" sz="1200" spc="-1" strike="noStrike">
               <a:latin typeface="Times New Roman"/>
@@ -45765,7 +45765,7 @@
         <p:spPr>
           <a:xfrm>
             <a:off x="6400800" y="4779000"/>
-            <a:ext cx="2284200" cy="363960"/>
+            <a:ext cx="2283840" cy="363960"/>
           </a:xfrm>
           <a:prstGeom prst="rect">
             <a:avLst/>
@@ -45830,7 +45830,7 @@
         <p:spPr>
           <a:xfrm>
             <a:off x="686160" y="1702080"/>
-            <a:ext cx="7368480" cy="2639520"/>
+            <a:ext cx="7368120" cy="2639160"/>
           </a:xfrm>
           <a:prstGeom prst="rect">
             <a:avLst/>
@@ -45995,7 +45995,7 @@
         <p:spPr>
           <a:xfrm>
             <a:off x="886680" y="398520"/>
-            <a:ext cx="7368480" cy="855360"/>
+            <a:ext cx="7368120" cy="855000"/>
           </a:xfrm>
           <a:prstGeom prst="rect">
             <a:avLst/>
@@ -46044,7 +46044,7 @@
         <p:spPr>
           <a:xfrm>
             <a:off x="886680" y="1669680"/>
-            <a:ext cx="7368480" cy="3080160"/>
+            <a:ext cx="7368120" cy="3079800"/>
           </a:xfrm>
           <a:prstGeom prst="rect">
             <a:avLst/>
@@ -46128,7 +46128,7 @@
         <p:spPr>
           <a:xfrm>
             <a:off x="27000" y="4749840"/>
-            <a:ext cx="546480" cy="391320"/>
+            <a:ext cx="546120" cy="390960"/>
           </a:xfrm>
           <a:prstGeom prst="rect">
             <a:avLst/>
@@ -46168,7 +46168,7 @@
                 <a:tab algn="l" pos="0"/>
               </a:tabLst>
             </a:pPr>
-            <a:fld id="{64F28E5B-56AC-41B0-97D9-C44B4DA0D651}" type="slidenum">
+            <a:fld id="{8C8BC563-A45B-4F70-B029-B9DC31C97ECF}" type="slidenum">
               <a:rPr b="0" lang="en" sz="1200" spc="-1" strike="noStrike">
                 <a:solidFill>
                   <a:srgbClr val="00ae9d"/>
@@ -46176,7 +46176,7 @@
                 <a:latin typeface="Karla"/>
                 <a:ea typeface="Karla"/>
               </a:rPr>
-              <a:t>&lt;number&gt;</a:t>
+              <a:t>8</a:t>
             </a:fld>
             <a:endParaRPr b="0" lang="en-US" sz="1200" spc="-1" strike="noStrike">
               <a:latin typeface="Times New Roman"/>
@@ -46193,7 +46193,7 @@
         <p:spPr>
           <a:xfrm>
             <a:off x="6400800" y="4779000"/>
-            <a:ext cx="2284200" cy="363960"/>
+            <a:ext cx="2283840" cy="363960"/>
           </a:xfrm>
           <a:prstGeom prst="rect">
             <a:avLst/>
@@ -46258,7 +46258,7 @@
         <p:spPr>
           <a:xfrm>
             <a:off x="686160" y="1702080"/>
-            <a:ext cx="7368480" cy="2639520"/>
+            <a:ext cx="7368120" cy="2639160"/>
           </a:xfrm>
           <a:prstGeom prst="rect">
             <a:avLst/>
@@ -46491,7 +46491,7 @@
         <p:spPr>
           <a:xfrm>
             <a:off x="886680" y="398520"/>
-            <a:ext cx="7368480" cy="855360"/>
+            <a:ext cx="7368120" cy="855000"/>
           </a:xfrm>
           <a:prstGeom prst="rect">
             <a:avLst/>
@@ -46540,7 +46540,7 @@
         <p:spPr>
           <a:xfrm>
             <a:off x="886680" y="1669680"/>
-            <a:ext cx="7368480" cy="3080160"/>
+            <a:ext cx="7368120" cy="3079800"/>
           </a:xfrm>
           <a:prstGeom prst="rect">
             <a:avLst/>
@@ -46624,7 +46624,7 @@
         <p:spPr>
           <a:xfrm>
             <a:off x="27000" y="4749840"/>
-            <a:ext cx="546480" cy="391320"/>
+            <a:ext cx="546120" cy="390960"/>
           </a:xfrm>
           <a:prstGeom prst="rect">
             <a:avLst/>
@@ -46664,7 +46664,7 @@
                 <a:tab algn="l" pos="0"/>
               </a:tabLst>
             </a:pPr>
-            <a:fld id="{3F288D91-A6CD-4FD6-90A2-346307602A3E}" type="slidenum">
+            <a:fld id="{B83FE549-8397-4336-8440-7D453A72A95B}" type="slidenum">
               <a:rPr b="0" lang="en" sz="1200" spc="-1" strike="noStrike">
                 <a:solidFill>
                   <a:srgbClr val="00ae9d"/>
@@ -46672,7 +46672,7 @@
                 <a:latin typeface="Karla"/>
                 <a:ea typeface="Karla"/>
               </a:rPr>
-              <a:t>&lt;number&gt;</a:t>
+              <a:t>8</a:t>
             </a:fld>
             <a:endParaRPr b="0" lang="en-US" sz="1200" spc="-1" strike="noStrike">
               <a:latin typeface="Times New Roman"/>
@@ -46689,7 +46689,7 @@
         <p:spPr>
           <a:xfrm>
             <a:off x="6400800" y="4779000"/>
-            <a:ext cx="2284200" cy="363960"/>
+            <a:ext cx="2283840" cy="363960"/>
           </a:xfrm>
           <a:prstGeom prst="rect">
             <a:avLst/>
@@ -46754,7 +46754,7 @@
         <p:spPr>
           <a:xfrm>
             <a:off x="686160" y="1702080"/>
-            <a:ext cx="7368480" cy="2639520"/>
+            <a:ext cx="7368120" cy="2639160"/>
           </a:xfrm>
           <a:prstGeom prst="rect">
             <a:avLst/>
@@ -46957,7 +46957,7 @@
         <p:spPr>
           <a:xfrm>
             <a:off x="1143000" y="1600200"/>
-            <a:ext cx="5942880" cy="2513880"/>
+            <a:ext cx="5942520" cy="2513520"/>
           </a:xfrm>
           <a:prstGeom prst="rect">
             <a:avLst/>
@@ -46980,7 +46980,7 @@
         <p:spPr>
           <a:xfrm>
             <a:off x="0" y="0"/>
-            <a:ext cx="9143280" cy="5142960"/>
+            <a:ext cx="9142920" cy="5142600"/>
           </a:xfrm>
           <a:prstGeom prst="rect">
             <a:avLst/>
@@ -46999,7 +46999,7 @@
         <p:spPr>
           <a:xfrm>
             <a:off x="2286000" y="58320"/>
-            <a:ext cx="7368480" cy="855360"/>
+            <a:ext cx="7368120" cy="855000"/>
           </a:xfrm>
           <a:prstGeom prst="rect">
             <a:avLst/>
@@ -47084,7 +47084,7 @@
         <p:spPr>
           <a:xfrm>
             <a:off x="27000" y="4749840"/>
-            <a:ext cx="546480" cy="391320"/>
+            <a:ext cx="546120" cy="390960"/>
           </a:xfrm>
           <a:prstGeom prst="rect">
             <a:avLst/>
@@ -47124,7 +47124,7 @@
                 <a:tab algn="l" pos="0"/>
               </a:tabLst>
             </a:pPr>
-            <a:fld id="{4DFC666E-7AF3-488C-AA63-79F0D18CA863}" type="slidenum">
+            <a:fld id="{CFCB6C06-3D55-4C8F-B2EE-8C7EED33BAED}" type="slidenum">
               <a:rPr b="0" lang="en" sz="1200" spc="-1" strike="noStrike">
                 <a:solidFill>
                   <a:srgbClr val="00ae9d"/>
@@ -47149,7 +47149,7 @@
         <p:spPr>
           <a:xfrm>
             <a:off x="6005880" y="4774320"/>
-            <a:ext cx="3135960" cy="363960"/>
+            <a:ext cx="3135600" cy="363960"/>
           </a:xfrm>
           <a:prstGeom prst="rect">
             <a:avLst/>
@@ -47204,7 +47204,7 @@
         <p:spPr>
           <a:xfrm>
             <a:off x="0" y="0"/>
-            <a:ext cx="9142200" cy="5141880"/>
+            <a:ext cx="9141840" cy="5141520"/>
           </a:xfrm>
           <a:prstGeom prst="rect">
             <a:avLst/>
@@ -47227,7 +47227,7 @@
         <p:spPr>
           <a:xfrm>
             <a:off x="2688120" y="4286520"/>
-            <a:ext cx="7368480" cy="855360"/>
+            <a:ext cx="7368120" cy="855000"/>
           </a:xfrm>
           <a:prstGeom prst="rect">
             <a:avLst/>
@@ -47306,7 +47306,7 @@
         <p:spPr>
           <a:xfrm>
             <a:off x="886680" y="398520"/>
-            <a:ext cx="7368480" cy="855360"/>
+            <a:ext cx="7368120" cy="855000"/>
           </a:xfrm>
           <a:prstGeom prst="rect">
             <a:avLst/>
@@ -47355,7 +47355,7 @@
         <p:spPr>
           <a:xfrm>
             <a:off x="886680" y="1669680"/>
-            <a:ext cx="7368480" cy="3080160"/>
+            <a:ext cx="7368120" cy="3079800"/>
           </a:xfrm>
           <a:prstGeom prst="rect">
             <a:avLst/>
@@ -47439,7 +47439,7 @@
         <p:spPr>
           <a:xfrm>
             <a:off x="27000" y="4749840"/>
-            <a:ext cx="546480" cy="391320"/>
+            <a:ext cx="546120" cy="390960"/>
           </a:xfrm>
           <a:prstGeom prst="rect">
             <a:avLst/>
@@ -47479,7 +47479,7 @@
                 <a:tab algn="l" pos="0"/>
               </a:tabLst>
             </a:pPr>
-            <a:fld id="{5B15911F-AB3D-491B-928C-E5A3947AD140}" type="slidenum">
+            <a:fld id="{7F81CC58-6AA8-4831-B8EF-C6AF6192B070}" type="slidenum">
               <a:rPr b="0" lang="en" sz="1200" spc="-1" strike="noStrike">
                 <a:solidFill>
                   <a:srgbClr val="00ae9d"/>
@@ -47504,7 +47504,7 @@
         <p:spPr>
           <a:xfrm>
             <a:off x="6400800" y="4779000"/>
-            <a:ext cx="2284200" cy="363960"/>
+            <a:ext cx="2283840" cy="363960"/>
           </a:xfrm>
           <a:prstGeom prst="rect">
             <a:avLst/>
@@ -47569,7 +47569,7 @@
         <p:spPr>
           <a:xfrm>
             <a:off x="686160" y="1702080"/>
-            <a:ext cx="7368480" cy="2639520"/>
+            <a:ext cx="7368120" cy="2639160"/>
           </a:xfrm>
           <a:prstGeom prst="rect">
             <a:avLst/>
@@ -47792,7 +47792,7 @@
         <p:spPr>
           <a:xfrm>
             <a:off x="886680" y="398520"/>
-            <a:ext cx="7368480" cy="855360"/>
+            <a:ext cx="7368120" cy="855000"/>
           </a:xfrm>
           <a:prstGeom prst="rect">
             <a:avLst/>
@@ -47841,7 +47841,7 @@
         <p:spPr>
           <a:xfrm>
             <a:off x="886680" y="1669680"/>
-            <a:ext cx="7368480" cy="3080160"/>
+            <a:ext cx="7368120" cy="3079800"/>
           </a:xfrm>
           <a:prstGeom prst="rect">
             <a:avLst/>
@@ -47925,7 +47925,7 @@
         <p:spPr>
           <a:xfrm>
             <a:off x="27000" y="4749840"/>
-            <a:ext cx="546480" cy="391320"/>
+            <a:ext cx="546120" cy="390960"/>
           </a:xfrm>
           <a:prstGeom prst="rect">
             <a:avLst/>
@@ -47965,7 +47965,7 @@
                 <a:tab algn="l" pos="0"/>
               </a:tabLst>
             </a:pPr>
-            <a:fld id="{2729D5EA-0F08-44F4-8B7D-C9388393E282}" type="slidenum">
+            <a:fld id="{2834AA18-E2FD-41DA-9073-91C150BD0629}" type="slidenum">
               <a:rPr b="0" lang="en" sz="1200" spc="-1" strike="noStrike">
                 <a:solidFill>
                   <a:srgbClr val="00ae9d"/>
@@ -47990,7 +47990,7 @@
         <p:spPr>
           <a:xfrm>
             <a:off x="6400800" y="4779000"/>
-            <a:ext cx="2284200" cy="363960"/>
+            <a:ext cx="2283840" cy="363960"/>
           </a:xfrm>
           <a:prstGeom prst="rect">
             <a:avLst/>
@@ -48055,7 +48055,7 @@
         <p:spPr>
           <a:xfrm>
             <a:off x="686160" y="1702080"/>
-            <a:ext cx="7368480" cy="2639520"/>
+            <a:ext cx="7368120" cy="2639160"/>
           </a:xfrm>
           <a:prstGeom prst="rect">
             <a:avLst/>
@@ -48310,7 +48310,7 @@
         <p:spPr>
           <a:xfrm>
             <a:off x="886680" y="398520"/>
-            <a:ext cx="7368480" cy="855360"/>
+            <a:ext cx="7368120" cy="855000"/>
           </a:xfrm>
           <a:prstGeom prst="rect">
             <a:avLst/>
@@ -48359,7 +48359,7 @@
         <p:spPr>
           <a:xfrm>
             <a:off x="886680" y="1669680"/>
-            <a:ext cx="7368480" cy="3080160"/>
+            <a:ext cx="7368120" cy="3079800"/>
           </a:xfrm>
           <a:prstGeom prst="rect">
             <a:avLst/>
@@ -48443,7 +48443,7 @@
         <p:spPr>
           <a:xfrm>
             <a:off x="27000" y="4749840"/>
-            <a:ext cx="546480" cy="391320"/>
+            <a:ext cx="546120" cy="390960"/>
           </a:xfrm>
           <a:prstGeom prst="rect">
             <a:avLst/>
@@ -48483,7 +48483,7 @@
                 <a:tab algn="l" pos="0"/>
               </a:tabLst>
             </a:pPr>
-            <a:fld id="{BC4E88C4-94E8-4C32-9C02-B7D79D28BDF5}" type="slidenum">
+            <a:fld id="{6EE444B7-221A-4D3B-9522-A4865BEC4700}" type="slidenum">
               <a:rPr b="0" lang="en" sz="1200" spc="-1" strike="noStrike">
                 <a:solidFill>
                   <a:srgbClr val="00ae9d"/>
@@ -48508,7 +48508,7 @@
         <p:spPr>
           <a:xfrm>
             <a:off x="6400800" y="4779000"/>
-            <a:ext cx="2284200" cy="363960"/>
+            <a:ext cx="2283840" cy="363960"/>
           </a:xfrm>
           <a:prstGeom prst="rect">
             <a:avLst/>
@@ -48573,7 +48573,7 @@
         <p:spPr>
           <a:xfrm>
             <a:off x="685800" y="1600200"/>
-            <a:ext cx="7368480" cy="2639520"/>
+            <a:ext cx="7368120" cy="2639160"/>
           </a:xfrm>
           <a:prstGeom prst="rect">
             <a:avLst/>
@@ -48896,7 +48896,7 @@
         <p:spPr>
           <a:xfrm>
             <a:off x="886680" y="398520"/>
-            <a:ext cx="7368480" cy="855360"/>
+            <a:ext cx="7368120" cy="855000"/>
           </a:xfrm>
           <a:prstGeom prst="rect">
             <a:avLst/>
@@ -48945,7 +48945,7 @@
         <p:spPr>
           <a:xfrm>
             <a:off x="886680" y="1669680"/>
-            <a:ext cx="7368480" cy="3080160"/>
+            <a:ext cx="7368120" cy="3079800"/>
           </a:xfrm>
           <a:prstGeom prst="rect">
             <a:avLst/>
@@ -49029,7 +49029,7 @@
         <p:spPr>
           <a:xfrm>
             <a:off x="27000" y="4749840"/>
-            <a:ext cx="546480" cy="391320"/>
+            <a:ext cx="546120" cy="390960"/>
           </a:xfrm>
           <a:prstGeom prst="rect">
             <a:avLst/>
@@ -49069,7 +49069,7 @@
                 <a:tab algn="l" pos="0"/>
               </a:tabLst>
             </a:pPr>
-            <a:fld id="{24E90EB5-8A9A-4FFF-A4DD-82E037206087}" type="slidenum">
+            <a:fld id="{D2CEAE31-687C-4EFB-9422-D957D6BC10F9}" type="slidenum">
               <a:rPr b="0" lang="en" sz="1200" spc="-1" strike="noStrike">
                 <a:solidFill>
                   <a:srgbClr val="00ae9d"/>
@@ -49094,7 +49094,7 @@
         <p:spPr>
           <a:xfrm>
             <a:off x="6400800" y="4779000"/>
-            <a:ext cx="2284200" cy="363960"/>
+            <a:ext cx="2283840" cy="363960"/>
           </a:xfrm>
           <a:prstGeom prst="rect">
             <a:avLst/>
@@ -49159,7 +49159,7 @@
         <p:spPr>
           <a:xfrm>
             <a:off x="685800" y="1600200"/>
-            <a:ext cx="7368480" cy="2639520"/>
+            <a:ext cx="7368120" cy="2639160"/>
           </a:xfrm>
           <a:prstGeom prst="rect">
             <a:avLst/>
@@ -49414,7 +49414,7 @@
         <p:spPr>
           <a:xfrm>
             <a:off x="926280" y="398520"/>
-            <a:ext cx="7368480" cy="855360"/>
+            <a:ext cx="7368120" cy="855000"/>
           </a:xfrm>
           <a:prstGeom prst="rect">
             <a:avLst/>
@@ -49463,7 +49463,7 @@
         <p:spPr>
           <a:xfrm>
             <a:off x="926280" y="1669680"/>
-            <a:ext cx="7368480" cy="3080160"/>
+            <a:ext cx="7368120" cy="3079800"/>
           </a:xfrm>
           <a:prstGeom prst="rect">
             <a:avLst/>
@@ -49547,7 +49547,7 @@
         <p:spPr>
           <a:xfrm>
             <a:off x="66600" y="4749840"/>
-            <a:ext cx="546480" cy="391320"/>
+            <a:ext cx="546120" cy="390960"/>
           </a:xfrm>
           <a:prstGeom prst="rect">
             <a:avLst/>
@@ -49587,7 +49587,7 @@
                 <a:tab algn="l" pos="0"/>
               </a:tabLst>
             </a:pPr>
-            <a:fld id="{F7B4240C-C329-4D41-8FA8-A47FCCF64D8A}" type="slidenum">
+            <a:fld id="{758CD630-02BD-4773-8DAF-248433A335ED}" type="slidenum">
               <a:rPr b="0" lang="en" sz="1200" spc="-1" strike="noStrike">
                 <a:solidFill>
                   <a:srgbClr val="00ae9d"/>
@@ -49612,7 +49612,7 @@
         <p:spPr>
           <a:xfrm>
             <a:off x="6440400" y="4779000"/>
-            <a:ext cx="2284200" cy="363960"/>
+            <a:ext cx="2283840" cy="363960"/>
           </a:xfrm>
           <a:prstGeom prst="rect">
             <a:avLst/>
@@ -49677,7 +49677,7 @@
         <p:spPr>
           <a:xfrm>
             <a:off x="725400" y="1600200"/>
-            <a:ext cx="7368480" cy="2639520"/>
+            <a:ext cx="7368120" cy="2639160"/>
           </a:xfrm>
           <a:prstGeom prst="rect">
             <a:avLst/>
@@ -49922,7 +49922,7 @@
         <p:spPr>
           <a:xfrm>
             <a:off x="926280" y="398520"/>
-            <a:ext cx="7368480" cy="855360"/>
+            <a:ext cx="7368120" cy="855000"/>
           </a:xfrm>
           <a:prstGeom prst="rect">
             <a:avLst/>
@@ -49971,7 +49971,7 @@
         <p:spPr>
           <a:xfrm>
             <a:off x="926280" y="1669680"/>
-            <a:ext cx="7368480" cy="3080160"/>
+            <a:ext cx="7368120" cy="3079800"/>
           </a:xfrm>
           <a:prstGeom prst="rect">
             <a:avLst/>
@@ -50055,7 +50055,7 @@
         <p:spPr>
           <a:xfrm>
             <a:off x="66600" y="4749840"/>
-            <a:ext cx="546480" cy="391320"/>
+            <a:ext cx="546120" cy="390960"/>
           </a:xfrm>
           <a:prstGeom prst="rect">
             <a:avLst/>
@@ -50095,7 +50095,7 @@
                 <a:tab algn="l" pos="0"/>
               </a:tabLst>
             </a:pPr>
-            <a:fld id="{E0B8A44B-614C-4BFD-A920-121D8EF39789}" type="slidenum">
+            <a:fld id="{AE2E022C-4B8C-46F6-9F86-DE24010B85C1}" type="slidenum">
               <a:rPr b="0" lang="en" sz="1200" spc="-1" strike="noStrike">
                 <a:solidFill>
                   <a:srgbClr val="00ae9d"/>
@@ -50120,7 +50120,7 @@
         <p:spPr>
           <a:xfrm>
             <a:off x="6440400" y="4779000"/>
-            <a:ext cx="2284200" cy="363960"/>
+            <a:ext cx="2283840" cy="363960"/>
           </a:xfrm>
           <a:prstGeom prst="rect">
             <a:avLst/>
@@ -50185,7 +50185,7 @@
         <p:spPr>
           <a:xfrm>
             <a:off x="725400" y="1600200"/>
-            <a:ext cx="7368480" cy="2639520"/>
+            <a:ext cx="7368120" cy="2639160"/>
           </a:xfrm>
           <a:prstGeom prst="rect">
             <a:avLst/>
@@ -50472,7 +50472,7 @@
         <p:spPr>
           <a:xfrm>
             <a:off x="926280" y="398520"/>
-            <a:ext cx="7368480" cy="855360"/>
+            <a:ext cx="7368120" cy="855000"/>
           </a:xfrm>
           <a:prstGeom prst="rect">
             <a:avLst/>
@@ -50521,7 +50521,7 @@
         <p:spPr>
           <a:xfrm>
             <a:off x="926280" y="1669680"/>
-            <a:ext cx="7368480" cy="3080160"/>
+            <a:ext cx="7368120" cy="3079800"/>
           </a:xfrm>
           <a:prstGeom prst="rect">
             <a:avLst/>
@@ -50605,7 +50605,7 @@
         <p:spPr>
           <a:xfrm>
             <a:off x="66600" y="4749840"/>
-            <a:ext cx="546480" cy="391320"/>
+            <a:ext cx="546120" cy="390960"/>
           </a:xfrm>
           <a:prstGeom prst="rect">
             <a:avLst/>
@@ -50645,7 +50645,7 @@
                 <a:tab algn="l" pos="0"/>
               </a:tabLst>
             </a:pPr>
-            <a:fld id="{EF524A86-C077-4117-8C43-B21A8F5FF58B}" type="slidenum">
+            <a:fld id="{687D5FF7-31B7-4BE1-993D-62EAB65FED06}" type="slidenum">
               <a:rPr b="0" lang="en" sz="1200" spc="-1" strike="noStrike">
                 <a:solidFill>
                   <a:srgbClr val="00ae9d"/>
@@ -50670,7 +50670,7 @@
         <p:spPr>
           <a:xfrm>
             <a:off x="6440400" y="4779000"/>
-            <a:ext cx="2284200" cy="363960"/>
+            <a:ext cx="2283840" cy="363960"/>
           </a:xfrm>
           <a:prstGeom prst="rect">
             <a:avLst/>
@@ -50735,7 +50735,7 @@
         <p:spPr>
           <a:xfrm>
             <a:off x="725400" y="1600200"/>
-            <a:ext cx="7368480" cy="2639520"/>
+            <a:ext cx="7368120" cy="2639160"/>
           </a:xfrm>
           <a:prstGeom prst="rect">
             <a:avLst/>
@@ -51016,7 +51016,7 @@
         <p:spPr>
           <a:xfrm>
             <a:off x="926280" y="398520"/>
-            <a:ext cx="7368480" cy="855360"/>
+            <a:ext cx="7368120" cy="855000"/>
           </a:xfrm>
           <a:prstGeom prst="rect">
             <a:avLst/>
@@ -51065,7 +51065,7 @@
         <p:spPr>
           <a:xfrm>
             <a:off x="926280" y="1669680"/>
-            <a:ext cx="7368480" cy="3080160"/>
+            <a:ext cx="7368120" cy="3079800"/>
           </a:xfrm>
           <a:prstGeom prst="rect">
             <a:avLst/>
@@ -51149,7 +51149,7 @@
         <p:spPr>
           <a:xfrm>
             <a:off x="66600" y="4749840"/>
-            <a:ext cx="546480" cy="391320"/>
+            <a:ext cx="546120" cy="390960"/>
           </a:xfrm>
           <a:prstGeom prst="rect">
             <a:avLst/>
@@ -51189,7 +51189,7 @@
                 <a:tab algn="l" pos="0"/>
               </a:tabLst>
             </a:pPr>
-            <a:fld id="{849D8D8E-DE64-4DF1-8B35-D1A78A2888DF}" type="slidenum">
+            <a:fld id="{141F0A42-600D-40C2-943C-68CA2E6DE1C5}" type="slidenum">
               <a:rPr b="0" lang="en" sz="1200" spc="-1" strike="noStrike">
                 <a:solidFill>
                   <a:srgbClr val="00ae9d"/>
@@ -51214,7 +51214,7 @@
         <p:spPr>
           <a:xfrm>
             <a:off x="6440400" y="4779000"/>
-            <a:ext cx="2284200" cy="363960"/>
+            <a:ext cx="2283840" cy="363960"/>
           </a:xfrm>
           <a:prstGeom prst="rect">
             <a:avLst/>
@@ -51279,7 +51279,7 @@
         <p:spPr>
           <a:xfrm>
             <a:off x="860760" y="1246680"/>
-            <a:ext cx="7368480" cy="2639520"/>
+            <a:ext cx="7368120" cy="2639160"/>
           </a:xfrm>
           <a:prstGeom prst="rect">
             <a:avLst/>
@@ -51839,7 +51839,7 @@
         <p:spPr>
           <a:xfrm>
             <a:off x="3064680" y="1513080"/>
-            <a:ext cx="5531760" cy="1157760"/>
+            <a:ext cx="5531400" cy="1157400"/>
           </a:xfrm>
           <a:prstGeom prst="rect">
             <a:avLst/>
@@ -51891,7 +51891,7 @@
         <p:spPr>
           <a:xfrm>
             <a:off x="3064680" y="2636280"/>
-            <a:ext cx="5531760" cy="2195640"/>
+            <a:ext cx="5531400" cy="2195280"/>
           </a:xfrm>
           <a:prstGeom prst="rect">
             <a:avLst/>
@@ -51942,9 +51942,9 @@
         <p:grpSpPr>
           <a:xfrm>
             <a:off x="685800" y="1814400"/>
-            <a:ext cx="1679760" cy="1177560"/>
+            <a:ext cx="1679400" cy="1177200"/>
             <a:chOff x="685800" y="1814400"/>
-            <a:chExt cx="1679760" cy="1177560"/>
+            <a:chExt cx="1679400" cy="1177200"/>
           </a:xfrm>
         </p:grpSpPr>
         <p:sp>
@@ -51956,7 +51956,7 @@
           <p:spPr>
             <a:xfrm>
               <a:off x="685800" y="1814400"/>
-              <a:ext cx="1679760" cy="711000"/>
+              <a:ext cx="1679400" cy="710640"/>
             </a:xfrm>
             <a:custGeom>
               <a:avLst/>
@@ -52051,7 +52051,7 @@
           <p:spPr>
             <a:xfrm>
               <a:off x="685800" y="1972800"/>
-              <a:ext cx="1679760" cy="1019160"/>
+              <a:ext cx="1679400" cy="1018800"/>
             </a:xfrm>
             <a:custGeom>
               <a:avLst/>
@@ -52189,7 +52189,7 @@
         <p:spPr>
           <a:xfrm>
             <a:off x="1681920" y="2683080"/>
-            <a:ext cx="1272600" cy="1157760"/>
+            <a:ext cx="1272240" cy="1157400"/>
           </a:xfrm>
           <a:custGeom>
             <a:avLst/>
@@ -52654,7 +52654,7 @@
         <p:spPr>
           <a:xfrm>
             <a:off x="27000" y="4749840"/>
-            <a:ext cx="546480" cy="391320"/>
+            <a:ext cx="546120" cy="390960"/>
           </a:xfrm>
           <a:prstGeom prst="rect">
             <a:avLst/>
@@ -52694,7 +52694,7 @@
                 <a:tab algn="l" pos="0"/>
               </a:tabLst>
             </a:pPr>
-            <a:fld id="{35159202-3CF6-4F14-A4C9-8A34E235FE33}" type="slidenum">
+            <a:fld id="{7256954D-0E5E-466E-91ED-0E9C46DD520E}" type="slidenum">
               <a:rPr b="0" lang="en" sz="1200" spc="-1" strike="noStrike">
                 <a:solidFill>
                   <a:srgbClr val="00ae9d"/>
@@ -52719,7 +52719,7 @@
         <p:spPr>
           <a:xfrm>
             <a:off x="6005880" y="0"/>
-            <a:ext cx="3135960" cy="363960"/>
+            <a:ext cx="3135600" cy="363960"/>
           </a:xfrm>
           <a:prstGeom prst="rect">
             <a:avLst/>
@@ -52753,7 +52753,7 @@
                 <a:latin typeface="Century Gothic"/>
                 <a:ea typeface="ＭＳ Ｐゴシック"/>
               </a:rPr>
-              <a:t>Muhammad Umar Ahmad</a:t>
+              <a:t>Ahmad Jajja</a:t>
             </a:r>
             <a:endParaRPr b="0" lang="en-US" sz="1800" spc="-1" strike="noStrike">
               <a:latin typeface="Arial"/>
@@ -52804,7 +52804,7 @@
         <p:spPr>
           <a:xfrm>
             <a:off x="27000" y="4749840"/>
-            <a:ext cx="546480" cy="391320"/>
+            <a:ext cx="546120" cy="390960"/>
           </a:xfrm>
           <a:prstGeom prst="rect">
             <a:avLst/>
@@ -52844,7 +52844,7 @@
                 <a:tab algn="l" pos="0"/>
               </a:tabLst>
             </a:pPr>
-            <a:fld id="{1C9373E8-5508-4FB2-8A90-4ADD6B022A4D}" type="slidenum">
+            <a:fld id="{E064CE7E-040D-4069-A7C9-4C240EDDA70A}" type="slidenum">
               <a:rPr b="0" lang="en" sz="1200" spc="-1" strike="noStrike">
                 <a:solidFill>
                   <a:srgbClr val="00ae9d"/>
@@ -52869,7 +52869,7 @@
         <p:spPr>
           <a:xfrm>
             <a:off x="7086960" y="4779000"/>
-            <a:ext cx="1826640" cy="363960"/>
+            <a:ext cx="1826280" cy="363960"/>
           </a:xfrm>
           <a:prstGeom prst="rect">
             <a:avLst/>
@@ -52924,7 +52924,7 @@
         <p:spPr>
           <a:xfrm>
             <a:off x="3085560" y="1561320"/>
-            <a:ext cx="3072960" cy="3072960"/>
+            <a:ext cx="3072600" cy="3072600"/>
           </a:xfrm>
           <a:prstGeom prst="rect">
             <a:avLst/>
@@ -52977,7 +52977,7 @@
         <p:spPr>
           <a:xfrm>
             <a:off x="886680" y="398520"/>
-            <a:ext cx="7368480" cy="855360"/>
+            <a:ext cx="7368120" cy="855000"/>
           </a:xfrm>
           <a:prstGeom prst="rect">
             <a:avLst/>
@@ -53026,7 +53026,7 @@
         <p:spPr>
           <a:xfrm>
             <a:off x="457200" y="1753920"/>
-            <a:ext cx="7368480" cy="3502080"/>
+            <a:ext cx="7368120" cy="3501720"/>
           </a:xfrm>
           <a:prstGeom prst="rect">
             <a:avLst/>
@@ -53215,7 +53215,7 @@
         <p:spPr>
           <a:xfrm>
             <a:off x="7086600" y="4774320"/>
-            <a:ext cx="2055240" cy="363960"/>
+            <a:ext cx="2054880" cy="363960"/>
           </a:xfrm>
           <a:prstGeom prst="rect">
             <a:avLst/>
@@ -53304,7 +53304,7 @@
         <p:spPr>
           <a:xfrm>
             <a:off x="886680" y="398520"/>
-            <a:ext cx="7368480" cy="855360"/>
+            <a:ext cx="7368120" cy="855000"/>
           </a:xfrm>
           <a:prstGeom prst="rect">
             <a:avLst/>
@@ -53349,7 +53349,7 @@
         <p:spPr>
           <a:xfrm>
             <a:off x="914400" y="1600200"/>
-            <a:ext cx="7368480" cy="3502080"/>
+            <a:ext cx="7368120" cy="3501720"/>
           </a:xfrm>
           <a:prstGeom prst="rect">
             <a:avLst/>
@@ -53508,7 +53508,7 @@
         <p:spPr>
           <a:xfrm>
             <a:off x="7086600" y="4774320"/>
-            <a:ext cx="2055240" cy="363960"/>
+            <a:ext cx="2054880" cy="363960"/>
           </a:xfrm>
           <a:prstGeom prst="rect">
             <a:avLst/>
@@ -53563,7 +53563,7 @@
         <p:spPr>
           <a:xfrm>
             <a:off x="859320" y="1447200"/>
-            <a:ext cx="7368480" cy="3325320"/>
+            <a:ext cx="7368120" cy="3324960"/>
           </a:xfrm>
           <a:prstGeom prst="rect">
             <a:avLst/>
@@ -53752,7 +53752,7 @@
         <p:spPr>
           <a:xfrm>
             <a:off x="886680" y="398520"/>
-            <a:ext cx="7368480" cy="855360"/>
+            <a:ext cx="7368120" cy="855000"/>
           </a:xfrm>
           <a:prstGeom prst="rect">
             <a:avLst/>
@@ -53801,7 +53801,7 @@
         <p:spPr>
           <a:xfrm>
             <a:off x="457200" y="2057400"/>
-            <a:ext cx="7368480" cy="3502080"/>
+            <a:ext cx="7368120" cy="3501720"/>
           </a:xfrm>
           <a:prstGeom prst="rect">
             <a:avLst/>
@@ -53938,7 +53938,7 @@
         <p:spPr>
           <a:xfrm>
             <a:off x="7086600" y="4774320"/>
-            <a:ext cx="2055240" cy="363960"/>
+            <a:ext cx="2054880" cy="363960"/>
           </a:xfrm>
           <a:prstGeom prst="rect">
             <a:avLst/>
@@ -53993,7 +53993,7 @@
         <p:spPr>
           <a:xfrm>
             <a:off x="859320" y="1598400"/>
-            <a:ext cx="7368480" cy="3325320"/>
+            <a:ext cx="7368120" cy="3324960"/>
           </a:xfrm>
           <a:prstGeom prst="rect">
             <a:avLst/>
@@ -54238,7 +54238,7 @@
         <p:spPr>
           <a:xfrm>
             <a:off x="914400" y="398520"/>
-            <a:ext cx="7313400" cy="855360"/>
+            <a:ext cx="7313040" cy="855000"/>
           </a:xfrm>
           <a:prstGeom prst="rect">
             <a:avLst/>
@@ -54287,7 +54287,7 @@
         <p:spPr>
           <a:xfrm>
             <a:off x="457200" y="2057400"/>
-            <a:ext cx="7368480" cy="3502080"/>
+            <a:ext cx="7368120" cy="3501720"/>
           </a:xfrm>
           <a:prstGeom prst="rect">
             <a:avLst/>
@@ -54424,7 +54424,7 @@
         <p:spPr>
           <a:xfrm>
             <a:off x="7086600" y="4774320"/>
-            <a:ext cx="2055240" cy="363960"/>
+            <a:ext cx="2054880" cy="363960"/>
           </a:xfrm>
           <a:prstGeom prst="rect">
             <a:avLst/>
@@ -54479,7 +54479,7 @@
         <p:spPr>
           <a:xfrm>
             <a:off x="859320" y="1255680"/>
-            <a:ext cx="7368480" cy="3325320"/>
+            <a:ext cx="7368120" cy="3324960"/>
           </a:xfrm>
           <a:prstGeom prst="rect">
             <a:avLst/>
@@ -54652,7 +54652,7 @@
         <p:spPr>
           <a:xfrm>
             <a:off x="886680" y="398520"/>
-            <a:ext cx="7368480" cy="855360"/>
+            <a:ext cx="7368120" cy="855000"/>
           </a:xfrm>
           <a:prstGeom prst="rect">
             <a:avLst/>
@@ -54701,7 +54701,7 @@
         <p:spPr>
           <a:xfrm>
             <a:off x="457200" y="5561280"/>
-            <a:ext cx="7368480" cy="380520"/>
+            <a:ext cx="7368120" cy="380160"/>
           </a:xfrm>
           <a:prstGeom prst="rect">
             <a:avLst/>
@@ -54838,7 +54838,7 @@
         <p:spPr>
           <a:xfrm>
             <a:off x="7086600" y="4774320"/>
-            <a:ext cx="2055240" cy="363960"/>
+            <a:ext cx="2054880" cy="363960"/>
           </a:xfrm>
           <a:prstGeom prst="rect">
             <a:avLst/>
@@ -54893,7 +54893,7 @@
         <p:spPr>
           <a:xfrm>
             <a:off x="859320" y="1255680"/>
-            <a:ext cx="7368480" cy="1714320"/>
+            <a:ext cx="7368120" cy="1713960"/>
           </a:xfrm>
           <a:prstGeom prst="rect">
             <a:avLst/>
@@ -55054,7 +55054,7 @@
         <p:spPr>
           <a:xfrm>
             <a:off x="859680" y="3200400"/>
-            <a:ext cx="7368480" cy="1379520"/>
+            <a:ext cx="7368120" cy="1379160"/>
           </a:xfrm>
           <a:prstGeom prst="rect">
             <a:avLst/>
@@ -55111,7 +55111,7 @@
         <p:spPr>
           <a:xfrm>
             <a:off x="27000" y="4749840"/>
-            <a:ext cx="546480" cy="391320"/>
+            <a:ext cx="546120" cy="390960"/>
           </a:xfrm>
           <a:prstGeom prst="rect">
             <a:avLst/>
@@ -55151,7 +55151,7 @@
                 <a:tab algn="l" pos="0"/>
               </a:tabLst>
             </a:pPr>
-            <a:fld id="{18CEA4B9-2B73-4107-8DD8-34A39398E02B}" type="slidenum">
+            <a:fld id="{BF8175FE-6776-4430-9A32-2BA133180B3A}" type="slidenum">
               <a:rPr b="0" lang="en" sz="1200" spc="-1" strike="noStrike">
                 <a:solidFill>
                   <a:srgbClr val="00ae9d"/>
@@ -55159,7 +55159,7 @@
                 <a:latin typeface="Karla"/>
                 <a:ea typeface="Karla"/>
               </a:rPr>
-              <a:t>&lt;number&gt;</a:t>
+              <a:t>8</a:t>
             </a:fld>
             <a:endParaRPr b="0" lang="en-US" sz="1200" spc="-1" strike="noStrike">
               <a:latin typeface="Times New Roman"/>
@@ -55176,7 +55176,7 @@
         <p:spPr>
           <a:xfrm>
             <a:off x="7086600" y="4774320"/>
-            <a:ext cx="2283840" cy="363960"/>
+            <a:ext cx="2283480" cy="363960"/>
           </a:xfrm>
           <a:prstGeom prst="rect">
             <a:avLst/>
@@ -55231,7 +55231,7 @@
         <p:spPr>
           <a:xfrm>
             <a:off x="886680" y="2512440"/>
-            <a:ext cx="7368480" cy="855360"/>
+            <a:ext cx="7368120" cy="855000"/>
           </a:xfrm>
           <a:prstGeom prst="rect">
             <a:avLst/>

--- a/Slides/Quarter 1/What is Metaverse.pptx
+++ b/Slides/Quarter 1/What is Metaverse.pptx
@@ -328,7 +328,7 @@
           </a:lstStyle>
           <a:p>
             <a:pPr algn="r"/>
-            <a:fld id="{75194B3D-BDA0-45A0-9602-CDB22A56E147}" type="slidenum">
+            <a:fld id="{AFE72029-66C2-4874-89DD-D723FCA78B92}" type="slidenum">
               <a:rPr b="0" lang="en-US" sz="1400" spc="-1" strike="noStrike">
                 <a:latin typeface="Times New Roman"/>
               </a:rPr>
@@ -376,7 +376,7 @@
         <p:spPr>
           <a:xfrm>
             <a:off x="533520" y="764280"/>
-            <a:ext cx="6702480" cy="3769200"/>
+            <a:ext cx="6702120" cy="3768840"/>
           </a:xfrm>
           <a:prstGeom prst="rect">
             <a:avLst/>
@@ -395,7 +395,7 @@
         <p:spPr>
           <a:xfrm>
             <a:off x="777240" y="4777560"/>
-            <a:ext cx="6215400" cy="4523760"/>
+            <a:ext cx="6215040" cy="4523400"/>
           </a:xfrm>
           <a:prstGeom prst="rect">
             <a:avLst/>
@@ -698,7 +698,7 @@
         <p:txBody>
           <a:bodyPr/>
           <a:p>
-            <a:fld id="{2181BF9A-86D2-4770-8509-D75BD4EEAEDC}" type="slidenum">
+            <a:fld id="{53B4699C-029E-4DFB-81A8-C4FAA578A122}" type="slidenum">
               <a:t>&lt;#&gt;</a:t>
             </a:fld>
           </a:p>
@@ -775,7 +775,7 @@
         <p:txBody>
           <a:bodyPr/>
           <a:p>
-            <a:fld id="{6BC08F1A-0CB9-45E3-93A9-544C506D97FA}" type="slidenum">
+            <a:fld id="{D0AA3807-D60B-4AA1-AF89-D1CCA4641C10}" type="slidenum">
               <a:t>&lt;#&gt;</a:t>
             </a:fld>
           </a:p>
@@ -852,7 +852,7 @@
         <p:txBody>
           <a:bodyPr/>
           <a:p>
-            <a:fld id="{BA5DD25F-1EDC-43EE-BE21-2514286BC7C1}" type="slidenum">
+            <a:fld id="{E8239E54-C643-43ED-8C2C-8701A7F8D46C}" type="slidenum">
               <a:t>&lt;#&gt;</a:t>
             </a:fld>
           </a:p>
@@ -1031,7 +1031,7 @@
         <p:txBody>
           <a:bodyPr/>
           <a:p>
-            <a:fld id="{B5CE9BCE-75EF-447E-9604-92E7CC095D98}" type="slidenum">
+            <a:fld id="{0242621C-4CA2-45D0-9B1D-87BBDC8576FB}" type="slidenum">
               <a:t>&lt;#&gt;</a:t>
             </a:fld>
           </a:p>
@@ -1210,7 +1210,7 @@
         <p:txBody>
           <a:bodyPr/>
           <a:p>
-            <a:fld id="{AF3B3B2F-E859-4CC7-A344-4D822CB2B7E0}" type="slidenum">
+            <a:fld id="{36333EB2-B356-4DD2-9D59-B2EE780CE4BE}" type="slidenum">
               <a:t>&lt;#&gt;</a:t>
             </a:fld>
           </a:p>
@@ -1389,7 +1389,7 @@
         <p:txBody>
           <a:bodyPr/>
           <a:p>
-            <a:fld id="{984722DA-49B6-4C64-8FD4-4B4FF46C3761}" type="slidenum">
+            <a:fld id="{64D8E60C-73AD-4820-945B-DF8CEE4F269E}" type="slidenum">
               <a:t>&lt;#&gt;</a:t>
             </a:fld>
           </a:p>
@@ -1534,7 +1534,7 @@
         <p:txBody>
           <a:bodyPr/>
           <a:p>
-            <a:fld id="{D396D588-9133-4A5A-B214-386111AA0D83}" type="slidenum">
+            <a:fld id="{9CC5A5E5-E095-4673-B815-A0F8660C4E1F}" type="slidenum">
               <a:t>&lt;#&gt;</a:t>
             </a:fld>
           </a:p>
@@ -1747,7 +1747,7 @@
         <p:txBody>
           <a:bodyPr/>
           <a:p>
-            <a:fld id="{2B075D09-D2D1-434C-B43E-369C205E9A3B}" type="slidenum">
+            <a:fld id="{330BE927-18BC-48AD-B158-23BA8F2B43A3}" type="slidenum">
               <a:t>&lt;#&gt;</a:t>
             </a:fld>
           </a:p>
@@ -2028,7 +2028,7 @@
         <p:txBody>
           <a:bodyPr/>
           <a:p>
-            <a:fld id="{B5017CE3-A59D-4318-8615-40B7A12DDCAC}" type="slidenum">
+            <a:fld id="{ACC6B499-8E33-4BCD-AAA4-E5932619DDA7}" type="slidenum">
               <a:t>&lt;#&gt;</a:t>
             </a:fld>
           </a:p>
@@ -2070,7 +2070,7 @@
         <p:txBody>
           <a:bodyPr/>
           <a:p>
-            <a:fld id="{4E281F4A-6C6A-4A7A-95FE-EDB899676A13}" type="slidenum">
+            <a:fld id="{F0C1D8DD-CCDE-419F-A2C6-D1508C6919BC}" type="slidenum">
               <a:t>&lt;#&gt;</a:t>
             </a:fld>
           </a:p>
@@ -2375,7 +2375,7 @@
         <p:txBody>
           <a:bodyPr/>
           <a:p>
-            <a:fld id="{7A75EB5D-2015-443F-A512-E79E4790AF19}" type="slidenum">
+            <a:fld id="{8154097E-337C-4B96-84DA-30FC956D02F0}" type="slidenum">
               <a:t>&lt;#&gt;</a:t>
             </a:fld>
           </a:p>
@@ -2486,7 +2486,7 @@
         <p:txBody>
           <a:bodyPr/>
           <a:p>
-            <a:fld id="{B6EAC136-9218-4443-95C8-BB7DCC4EF253}" type="slidenum">
+            <a:fld id="{FFAB42C3-054D-471D-8398-488DC41087D3}" type="slidenum">
               <a:t>&lt;#&gt;</a:t>
             </a:fld>
           </a:p>
@@ -2631,7 +2631,7 @@
         <p:txBody>
           <a:bodyPr/>
           <a:p>
-            <a:fld id="{1934D60A-5B03-4BAF-9841-DC96FE4A5F63}" type="slidenum">
+            <a:fld id="{07005A07-C488-407E-A0EE-77C9575085C6}" type="slidenum">
               <a:t>&lt;#&gt;</a:t>
             </a:fld>
           </a:p>
@@ -2708,7 +2708,7 @@
         <p:txBody>
           <a:bodyPr/>
           <a:p>
-            <a:fld id="{EA25A808-2429-46AD-9DF9-BCB6CB1315DF}" type="slidenum">
+            <a:fld id="{84502A3F-4E29-48F4-9A40-A7424F81D7CF}" type="slidenum">
               <a:t>&lt;#&gt;</a:t>
             </a:fld>
           </a:p>
@@ -2785,7 +2785,7 @@
         <p:txBody>
           <a:bodyPr/>
           <a:p>
-            <a:fld id="{6C5B06EF-7E5B-4163-9055-F686995D8827}" type="slidenum">
+            <a:fld id="{37CB2F0D-D6F8-4E1D-8A08-8264B1FEABCA}" type="slidenum">
               <a:t>&lt;#&gt;</a:t>
             </a:fld>
           </a:p>
@@ -2964,7 +2964,7 @@
         <p:txBody>
           <a:bodyPr/>
           <a:p>
-            <a:fld id="{180C84F5-653A-475D-B9EC-B57202ADEB78}" type="slidenum">
+            <a:fld id="{0EE819EB-1949-4F95-B976-354C7C7E1309}" type="slidenum">
               <a:t>&lt;#&gt;</a:t>
             </a:fld>
           </a:p>
@@ -3143,7 +3143,7 @@
         <p:txBody>
           <a:bodyPr/>
           <a:p>
-            <a:fld id="{2EAB6773-1393-4886-A651-D633A4C3DEFD}" type="slidenum">
+            <a:fld id="{B4F4B8EA-4497-4432-A36D-E217462AE663}" type="slidenum">
               <a:t>&lt;#&gt;</a:t>
             </a:fld>
           </a:p>
@@ -3322,7 +3322,7 @@
         <p:txBody>
           <a:bodyPr/>
           <a:p>
-            <a:fld id="{2350DA8E-D9F3-4410-8776-3AD389C602C1}" type="slidenum">
+            <a:fld id="{E9317E83-B649-486A-828F-6F6B17BB224F}" type="slidenum">
               <a:t>&lt;#&gt;</a:t>
             </a:fld>
           </a:p>
@@ -3467,7 +3467,7 @@
         <p:txBody>
           <a:bodyPr/>
           <a:p>
-            <a:fld id="{CEB6F1A2-ACC8-4676-8BE7-A32A91CD9467}" type="slidenum">
+            <a:fld id="{1B61A750-835A-4DC3-B005-2F45F1F1F50B}" type="slidenum">
               <a:t>&lt;#&gt;</a:t>
             </a:fld>
           </a:p>
@@ -3680,7 +3680,7 @@
         <p:txBody>
           <a:bodyPr/>
           <a:p>
-            <a:fld id="{8B1B30AD-6F45-4B7A-82A0-DD2275842422}" type="slidenum">
+            <a:fld id="{10913BE5-E735-4EC4-94DC-75620FC25E5D}" type="slidenum">
               <a:t>&lt;#&gt;</a:t>
             </a:fld>
           </a:p>
@@ -4222,7 +4222,7 @@
         <p:txBody>
           <a:bodyPr/>
           <a:p>
-            <a:fld id="{2D4A8053-319E-4753-9D5A-E281212C7382}" type="slidenum">
+            <a:fld id="{1DBC637D-7BB7-4A85-AF30-F3EFD0BDED1D}" type="slidenum">
               <a:t>&lt;#&gt;</a:t>
             </a:fld>
           </a:p>
@@ -4264,7 +4264,7 @@
         <p:txBody>
           <a:bodyPr/>
           <a:p>
-            <a:fld id="{28BAB38D-B784-4343-A1D4-302D7B9984BE}" type="slidenum">
+            <a:fld id="{0F8CFFAE-9C8D-4FFA-8D5C-FC3E9B13D3D5}" type="slidenum">
               <a:t>&lt;#&gt;</a:t>
             </a:fld>
           </a:p>
@@ -4376,7 +4376,7 @@
         <p:txBody>
           <a:bodyPr/>
           <a:p>
-            <a:fld id="{A50A01D7-0B21-4588-878B-FAB9AC5D28A4}" type="slidenum">
+            <a:fld id="{63D5DA8A-9715-411F-B0DB-34DC071E5532}" type="slidenum">
               <a:t>&lt;#&gt;</a:t>
             </a:fld>
           </a:p>
@@ -4487,7 +4487,7 @@
         <p:txBody>
           <a:bodyPr/>
           <a:p>
-            <a:fld id="{0E5FD0E5-FEA7-463E-993D-06FF4A9FCB56}" type="slidenum">
+            <a:fld id="{8E7798CF-CC23-4921-AEBB-DE924CA58842}" type="slidenum">
               <a:t>&lt;#&gt;</a:t>
             </a:fld>
           </a:p>
@@ -4632,7 +4632,7 @@
         <p:txBody>
           <a:bodyPr/>
           <a:p>
-            <a:fld id="{CAA7F2E2-80CD-4685-A5E1-D9681EB25A0F}" type="slidenum">
+            <a:fld id="{C03C12B7-EF9D-46F1-B7AE-01940C88B7DB}" type="slidenum">
               <a:t>&lt;#&gt;</a:t>
             </a:fld>
           </a:p>
@@ -4709,7 +4709,7 @@
         <p:txBody>
           <a:bodyPr/>
           <a:p>
-            <a:fld id="{D2A2B4CC-D9B4-4D20-BA4A-AE245122C838}" type="slidenum">
+            <a:fld id="{26730477-B0FE-42EB-9239-3E068DA0EAB1}" type="slidenum">
               <a:t>&lt;#&gt;</a:t>
             </a:fld>
           </a:p>
@@ -4786,7 +4786,7 @@
         <p:txBody>
           <a:bodyPr/>
           <a:p>
-            <a:fld id="{B466B336-ABCC-45CD-8161-69C7C491513F}" type="slidenum">
+            <a:fld id="{EEE10406-E757-4B99-AD7A-9D334F70C88E}" type="slidenum">
               <a:t>&lt;#&gt;</a:t>
             </a:fld>
           </a:p>
@@ -4965,7 +4965,7 @@
         <p:txBody>
           <a:bodyPr/>
           <a:p>
-            <a:fld id="{57292E8E-6E58-47AF-A584-3AF6A54EB39B}" type="slidenum">
+            <a:fld id="{DB7DE640-B532-4A04-97EC-B0D84B0B971A}" type="slidenum">
               <a:t>&lt;#&gt;</a:t>
             </a:fld>
           </a:p>
@@ -5144,7 +5144,7 @@
         <p:txBody>
           <a:bodyPr/>
           <a:p>
-            <a:fld id="{5A71A8C4-BA25-499D-AB4B-0793E18F5DB4}" type="slidenum">
+            <a:fld id="{D174DA84-656A-4502-A0E9-E7A7AF420345}" type="slidenum">
               <a:t>&lt;#&gt;</a:t>
             </a:fld>
           </a:p>
@@ -5323,7 +5323,7 @@
         <p:txBody>
           <a:bodyPr/>
           <a:p>
-            <a:fld id="{036A077B-67B9-4F32-B4DF-3408D1DF94BF}" type="slidenum">
+            <a:fld id="{5FAB30DC-FA38-4DA8-A5AC-4F1485489864}" type="slidenum">
               <a:t>&lt;#&gt;</a:t>
             </a:fld>
           </a:p>
@@ -5365,7 +5365,7 @@
         <p:txBody>
           <a:bodyPr/>
           <a:p>
-            <a:fld id="{C6FC1077-ED73-4ED9-8EFF-D9BDB30377ED}" type="slidenum">
+            <a:fld id="{C8857550-994E-4D40-8207-BDF1903138E2}" type="slidenum">
               <a:t>&lt;#&gt;</a:t>
             </a:fld>
           </a:p>
@@ -5510,7 +5510,7 @@
         <p:txBody>
           <a:bodyPr/>
           <a:p>
-            <a:fld id="{CDAC869E-03DD-45F5-B9B6-86AA25EED004}" type="slidenum">
+            <a:fld id="{BA6187DE-EF83-48C9-90AC-1F4CE2EBA27C}" type="slidenum">
               <a:t>&lt;#&gt;</a:t>
             </a:fld>
           </a:p>
@@ -5723,7 +5723,7 @@
         <p:txBody>
           <a:bodyPr/>
           <a:p>
-            <a:fld id="{78D8CDCC-A8A2-4CCB-9050-04EC2DB43716}" type="slidenum">
+            <a:fld id="{731D8D72-6D76-4073-BA43-C0818ADA1F50}" type="slidenum">
               <a:t>&lt;#&gt;</a:t>
             </a:fld>
           </a:p>
@@ -6004,7 +6004,7 @@
         <p:txBody>
           <a:bodyPr/>
           <a:p>
-            <a:fld id="{E4403240-4871-4236-8605-C6C097C233C5}" type="slidenum">
+            <a:fld id="{6FEB13AD-8EF6-4875-ABF4-441B9CDC07BD}" type="slidenum">
               <a:t>&lt;#&gt;</a:t>
             </a:fld>
           </a:p>
@@ -6046,7 +6046,7 @@
         <p:txBody>
           <a:bodyPr/>
           <a:p>
-            <a:fld id="{8F7C7A2C-EF1F-4316-8624-F528D77B22E3}" type="slidenum">
+            <a:fld id="{A5F738B0-3DBB-4245-9BFE-D37935FC1720}" type="slidenum">
               <a:t>&lt;#&gt;</a:t>
             </a:fld>
           </a:p>
@@ -6158,7 +6158,7 @@
         <p:txBody>
           <a:bodyPr/>
           <a:p>
-            <a:fld id="{D090F5A6-D0FF-430F-A2E2-7312912AAECD}" type="slidenum">
+            <a:fld id="{70D3E1A0-DB02-4C56-8C5D-95F98A25A073}" type="slidenum">
               <a:t>&lt;#&gt;</a:t>
             </a:fld>
           </a:p>
@@ -6269,7 +6269,7 @@
         <p:txBody>
           <a:bodyPr/>
           <a:p>
-            <a:fld id="{F0531F46-72B3-4B22-B26A-76DFA6265D65}" type="slidenum">
+            <a:fld id="{F5A8ABB0-A697-4E59-8E09-7CB737FA5BCA}" type="slidenum">
               <a:t>&lt;#&gt;</a:t>
             </a:fld>
           </a:p>
@@ -6414,7 +6414,7 @@
         <p:txBody>
           <a:bodyPr/>
           <a:p>
-            <a:fld id="{ECD8C85C-5410-4174-89B8-58A0231044CC}" type="slidenum">
+            <a:fld id="{E1D37BDE-83B0-4EC1-B982-09A9A472E498}" type="slidenum">
               <a:t>&lt;#&gt;</a:t>
             </a:fld>
           </a:p>
@@ -6491,7 +6491,7 @@
         <p:txBody>
           <a:bodyPr/>
           <a:p>
-            <a:fld id="{75DCB94C-ECE7-464E-AF7E-7DC20FC4B2E4}" type="slidenum">
+            <a:fld id="{B585EC16-C562-4661-BFAE-4DF1A1D854BD}" type="slidenum">
               <a:t>&lt;#&gt;</a:t>
             </a:fld>
           </a:p>
@@ -6568,7 +6568,7 @@
         <p:txBody>
           <a:bodyPr/>
           <a:p>
-            <a:fld id="{1EA1FA44-DBA7-41FB-A95A-071D6474A051}" type="slidenum">
+            <a:fld id="{C5554638-E364-446C-9706-B39E02F7495D}" type="slidenum">
               <a:t>&lt;#&gt;</a:t>
             </a:fld>
           </a:p>
@@ -6747,7 +6747,7 @@
         <p:txBody>
           <a:bodyPr/>
           <a:p>
-            <a:fld id="{D010271E-2142-46AE-B682-07E5698E93D6}" type="slidenum">
+            <a:fld id="{5D16FCFE-2588-4C2B-B551-69B85919CDA2}" type="slidenum">
               <a:t>&lt;#&gt;</a:t>
             </a:fld>
           </a:p>
@@ -6859,7 +6859,7 @@
         <p:txBody>
           <a:bodyPr/>
           <a:p>
-            <a:fld id="{C46D9CA3-C05C-4247-824E-96C465CD17DF}" type="slidenum">
+            <a:fld id="{FE19FAE0-9CF4-492B-9C10-E766B054398A}" type="slidenum">
               <a:t>&lt;#&gt;</a:t>
             </a:fld>
           </a:p>
@@ -7038,7 +7038,7 @@
         <p:txBody>
           <a:bodyPr/>
           <a:p>
-            <a:fld id="{0B9D8D81-377B-48CB-A67C-B4BFBAB243CF}" type="slidenum">
+            <a:fld id="{E2666A29-E87F-48EC-9F46-14682E809517}" type="slidenum">
               <a:t>&lt;#&gt;</a:t>
             </a:fld>
           </a:p>
@@ -7217,7 +7217,7 @@
         <p:txBody>
           <a:bodyPr/>
           <a:p>
-            <a:fld id="{CA4DA0C8-233C-40AF-9C9D-DC712CC4F681}" type="slidenum">
+            <a:fld id="{DF4F0EE4-369E-4916-A1AA-E2A48484D7C4}" type="slidenum">
               <a:t>&lt;#&gt;</a:t>
             </a:fld>
           </a:p>
@@ -7362,7 +7362,7 @@
         <p:txBody>
           <a:bodyPr/>
           <a:p>
-            <a:fld id="{1BB9FED5-F824-433C-99C1-5516832CDAB5}" type="slidenum">
+            <a:fld id="{107E6349-C48A-414E-A856-F3A32C12FC7F}" type="slidenum">
               <a:t>&lt;#&gt;</a:t>
             </a:fld>
           </a:p>
@@ -7575,7 +7575,7 @@
         <p:txBody>
           <a:bodyPr/>
           <a:p>
-            <a:fld id="{9657DBC7-7F7B-40D4-ADEF-EAFF72A46FA5}" type="slidenum">
+            <a:fld id="{E5A07951-AE83-4E2E-A612-00A24EFD462E}" type="slidenum">
               <a:t>&lt;#&gt;</a:t>
             </a:fld>
           </a:p>
@@ -7856,7 +7856,7 @@
         <p:txBody>
           <a:bodyPr/>
           <a:p>
-            <a:fld id="{C225009E-206B-4981-87AD-3745875B6DC4}" type="slidenum">
+            <a:fld id="{C6938714-8EEA-42D4-8818-AA0CC4174BBE}" type="slidenum">
               <a:t>&lt;#&gt;</a:t>
             </a:fld>
           </a:p>
@@ -7898,7 +7898,7 @@
         <p:txBody>
           <a:bodyPr/>
           <a:p>
-            <a:fld id="{52C74A14-BFB3-4B96-ABC8-2914543118A6}" type="slidenum">
+            <a:fld id="{430DA732-8BBB-4A19-B2FC-FF86D386B20E}" type="slidenum">
               <a:t>&lt;#&gt;</a:t>
             </a:fld>
           </a:p>
@@ -8010,7 +8010,7 @@
         <p:txBody>
           <a:bodyPr/>
           <a:p>
-            <a:fld id="{A255F44C-5AFB-484F-A333-261F9239FB93}" type="slidenum">
+            <a:fld id="{DE239407-151B-4494-B975-B39659A1516A}" type="slidenum">
               <a:t>&lt;#&gt;</a:t>
             </a:fld>
           </a:p>
@@ -8121,7 +8121,7 @@
         <p:txBody>
           <a:bodyPr/>
           <a:p>
-            <a:fld id="{2A4C9C03-2CF1-4514-941C-F8F4E90DD2CE}" type="slidenum">
+            <a:fld id="{AD100960-4B93-4B13-A13E-1DF8BB2500C5}" type="slidenum">
               <a:t>&lt;#&gt;</a:t>
             </a:fld>
           </a:p>
@@ -8266,7 +8266,7 @@
         <p:txBody>
           <a:bodyPr/>
           <a:p>
-            <a:fld id="{B0AEFA77-593C-4AEB-9FAE-B73A5C8725A5}" type="slidenum">
+            <a:fld id="{04A0464B-02F8-45A1-8824-8E719DC4F9CD}" type="slidenum">
               <a:t>&lt;#&gt;</a:t>
             </a:fld>
           </a:p>
@@ -8343,7 +8343,7 @@
         <p:txBody>
           <a:bodyPr/>
           <a:p>
-            <a:fld id="{30B594EA-2178-4639-BD87-4738A3E1683A}" type="slidenum">
+            <a:fld id="{287845B3-2DF4-4D44-876E-D168784443F7}" type="slidenum">
               <a:t>&lt;#&gt;</a:t>
             </a:fld>
           </a:p>
@@ -8454,7 +8454,7 @@
         <p:txBody>
           <a:bodyPr/>
           <a:p>
-            <a:fld id="{FC77236D-7E9C-4193-AF0F-F16E6DB77985}" type="slidenum">
+            <a:fld id="{328386F6-DC14-4F68-86C4-5AA4BBADBB66}" type="slidenum">
               <a:t>&lt;#&gt;</a:t>
             </a:fld>
           </a:p>
@@ -8531,7 +8531,7 @@
         <p:txBody>
           <a:bodyPr/>
           <a:p>
-            <a:fld id="{6BEC3888-1276-4A90-9A56-B151A84F66AD}" type="slidenum">
+            <a:fld id="{727A9013-1DC7-4C86-97F7-3EF5585364DF}" type="slidenum">
               <a:t>&lt;#&gt;</a:t>
             </a:fld>
           </a:p>
@@ -8710,7 +8710,7 @@
         <p:txBody>
           <a:bodyPr/>
           <a:p>
-            <a:fld id="{34D83581-97B2-4DC9-BDBB-7D9D568A82A6}" type="slidenum">
+            <a:fld id="{A75EBE82-9468-47EC-9493-B34FD3B9BDB8}" type="slidenum">
               <a:t>&lt;#&gt;</a:t>
             </a:fld>
           </a:p>
@@ -8889,7 +8889,7 @@
         <p:txBody>
           <a:bodyPr/>
           <a:p>
-            <a:fld id="{1045B0F9-3542-4F3E-B5DF-919C2EF28743}" type="slidenum">
+            <a:fld id="{31E8D688-145D-479C-BEE0-4D7C5A5A0E3E}" type="slidenum">
               <a:t>&lt;#&gt;</a:t>
             </a:fld>
           </a:p>
@@ -9068,7 +9068,7 @@
         <p:txBody>
           <a:bodyPr/>
           <a:p>
-            <a:fld id="{69D88192-C0B1-4825-9CD4-E235634E2C7D}" type="slidenum">
+            <a:fld id="{0A2F2369-170C-44CD-BF13-A3BA9096638C}" type="slidenum">
               <a:t>&lt;#&gt;</a:t>
             </a:fld>
           </a:p>
@@ -9213,7 +9213,7 @@
         <p:txBody>
           <a:bodyPr/>
           <a:p>
-            <a:fld id="{D434BF29-912E-4C36-8AF9-9CDEC16B91A7}" type="slidenum">
+            <a:fld id="{96253381-359B-4747-AC47-F296EF920490}" type="slidenum">
               <a:t>&lt;#&gt;</a:t>
             </a:fld>
           </a:p>
@@ -9426,7 +9426,7 @@
         <p:txBody>
           <a:bodyPr/>
           <a:p>
-            <a:fld id="{4CA77E80-F85F-46C4-87A1-39BDF912D508}" type="slidenum">
+            <a:fld id="{3AFE7FBA-F5E0-47D0-9E03-06A793639695}" type="slidenum">
               <a:t>&lt;#&gt;</a:t>
             </a:fld>
           </a:p>
@@ -9707,7 +9707,7 @@
         <p:txBody>
           <a:bodyPr/>
           <a:p>
-            <a:fld id="{E5EBA796-8308-4C98-803B-C097760C37D9}" type="slidenum">
+            <a:fld id="{3F840539-6A99-4A59-B9BB-A202E1EFA0C5}" type="slidenum">
               <a:t>&lt;#&gt;</a:t>
             </a:fld>
           </a:p>
@@ -9749,7 +9749,7 @@
         <p:txBody>
           <a:bodyPr/>
           <a:p>
-            <a:fld id="{777664E1-26BE-4A93-A5B8-FCFC6E03BB6E}" type="slidenum">
+            <a:fld id="{2F0B1CAD-055F-4F9C-8626-0277A362E131}" type="slidenum">
               <a:t>&lt;#&gt;</a:t>
             </a:fld>
           </a:p>
@@ -9861,7 +9861,7 @@
         <p:txBody>
           <a:bodyPr/>
           <a:p>
-            <a:fld id="{86ACC610-44E6-4BE0-B2FD-95BF27A4933B}" type="slidenum">
+            <a:fld id="{173834E0-2A63-4898-B45A-762BE07EAF27}" type="slidenum">
               <a:t>&lt;#&gt;</a:t>
             </a:fld>
           </a:p>
@@ -9972,7 +9972,7 @@
         <p:txBody>
           <a:bodyPr/>
           <a:p>
-            <a:fld id="{3649D87E-1CF5-4C57-ABA6-4A228CB0919F}" type="slidenum">
+            <a:fld id="{52BB97B7-B99B-4B87-BE6F-D60038961067}" type="slidenum">
               <a:t>&lt;#&gt;</a:t>
             </a:fld>
           </a:p>
@@ -10117,7 +10117,7 @@
         <p:txBody>
           <a:bodyPr/>
           <a:p>
-            <a:fld id="{491172B1-031F-419A-A5AD-C62E380D57F3}" type="slidenum">
+            <a:fld id="{7E098975-ADA8-4B9E-9812-50A8CD5B6924}" type="slidenum">
               <a:t>&lt;#&gt;</a:t>
             </a:fld>
           </a:p>
@@ -10262,7 +10262,7 @@
         <p:txBody>
           <a:bodyPr/>
           <a:p>
-            <a:fld id="{16E3619F-D112-444A-B20B-B5E88B64F3AA}" type="slidenum">
+            <a:fld id="{8C1E447B-91AB-484C-9364-F3FBADAE0B80}" type="slidenum">
               <a:t>&lt;#&gt;</a:t>
             </a:fld>
           </a:p>
@@ -10339,7 +10339,7 @@
         <p:txBody>
           <a:bodyPr/>
           <a:p>
-            <a:fld id="{1A81A7DA-E6CE-4FD0-BDCB-7E65475DCE49}" type="slidenum">
+            <a:fld id="{55BE2C94-C8CF-4BE3-8221-27C49579B9D2}" type="slidenum">
               <a:t>&lt;#&gt;</a:t>
             </a:fld>
           </a:p>
@@ -10416,7 +10416,7 @@
         <p:txBody>
           <a:bodyPr/>
           <a:p>
-            <a:fld id="{040EABEB-3539-4585-BF42-5FB6CA22C24A}" type="slidenum">
+            <a:fld id="{826D9F25-6A48-49B2-92C7-DF19FE3117CE}" type="slidenum">
               <a:t>&lt;#&gt;</a:t>
             </a:fld>
           </a:p>
@@ -10595,7 +10595,7 @@
         <p:txBody>
           <a:bodyPr/>
           <a:p>
-            <a:fld id="{B3416FEA-9171-44C9-99B2-1FDFBEA00C25}" type="slidenum">
+            <a:fld id="{2F292600-AC19-4A20-97FA-5241D0E5143C}" type="slidenum">
               <a:t>&lt;#&gt;</a:t>
             </a:fld>
           </a:p>
@@ -10774,7 +10774,7 @@
         <p:txBody>
           <a:bodyPr/>
           <a:p>
-            <a:fld id="{DB6D56BC-0397-4433-9F62-0BEC44941FF1}" type="slidenum">
+            <a:fld id="{09B7CBB9-6F9A-4560-87BC-61B5C9001E73}" type="slidenum">
               <a:t>&lt;#&gt;</a:t>
             </a:fld>
           </a:p>
@@ -10953,7 +10953,7 @@
         <p:txBody>
           <a:bodyPr/>
           <a:p>
-            <a:fld id="{45CB3B6B-2600-4371-A38A-C84A2266E78F}" type="slidenum">
+            <a:fld id="{9C821154-7A1F-4F21-A4A3-24925C72F3E5}" type="slidenum">
               <a:t>&lt;#&gt;</a:t>
             </a:fld>
           </a:p>
@@ -11098,7 +11098,7 @@
         <p:txBody>
           <a:bodyPr/>
           <a:p>
-            <a:fld id="{9E2A1D80-B2DD-4CF5-8BA9-1C269C74C018}" type="slidenum">
+            <a:fld id="{0C2632F7-98A7-4B7D-B4FC-7C49993D95A2}" type="slidenum">
               <a:t>&lt;#&gt;</a:t>
             </a:fld>
           </a:p>
@@ -11311,7 +11311,7 @@
         <p:txBody>
           <a:bodyPr/>
           <a:p>
-            <a:fld id="{01A886A8-21EA-4350-80CE-6438973A0835}" type="slidenum">
+            <a:fld id="{FDEE310C-9FC6-4E22-A186-D1CFBDE631D5}" type="slidenum">
               <a:t>&lt;#&gt;</a:t>
             </a:fld>
           </a:p>
@@ -11592,7 +11592,7 @@
         <p:txBody>
           <a:bodyPr/>
           <a:p>
-            <a:fld id="{2425E4F0-B4D9-48FA-9449-466DDA4B436A}" type="slidenum">
+            <a:fld id="{5EEA4D62-7BA9-4E48-9572-B7192584ED84}" type="slidenum">
               <a:t>&lt;#&gt;</a:t>
             </a:fld>
           </a:p>
@@ -11634,7 +11634,7 @@
         <p:txBody>
           <a:bodyPr/>
           <a:p>
-            <a:fld id="{AF165869-5B97-4361-BF86-BC637D13715D}" type="slidenum">
+            <a:fld id="{4FD44836-CA7E-424C-9264-50183BDD3A00}" type="slidenum">
               <a:t>&lt;#&gt;</a:t>
             </a:fld>
           </a:p>
@@ -11711,7 +11711,7 @@
         <p:txBody>
           <a:bodyPr/>
           <a:p>
-            <a:fld id="{AB3C8924-C9F1-44E5-9DB0-1D7A37440967}" type="slidenum">
+            <a:fld id="{AD103145-FFA0-406E-B3F7-2F43A836296A}" type="slidenum">
               <a:t>&lt;#&gt;</a:t>
             </a:fld>
           </a:p>
@@ -11823,7 +11823,7 @@
         <p:txBody>
           <a:bodyPr/>
           <a:p>
-            <a:fld id="{9C31CE48-FBE2-40B6-B246-585C2D446CA9}" type="slidenum">
+            <a:fld id="{AB81B496-91F3-41D3-915E-50830B76C459}" type="slidenum">
               <a:t>&lt;#&gt;</a:t>
             </a:fld>
           </a:p>
@@ -11934,7 +11934,7 @@
         <p:txBody>
           <a:bodyPr/>
           <a:p>
-            <a:fld id="{A9C4924C-32D3-48B6-ADC6-EEE9B49C531D}" type="slidenum">
+            <a:fld id="{D3C6486A-CB05-4498-B5C6-FD49C252D11D}" type="slidenum">
               <a:t>&lt;#&gt;</a:t>
             </a:fld>
           </a:p>
@@ -12079,7 +12079,7 @@
         <p:txBody>
           <a:bodyPr/>
           <a:p>
-            <a:fld id="{6FAFFE66-5762-4925-B653-C81EC4D340D8}" type="slidenum">
+            <a:fld id="{09B5BAC3-68C3-4AD2-92F4-B06DA94D9BE2}" type="slidenum">
               <a:t>&lt;#&gt;</a:t>
             </a:fld>
           </a:p>
@@ -12156,7 +12156,7 @@
         <p:txBody>
           <a:bodyPr/>
           <a:p>
-            <a:fld id="{CA7A918F-70B1-4292-993B-8157039E0809}" type="slidenum">
+            <a:fld id="{A0442F46-A29F-45E6-A9A8-1D834F08022C}" type="slidenum">
               <a:t>&lt;#&gt;</a:t>
             </a:fld>
           </a:p>
@@ -12233,7 +12233,7 @@
         <p:txBody>
           <a:bodyPr/>
           <a:p>
-            <a:fld id="{61A241F9-BE3D-4507-93EA-6A1796C281AF}" type="slidenum">
+            <a:fld id="{F3E49919-A906-4A33-AF87-795942F87206}" type="slidenum">
               <a:t>&lt;#&gt;</a:t>
             </a:fld>
           </a:p>
@@ -12412,7 +12412,7 @@
         <p:txBody>
           <a:bodyPr/>
           <a:p>
-            <a:fld id="{E3971D43-59F0-4661-9F6F-F516312D1F1C}" type="slidenum">
+            <a:fld id="{54A54B67-0088-44E3-BACA-C2012828F504}" type="slidenum">
               <a:t>&lt;#&gt;</a:t>
             </a:fld>
           </a:p>
@@ -12591,7 +12591,7 @@
         <p:txBody>
           <a:bodyPr/>
           <a:p>
-            <a:fld id="{C0CF3B8D-D880-438F-865F-729165545480}" type="slidenum">
+            <a:fld id="{A75C7674-383E-4543-BEA5-D4D0BD6FD587}" type="slidenum">
               <a:t>&lt;#&gt;</a:t>
             </a:fld>
           </a:p>
@@ -12770,7 +12770,7 @@
         <p:txBody>
           <a:bodyPr/>
           <a:p>
-            <a:fld id="{5D9547EC-0C28-4DAA-BC32-D23FDD33FDCC}" type="slidenum">
+            <a:fld id="{4EAA2D5E-21E7-4224-908E-8100DA381167}" type="slidenum">
               <a:t>&lt;#&gt;</a:t>
             </a:fld>
           </a:p>
@@ -12915,7 +12915,7 @@
         <p:txBody>
           <a:bodyPr/>
           <a:p>
-            <a:fld id="{ABBCC912-5C84-48E5-98B2-3B889CB12570}" type="slidenum">
+            <a:fld id="{AC776741-C47A-4D69-94CD-EF7457ABF514}" type="slidenum">
               <a:t>&lt;#&gt;</a:t>
             </a:fld>
           </a:p>
@@ -13128,7 +13128,7 @@
         <p:txBody>
           <a:bodyPr/>
           <a:p>
-            <a:fld id="{11602460-AC6D-4A08-9D0A-B7FB989E91CB}" type="slidenum">
+            <a:fld id="{13FFD0EC-95D1-46BA-A822-E0D9EC0281CA}" type="slidenum">
               <a:t>&lt;#&gt;</a:t>
             </a:fld>
           </a:p>
@@ -13205,7 +13205,7 @@
         <p:txBody>
           <a:bodyPr/>
           <a:p>
-            <a:fld id="{A5BFD841-AF0A-47B1-B3BE-67017C6F8933}" type="slidenum">
+            <a:fld id="{F7F5C9E3-D398-4055-B6E8-EEE4D2F5F043}" type="slidenum">
               <a:t>&lt;#&gt;</a:t>
             </a:fld>
           </a:p>
@@ -13486,7 +13486,7 @@
         <p:txBody>
           <a:bodyPr/>
           <a:p>
-            <a:fld id="{2032B794-A510-4A2C-967C-E36B0421551D}" type="slidenum">
+            <a:fld id="{E6D747E8-2914-4E76-8C4C-8D92213CC548}" type="slidenum">
               <a:t>&lt;#&gt;</a:t>
             </a:fld>
           </a:p>
@@ -13528,7 +13528,7 @@
         <p:txBody>
           <a:bodyPr/>
           <a:p>
-            <a:fld id="{A915AC5C-47D9-46DC-BCC7-61799E278298}" type="slidenum">
+            <a:fld id="{39726499-A13B-4306-A90B-6A2463C64C44}" type="slidenum">
               <a:t>&lt;#&gt;</a:t>
             </a:fld>
           </a:p>
@@ -13640,7 +13640,7 @@
         <p:txBody>
           <a:bodyPr/>
           <a:p>
-            <a:fld id="{EB4D3841-6CF7-458C-BF37-FD1801D9290A}" type="slidenum">
+            <a:fld id="{29D3BE77-B210-408E-AD22-E5C90143DAF8}" type="slidenum">
               <a:t>&lt;#&gt;</a:t>
             </a:fld>
           </a:p>
@@ -13751,7 +13751,7 @@
         <p:txBody>
           <a:bodyPr/>
           <a:p>
-            <a:fld id="{7859F7EF-0650-409B-9C38-ED2796D10DAC}" type="slidenum">
+            <a:fld id="{DAAB0F23-6D2C-4D41-802B-996449E8AE4B}" type="slidenum">
               <a:t>&lt;#&gt;</a:t>
             </a:fld>
           </a:p>
@@ -13896,7 +13896,7 @@
         <p:txBody>
           <a:bodyPr/>
           <a:p>
-            <a:fld id="{46970E3F-052F-4FAA-A3FC-53D28552388A}" type="slidenum">
+            <a:fld id="{F22C7098-06BF-47BE-A7BD-1C2C085D6F84}" type="slidenum">
               <a:t>&lt;#&gt;</a:t>
             </a:fld>
           </a:p>
@@ -13973,7 +13973,7 @@
         <p:txBody>
           <a:bodyPr/>
           <a:p>
-            <a:fld id="{0E340DFF-73F4-40E8-9C96-F971CB5FBA79}" type="slidenum">
+            <a:fld id="{B31CBBD9-36C1-4567-B467-CCAC513FBB25}" type="slidenum">
               <a:t>&lt;#&gt;</a:t>
             </a:fld>
           </a:p>
@@ -14050,7 +14050,7 @@
         <p:txBody>
           <a:bodyPr/>
           <a:p>
-            <a:fld id="{05049F7E-32A4-426A-A055-57287BA2CAD1}" type="slidenum">
+            <a:fld id="{ECC53D46-FED0-412A-9E00-972A4E7A82A7}" type="slidenum">
               <a:t>&lt;#&gt;</a:t>
             </a:fld>
           </a:p>
@@ -14229,7 +14229,7 @@
         <p:txBody>
           <a:bodyPr/>
           <a:p>
-            <a:fld id="{785D742A-7DE9-40BD-B18E-6C0FEA63F5A0}" type="slidenum">
+            <a:fld id="{3D28AA8D-87C7-40DF-9419-BB4D4228CFA2}" type="slidenum">
               <a:t>&lt;#&gt;</a:t>
             </a:fld>
           </a:p>
@@ -14408,7 +14408,7 @@
         <p:txBody>
           <a:bodyPr/>
           <a:p>
-            <a:fld id="{20297989-9DE2-417A-8814-C62C4D20C8DA}" type="slidenum">
+            <a:fld id="{270D422B-1C6A-4071-A1FB-98DE0DDBAD4C}" type="slidenum">
               <a:t>&lt;#&gt;</a:t>
             </a:fld>
           </a:p>
@@ -14587,7 +14587,7 @@
         <p:txBody>
           <a:bodyPr/>
           <a:p>
-            <a:fld id="{CA214B0E-19C1-4C01-9ED1-A004E381CF94}" type="slidenum">
+            <a:fld id="{ACC80BB2-3E1A-4506-9544-53E24D89A962}" type="slidenum">
               <a:t>&lt;#&gt;</a:t>
             </a:fld>
           </a:p>
@@ -14766,7 +14766,7 @@
         <p:txBody>
           <a:bodyPr/>
           <a:p>
-            <a:fld id="{3F8FEE8D-5A2F-46AE-9CED-BAD4766ED98A}" type="slidenum">
+            <a:fld id="{91DFB3F7-DDE1-49EE-8669-4F31F6492255}" type="slidenum">
               <a:t>&lt;#&gt;</a:t>
             </a:fld>
           </a:p>
@@ -14911,7 +14911,7 @@
         <p:txBody>
           <a:bodyPr/>
           <a:p>
-            <a:fld id="{337339F2-820A-4136-8CE1-C87090F8C340}" type="slidenum">
+            <a:fld id="{FDFB3152-6A5B-4FD8-BD03-C0658639020F}" type="slidenum">
               <a:t>&lt;#&gt;</a:t>
             </a:fld>
           </a:p>
@@ -15124,7 +15124,7 @@
         <p:txBody>
           <a:bodyPr/>
           <a:p>
-            <a:fld id="{DC1C7060-2A7A-40AD-BF27-6943093CCE96}" type="slidenum">
+            <a:fld id="{0D9D9BD2-ACC0-4E8A-8872-C974E40F20EB}" type="slidenum">
               <a:t>&lt;#&gt;</a:t>
             </a:fld>
           </a:p>
@@ -15405,7 +15405,7 @@
         <p:txBody>
           <a:bodyPr/>
           <a:p>
-            <a:fld id="{5E715821-AF7F-4608-BCA7-62D760405570}" type="slidenum">
+            <a:fld id="{05C86CA4-240B-4BD6-B81F-C7E31FB3A861}" type="slidenum">
               <a:t>&lt;#&gt;</a:t>
             </a:fld>
           </a:p>
@@ -15447,7 +15447,7 @@
         <p:txBody>
           <a:bodyPr/>
           <a:p>
-            <a:fld id="{7A5D9F28-EBE6-4574-919B-D2B1ACA7617E}" type="slidenum">
+            <a:fld id="{114AD4B3-8E5B-4601-8445-E6D99D79794F}" type="slidenum">
               <a:t>&lt;#&gt;</a:t>
             </a:fld>
           </a:p>
@@ -15559,7 +15559,7 @@
         <p:txBody>
           <a:bodyPr/>
           <a:p>
-            <a:fld id="{718B9427-0849-4B31-9BDF-7C13528F94EC}" type="slidenum">
+            <a:fld id="{EFA904D5-4680-4B72-BB25-DF32A548B07E}" type="slidenum">
               <a:t>&lt;#&gt;</a:t>
             </a:fld>
           </a:p>
@@ -15670,7 +15670,7 @@
         <p:txBody>
           <a:bodyPr/>
           <a:p>
-            <a:fld id="{6A3A9C89-E04F-493D-B3B0-6C21BAAABB2C}" type="slidenum">
+            <a:fld id="{71ECEC93-8C6B-49C7-A827-01F6D679E0F4}" type="slidenum">
               <a:t>&lt;#&gt;</a:t>
             </a:fld>
           </a:p>
@@ -15815,7 +15815,7 @@
         <p:txBody>
           <a:bodyPr/>
           <a:p>
-            <a:fld id="{34CE3D2B-8611-4358-89F2-9FCA6BF9827B}" type="slidenum">
+            <a:fld id="{1A1B64FE-AE3F-4193-8886-8D48FB25F59C}" type="slidenum">
               <a:t>&lt;#&gt;</a:t>
             </a:fld>
           </a:p>
@@ -15892,7 +15892,7 @@
         <p:txBody>
           <a:bodyPr/>
           <a:p>
-            <a:fld id="{18B6614D-7600-4F73-A54C-44BDC70102FA}" type="slidenum">
+            <a:fld id="{84CA37FF-01F3-4D72-89EB-E1ABC1AFDEA3}" type="slidenum">
               <a:t>&lt;#&gt;</a:t>
             </a:fld>
           </a:p>
@@ -15969,7 +15969,7 @@
         <p:txBody>
           <a:bodyPr/>
           <a:p>
-            <a:fld id="{20B909A5-F376-4D2E-9717-625F5E0E43B8}" type="slidenum">
+            <a:fld id="{E560C65D-4E2E-4C18-B372-5F2A4778BF6C}" type="slidenum">
               <a:t>&lt;#&gt;</a:t>
             </a:fld>
           </a:p>
@@ -16148,7 +16148,7 @@
         <p:txBody>
           <a:bodyPr/>
           <a:p>
-            <a:fld id="{DAC32B9F-6D7D-440C-8A5E-900B39C3313C}" type="slidenum">
+            <a:fld id="{B5BF87E1-5766-4AE8-A894-6BDF33526DF4}" type="slidenum">
               <a:t>&lt;#&gt;</a:t>
             </a:fld>
           </a:p>
@@ -16419,7 +16419,7 @@
         <p:txBody>
           <a:bodyPr/>
           <a:p>
-            <a:fld id="{09DEF4CC-5572-481B-8913-17E95877B8A2}" type="slidenum">
+            <a:fld id="{59DC012A-FCEE-4D83-9927-47C9C547BFB2}" type="slidenum">
               <a:t>&lt;#&gt;</a:t>
             </a:fld>
           </a:p>
@@ -16598,7 +16598,7 @@
         <p:txBody>
           <a:bodyPr/>
           <a:p>
-            <a:fld id="{70A79DAC-486D-4E2E-998D-0772BBB87E33}" type="slidenum">
+            <a:fld id="{A1E3ACCB-2B6C-452E-A633-24694030BEA4}" type="slidenum">
               <a:t>&lt;#&gt;</a:t>
             </a:fld>
           </a:p>
@@ -16777,7 +16777,7 @@
         <p:txBody>
           <a:bodyPr/>
           <a:p>
-            <a:fld id="{31A2ACFE-DE42-48E9-8D49-34B657A10C57}" type="slidenum">
+            <a:fld id="{D089A09A-8451-4982-874B-0BEEF4DBA762}" type="slidenum">
               <a:t>&lt;#&gt;</a:t>
             </a:fld>
           </a:p>
@@ -16922,7 +16922,7 @@
         <p:txBody>
           <a:bodyPr/>
           <a:p>
-            <a:fld id="{08DB194B-80DB-4365-A937-EADB840C6415}" type="slidenum">
+            <a:fld id="{8B8203A9-35B6-4EA7-B7E9-B0AAD4F164CC}" type="slidenum">
               <a:t>&lt;#&gt;</a:t>
             </a:fld>
           </a:p>
@@ -17135,7 +17135,7 @@
         <p:txBody>
           <a:bodyPr/>
           <a:p>
-            <a:fld id="{67088A9D-E2D6-41ED-BE47-5DE9EE6AEA5D}" type="slidenum">
+            <a:fld id="{0B5725C5-D066-451D-8343-CAFD158007B5}" type="slidenum">
               <a:t>&lt;#&gt;</a:t>
             </a:fld>
           </a:p>
@@ -17416,7 +17416,7 @@
         <p:txBody>
           <a:bodyPr/>
           <a:p>
-            <a:fld id="{F4BD0791-F8F4-4C57-82D0-40E42A0CBAF3}" type="slidenum">
+            <a:fld id="{6E1F2C30-05EA-4CAF-A615-DD231ED8AB75}" type="slidenum">
               <a:t>&lt;#&gt;</a:t>
             </a:fld>
           </a:p>
@@ -17458,7 +17458,7 @@
         <p:txBody>
           <a:bodyPr/>
           <a:p>
-            <a:fld id="{AB8E2AB6-8998-43DE-A653-D37B271D0B05}" type="slidenum">
+            <a:fld id="{6D9E2C9B-AC5D-44E4-81AB-2A25678046F7}" type="slidenum">
               <a:t>&lt;#&gt;</a:t>
             </a:fld>
           </a:p>
@@ -17570,7 +17570,7 @@
         <p:txBody>
           <a:bodyPr/>
           <a:p>
-            <a:fld id="{C684EE1B-77E1-43A7-A774-A1C9C7DDE8B2}" type="slidenum">
+            <a:fld id="{BEC2BCF2-2D61-48A9-814E-BEB18F7B787B}" type="slidenum">
               <a:t>&lt;#&gt;</a:t>
             </a:fld>
           </a:p>
@@ -17681,7 +17681,7 @@
         <p:txBody>
           <a:bodyPr/>
           <a:p>
-            <a:fld id="{37BEC083-6067-4830-92B7-9EAC1D7F5E4D}" type="slidenum">
+            <a:fld id="{E9510C8D-D67B-4E02-8E0C-8273EB33AEC0}" type="slidenum">
               <a:t>&lt;#&gt;</a:t>
             </a:fld>
           </a:p>
@@ -17826,7 +17826,7 @@
         <p:txBody>
           <a:bodyPr/>
           <a:p>
-            <a:fld id="{63885978-2474-445E-A3A4-B66E8DB7CCE6}" type="slidenum">
+            <a:fld id="{8C86DFFA-804E-4109-BD64-998EB2B56D8E}" type="slidenum">
               <a:t>&lt;#&gt;</a:t>
             </a:fld>
           </a:p>
@@ -17903,7 +17903,7 @@
         <p:txBody>
           <a:bodyPr/>
           <a:p>
-            <a:fld id="{3A87909B-6285-43BF-B6D6-FC59939A7A39}" type="slidenum">
+            <a:fld id="{950F675E-DB6E-4E6A-96EE-6123D89373B4}" type="slidenum">
               <a:t>&lt;#&gt;</a:t>
             </a:fld>
           </a:p>
@@ -18082,7 +18082,7 @@
         <p:txBody>
           <a:bodyPr/>
           <a:p>
-            <a:fld id="{A8AFA968-C047-431F-B006-9E5E6F493737}" type="slidenum">
+            <a:fld id="{E765E70D-FBBC-4DA9-9D88-C9EF84183863}" type="slidenum">
               <a:t>&lt;#&gt;</a:t>
             </a:fld>
           </a:p>
@@ -18159,7 +18159,7 @@
         <p:txBody>
           <a:bodyPr/>
           <a:p>
-            <a:fld id="{8E943AFD-86FC-4E13-B3CC-3180D103D059}" type="slidenum">
+            <a:fld id="{175A6E81-E526-4DD2-9B54-2A3C51154898}" type="slidenum">
               <a:t>&lt;#&gt;</a:t>
             </a:fld>
           </a:p>
@@ -18338,7 +18338,7 @@
         <p:txBody>
           <a:bodyPr/>
           <a:p>
-            <a:fld id="{89105961-F668-4BF5-8965-DEC21A7226B2}" type="slidenum">
+            <a:fld id="{A18A69F2-1794-4E71-B96C-3DA2A88479EB}" type="slidenum">
               <a:t>&lt;#&gt;</a:t>
             </a:fld>
           </a:p>
@@ -18517,7 +18517,7 @@
         <p:txBody>
           <a:bodyPr/>
           <a:p>
-            <a:fld id="{24FA2E12-D94D-406C-AE78-C02E30F0414A}" type="slidenum">
+            <a:fld id="{24F64ED2-3A6F-4411-B323-1584890C5F3E}" type="slidenum">
               <a:t>&lt;#&gt;</a:t>
             </a:fld>
           </a:p>
@@ -18696,7 +18696,7 @@
         <p:txBody>
           <a:bodyPr/>
           <a:p>
-            <a:fld id="{93257FC7-5900-4799-9EC9-922F319C84B5}" type="slidenum">
+            <a:fld id="{0225C69F-0F4A-40D9-BAB5-A000C80C6C99}" type="slidenum">
               <a:t>&lt;#&gt;</a:t>
             </a:fld>
           </a:p>
@@ -18841,7 +18841,7 @@
         <p:txBody>
           <a:bodyPr/>
           <a:p>
-            <a:fld id="{BC18E13A-61F6-4672-B135-55AF5D7031E1}" type="slidenum">
+            <a:fld id="{D947550F-D8CE-4E28-A587-CBCA1043A193}" type="slidenum">
               <a:t>&lt;#&gt;</a:t>
             </a:fld>
           </a:p>
@@ -19054,7 +19054,7 @@
         <p:txBody>
           <a:bodyPr/>
           <a:p>
-            <a:fld id="{F89A6FD7-7628-4BC8-BA89-602AA48B8FD4}" type="slidenum">
+            <a:fld id="{B92BE4D7-5F44-4AA5-B9DC-811295431E66}" type="slidenum">
               <a:t>&lt;#&gt;</a:t>
             </a:fld>
           </a:p>
@@ -19335,7 +19335,7 @@
         <p:txBody>
           <a:bodyPr/>
           <a:p>
-            <a:fld id="{ACD7E2D7-7DE5-4CB3-A4E9-8E6D047C0FC2}" type="slidenum">
+            <a:fld id="{674678A7-8FCE-48E1-A3B1-6F5EEFC1B976}" type="slidenum">
               <a:t>&lt;#&gt;</a:t>
             </a:fld>
           </a:p>
@@ -19480,7 +19480,7 @@
         <p:txBody>
           <a:bodyPr/>
           <a:p>
-            <a:fld id="{A916FA81-FACE-4167-9267-C727C99D661C}" type="slidenum">
+            <a:fld id="{DBFE707F-668A-4BAC-84B6-C324622BC36A}" type="slidenum">
               <a:t>&lt;#&gt;</a:t>
             </a:fld>
           </a:p>
@@ -19693,7 +19693,7 @@
         <p:txBody>
           <a:bodyPr/>
           <a:p>
-            <a:fld id="{7FA7CBEF-3909-4FD8-BC80-D3B10A5DF3F4}" type="slidenum">
+            <a:fld id="{6D4EF829-997B-43BD-888D-57B61CAEC7AC}" type="slidenum">
               <a:t>&lt;#&gt;</a:t>
             </a:fld>
           </a:p>
@@ -19974,7 +19974,7 @@
         <p:txBody>
           <a:bodyPr/>
           <a:p>
-            <a:fld id="{DB3199CA-D461-4F89-8AC8-8EF2DAFADC67}" type="slidenum">
+            <a:fld id="{3221C233-99EF-4AF7-A8FC-5FB82295C7F8}" type="slidenum">
               <a:t>&lt;#&gt;</a:t>
             </a:fld>
           </a:p>
@@ -20016,7 +20016,7 @@
         <p:txBody>
           <a:bodyPr/>
           <a:p>
-            <a:fld id="{FF926452-5872-4D40-B5A6-BD377EC1762B}" type="slidenum">
+            <a:fld id="{274927D0-BA38-493B-9ABE-B7708F53C371}" type="slidenum">
               <a:t>&lt;#&gt;</a:t>
             </a:fld>
           </a:p>
@@ -20128,7 +20128,7 @@
         <p:txBody>
           <a:bodyPr/>
           <a:p>
-            <a:fld id="{7BE6ED05-EA89-4C61-B3B1-3FDDF5094879}" type="slidenum">
+            <a:fld id="{57D20940-AA71-4B90-B450-0BD775E67775}" type="slidenum">
               <a:t>&lt;#&gt;</a:t>
             </a:fld>
           </a:p>
@@ -20239,7 +20239,7 @@
         <p:txBody>
           <a:bodyPr/>
           <a:p>
-            <a:fld id="{BA04F9F0-56AC-460B-A62A-21313681F5B1}" type="slidenum">
+            <a:fld id="{55C6C5FB-14E3-45F6-B255-BBEF5B0B3CA0}" type="slidenum">
               <a:t>&lt;#&gt;</a:t>
             </a:fld>
           </a:p>
@@ -20384,7 +20384,7 @@
         <p:txBody>
           <a:bodyPr/>
           <a:p>
-            <a:fld id="{62CA7E9F-1409-4667-A97E-755C654DA016}" type="slidenum">
+            <a:fld id="{0F24D312-3C5B-4A8B-BD65-17834777645A}" type="slidenum">
               <a:t>&lt;#&gt;</a:t>
             </a:fld>
           </a:p>
@@ -20461,7 +20461,7 @@
         <p:txBody>
           <a:bodyPr/>
           <a:p>
-            <a:fld id="{84A13631-7D0D-4AF0-83E3-6040754A2AF3}" type="slidenum">
+            <a:fld id="{4861A3E2-C4DF-4AD9-878E-B7A573864582}" type="slidenum">
               <a:t>&lt;#&gt;</a:t>
             </a:fld>
           </a:p>
@@ -20629,7 +20629,7 @@
         <p:txBody>
           <a:bodyPr/>
           <a:p>
-            <a:fld id="{F9438DA3-DA64-4952-94A8-5D0D0C44A1C4}" type="slidenum">
+            <a:fld id="{2E75EAFE-200E-4519-9E33-47066E8D42D1}" type="slidenum">
               <a:t>&lt;#&gt;</a:t>
             </a:fld>
           </a:p>
@@ -20808,7 +20808,7 @@
         <p:txBody>
           <a:bodyPr/>
           <a:p>
-            <a:fld id="{179AA876-8ECF-46D1-BA43-805C6B6EE145}" type="slidenum">
+            <a:fld id="{D0CD028C-D776-4280-948A-6FA0B1F134C0}" type="slidenum">
               <a:t>&lt;#&gt;</a:t>
             </a:fld>
           </a:p>
@@ -20987,7 +20987,7 @@
         <p:txBody>
           <a:bodyPr/>
           <a:p>
-            <a:fld id="{995CACB7-9A85-4815-81C6-1707F32987F7}" type="slidenum">
+            <a:fld id="{DBC83CEF-1173-4EE3-A380-103222C048C9}" type="slidenum">
               <a:t>&lt;#&gt;</a:t>
             </a:fld>
           </a:p>
@@ -21166,7 +21166,7 @@
         <p:txBody>
           <a:bodyPr/>
           <a:p>
-            <a:fld id="{6C357410-87C8-48DB-98B3-0AF88F7C19B4}" type="slidenum">
+            <a:fld id="{DF251CDD-6E76-44C6-BD16-49BA76E1F2ED}" type="slidenum">
               <a:t>&lt;#&gt;</a:t>
             </a:fld>
           </a:p>
@@ -21311,7 +21311,7 @@
         <p:txBody>
           <a:bodyPr/>
           <a:p>
-            <a:fld id="{C11822C6-6948-4F74-81CC-105C2E850DB4}" type="slidenum">
+            <a:fld id="{B41C7B06-E051-41AA-84C5-61DCAA25881F}" type="slidenum">
               <a:t>&lt;#&gt;</a:t>
             </a:fld>
           </a:p>
@@ -21524,7 +21524,7 @@
         <p:txBody>
           <a:bodyPr/>
           <a:p>
-            <a:fld id="{F1496D20-034C-4FD7-9BB1-1CC08A289BFB}" type="slidenum">
+            <a:fld id="{8DB85D16-0763-426F-8755-86FFDEACC5E5}" type="slidenum">
               <a:t>&lt;#&gt;</a:t>
             </a:fld>
           </a:p>
@@ -21805,7 +21805,7 @@
         <p:txBody>
           <a:bodyPr/>
           <a:p>
-            <a:fld id="{556341D2-F6AC-40B5-81C8-B561BE0BAEF4}" type="slidenum">
+            <a:fld id="{B1A01437-A4AB-4AFF-8697-349F4EB569B4}" type="slidenum">
               <a:t>&lt;#&gt;</a:t>
             </a:fld>
           </a:p>
@@ -21847,7 +21847,7 @@
         <p:txBody>
           <a:bodyPr/>
           <a:p>
-            <a:fld id="{A2EAA4FB-3354-4CDF-9899-C2FCE6D7B51F}" type="slidenum">
+            <a:fld id="{FB4BA05C-9649-4BBF-AA4C-93C2C25B0D51}" type="slidenum">
               <a:t>&lt;#&gt;</a:t>
             </a:fld>
           </a:p>
@@ -21959,7 +21959,7 @@
         <p:txBody>
           <a:bodyPr/>
           <a:p>
-            <a:fld id="{F8B6ECC2-B970-4FED-AA6E-600AC74EAECD}" type="slidenum">
+            <a:fld id="{BF0560D0-1F9E-49D8-B37C-75F6D50DFD02}" type="slidenum">
               <a:t>&lt;#&gt;</a:t>
             </a:fld>
           </a:p>
@@ -22070,7 +22070,7 @@
         <p:txBody>
           <a:bodyPr/>
           <a:p>
-            <a:fld id="{6861084B-9626-47DE-8408-E029AA0DB082}" type="slidenum">
+            <a:fld id="{A887A7E4-B72B-4CAE-AC09-1300A316E278}" type="slidenum">
               <a:t>&lt;#&gt;</a:t>
             </a:fld>
           </a:p>
@@ -22340,7 +22340,7 @@
         <p:txBody>
           <a:bodyPr/>
           <a:p>
-            <a:fld id="{EF57D16B-8012-4D40-ABF5-FA09CC440388}" type="slidenum">
+            <a:fld id="{88BFCE50-BD57-498A-9466-E674DFF49278}" type="slidenum">
               <a:t>&lt;#&gt;</a:t>
             </a:fld>
           </a:p>
@@ -22417,7 +22417,7 @@
         <p:txBody>
           <a:bodyPr/>
           <a:p>
-            <a:fld id="{073B3CDC-55E4-4F9A-9AB5-7F00C895588B}" type="slidenum">
+            <a:fld id="{A5C7C9D4-2BF8-419C-BD81-FD7584E478AC}" type="slidenum">
               <a:t>&lt;#&gt;</a:t>
             </a:fld>
           </a:p>
@@ -22494,7 +22494,7 @@
         <p:txBody>
           <a:bodyPr/>
           <a:p>
-            <a:fld id="{A8F47594-9ACE-4D47-8C50-920797D1E5AB}" type="slidenum">
+            <a:fld id="{798223C4-83AE-4175-AE24-912B06CDFB49}" type="slidenum">
               <a:t>&lt;#&gt;</a:t>
             </a:fld>
           </a:p>
@@ -22673,7 +22673,7 @@
         <p:txBody>
           <a:bodyPr/>
           <a:p>
-            <a:fld id="{CF45EFF9-A774-4C4A-97DD-A7D9902A7DC2}" type="slidenum">
+            <a:fld id="{1FAC361A-279F-4DCA-A624-6E81990C958F}" type="slidenum">
               <a:t>&lt;#&gt;</a:t>
             </a:fld>
           </a:p>
@@ -22852,7 +22852,7 @@
         <p:txBody>
           <a:bodyPr/>
           <a:p>
-            <a:fld id="{9358433E-8F7E-487A-9366-E0D0035EEB62}" type="slidenum">
+            <a:fld id="{6725AA25-78BD-4CEC-86C9-9EBC1B9FDEE7}" type="slidenum">
               <a:t>&lt;#&gt;</a:t>
             </a:fld>
           </a:p>
@@ -23031,7 +23031,7 @@
         <p:txBody>
           <a:bodyPr/>
           <a:p>
-            <a:fld id="{E73B20B2-6D07-4AAB-B90B-97A7AA7C135B}" type="slidenum">
+            <a:fld id="{B3C4D2F2-ECF1-4A86-AC2C-B569F606DF52}" type="slidenum">
               <a:t>&lt;#&gt;</a:t>
             </a:fld>
           </a:p>
@@ -23176,7 +23176,7 @@
         <p:txBody>
           <a:bodyPr/>
           <a:p>
-            <a:fld id="{C21A6A81-7BA5-4D94-9C29-2240D2730FDE}" type="slidenum">
+            <a:fld id="{B320550D-2D3E-450F-BEE6-26868C260018}" type="slidenum">
               <a:t>&lt;#&gt;</a:t>
             </a:fld>
           </a:p>
@@ -23389,7 +23389,7 @@
         <p:txBody>
           <a:bodyPr/>
           <a:p>
-            <a:fld id="{7D560EC9-8EC7-43DF-8068-AA6F512FCAA6}" type="slidenum">
+            <a:fld id="{71392163-5ADB-48BA-B9E6-C7C0B3157907}" type="slidenum">
               <a:t>&lt;#&gt;</a:t>
             </a:fld>
           </a:p>
@@ -23670,7 +23670,7 @@
         <p:txBody>
           <a:bodyPr/>
           <a:p>
-            <a:fld id="{F1E29019-7BD9-44B5-853D-E2E931C80ECF}" type="slidenum">
+            <a:fld id="{5651FE32-6DAD-4E8D-B6C2-7409AB5AFFD1}" type="slidenum">
               <a:t>&lt;#&gt;</a:t>
             </a:fld>
           </a:p>
@@ -23712,7 +23712,7 @@
         <p:txBody>
           <a:bodyPr/>
           <a:p>
-            <a:fld id="{474775F3-D6EC-4D72-B348-39742DD8652F}" type="slidenum">
+            <a:fld id="{0FCE6B34-778A-48E4-980E-3128829E4C4F}" type="slidenum">
               <a:t>&lt;#&gt;</a:t>
             </a:fld>
           </a:p>
@@ -23881,7 +23881,7 @@
         <p:txBody>
           <a:bodyPr/>
           <a:p>
-            <a:fld id="{908B545E-F479-41F2-9B46-E3212F80A6CA}" type="slidenum">
+            <a:fld id="{EB7F720E-FEE9-4CA3-893E-CB6EA5A7E2BF}" type="slidenum">
               <a:t>&lt;#&gt;</a:t>
             </a:fld>
           </a:p>
@@ -23992,7 +23992,7 @@
         <p:txBody>
           <a:bodyPr/>
           <a:p>
-            <a:fld id="{9AF2FBFE-DCD5-4A07-9395-42226DE70825}" type="slidenum">
+            <a:fld id="{7B27DAB4-B20F-4C4C-8843-B0ADF9E2BC29}" type="slidenum">
               <a:t>&lt;#&gt;</a:t>
             </a:fld>
           </a:p>
@@ -24137,7 +24137,7 @@
         <p:txBody>
           <a:bodyPr/>
           <a:p>
-            <a:fld id="{9B9DFA60-742C-46E5-84CF-892DA53FF706}" type="slidenum">
+            <a:fld id="{F7020A06-F014-48AC-A35A-020505CD995D}" type="slidenum">
               <a:t>&lt;#&gt;</a:t>
             </a:fld>
           </a:p>
@@ -24214,7 +24214,7 @@
         <p:txBody>
           <a:bodyPr/>
           <a:p>
-            <a:fld id="{22921150-9C1E-4FEE-8D67-36B0BE940141}" type="slidenum">
+            <a:fld id="{57E2E73E-F568-4BD1-BF1F-54AAF8797C43}" type="slidenum">
               <a:t>&lt;#&gt;</a:t>
             </a:fld>
           </a:p>
@@ -24291,7 +24291,7 @@
         <p:txBody>
           <a:bodyPr/>
           <a:p>
-            <a:fld id="{6E070242-EBAA-43DB-B1B0-3DE59350BFAA}" type="slidenum">
+            <a:fld id="{751F5B6F-0728-4043-9D74-A09283A2F520}" type="slidenum">
               <a:t>&lt;#&gt;</a:t>
             </a:fld>
           </a:p>
@@ -24470,7 +24470,7 @@
         <p:txBody>
           <a:bodyPr/>
           <a:p>
-            <a:fld id="{5733A25D-8E55-454C-835C-012C2CB73CBC}" type="slidenum">
+            <a:fld id="{30D792A2-CD3B-480E-B3BF-23AEC6D2635E}" type="slidenum">
               <a:t>&lt;#&gt;</a:t>
             </a:fld>
           </a:p>
@@ -24649,7 +24649,7 @@
         <p:txBody>
           <a:bodyPr/>
           <a:p>
-            <a:fld id="{B958626B-29F3-4CFF-BCC2-01450F9B48C3}" type="slidenum">
+            <a:fld id="{28FD4D65-6AF8-464C-9C89-6BBE49B0AC98}" type="slidenum">
               <a:t>&lt;#&gt;</a:t>
             </a:fld>
           </a:p>
@@ -24828,7 +24828,7 @@
         <p:txBody>
           <a:bodyPr/>
           <a:p>
-            <a:fld id="{D30C5652-EA90-4AF6-9492-549DFB180799}" type="slidenum">
+            <a:fld id="{D0A576CE-22CF-4072-8C0E-C4D2D668E4E8}" type="slidenum">
               <a:t>&lt;#&gt;</a:t>
             </a:fld>
           </a:p>
@@ -24973,7 +24973,7 @@
         <p:txBody>
           <a:bodyPr/>
           <a:p>
-            <a:fld id="{D373FEE4-891F-41A9-BB01-B6101B7D9A45}" type="slidenum">
+            <a:fld id="{7DD14C19-DBFF-4E94-80D9-19F788132693}" type="slidenum">
               <a:t>&lt;#&gt;</a:t>
             </a:fld>
           </a:p>
@@ -25186,7 +25186,7 @@
         <p:txBody>
           <a:bodyPr/>
           <a:p>
-            <a:fld id="{05D4F68B-BB69-4954-B7AD-70EDBB158B85}" type="slidenum">
+            <a:fld id="{AB4B9890-B74E-460C-B1C0-3B30D19151CB}" type="slidenum">
               <a:t>&lt;#&gt;</a:t>
             </a:fld>
           </a:p>
@@ -25524,7 +25524,7 @@
         <p:txBody>
           <a:bodyPr/>
           <a:p>
-            <a:fld id="{CDD1F5BC-261A-400A-AC43-A7965092ACC4}" type="slidenum">
+            <a:fld id="{9B8D1CC8-826F-41E6-A3AD-13501A710272}" type="slidenum">
               <a:t>&lt;#&gt;</a:t>
             </a:fld>
           </a:p>
@@ -25566,7 +25566,7 @@
         <p:txBody>
           <a:bodyPr/>
           <a:p>
-            <a:fld id="{45BDDACC-9B85-459C-8D06-B57BBCA3823C}" type="slidenum">
+            <a:fld id="{08253A65-D1E0-44BF-9060-89A62028B73C}" type="slidenum">
               <a:t>&lt;#&gt;</a:t>
             </a:fld>
           </a:p>
@@ -25678,7 +25678,7 @@
         <p:txBody>
           <a:bodyPr/>
           <a:p>
-            <a:fld id="{75120000-C65A-444A-B73E-5B210B6C722C}" type="slidenum">
+            <a:fld id="{17C0B2AC-41AB-41F1-BB7D-3360C0916575}" type="slidenum">
               <a:t>&lt;#&gt;</a:t>
             </a:fld>
           </a:p>
@@ -25789,7 +25789,7 @@
         <p:txBody>
           <a:bodyPr/>
           <a:p>
-            <a:fld id="{687FB749-5B20-46F2-9D1D-D6F7DB2C7FF1}" type="slidenum">
+            <a:fld id="{BCDA920E-B0F6-41C6-AAAC-40FB917317AD}" type="slidenum">
               <a:t>&lt;#&gt;</a:t>
             </a:fld>
           </a:p>
@@ -25934,7 +25934,7 @@
         <p:txBody>
           <a:bodyPr/>
           <a:p>
-            <a:fld id="{1F6FFCD6-9CDA-4562-BED0-2C5E24F734A0}" type="slidenum">
+            <a:fld id="{C2370EB4-0062-4FEB-A646-177FC896A429}" type="slidenum">
               <a:t>&lt;#&gt;</a:t>
             </a:fld>
           </a:p>
@@ -26011,7 +26011,7 @@
         <p:txBody>
           <a:bodyPr/>
           <a:p>
-            <a:fld id="{77A3ADBE-643B-458D-BBDA-F47D01CAE5FF}" type="slidenum">
+            <a:fld id="{9CE76F8D-A144-458A-AAC3-90A87B40901A}" type="slidenum">
               <a:t>&lt;#&gt;</a:t>
             </a:fld>
           </a:p>
@@ -26088,7 +26088,7 @@
         <p:txBody>
           <a:bodyPr/>
           <a:p>
-            <a:fld id="{E294BEFC-77FD-4778-95CB-32934940B516}" type="slidenum">
+            <a:fld id="{9B1F1EC7-E0D0-4A5E-9E4E-1ABC68F42AFA}" type="slidenum">
               <a:t>&lt;#&gt;</a:t>
             </a:fld>
           </a:p>
@@ -26267,7 +26267,7 @@
         <p:txBody>
           <a:bodyPr/>
           <a:p>
-            <a:fld id="{165AA927-3626-47F5-9684-44F2C398134D}" type="slidenum">
+            <a:fld id="{6F0BB9ED-C3E3-4771-969D-49A19B38A84D}" type="slidenum">
               <a:t>&lt;#&gt;</a:t>
             </a:fld>
           </a:p>
@@ -26446,7 +26446,7 @@
         <p:txBody>
           <a:bodyPr/>
           <a:p>
-            <a:fld id="{8A5ACF07-53F9-40B0-8F3B-3D84225C25DA}" type="slidenum">
+            <a:fld id="{B531F1CF-E4A6-48F2-A5A4-499AB79EDB5B}" type="slidenum">
               <a:t>&lt;#&gt;</a:t>
             </a:fld>
           </a:p>
@@ -26625,7 +26625,7 @@
         <p:txBody>
           <a:bodyPr/>
           <a:p>
-            <a:fld id="{05D0D7AA-5C66-4F1B-80E4-74D69C90AC45}" type="slidenum">
+            <a:fld id="{E5BEE9E7-64DC-407B-9D79-4CD618A36DBE}" type="slidenum">
               <a:t>&lt;#&gt;</a:t>
             </a:fld>
           </a:p>
@@ -26929,7 +26929,7 @@
         <p:txBody>
           <a:bodyPr/>
           <a:p>
-            <a:fld id="{ABC00308-414D-4B96-996C-7614A693B4E8}" type="slidenum">
+            <a:fld id="{49A13B63-B86C-47E0-838A-592044B013EC}" type="slidenum">
               <a:t>&lt;#&gt;</a:t>
             </a:fld>
           </a:p>
@@ -27142,7 +27142,7 @@
         <p:txBody>
           <a:bodyPr/>
           <a:p>
-            <a:fld id="{E4DCE01B-36E6-49B0-AB1D-6A97A28A7851}" type="slidenum">
+            <a:fld id="{5FB02926-1C31-485F-AF4E-B6052D2EDAF8}" type="slidenum">
               <a:t>&lt;#&gt;</a:t>
             </a:fld>
           </a:p>
@@ -27423,7 +27423,7 @@
         <p:txBody>
           <a:bodyPr/>
           <a:p>
-            <a:fld id="{B3F0D10E-570B-4EB1-8B38-EC26AC80E538}" type="slidenum">
+            <a:fld id="{E2D6EBF9-E2FD-4D58-B2E8-B7F6318BF2AE}" type="slidenum">
               <a:t>&lt;#&gt;</a:t>
             </a:fld>
           </a:p>
@@ -27465,7 +27465,7 @@
         <p:txBody>
           <a:bodyPr/>
           <a:p>
-            <a:fld id="{DC2B7FDB-0CC8-4C15-B5D7-0A39868638A7}" type="slidenum">
+            <a:fld id="{72963CE0-484B-45E0-B977-89928A7388D2}" type="slidenum">
               <a:t>&lt;#&gt;</a:t>
             </a:fld>
           </a:p>
@@ -27577,7 +27577,7 @@
         <p:txBody>
           <a:bodyPr/>
           <a:p>
-            <a:fld id="{2906D18E-2059-457F-80D5-C91C55B93E82}" type="slidenum">
+            <a:fld id="{0702A87B-5099-41D2-B329-382D8986340E}" type="slidenum">
               <a:t>&lt;#&gt;</a:t>
             </a:fld>
           </a:p>
@@ -27688,7 +27688,7 @@
         <p:txBody>
           <a:bodyPr/>
           <a:p>
-            <a:fld id="{1FCE1534-DD11-4CF7-BD9B-D91BB8B26AD2}" type="slidenum">
+            <a:fld id="{466DEE1D-37AA-40EB-8DC3-71DDA2C0217B}" type="slidenum">
               <a:t>&lt;#&gt;</a:t>
             </a:fld>
           </a:p>
@@ -27833,7 +27833,7 @@
         <p:txBody>
           <a:bodyPr/>
           <a:p>
-            <a:fld id="{AAACAC3C-DCA6-4F0E-AC8D-08DB85E66B95}" type="slidenum">
+            <a:fld id="{99F6CFF6-4276-4F09-8AC7-69E9914516FF}" type="slidenum">
               <a:t>&lt;#&gt;</a:t>
             </a:fld>
           </a:p>
@@ -27910,7 +27910,7 @@
         <p:txBody>
           <a:bodyPr/>
           <a:p>
-            <a:fld id="{A5A1E949-1998-467E-88A2-E148AA0460C0}" type="slidenum">
+            <a:fld id="{A9E8B789-7569-47C7-9405-9BB510636B32}" type="slidenum">
               <a:t>&lt;#&gt;</a:t>
             </a:fld>
           </a:p>
@@ -27987,7 +27987,7 @@
         <p:txBody>
           <a:bodyPr/>
           <a:p>
-            <a:fld id="{0C0EB4BA-2C90-419C-ADA0-364B98726491}" type="slidenum">
+            <a:fld id="{5FF1C93E-1060-4113-A935-72002BD1EE90}" type="slidenum">
               <a:t>&lt;#&gt;</a:t>
             </a:fld>
           </a:p>
@@ -28166,7 +28166,7 @@
         <p:txBody>
           <a:bodyPr/>
           <a:p>
-            <a:fld id="{937473C6-726A-489A-9D6E-773AB0DAA300}" type="slidenum">
+            <a:fld id="{812C0E61-C4BC-495E-93A9-7A2440C48A82}" type="slidenum">
               <a:t>&lt;#&gt;</a:t>
             </a:fld>
           </a:p>
@@ -28504,7 +28504,7 @@
         <p:txBody>
           <a:bodyPr/>
           <a:p>
-            <a:fld id="{7102776E-A5D8-466C-9D93-1E06D732C406}" type="slidenum">
+            <a:fld id="{0479B54F-7E62-4538-9371-BD7A573EB131}" type="slidenum">
               <a:t>&lt;#&gt;</a:t>
             </a:fld>
           </a:p>
@@ -28683,7 +28683,7 @@
         <p:txBody>
           <a:bodyPr/>
           <a:p>
-            <a:fld id="{90031DC7-C161-4C13-9D9B-F82236F92356}" type="slidenum">
+            <a:fld id="{4CDD65A0-C8A5-412A-BD27-A8070DF4BF4C}" type="slidenum">
               <a:t>&lt;#&gt;</a:t>
             </a:fld>
           </a:p>
@@ -28828,7 +28828,7 @@
         <p:txBody>
           <a:bodyPr/>
           <a:p>
-            <a:fld id="{1307BC83-A510-4151-ACB6-90B025061D5D}" type="slidenum">
+            <a:fld id="{ED8C5A11-ABE2-428D-B916-1BDE20032481}" type="slidenum">
               <a:t>&lt;#&gt;</a:t>
             </a:fld>
           </a:p>
@@ -29041,7 +29041,7 @@
         <p:txBody>
           <a:bodyPr/>
           <a:p>
-            <a:fld id="{2C5F90E1-3671-4B11-B673-DC00A23E3C37}" type="slidenum">
+            <a:fld id="{75FC4984-6A90-43CA-BEAB-84875DA3C469}" type="slidenum">
               <a:t>&lt;#&gt;</a:t>
             </a:fld>
           </a:p>
@@ -29322,7 +29322,7 @@
         <p:txBody>
           <a:bodyPr/>
           <a:p>
-            <a:fld id="{06CEE1AC-01A9-4F84-A141-32BAC65CAF9F}" type="slidenum">
+            <a:fld id="{E4C7FEB8-4DFC-46A1-A558-4DB743521C41}" type="slidenum">
               <a:t>&lt;#&gt;</a:t>
             </a:fld>
           </a:p>
@@ -29364,7 +29364,7 @@
         <p:txBody>
           <a:bodyPr/>
           <a:p>
-            <a:fld id="{A03087A8-425E-4AEE-94A4-B7C1E6A93CE4}" type="slidenum">
+            <a:fld id="{8D1B96DF-DBAD-4A15-90C1-8F775DB9D384}" type="slidenum">
               <a:t>&lt;#&gt;</a:t>
             </a:fld>
           </a:p>
@@ -29476,7 +29476,7 @@
         <p:txBody>
           <a:bodyPr/>
           <a:p>
-            <a:fld id="{6A6BC33B-770D-4B5A-B733-97FA42A84610}" type="slidenum">
+            <a:fld id="{47F43797-DDE4-48F2-A0D3-18C31D34B99C}" type="slidenum">
               <a:t>&lt;#&gt;</a:t>
             </a:fld>
           </a:p>
@@ -29587,7 +29587,7 @@
         <p:txBody>
           <a:bodyPr/>
           <a:p>
-            <a:fld id="{98E38E0D-BCB5-44FE-8622-5D004F5104C3}" type="slidenum">
+            <a:fld id="{D9501506-E46C-4667-89A2-2117477C2538}" type="slidenum">
               <a:t>&lt;#&gt;</a:t>
             </a:fld>
           </a:p>
@@ -29732,7 +29732,7 @@
         <p:txBody>
           <a:bodyPr/>
           <a:p>
-            <a:fld id="{E370634A-65C3-481D-86A2-6C72BC86E9A3}" type="slidenum">
+            <a:fld id="{5E18CB0C-023B-4516-AF01-1F46CF851660}" type="slidenum">
               <a:t>&lt;#&gt;</a:t>
             </a:fld>
           </a:p>
@@ -29809,7 +29809,7 @@
         <p:txBody>
           <a:bodyPr/>
           <a:p>
-            <a:fld id="{FB506A76-0192-452F-9D04-7476EC3E0EC6}" type="slidenum">
+            <a:fld id="{06E1BDA4-4BD3-4791-9951-23B516DB9CB4}" type="slidenum">
               <a:t>&lt;#&gt;</a:t>
             </a:fld>
           </a:p>
@@ -30045,7 +30045,7 @@
         <p:txBody>
           <a:bodyPr/>
           <a:p>
-            <a:fld id="{5CDAB798-324A-43D0-91AB-8D73E268253D}" type="slidenum">
+            <a:fld id="{8E9C109A-B930-446F-8C39-712C79BCCAB1}" type="slidenum">
               <a:t>&lt;#&gt;</a:t>
             </a:fld>
           </a:p>
@@ -30224,7 +30224,7 @@
         <p:txBody>
           <a:bodyPr/>
           <a:p>
-            <a:fld id="{1E88CD36-52AA-48C4-BCDE-F3218F9DDEE4}" type="slidenum">
+            <a:fld id="{96082CC5-C490-4AC3-9DF2-F3887FF663E4}" type="slidenum">
               <a:t>&lt;#&gt;</a:t>
             </a:fld>
           </a:p>
@@ -30403,7 +30403,7 @@
         <p:txBody>
           <a:bodyPr/>
           <a:p>
-            <a:fld id="{DDC07C86-1034-49F8-98A4-23A32F32BE5B}" type="slidenum">
+            <a:fld id="{DAD4D771-550F-4663-86DD-8CDE67995E9B}" type="slidenum">
               <a:t>&lt;#&gt;</a:t>
             </a:fld>
           </a:p>
@@ -30582,7 +30582,7 @@
         <p:txBody>
           <a:bodyPr/>
           <a:p>
-            <a:fld id="{F3DF0A5C-3563-46F1-B33B-652BE48165BA}" type="slidenum">
+            <a:fld id="{A6298935-ED16-4B7E-9735-B522DAAEC4BF}" type="slidenum">
               <a:t>&lt;#&gt;</a:t>
             </a:fld>
           </a:p>
@@ -30727,7 +30727,7 @@
         <p:txBody>
           <a:bodyPr/>
           <a:p>
-            <a:fld id="{82D74B09-965B-4BAD-BF00-DCA87EFB99EB}" type="slidenum">
+            <a:fld id="{A903D0BA-EB6B-4A5B-BE5B-9082DF6DADFB}" type="slidenum">
               <a:t>&lt;#&gt;</a:t>
             </a:fld>
           </a:p>
@@ -30940,7 +30940,7 @@
         <p:txBody>
           <a:bodyPr/>
           <a:p>
-            <a:fld id="{2C398F8A-2BA1-4E60-B062-79A299CFC854}" type="slidenum">
+            <a:fld id="{812A8710-6233-49A3-9827-DF8ED8647899}" type="slidenum">
               <a:t>&lt;#&gt;</a:t>
             </a:fld>
           </a:p>
@@ -31221,7 +31221,7 @@
         <p:txBody>
           <a:bodyPr/>
           <a:p>
-            <a:fld id="{29ED7349-1275-446A-974B-FE46F30E4181}" type="slidenum">
+            <a:fld id="{6FE0FA19-3F38-4FA1-B9C8-9AABD675701F}" type="slidenum">
               <a:t>&lt;#&gt;</a:t>
             </a:fld>
           </a:p>
@@ -31263,7 +31263,7 @@
         <p:txBody>
           <a:bodyPr/>
           <a:p>
-            <a:fld id="{614A8A2E-8A1F-449A-917E-1F9F2C011EA8}" type="slidenum">
+            <a:fld id="{8FBE0EF8-E970-4126-A82E-C9FD47B22204}" type="slidenum">
               <a:t>&lt;#&gt;</a:t>
             </a:fld>
           </a:p>
@@ -31375,7 +31375,7 @@
         <p:txBody>
           <a:bodyPr/>
           <a:p>
-            <a:fld id="{30B8B139-C950-4FBF-9755-39847F99E65D}" type="slidenum">
+            <a:fld id="{30E26C87-132D-4EC0-B971-610D9C4609FF}" type="slidenum">
               <a:t>&lt;#&gt;</a:t>
             </a:fld>
           </a:p>
@@ -31486,7 +31486,7 @@
         <p:txBody>
           <a:bodyPr/>
           <a:p>
-            <a:fld id="{79938FE2-8006-4685-BF24-30FC169B7AA4}" type="slidenum">
+            <a:fld id="{C84C22FC-7B0F-4B57-A833-1955A372AE7F}" type="slidenum">
               <a:t>&lt;#&gt;</a:t>
             </a:fld>
           </a:p>
@@ -31529,8 +31529,8 @@
         </p:nvSpPr>
         <p:spPr>
           <a:xfrm flipH="1">
-            <a:off x="2520" y="301680"/>
-            <a:ext cx="9147600" cy="4494240"/>
+            <a:off x="1800" y="301680"/>
+            <a:ext cx="9147240" cy="4493880"/>
           </a:xfrm>
           <a:custGeom>
             <a:avLst/>
@@ -31586,7 +31586,7 @@
         <p:spPr>
           <a:xfrm>
             <a:off x="-5760" y="759960"/>
-            <a:ext cx="9141480" cy="3767400"/>
+            <a:ext cx="9141120" cy="3767040"/>
           </a:xfrm>
           <a:custGeom>
             <a:avLst/>
@@ -31642,7 +31642,7 @@
         <p:spPr>
           <a:xfrm>
             <a:off x="0" y="1351080"/>
-            <a:ext cx="9153720" cy="2886480"/>
+            <a:ext cx="9153360" cy="2886120"/>
           </a:xfrm>
           <a:custGeom>
             <a:avLst/>
@@ -31960,9 +31960,9 @@
         <p:grpSpPr>
           <a:xfrm>
             <a:off x="-6120" y="0"/>
-            <a:ext cx="9165600" cy="5160600"/>
+            <a:ext cx="9165240" cy="5160240"/>
             <a:chOff x="-6120" y="0"/>
-            <a:chExt cx="9165600" cy="5160600"/>
+            <a:chExt cx="9165240" cy="5160240"/>
           </a:xfrm>
         </p:grpSpPr>
         <p:sp>
@@ -31974,7 +31974,7 @@
           <p:spPr>
             <a:xfrm>
               <a:off x="0" y="0"/>
-              <a:ext cx="8550360" cy="1330560"/>
+              <a:ext cx="8550000" cy="1330200"/>
             </a:xfrm>
             <a:custGeom>
               <a:avLst/>
@@ -32019,7 +32019,7 @@
           <p:spPr>
             <a:xfrm>
               <a:off x="2563560" y="0"/>
-              <a:ext cx="6577920" cy="1270080"/>
+              <a:ext cx="6577560" cy="1269720"/>
             </a:xfrm>
             <a:custGeom>
               <a:avLst/>
@@ -32069,7 +32069,7 @@
           <p:spPr>
             <a:xfrm>
               <a:off x="-6120" y="0"/>
-              <a:ext cx="7295760" cy="1469160"/>
+              <a:ext cx="7295400" cy="1468800"/>
             </a:xfrm>
             <a:custGeom>
               <a:avLst/>
@@ -32119,7 +32119,7 @@
           <p:spPr>
             <a:xfrm>
               <a:off x="3596040" y="4667040"/>
-              <a:ext cx="5088240" cy="474120"/>
+              <a:ext cx="5087880" cy="473760"/>
             </a:xfrm>
             <a:custGeom>
               <a:avLst/>
@@ -32164,7 +32164,7 @@
           <p:spPr>
             <a:xfrm>
               <a:off x="5524920" y="4692600"/>
-              <a:ext cx="3634560" cy="468000"/>
+              <a:ext cx="3634200" cy="467640"/>
             </a:xfrm>
             <a:custGeom>
               <a:avLst/>
@@ -32211,7 +32211,7 @@
           <p:spPr>
             <a:xfrm>
               <a:off x="7521480" y="4023000"/>
-              <a:ext cx="1632240" cy="1137600"/>
+              <a:ext cx="1631880" cy="1137240"/>
             </a:xfrm>
             <a:custGeom>
               <a:avLst/>
@@ -32263,7 +32263,7 @@
         <p:spPr>
           <a:xfrm>
             <a:off x="27000" y="4749840"/>
-            <a:ext cx="546120" cy="390960"/>
+            <a:ext cx="545760" cy="390600"/>
           </a:xfrm>
           <a:prstGeom prst="rect">
             <a:avLst/>
@@ -32303,7 +32303,7 @@
                 <a:tab algn="l" pos="0"/>
               </a:tabLst>
             </a:pPr>
-            <a:fld id="{4F6B7CDD-9A46-4ECE-A2B5-89FEF0369DC0}" type="slidenum">
+            <a:fld id="{BFF7AD7E-5706-45CA-AE12-C2EC96F1AA26}" type="slidenum">
               <a:rPr b="0" lang="en" sz="1200" spc="-1" strike="noStrike">
                 <a:solidFill>
                   <a:srgbClr val="00ae9d"/>
@@ -32596,9 +32596,9 @@
         <p:grpSpPr>
           <a:xfrm>
             <a:off x="-6120" y="0"/>
-            <a:ext cx="9165600" cy="5160600"/>
+            <a:ext cx="9165240" cy="5160240"/>
             <a:chOff x="-6120" y="0"/>
-            <a:chExt cx="9165600" cy="5160600"/>
+            <a:chExt cx="9165240" cy="5160240"/>
           </a:xfrm>
         </p:grpSpPr>
         <p:sp>
@@ -32610,7 +32610,7 @@
           <p:spPr>
             <a:xfrm>
               <a:off x="0" y="0"/>
-              <a:ext cx="8550360" cy="1330560"/>
+              <a:ext cx="8550000" cy="1330200"/>
             </a:xfrm>
             <a:custGeom>
               <a:avLst/>
@@ -32655,7 +32655,7 @@
           <p:spPr>
             <a:xfrm>
               <a:off x="2563560" y="0"/>
-              <a:ext cx="6577920" cy="1270080"/>
+              <a:ext cx="6577560" cy="1269720"/>
             </a:xfrm>
             <a:custGeom>
               <a:avLst/>
@@ -32705,7 +32705,7 @@
           <p:spPr>
             <a:xfrm>
               <a:off x="-6120" y="0"/>
-              <a:ext cx="7295760" cy="1469160"/>
+              <a:ext cx="7295400" cy="1468800"/>
             </a:xfrm>
             <a:custGeom>
               <a:avLst/>
@@ -32755,7 +32755,7 @@
           <p:spPr>
             <a:xfrm>
               <a:off x="3596040" y="4667040"/>
-              <a:ext cx="5088240" cy="474120"/>
+              <a:ext cx="5087880" cy="473760"/>
             </a:xfrm>
             <a:custGeom>
               <a:avLst/>
@@ -32800,7 +32800,7 @@
           <p:spPr>
             <a:xfrm>
               <a:off x="5524920" y="4692600"/>
-              <a:ext cx="3634560" cy="468000"/>
+              <a:ext cx="3634200" cy="467640"/>
             </a:xfrm>
             <a:custGeom>
               <a:avLst/>
@@ -32847,7 +32847,7 @@
           <p:spPr>
             <a:xfrm>
               <a:off x="7521480" y="4023000"/>
-              <a:ext cx="1632240" cy="1137600"/>
+              <a:ext cx="1631880" cy="1137240"/>
             </a:xfrm>
             <a:custGeom>
               <a:avLst/>
@@ -32899,7 +32899,7 @@
         <p:spPr>
           <a:xfrm>
             <a:off x="27000" y="4749840"/>
-            <a:ext cx="546120" cy="390960"/>
+            <a:ext cx="545760" cy="390600"/>
           </a:xfrm>
           <a:prstGeom prst="rect">
             <a:avLst/>
@@ -32939,7 +32939,7 @@
                 <a:tab algn="l" pos="0"/>
               </a:tabLst>
             </a:pPr>
-            <a:fld id="{7101AD3F-F569-4FAA-984B-5B2FE839CDB2}" type="slidenum">
+            <a:fld id="{80398F86-AB5B-42F1-93FB-73D073B5E446}" type="slidenum">
               <a:rPr b="0" lang="en" sz="1200" spc="-1" strike="noStrike">
                 <a:solidFill>
                   <a:srgbClr val="00ae9d"/>
@@ -33232,9 +33232,9 @@
         <p:grpSpPr>
           <a:xfrm>
             <a:off x="-6120" y="0"/>
-            <a:ext cx="9165600" cy="5160600"/>
+            <a:ext cx="9165240" cy="5160240"/>
             <a:chOff x="-6120" y="0"/>
-            <a:chExt cx="9165600" cy="5160600"/>
+            <a:chExt cx="9165240" cy="5160240"/>
           </a:xfrm>
         </p:grpSpPr>
         <p:sp>
@@ -33246,7 +33246,7 @@
           <p:spPr>
             <a:xfrm>
               <a:off x="0" y="0"/>
-              <a:ext cx="8550360" cy="1330560"/>
+              <a:ext cx="8550000" cy="1330200"/>
             </a:xfrm>
             <a:custGeom>
               <a:avLst/>
@@ -33291,7 +33291,7 @@
           <p:spPr>
             <a:xfrm>
               <a:off x="2563560" y="0"/>
-              <a:ext cx="6577920" cy="1270080"/>
+              <a:ext cx="6577560" cy="1269720"/>
             </a:xfrm>
             <a:custGeom>
               <a:avLst/>
@@ -33341,7 +33341,7 @@
           <p:spPr>
             <a:xfrm>
               <a:off x="-6120" y="0"/>
-              <a:ext cx="7295760" cy="1469160"/>
+              <a:ext cx="7295400" cy="1468800"/>
             </a:xfrm>
             <a:custGeom>
               <a:avLst/>
@@ -33391,7 +33391,7 @@
           <p:spPr>
             <a:xfrm>
               <a:off x="3596040" y="4667040"/>
-              <a:ext cx="5088240" cy="474120"/>
+              <a:ext cx="5087880" cy="473760"/>
             </a:xfrm>
             <a:custGeom>
               <a:avLst/>
@@ -33436,7 +33436,7 @@
           <p:spPr>
             <a:xfrm>
               <a:off x="5524920" y="4692600"/>
-              <a:ext cx="3634560" cy="468000"/>
+              <a:ext cx="3634200" cy="467640"/>
             </a:xfrm>
             <a:custGeom>
               <a:avLst/>
@@ -33483,7 +33483,7 @@
           <p:spPr>
             <a:xfrm>
               <a:off x="7521480" y="4023000"/>
-              <a:ext cx="1632240" cy="1137600"/>
+              <a:ext cx="1631880" cy="1137240"/>
             </a:xfrm>
             <a:custGeom>
               <a:avLst/>
@@ -33535,7 +33535,7 @@
         <p:spPr>
           <a:xfrm>
             <a:off x="27000" y="4749840"/>
-            <a:ext cx="546120" cy="390960"/>
+            <a:ext cx="545760" cy="390600"/>
           </a:xfrm>
           <a:prstGeom prst="rect">
             <a:avLst/>
@@ -33575,7 +33575,7 @@
                 <a:tab algn="l" pos="0"/>
               </a:tabLst>
             </a:pPr>
-            <a:fld id="{0B6F445A-A8BD-4210-A0B2-79508FF5F094}" type="slidenum">
+            <a:fld id="{0A2BB152-7559-4CD6-A0FF-75A0C1425B41}" type="slidenum">
               <a:rPr b="0" lang="en" sz="1200" spc="-1" strike="noStrike">
                 <a:solidFill>
                   <a:srgbClr val="00ae9d"/>
@@ -33868,9 +33868,9 @@
         <p:grpSpPr>
           <a:xfrm>
             <a:off x="-6120" y="0"/>
-            <a:ext cx="9165600" cy="5160600"/>
+            <a:ext cx="9165240" cy="5160240"/>
             <a:chOff x="-6120" y="0"/>
-            <a:chExt cx="9165600" cy="5160600"/>
+            <a:chExt cx="9165240" cy="5160240"/>
           </a:xfrm>
         </p:grpSpPr>
         <p:sp>
@@ -33882,7 +33882,7 @@
           <p:spPr>
             <a:xfrm>
               <a:off x="0" y="0"/>
-              <a:ext cx="8550360" cy="1330560"/>
+              <a:ext cx="8550000" cy="1330200"/>
             </a:xfrm>
             <a:custGeom>
               <a:avLst/>
@@ -33927,7 +33927,7 @@
           <p:spPr>
             <a:xfrm>
               <a:off x="2563560" y="0"/>
-              <a:ext cx="6577920" cy="1270080"/>
+              <a:ext cx="6577560" cy="1269720"/>
             </a:xfrm>
             <a:custGeom>
               <a:avLst/>
@@ -33977,7 +33977,7 @@
           <p:spPr>
             <a:xfrm>
               <a:off x="-6120" y="0"/>
-              <a:ext cx="7295760" cy="1469160"/>
+              <a:ext cx="7295400" cy="1468800"/>
             </a:xfrm>
             <a:custGeom>
               <a:avLst/>
@@ -34027,7 +34027,7 @@
           <p:spPr>
             <a:xfrm>
               <a:off x="3596040" y="4667040"/>
-              <a:ext cx="5088240" cy="474120"/>
+              <a:ext cx="5087880" cy="473760"/>
             </a:xfrm>
             <a:custGeom>
               <a:avLst/>
@@ -34072,7 +34072,7 @@
           <p:spPr>
             <a:xfrm>
               <a:off x="5524920" y="4692600"/>
-              <a:ext cx="3634560" cy="468000"/>
+              <a:ext cx="3634200" cy="467640"/>
             </a:xfrm>
             <a:custGeom>
               <a:avLst/>
@@ -34119,7 +34119,7 @@
           <p:spPr>
             <a:xfrm>
               <a:off x="7521480" y="4023000"/>
-              <a:ext cx="1632240" cy="1137600"/>
+              <a:ext cx="1631880" cy="1137240"/>
             </a:xfrm>
             <a:custGeom>
               <a:avLst/>
@@ -34171,7 +34171,7 @@
         <p:spPr>
           <a:xfrm>
             <a:off x="27000" y="4749840"/>
-            <a:ext cx="546120" cy="390960"/>
+            <a:ext cx="545760" cy="390600"/>
           </a:xfrm>
           <a:prstGeom prst="rect">
             <a:avLst/>
@@ -34211,7 +34211,7 @@
                 <a:tab algn="l" pos="0"/>
               </a:tabLst>
             </a:pPr>
-            <a:fld id="{656760B2-9A81-4030-B785-2314A88270DD}" type="slidenum">
+            <a:fld id="{54EA6A03-AC9C-4A63-B6A0-13F4C502DB8C}" type="slidenum">
               <a:rPr b="0" lang="en" sz="1200" spc="-1" strike="noStrike">
                 <a:solidFill>
                   <a:srgbClr val="00ae9d"/>
@@ -34504,9 +34504,9 @@
         <p:grpSpPr>
           <a:xfrm>
             <a:off x="-6120" y="0"/>
-            <a:ext cx="9165600" cy="5160600"/>
+            <a:ext cx="9165240" cy="5160240"/>
             <a:chOff x="-6120" y="0"/>
-            <a:chExt cx="9165600" cy="5160600"/>
+            <a:chExt cx="9165240" cy="5160240"/>
           </a:xfrm>
         </p:grpSpPr>
         <p:sp>
@@ -34518,7 +34518,7 @@
           <p:spPr>
             <a:xfrm>
               <a:off x="0" y="0"/>
-              <a:ext cx="8550360" cy="1330560"/>
+              <a:ext cx="8550000" cy="1330200"/>
             </a:xfrm>
             <a:custGeom>
               <a:avLst/>
@@ -34563,7 +34563,7 @@
           <p:spPr>
             <a:xfrm>
               <a:off x="2563560" y="0"/>
-              <a:ext cx="6577920" cy="1270080"/>
+              <a:ext cx="6577560" cy="1269720"/>
             </a:xfrm>
             <a:custGeom>
               <a:avLst/>
@@ -34613,7 +34613,7 @@
           <p:spPr>
             <a:xfrm>
               <a:off x="-6120" y="0"/>
-              <a:ext cx="7295760" cy="1469160"/>
+              <a:ext cx="7295400" cy="1468800"/>
             </a:xfrm>
             <a:custGeom>
               <a:avLst/>
@@ -34663,7 +34663,7 @@
           <p:spPr>
             <a:xfrm>
               <a:off x="3596040" y="4667040"/>
-              <a:ext cx="5088240" cy="474120"/>
+              <a:ext cx="5087880" cy="473760"/>
             </a:xfrm>
             <a:custGeom>
               <a:avLst/>
@@ -34708,7 +34708,7 @@
           <p:spPr>
             <a:xfrm>
               <a:off x="5524920" y="4692600"/>
-              <a:ext cx="3634560" cy="468000"/>
+              <a:ext cx="3634200" cy="467640"/>
             </a:xfrm>
             <a:custGeom>
               <a:avLst/>
@@ -34755,7 +34755,7 @@
           <p:spPr>
             <a:xfrm>
               <a:off x="7521480" y="4023000"/>
-              <a:ext cx="1632240" cy="1137600"/>
+              <a:ext cx="1631880" cy="1137240"/>
             </a:xfrm>
             <a:custGeom>
               <a:avLst/>
@@ -34807,7 +34807,7 @@
         <p:spPr>
           <a:xfrm>
             <a:off x="27000" y="4749840"/>
-            <a:ext cx="546120" cy="390960"/>
+            <a:ext cx="545760" cy="390600"/>
           </a:xfrm>
           <a:prstGeom prst="rect">
             <a:avLst/>
@@ -34847,7 +34847,7 @@
                 <a:tab algn="l" pos="0"/>
               </a:tabLst>
             </a:pPr>
-            <a:fld id="{7CB35587-FA93-472E-9285-93B5816ED24D}" type="slidenum">
+            <a:fld id="{84B3506C-0136-4A65-B643-2A06FE3FAF25}" type="slidenum">
               <a:rPr b="0" lang="en" sz="1200" spc="-1" strike="noStrike">
                 <a:solidFill>
                   <a:srgbClr val="00ae9d"/>
@@ -35140,9 +35140,9 @@
         <p:grpSpPr>
           <a:xfrm>
             <a:off x="-6120" y="0"/>
-            <a:ext cx="9165600" cy="5160600"/>
+            <a:ext cx="9165240" cy="5160240"/>
             <a:chOff x="-6120" y="0"/>
-            <a:chExt cx="9165600" cy="5160600"/>
+            <a:chExt cx="9165240" cy="5160240"/>
           </a:xfrm>
         </p:grpSpPr>
         <p:sp>
@@ -35154,7 +35154,7 @@
           <p:spPr>
             <a:xfrm>
               <a:off x="0" y="0"/>
-              <a:ext cx="8550360" cy="1330560"/>
+              <a:ext cx="8550000" cy="1330200"/>
             </a:xfrm>
             <a:custGeom>
               <a:avLst/>
@@ -35199,7 +35199,7 @@
           <p:spPr>
             <a:xfrm>
               <a:off x="2563560" y="0"/>
-              <a:ext cx="6577920" cy="1270080"/>
+              <a:ext cx="6577560" cy="1269720"/>
             </a:xfrm>
             <a:custGeom>
               <a:avLst/>
@@ -35249,7 +35249,7 @@
           <p:spPr>
             <a:xfrm>
               <a:off x="-6120" y="0"/>
-              <a:ext cx="7295760" cy="1469160"/>
+              <a:ext cx="7295400" cy="1468800"/>
             </a:xfrm>
             <a:custGeom>
               <a:avLst/>
@@ -35299,7 +35299,7 @@
           <p:spPr>
             <a:xfrm>
               <a:off x="3596040" y="4667040"/>
-              <a:ext cx="5088240" cy="474120"/>
+              <a:ext cx="5087880" cy="473760"/>
             </a:xfrm>
             <a:custGeom>
               <a:avLst/>
@@ -35344,7 +35344,7 @@
           <p:spPr>
             <a:xfrm>
               <a:off x="5524920" y="4692600"/>
-              <a:ext cx="3634560" cy="468000"/>
+              <a:ext cx="3634200" cy="467640"/>
             </a:xfrm>
             <a:custGeom>
               <a:avLst/>
@@ -35391,7 +35391,7 @@
           <p:spPr>
             <a:xfrm>
               <a:off x="7521480" y="4023000"/>
-              <a:ext cx="1632240" cy="1137600"/>
+              <a:ext cx="1631880" cy="1137240"/>
             </a:xfrm>
             <a:custGeom>
               <a:avLst/>
@@ -35443,7 +35443,7 @@
         <p:spPr>
           <a:xfrm>
             <a:off x="27000" y="4749840"/>
-            <a:ext cx="546120" cy="390960"/>
+            <a:ext cx="545760" cy="390600"/>
           </a:xfrm>
           <a:prstGeom prst="rect">
             <a:avLst/>
@@ -35483,7 +35483,7 @@
                 <a:tab algn="l" pos="0"/>
               </a:tabLst>
             </a:pPr>
-            <a:fld id="{B7F3124B-9461-452E-B655-65D38EF5B1C3}" type="slidenum">
+            <a:fld id="{1ABD991E-97E7-4D19-A571-F04D855B96D9}" type="slidenum">
               <a:rPr b="0" lang="en" sz="1200" spc="-1" strike="noStrike">
                 <a:solidFill>
                   <a:srgbClr val="00ae9d"/>
@@ -35776,9 +35776,9 @@
         <p:grpSpPr>
           <a:xfrm>
             <a:off x="-6120" y="0"/>
-            <a:ext cx="9165600" cy="5160600"/>
+            <a:ext cx="9165240" cy="5160240"/>
             <a:chOff x="-6120" y="0"/>
-            <a:chExt cx="9165600" cy="5160600"/>
+            <a:chExt cx="9165240" cy="5160240"/>
           </a:xfrm>
         </p:grpSpPr>
         <p:sp>
@@ -35790,7 +35790,7 @@
           <p:spPr>
             <a:xfrm>
               <a:off x="0" y="0"/>
-              <a:ext cx="8550360" cy="1330560"/>
+              <a:ext cx="8550000" cy="1330200"/>
             </a:xfrm>
             <a:custGeom>
               <a:avLst/>
@@ -35835,7 +35835,7 @@
           <p:spPr>
             <a:xfrm>
               <a:off x="2563560" y="0"/>
-              <a:ext cx="6577920" cy="1270080"/>
+              <a:ext cx="6577560" cy="1269720"/>
             </a:xfrm>
             <a:custGeom>
               <a:avLst/>
@@ -35885,7 +35885,7 @@
           <p:spPr>
             <a:xfrm>
               <a:off x="-6120" y="0"/>
-              <a:ext cx="7295760" cy="1469160"/>
+              <a:ext cx="7295400" cy="1468800"/>
             </a:xfrm>
             <a:custGeom>
               <a:avLst/>
@@ -35935,7 +35935,7 @@
           <p:spPr>
             <a:xfrm>
               <a:off x="3596040" y="4667040"/>
-              <a:ext cx="5088240" cy="474120"/>
+              <a:ext cx="5087880" cy="473760"/>
             </a:xfrm>
             <a:custGeom>
               <a:avLst/>
@@ -35980,7 +35980,7 @@
           <p:spPr>
             <a:xfrm>
               <a:off x="5524920" y="4692600"/>
-              <a:ext cx="3634560" cy="468000"/>
+              <a:ext cx="3634200" cy="467640"/>
             </a:xfrm>
             <a:custGeom>
               <a:avLst/>
@@ -36027,7 +36027,7 @@
           <p:spPr>
             <a:xfrm>
               <a:off x="7521480" y="4023000"/>
-              <a:ext cx="1632240" cy="1137600"/>
+              <a:ext cx="1631880" cy="1137240"/>
             </a:xfrm>
             <a:custGeom>
               <a:avLst/>
@@ -36079,7 +36079,7 @@
         <p:spPr>
           <a:xfrm>
             <a:off x="27000" y="4749840"/>
-            <a:ext cx="546120" cy="390960"/>
+            <a:ext cx="545760" cy="390600"/>
           </a:xfrm>
           <a:prstGeom prst="rect">
             <a:avLst/>
@@ -36119,7 +36119,7 @@
                 <a:tab algn="l" pos="0"/>
               </a:tabLst>
             </a:pPr>
-            <a:fld id="{CEED5A2C-C1F6-471D-B2F8-9D9AABEC7B1E}" type="slidenum">
+            <a:fld id="{B6855816-31E8-448D-9466-885952862262}" type="slidenum">
               <a:rPr b="0" lang="en" sz="1200" spc="-1" strike="noStrike">
                 <a:solidFill>
                   <a:srgbClr val="00ae9d"/>
@@ -36412,9 +36412,9 @@
         <p:grpSpPr>
           <a:xfrm>
             <a:off x="-6120" y="0"/>
-            <a:ext cx="9165600" cy="5160600"/>
+            <a:ext cx="9165240" cy="5160240"/>
             <a:chOff x="-6120" y="0"/>
-            <a:chExt cx="9165600" cy="5160600"/>
+            <a:chExt cx="9165240" cy="5160240"/>
           </a:xfrm>
         </p:grpSpPr>
         <p:sp>
@@ -36426,7 +36426,7 @@
           <p:spPr>
             <a:xfrm>
               <a:off x="0" y="0"/>
-              <a:ext cx="8550360" cy="1330560"/>
+              <a:ext cx="8550000" cy="1330200"/>
             </a:xfrm>
             <a:custGeom>
               <a:avLst/>
@@ -36471,7 +36471,7 @@
           <p:spPr>
             <a:xfrm>
               <a:off x="2563560" y="0"/>
-              <a:ext cx="6577920" cy="1270080"/>
+              <a:ext cx="6577560" cy="1269720"/>
             </a:xfrm>
             <a:custGeom>
               <a:avLst/>
@@ -36521,7 +36521,7 @@
           <p:spPr>
             <a:xfrm>
               <a:off x="-6120" y="0"/>
-              <a:ext cx="7295760" cy="1469160"/>
+              <a:ext cx="7295400" cy="1468800"/>
             </a:xfrm>
             <a:custGeom>
               <a:avLst/>
@@ -36571,7 +36571,7 @@
           <p:spPr>
             <a:xfrm>
               <a:off x="3596040" y="4667040"/>
-              <a:ext cx="5088240" cy="474120"/>
+              <a:ext cx="5087880" cy="473760"/>
             </a:xfrm>
             <a:custGeom>
               <a:avLst/>
@@ -36616,7 +36616,7 @@
           <p:spPr>
             <a:xfrm>
               <a:off x="5524920" y="4692600"/>
-              <a:ext cx="3634560" cy="468000"/>
+              <a:ext cx="3634200" cy="467640"/>
             </a:xfrm>
             <a:custGeom>
               <a:avLst/>
@@ -36663,7 +36663,7 @@
           <p:spPr>
             <a:xfrm>
               <a:off x="7521480" y="4023000"/>
-              <a:ext cx="1632240" cy="1137600"/>
+              <a:ext cx="1631880" cy="1137240"/>
             </a:xfrm>
             <a:custGeom>
               <a:avLst/>
@@ -36715,7 +36715,7 @@
         <p:spPr>
           <a:xfrm>
             <a:off x="27000" y="4749840"/>
-            <a:ext cx="546120" cy="390960"/>
+            <a:ext cx="545760" cy="390600"/>
           </a:xfrm>
           <a:prstGeom prst="rect">
             <a:avLst/>
@@ -36755,7 +36755,7 @@
                 <a:tab algn="l" pos="0"/>
               </a:tabLst>
             </a:pPr>
-            <a:fld id="{B6C1FCA8-ACC0-49BD-9A5F-9CA6CC741289}" type="slidenum">
+            <a:fld id="{8957F22A-B133-4F5C-86F0-89C73054FFEA}" type="slidenum">
               <a:rPr b="0" lang="en" sz="1200" spc="-1" strike="noStrike">
                 <a:solidFill>
                   <a:srgbClr val="00ae9d"/>
@@ -37048,9 +37048,9 @@
         <p:grpSpPr>
           <a:xfrm>
             <a:off x="-6120" y="0"/>
-            <a:ext cx="9165600" cy="5160600"/>
+            <a:ext cx="9165240" cy="5160240"/>
             <a:chOff x="-6120" y="0"/>
-            <a:chExt cx="9165600" cy="5160600"/>
+            <a:chExt cx="9165240" cy="5160240"/>
           </a:xfrm>
         </p:grpSpPr>
         <p:sp>
@@ -37062,7 +37062,7 @@
           <p:spPr>
             <a:xfrm>
               <a:off x="0" y="0"/>
-              <a:ext cx="8550360" cy="1330560"/>
+              <a:ext cx="8550000" cy="1330200"/>
             </a:xfrm>
             <a:custGeom>
               <a:avLst/>
@@ -37107,7 +37107,7 @@
           <p:spPr>
             <a:xfrm>
               <a:off x="2563560" y="0"/>
-              <a:ext cx="6577920" cy="1270080"/>
+              <a:ext cx="6577560" cy="1269720"/>
             </a:xfrm>
             <a:custGeom>
               <a:avLst/>
@@ -37157,7 +37157,7 @@
           <p:spPr>
             <a:xfrm>
               <a:off x="-6120" y="0"/>
-              <a:ext cx="7295760" cy="1469160"/>
+              <a:ext cx="7295400" cy="1468800"/>
             </a:xfrm>
             <a:custGeom>
               <a:avLst/>
@@ -37207,7 +37207,7 @@
           <p:spPr>
             <a:xfrm>
               <a:off x="3596040" y="4667040"/>
-              <a:ext cx="5088240" cy="474120"/>
+              <a:ext cx="5087880" cy="473760"/>
             </a:xfrm>
             <a:custGeom>
               <a:avLst/>
@@ -37252,7 +37252,7 @@
           <p:spPr>
             <a:xfrm>
               <a:off x="5524920" y="4692600"/>
-              <a:ext cx="3634560" cy="468000"/>
+              <a:ext cx="3634200" cy="467640"/>
             </a:xfrm>
             <a:custGeom>
               <a:avLst/>
@@ -37299,7 +37299,7 @@
           <p:spPr>
             <a:xfrm>
               <a:off x="7521480" y="4023000"/>
-              <a:ext cx="1632240" cy="1137600"/>
+              <a:ext cx="1631880" cy="1137240"/>
             </a:xfrm>
             <a:custGeom>
               <a:avLst/>
@@ -37351,7 +37351,7 @@
         <p:spPr>
           <a:xfrm>
             <a:off x="27000" y="4749840"/>
-            <a:ext cx="546120" cy="390960"/>
+            <a:ext cx="545760" cy="390600"/>
           </a:xfrm>
           <a:prstGeom prst="rect">
             <a:avLst/>
@@ -37391,7 +37391,7 @@
                 <a:tab algn="l" pos="0"/>
               </a:tabLst>
             </a:pPr>
-            <a:fld id="{D6ECC3CD-0686-4A48-856E-2D505C750F52}" type="slidenum">
+            <a:fld id="{472870D7-2927-43B4-B458-72761FA9D28F}" type="slidenum">
               <a:rPr b="0" lang="en" sz="1200" spc="-1" strike="noStrike">
                 <a:solidFill>
                   <a:srgbClr val="00ae9d"/>
@@ -37684,9 +37684,9 @@
         <p:grpSpPr>
           <a:xfrm>
             <a:off x="-6120" y="0"/>
-            <a:ext cx="9165600" cy="5160600"/>
+            <a:ext cx="9165240" cy="5160240"/>
             <a:chOff x="-6120" y="0"/>
-            <a:chExt cx="9165600" cy="5160600"/>
+            <a:chExt cx="9165240" cy="5160240"/>
           </a:xfrm>
         </p:grpSpPr>
         <p:sp>
@@ -37698,7 +37698,7 @@
           <p:spPr>
             <a:xfrm>
               <a:off x="0" y="0"/>
-              <a:ext cx="8550360" cy="1330560"/>
+              <a:ext cx="8550000" cy="1330200"/>
             </a:xfrm>
             <a:custGeom>
               <a:avLst/>
@@ -37743,7 +37743,7 @@
           <p:spPr>
             <a:xfrm>
               <a:off x="2563560" y="0"/>
-              <a:ext cx="6577920" cy="1270080"/>
+              <a:ext cx="6577560" cy="1269720"/>
             </a:xfrm>
             <a:custGeom>
               <a:avLst/>
@@ -37793,7 +37793,7 @@
           <p:spPr>
             <a:xfrm>
               <a:off x="-6120" y="0"/>
-              <a:ext cx="7295760" cy="1469160"/>
+              <a:ext cx="7295400" cy="1468800"/>
             </a:xfrm>
             <a:custGeom>
               <a:avLst/>
@@ -37843,7 +37843,7 @@
           <p:spPr>
             <a:xfrm>
               <a:off x="3596040" y="4667040"/>
-              <a:ext cx="5088240" cy="474120"/>
+              <a:ext cx="5087880" cy="473760"/>
             </a:xfrm>
             <a:custGeom>
               <a:avLst/>
@@ -37888,7 +37888,7 @@
           <p:spPr>
             <a:xfrm>
               <a:off x="5524920" y="4692600"/>
-              <a:ext cx="3634560" cy="468000"/>
+              <a:ext cx="3634200" cy="467640"/>
             </a:xfrm>
             <a:custGeom>
               <a:avLst/>
@@ -37935,7 +37935,7 @@
           <p:spPr>
             <a:xfrm>
               <a:off x="7521480" y="4023000"/>
-              <a:ext cx="1632240" cy="1137600"/>
+              <a:ext cx="1631880" cy="1137240"/>
             </a:xfrm>
             <a:custGeom>
               <a:avLst/>
@@ -37987,7 +37987,7 @@
         <p:spPr>
           <a:xfrm>
             <a:off x="27000" y="4749840"/>
-            <a:ext cx="546120" cy="390960"/>
+            <a:ext cx="545760" cy="390600"/>
           </a:xfrm>
           <a:prstGeom prst="rect">
             <a:avLst/>
@@ -38027,7 +38027,7 @@
                 <a:tab algn="l" pos="0"/>
               </a:tabLst>
             </a:pPr>
-            <a:fld id="{6AEBDAFF-B560-48CA-AA49-37584CDC74DE}" type="slidenum">
+            <a:fld id="{076DEFAC-327F-4FDC-A9D4-F2757E69BF1F}" type="slidenum">
               <a:rPr b="0" lang="en" sz="1200" spc="-1" strike="noStrike">
                 <a:solidFill>
                   <a:srgbClr val="00ae9d"/>
@@ -38320,9 +38320,9 @@
         <p:grpSpPr>
           <a:xfrm>
             <a:off x="-6120" y="0"/>
-            <a:ext cx="9165600" cy="5160600"/>
+            <a:ext cx="9165240" cy="5160240"/>
             <a:chOff x="-6120" y="0"/>
-            <a:chExt cx="9165600" cy="5160600"/>
+            <a:chExt cx="9165240" cy="5160240"/>
           </a:xfrm>
         </p:grpSpPr>
         <p:sp>
@@ -38334,7 +38334,7 @@
           <p:spPr>
             <a:xfrm>
               <a:off x="0" y="0"/>
-              <a:ext cx="8550360" cy="1330560"/>
+              <a:ext cx="8550000" cy="1330200"/>
             </a:xfrm>
             <a:custGeom>
               <a:avLst/>
@@ -38379,7 +38379,7 @@
           <p:spPr>
             <a:xfrm>
               <a:off x="2563560" y="0"/>
-              <a:ext cx="6577920" cy="1270080"/>
+              <a:ext cx="6577560" cy="1269720"/>
             </a:xfrm>
             <a:custGeom>
               <a:avLst/>
@@ -38429,7 +38429,7 @@
           <p:spPr>
             <a:xfrm>
               <a:off x="-6120" y="0"/>
-              <a:ext cx="7295760" cy="1469160"/>
+              <a:ext cx="7295400" cy="1468800"/>
             </a:xfrm>
             <a:custGeom>
               <a:avLst/>
@@ -38479,7 +38479,7 @@
           <p:spPr>
             <a:xfrm>
               <a:off x="3596040" y="4667040"/>
-              <a:ext cx="5088240" cy="474120"/>
+              <a:ext cx="5087880" cy="473760"/>
             </a:xfrm>
             <a:custGeom>
               <a:avLst/>
@@ -38524,7 +38524,7 @@
           <p:spPr>
             <a:xfrm>
               <a:off x="5524920" y="4692600"/>
-              <a:ext cx="3634560" cy="468000"/>
+              <a:ext cx="3634200" cy="467640"/>
             </a:xfrm>
             <a:custGeom>
               <a:avLst/>
@@ -38571,7 +38571,7 @@
           <p:spPr>
             <a:xfrm>
               <a:off x="7521480" y="4023000"/>
-              <a:ext cx="1632240" cy="1137600"/>
+              <a:ext cx="1631880" cy="1137240"/>
             </a:xfrm>
             <a:custGeom>
               <a:avLst/>
@@ -38619,7 +38619,7 @@
         <p:spPr>
           <a:xfrm>
             <a:off x="886680" y="398520"/>
-            <a:ext cx="7368120" cy="855000"/>
+            <a:ext cx="7367760" cy="854640"/>
           </a:xfrm>
           <a:prstGeom prst="rect">
             <a:avLst/>
@@ -38645,7 +38645,7 @@
         <p:spPr>
           <a:xfrm>
             <a:off x="886680" y="1598400"/>
-            <a:ext cx="7368120" cy="3324960"/>
+            <a:ext cx="7367760" cy="3324600"/>
           </a:xfrm>
           <a:prstGeom prst="rect">
             <a:avLst/>
@@ -38675,7 +38675,7 @@
         <p:spPr>
           <a:xfrm>
             <a:off x="27000" y="4749840"/>
-            <a:ext cx="546120" cy="390960"/>
+            <a:ext cx="545760" cy="390600"/>
           </a:xfrm>
           <a:prstGeom prst="rect">
             <a:avLst/>
@@ -38715,7 +38715,7 @@
                 <a:tab algn="l" pos="0"/>
               </a:tabLst>
             </a:pPr>
-            <a:fld id="{5FE5FC96-62DA-4535-B043-EDFCFBE4D25C}" type="slidenum">
+            <a:fld id="{B6AB1818-F1E3-4A3A-B90A-4073C8BC1303}" type="slidenum">
               <a:rPr b="0" lang="en" sz="1200" spc="-1" strike="noStrike">
                 <a:solidFill>
                   <a:srgbClr val="00ae9d"/>
@@ -39008,9 +39008,9 @@
         <p:grpSpPr>
           <a:xfrm>
             <a:off x="-6120" y="0"/>
-            <a:ext cx="9165600" cy="5160600"/>
+            <a:ext cx="9165240" cy="5160240"/>
             <a:chOff x="-6120" y="0"/>
-            <a:chExt cx="9165600" cy="5160600"/>
+            <a:chExt cx="9165240" cy="5160240"/>
           </a:xfrm>
         </p:grpSpPr>
         <p:sp>
@@ -39022,7 +39022,7 @@
           <p:spPr>
             <a:xfrm>
               <a:off x="0" y="0"/>
-              <a:ext cx="8550360" cy="1330560"/>
+              <a:ext cx="8550000" cy="1330200"/>
             </a:xfrm>
             <a:custGeom>
               <a:avLst/>
@@ -39067,7 +39067,7 @@
           <p:spPr>
             <a:xfrm>
               <a:off x="2563560" y="0"/>
-              <a:ext cx="6577920" cy="1270080"/>
+              <a:ext cx="6577560" cy="1269720"/>
             </a:xfrm>
             <a:custGeom>
               <a:avLst/>
@@ -39117,7 +39117,7 @@
           <p:spPr>
             <a:xfrm>
               <a:off x="-6120" y="0"/>
-              <a:ext cx="7295760" cy="1469160"/>
+              <a:ext cx="7295400" cy="1468800"/>
             </a:xfrm>
             <a:custGeom>
               <a:avLst/>
@@ -39167,7 +39167,7 @@
           <p:spPr>
             <a:xfrm>
               <a:off x="3596040" y="4667040"/>
-              <a:ext cx="5088240" cy="474120"/>
+              <a:ext cx="5087880" cy="473760"/>
             </a:xfrm>
             <a:custGeom>
               <a:avLst/>
@@ -39212,7 +39212,7 @@
           <p:spPr>
             <a:xfrm>
               <a:off x="5524920" y="4692600"/>
-              <a:ext cx="3634560" cy="468000"/>
+              <a:ext cx="3634200" cy="467640"/>
             </a:xfrm>
             <a:custGeom>
               <a:avLst/>
@@ -39259,7 +39259,7 @@
           <p:spPr>
             <a:xfrm>
               <a:off x="7521480" y="4023000"/>
-              <a:ext cx="1632240" cy="1137600"/>
+              <a:ext cx="1631880" cy="1137240"/>
             </a:xfrm>
             <a:custGeom>
               <a:avLst/>
@@ -39311,7 +39311,7 @@
         <p:spPr>
           <a:xfrm>
             <a:off x="27000" y="4749840"/>
-            <a:ext cx="546120" cy="390960"/>
+            <a:ext cx="545760" cy="390600"/>
           </a:xfrm>
           <a:prstGeom prst="rect">
             <a:avLst/>
@@ -39351,7 +39351,7 @@
                 <a:tab algn="l" pos="0"/>
               </a:tabLst>
             </a:pPr>
-            <a:fld id="{A51AB378-650E-4495-9DB2-5E4400645B53}" type="slidenum">
+            <a:fld id="{CBE3D4FB-D2F7-43B4-AC1C-6DD44900FF10}" type="slidenum">
               <a:rPr b="0" lang="en" sz="1200" spc="-1" strike="noStrike">
                 <a:solidFill>
                   <a:srgbClr val="00ae9d"/>
@@ -39644,9 +39644,9 @@
         <p:grpSpPr>
           <a:xfrm>
             <a:off x="-6120" y="0"/>
-            <a:ext cx="9165600" cy="5160600"/>
+            <a:ext cx="9165240" cy="5160240"/>
             <a:chOff x="-6120" y="0"/>
-            <a:chExt cx="9165600" cy="5160600"/>
+            <a:chExt cx="9165240" cy="5160240"/>
           </a:xfrm>
         </p:grpSpPr>
         <p:sp>
@@ -39658,7 +39658,7 @@
           <p:spPr>
             <a:xfrm>
               <a:off x="0" y="0"/>
-              <a:ext cx="8550360" cy="1330560"/>
+              <a:ext cx="8550000" cy="1330200"/>
             </a:xfrm>
             <a:custGeom>
               <a:avLst/>
@@ -39703,7 +39703,7 @@
           <p:spPr>
             <a:xfrm>
               <a:off x="2563560" y="0"/>
-              <a:ext cx="6577920" cy="1270080"/>
+              <a:ext cx="6577560" cy="1269720"/>
             </a:xfrm>
             <a:custGeom>
               <a:avLst/>
@@ -39753,7 +39753,7 @@
           <p:spPr>
             <a:xfrm>
               <a:off x="-6120" y="0"/>
-              <a:ext cx="7295760" cy="1469160"/>
+              <a:ext cx="7295400" cy="1468800"/>
             </a:xfrm>
             <a:custGeom>
               <a:avLst/>
@@ -39803,7 +39803,7 @@
           <p:spPr>
             <a:xfrm>
               <a:off x="3596040" y="4667040"/>
-              <a:ext cx="5088240" cy="474120"/>
+              <a:ext cx="5087880" cy="473760"/>
             </a:xfrm>
             <a:custGeom>
               <a:avLst/>
@@ -39848,7 +39848,7 @@
           <p:spPr>
             <a:xfrm>
               <a:off x="5524920" y="4692600"/>
-              <a:ext cx="3634560" cy="468000"/>
+              <a:ext cx="3634200" cy="467640"/>
             </a:xfrm>
             <a:custGeom>
               <a:avLst/>
@@ -39895,7 +39895,7 @@
           <p:spPr>
             <a:xfrm>
               <a:off x="7521480" y="4023000"/>
-              <a:ext cx="1632240" cy="1137600"/>
+              <a:ext cx="1631880" cy="1137240"/>
             </a:xfrm>
             <a:custGeom>
               <a:avLst/>
@@ -39943,7 +39943,7 @@
         <p:spPr>
           <a:xfrm>
             <a:off x="886680" y="398520"/>
-            <a:ext cx="7368120" cy="855000"/>
+            <a:ext cx="7367760" cy="854640"/>
           </a:xfrm>
           <a:prstGeom prst="rect">
             <a:avLst/>
@@ -39969,7 +39969,7 @@
         <p:spPr>
           <a:xfrm>
             <a:off x="886680" y="1598400"/>
-            <a:ext cx="7368120" cy="3324960"/>
+            <a:ext cx="7367760" cy="3324600"/>
           </a:xfrm>
           <a:prstGeom prst="rect">
             <a:avLst/>
@@ -39999,7 +39999,7 @@
         <p:spPr>
           <a:xfrm>
             <a:off x="27000" y="4749840"/>
-            <a:ext cx="546120" cy="390960"/>
+            <a:ext cx="545760" cy="390600"/>
           </a:xfrm>
           <a:prstGeom prst="rect">
             <a:avLst/>
@@ -40039,7 +40039,7 @@
                 <a:tab algn="l" pos="0"/>
               </a:tabLst>
             </a:pPr>
-            <a:fld id="{97BC309B-3A93-4AB4-8AF0-C8F4D5905C4F}" type="slidenum">
+            <a:fld id="{C0C0D29A-4127-47B4-9CF1-0195F77FEEFC}" type="slidenum">
               <a:rPr b="0" lang="en" sz="1200" spc="-1" strike="noStrike">
                 <a:solidFill>
                   <a:srgbClr val="00ae9d"/>
@@ -40332,7 +40332,7 @@
         <p:spPr>
           <a:xfrm>
             <a:off x="-2520" y="0"/>
-            <a:ext cx="5207040" cy="981000"/>
+            <a:ext cx="5206680" cy="980640"/>
           </a:xfrm>
           <a:custGeom>
             <a:avLst/>
@@ -40377,7 +40377,7 @@
         <p:spPr>
           <a:xfrm>
             <a:off x="-6120" y="0"/>
-            <a:ext cx="4442760" cy="1083240"/>
+            <a:ext cx="4442400" cy="1082880"/>
           </a:xfrm>
           <a:custGeom>
             <a:avLst/>
@@ -40427,7 +40427,7 @@
         <p:spPr>
           <a:xfrm>
             <a:off x="6375600" y="4745880"/>
-            <a:ext cx="2546280" cy="398520"/>
+            <a:ext cx="2545920" cy="398160"/>
           </a:xfrm>
           <a:custGeom>
             <a:avLst/>
@@ -40472,7 +40472,7 @@
         <p:spPr>
           <a:xfrm>
             <a:off x="7341120" y="4767480"/>
-            <a:ext cx="1818720" cy="393120"/>
+            <a:ext cx="1818360" cy="392760"/>
           </a:xfrm>
           <a:custGeom>
             <a:avLst/>
@@ -40519,7 +40519,7 @@
         <p:spPr>
           <a:xfrm>
             <a:off x="8340840" y="4204080"/>
-            <a:ext cx="815760" cy="956520"/>
+            <a:ext cx="815400" cy="956160"/>
           </a:xfrm>
           <a:custGeom>
             <a:avLst/>
@@ -40566,7 +40566,7 @@
         <p:spPr>
           <a:xfrm>
             <a:off x="1559160" y="-6120"/>
-            <a:ext cx="4114080" cy="942480"/>
+            <a:ext cx="4113720" cy="942120"/>
           </a:xfrm>
           <a:custGeom>
             <a:avLst/>
@@ -40620,7 +40620,7 @@
         <p:spPr>
           <a:xfrm>
             <a:off x="27000" y="4749840"/>
-            <a:ext cx="546120" cy="390960"/>
+            <a:ext cx="545760" cy="390600"/>
           </a:xfrm>
           <a:prstGeom prst="rect">
             <a:avLst/>
@@ -40660,7 +40660,7 @@
                 <a:tab algn="l" pos="0"/>
               </a:tabLst>
             </a:pPr>
-            <a:fld id="{AB720640-B540-4DBD-9964-6302DD99C0D4}" type="slidenum">
+            <a:fld id="{42FEDFF6-FC47-45A9-89AB-A4ED6552B758}" type="slidenum">
               <a:rPr b="0" lang="en" sz="1200" spc="-1" strike="noStrike">
                 <a:solidFill>
                   <a:srgbClr val="00ae9d"/>
@@ -40953,9 +40953,9 @@
         <p:grpSpPr>
           <a:xfrm>
             <a:off x="-6120" y="0"/>
-            <a:ext cx="9165600" cy="5160600"/>
+            <a:ext cx="9165240" cy="5160240"/>
             <a:chOff x="-6120" y="0"/>
-            <a:chExt cx="9165600" cy="5160600"/>
+            <a:chExt cx="9165240" cy="5160240"/>
           </a:xfrm>
         </p:grpSpPr>
         <p:sp>
@@ -40967,7 +40967,7 @@
           <p:spPr>
             <a:xfrm>
               <a:off x="0" y="0"/>
-              <a:ext cx="8550360" cy="1330560"/>
+              <a:ext cx="8550000" cy="1330200"/>
             </a:xfrm>
             <a:custGeom>
               <a:avLst/>
@@ -41012,7 +41012,7 @@
           <p:spPr>
             <a:xfrm>
               <a:off x="2563560" y="0"/>
-              <a:ext cx="6577920" cy="1270080"/>
+              <a:ext cx="6577560" cy="1269720"/>
             </a:xfrm>
             <a:custGeom>
               <a:avLst/>
@@ -41062,7 +41062,7 @@
           <p:spPr>
             <a:xfrm>
               <a:off x="-6120" y="0"/>
-              <a:ext cx="7295760" cy="1469160"/>
+              <a:ext cx="7295400" cy="1468800"/>
             </a:xfrm>
             <a:custGeom>
               <a:avLst/>
@@ -41112,7 +41112,7 @@
           <p:spPr>
             <a:xfrm>
               <a:off x="3596040" y="4667040"/>
-              <a:ext cx="5088240" cy="474120"/>
+              <a:ext cx="5087880" cy="473760"/>
             </a:xfrm>
             <a:custGeom>
               <a:avLst/>
@@ -41157,7 +41157,7 @@
           <p:spPr>
             <a:xfrm>
               <a:off x="5524920" y="4692600"/>
-              <a:ext cx="3634560" cy="468000"/>
+              <a:ext cx="3634200" cy="467640"/>
             </a:xfrm>
             <a:custGeom>
               <a:avLst/>
@@ -41204,7 +41204,7 @@
           <p:spPr>
             <a:xfrm>
               <a:off x="7521480" y="4023000"/>
-              <a:ext cx="1632240" cy="1137600"/>
+              <a:ext cx="1631880" cy="1137240"/>
             </a:xfrm>
             <a:custGeom>
               <a:avLst/>
@@ -41256,7 +41256,7 @@
         <p:spPr>
           <a:xfrm>
             <a:off x="27000" y="4749840"/>
-            <a:ext cx="546120" cy="390960"/>
+            <a:ext cx="545760" cy="390600"/>
           </a:xfrm>
           <a:prstGeom prst="rect">
             <a:avLst/>
@@ -41296,7 +41296,7 @@
                 <a:tab algn="l" pos="0"/>
               </a:tabLst>
             </a:pPr>
-            <a:fld id="{E4DC77BE-88E8-404B-A8FB-6BB8F7817C25}" type="slidenum">
+            <a:fld id="{D1D24EE0-A9CB-42E6-B4C9-3E402FB79C70}" type="slidenum">
               <a:rPr b="0" lang="en" sz="1200" spc="-1" strike="noStrike">
                 <a:solidFill>
                   <a:srgbClr val="00ae9d"/>
@@ -41589,9 +41589,9 @@
         <p:grpSpPr>
           <a:xfrm>
             <a:off x="-6120" y="0"/>
-            <a:ext cx="9165600" cy="5160600"/>
+            <a:ext cx="9165240" cy="5160240"/>
             <a:chOff x="-6120" y="0"/>
-            <a:chExt cx="9165600" cy="5160600"/>
+            <a:chExt cx="9165240" cy="5160240"/>
           </a:xfrm>
         </p:grpSpPr>
         <p:sp>
@@ -41603,7 +41603,7 @@
           <p:spPr>
             <a:xfrm>
               <a:off x="0" y="0"/>
-              <a:ext cx="8550360" cy="1330560"/>
+              <a:ext cx="8550000" cy="1330200"/>
             </a:xfrm>
             <a:custGeom>
               <a:avLst/>
@@ -41648,7 +41648,7 @@
           <p:spPr>
             <a:xfrm>
               <a:off x="2563560" y="0"/>
-              <a:ext cx="6577920" cy="1270080"/>
+              <a:ext cx="6577560" cy="1269720"/>
             </a:xfrm>
             <a:custGeom>
               <a:avLst/>
@@ -41698,7 +41698,7 @@
           <p:spPr>
             <a:xfrm>
               <a:off x="-6120" y="0"/>
-              <a:ext cx="7295760" cy="1469160"/>
+              <a:ext cx="7295400" cy="1468800"/>
             </a:xfrm>
             <a:custGeom>
               <a:avLst/>
@@ -41748,7 +41748,7 @@
           <p:spPr>
             <a:xfrm>
               <a:off x="3596040" y="4667040"/>
-              <a:ext cx="5088240" cy="474120"/>
+              <a:ext cx="5087880" cy="473760"/>
             </a:xfrm>
             <a:custGeom>
               <a:avLst/>
@@ -41793,7 +41793,7 @@
           <p:spPr>
             <a:xfrm>
               <a:off x="5524920" y="4692600"/>
-              <a:ext cx="3634560" cy="468000"/>
+              <a:ext cx="3634200" cy="467640"/>
             </a:xfrm>
             <a:custGeom>
               <a:avLst/>
@@ -41840,7 +41840,7 @@
           <p:spPr>
             <a:xfrm>
               <a:off x="7521480" y="4023000"/>
-              <a:ext cx="1632240" cy="1137600"/>
+              <a:ext cx="1631880" cy="1137240"/>
             </a:xfrm>
             <a:custGeom>
               <a:avLst/>
@@ -41892,7 +41892,7 @@
         <p:spPr>
           <a:xfrm>
             <a:off x="27000" y="4749840"/>
-            <a:ext cx="546120" cy="390960"/>
+            <a:ext cx="545760" cy="390600"/>
           </a:xfrm>
           <a:prstGeom prst="rect">
             <a:avLst/>
@@ -41932,7 +41932,7 @@
                 <a:tab algn="l" pos="0"/>
               </a:tabLst>
             </a:pPr>
-            <a:fld id="{1704735B-E891-4C26-89FF-36FF6CD67298}" type="slidenum">
+            <a:fld id="{B735A4CE-5EDE-4ABE-B3F0-E1523A4D38A2}" type="slidenum">
               <a:rPr b="0" lang="en" sz="1200" spc="-1" strike="noStrike">
                 <a:solidFill>
                   <a:srgbClr val="00ae9d"/>
@@ -42225,9 +42225,9 @@
         <p:grpSpPr>
           <a:xfrm>
             <a:off x="-6120" y="0"/>
-            <a:ext cx="9165600" cy="5160600"/>
+            <a:ext cx="9165240" cy="5160240"/>
             <a:chOff x="-6120" y="0"/>
-            <a:chExt cx="9165600" cy="5160600"/>
+            <a:chExt cx="9165240" cy="5160240"/>
           </a:xfrm>
         </p:grpSpPr>
         <p:sp>
@@ -42239,7 +42239,7 @@
           <p:spPr>
             <a:xfrm>
               <a:off x="0" y="0"/>
-              <a:ext cx="8550360" cy="1330560"/>
+              <a:ext cx="8550000" cy="1330200"/>
             </a:xfrm>
             <a:custGeom>
               <a:avLst/>
@@ -42284,7 +42284,7 @@
           <p:spPr>
             <a:xfrm>
               <a:off x="2563560" y="0"/>
-              <a:ext cx="6577920" cy="1270080"/>
+              <a:ext cx="6577560" cy="1269720"/>
             </a:xfrm>
             <a:custGeom>
               <a:avLst/>
@@ -42334,7 +42334,7 @@
           <p:spPr>
             <a:xfrm>
               <a:off x="-6120" y="0"/>
-              <a:ext cx="7295760" cy="1469160"/>
+              <a:ext cx="7295400" cy="1468800"/>
             </a:xfrm>
             <a:custGeom>
               <a:avLst/>
@@ -42384,7 +42384,7 @@
           <p:spPr>
             <a:xfrm>
               <a:off x="3596040" y="4667040"/>
-              <a:ext cx="5088240" cy="474120"/>
+              <a:ext cx="5087880" cy="473760"/>
             </a:xfrm>
             <a:custGeom>
               <a:avLst/>
@@ -42429,7 +42429,7 @@
           <p:spPr>
             <a:xfrm>
               <a:off x="5524920" y="4692600"/>
-              <a:ext cx="3634560" cy="468000"/>
+              <a:ext cx="3634200" cy="467640"/>
             </a:xfrm>
             <a:custGeom>
               <a:avLst/>
@@ -42476,7 +42476,7 @@
           <p:spPr>
             <a:xfrm>
               <a:off x="7521480" y="4023000"/>
-              <a:ext cx="1632240" cy="1137600"/>
+              <a:ext cx="1631880" cy="1137240"/>
             </a:xfrm>
             <a:custGeom>
               <a:avLst/>
@@ -42528,7 +42528,7 @@
         <p:spPr>
           <a:xfrm>
             <a:off x="27000" y="4749840"/>
-            <a:ext cx="546120" cy="390960"/>
+            <a:ext cx="545760" cy="390600"/>
           </a:xfrm>
           <a:prstGeom prst="rect">
             <a:avLst/>
@@ -42568,7 +42568,7 @@
                 <a:tab algn="l" pos="0"/>
               </a:tabLst>
             </a:pPr>
-            <a:fld id="{85B849B0-4B1F-4DBA-8BFC-9A4F06851309}" type="slidenum">
+            <a:fld id="{DDE3A9FE-BF9A-47E7-AB05-5CE59E7375E0}" type="slidenum">
               <a:rPr b="0" lang="en" sz="1200" spc="-1" strike="noStrike">
                 <a:solidFill>
                   <a:srgbClr val="00ae9d"/>
@@ -42854,7 +42854,7 @@
         <p:spPr>
           <a:xfrm>
             <a:off x="7149240" y="4774320"/>
-            <a:ext cx="3135600" cy="363960"/>
+            <a:ext cx="3135240" cy="363960"/>
           </a:xfrm>
           <a:prstGeom prst="rect">
             <a:avLst/>
@@ -42909,7 +42909,7 @@
         <p:spPr>
           <a:xfrm>
             <a:off x="-7560" y="-13680"/>
-            <a:ext cx="9150480" cy="5141520"/>
+            <a:ext cx="9150120" cy="5141160"/>
           </a:xfrm>
           <a:prstGeom prst="rect">
             <a:avLst/>
@@ -42962,7 +42962,7 @@
         <p:spPr>
           <a:xfrm>
             <a:off x="0" y="0"/>
-            <a:ext cx="9141840" cy="5141520"/>
+            <a:ext cx="9141480" cy="5141160"/>
           </a:xfrm>
           <a:prstGeom prst="rect">
             <a:avLst/>
@@ -43015,7 +43015,7 @@
         <p:spPr>
           <a:xfrm>
             <a:off x="886680" y="398520"/>
-            <a:ext cx="7368120" cy="855000"/>
+            <a:ext cx="7367760" cy="854640"/>
           </a:xfrm>
           <a:prstGeom prst="rect">
             <a:avLst/>
@@ -43064,7 +43064,7 @@
         <p:spPr>
           <a:xfrm>
             <a:off x="886680" y="1669680"/>
-            <a:ext cx="7368120" cy="3079800"/>
+            <a:ext cx="7367760" cy="3079440"/>
           </a:xfrm>
           <a:prstGeom prst="rect">
             <a:avLst/>
@@ -43148,7 +43148,7 @@
         <p:spPr>
           <a:xfrm>
             <a:off x="27000" y="4749840"/>
-            <a:ext cx="546120" cy="390960"/>
+            <a:ext cx="545760" cy="390600"/>
           </a:xfrm>
           <a:prstGeom prst="rect">
             <a:avLst/>
@@ -43188,7 +43188,7 @@
                 <a:tab algn="l" pos="0"/>
               </a:tabLst>
             </a:pPr>
-            <a:fld id="{C2C551C2-4031-48F3-86E4-6A1B920476E8}" type="slidenum">
+            <a:fld id="{DEBC62EE-609B-445E-A76C-9320111DE0C3}" type="slidenum">
               <a:rPr b="0" lang="en" sz="1200" spc="-1" strike="noStrike">
                 <a:solidFill>
                   <a:srgbClr val="00ae9d"/>
@@ -43196,7 +43196,7 @@
                 <a:latin typeface="Karla"/>
                 <a:ea typeface="Karla"/>
               </a:rPr>
-              <a:t>8</a:t>
+              <a:t>&lt;number&gt;</a:t>
             </a:fld>
             <a:endParaRPr b="0" lang="en-US" sz="1200" spc="-1" strike="noStrike">
               <a:latin typeface="Times New Roman"/>
@@ -43213,7 +43213,7 @@
         <p:spPr>
           <a:xfrm>
             <a:off x="6400800" y="4779000"/>
-            <a:ext cx="2283840" cy="363960"/>
+            <a:ext cx="2283480" cy="363960"/>
           </a:xfrm>
           <a:prstGeom prst="rect">
             <a:avLst/>
@@ -43278,7 +43278,7 @@
         <p:spPr>
           <a:xfrm>
             <a:off x="686160" y="1702080"/>
-            <a:ext cx="7368120" cy="2639160"/>
+            <a:ext cx="7367760" cy="2638800"/>
           </a:xfrm>
           <a:prstGeom prst="rect">
             <a:avLst/>
@@ -43405,7 +43405,7 @@
         <p:spPr>
           <a:xfrm>
             <a:off x="886680" y="398520"/>
-            <a:ext cx="7368120" cy="855000"/>
+            <a:ext cx="7367760" cy="854640"/>
           </a:xfrm>
           <a:prstGeom prst="rect">
             <a:avLst/>
@@ -43454,7 +43454,7 @@
         <p:spPr>
           <a:xfrm>
             <a:off x="886680" y="1669680"/>
-            <a:ext cx="7368120" cy="3079800"/>
+            <a:ext cx="7367760" cy="3079440"/>
           </a:xfrm>
           <a:prstGeom prst="rect">
             <a:avLst/>
@@ -43538,7 +43538,7 @@
         <p:spPr>
           <a:xfrm>
             <a:off x="27000" y="4749840"/>
-            <a:ext cx="546120" cy="390960"/>
+            <a:ext cx="545760" cy="390600"/>
           </a:xfrm>
           <a:prstGeom prst="rect">
             <a:avLst/>
@@ -43578,7 +43578,7 @@
                 <a:tab algn="l" pos="0"/>
               </a:tabLst>
             </a:pPr>
-            <a:fld id="{CFF266A4-8483-4A7B-AE29-7EEE362A5734}" type="slidenum">
+            <a:fld id="{D4631CC0-4B9F-42C1-BA79-FC427375A9C7}" type="slidenum">
               <a:rPr b="0" lang="en" sz="1200" spc="-1" strike="noStrike">
                 <a:solidFill>
                   <a:srgbClr val="00ae9d"/>
@@ -43586,7 +43586,7 @@
                 <a:latin typeface="Karla"/>
                 <a:ea typeface="Karla"/>
               </a:rPr>
-              <a:t>8</a:t>
+              <a:t>&lt;number&gt;</a:t>
             </a:fld>
             <a:endParaRPr b="0" lang="en-US" sz="1200" spc="-1" strike="noStrike">
               <a:latin typeface="Times New Roman"/>
@@ -43603,7 +43603,7 @@
         <p:spPr>
           <a:xfrm>
             <a:off x="6400800" y="4779000"/>
-            <a:ext cx="2283840" cy="363960"/>
+            <a:ext cx="2283480" cy="363960"/>
           </a:xfrm>
           <a:prstGeom prst="rect">
             <a:avLst/>
@@ -43668,7 +43668,7 @@
         <p:spPr>
           <a:xfrm>
             <a:off x="686160" y="1702080"/>
-            <a:ext cx="7368120" cy="2639160"/>
+            <a:ext cx="7367760" cy="2638800"/>
           </a:xfrm>
           <a:prstGeom prst="rect">
             <a:avLst/>
@@ -43811,7 +43811,7 @@
         <p:spPr>
           <a:xfrm>
             <a:off x="886680" y="398520"/>
-            <a:ext cx="7368120" cy="855000"/>
+            <a:ext cx="7367760" cy="854640"/>
           </a:xfrm>
           <a:prstGeom prst="rect">
             <a:avLst/>
@@ -43860,7 +43860,7 @@
         <p:spPr>
           <a:xfrm>
             <a:off x="1053720" y="1694880"/>
-            <a:ext cx="6655320" cy="3079800"/>
+            <a:ext cx="6654960" cy="3079440"/>
           </a:xfrm>
           <a:prstGeom prst="rect">
             <a:avLst/>
@@ -43944,7 +43944,7 @@
         <p:spPr>
           <a:xfrm>
             <a:off x="27000" y="4749840"/>
-            <a:ext cx="546120" cy="390960"/>
+            <a:ext cx="545760" cy="390600"/>
           </a:xfrm>
           <a:prstGeom prst="rect">
             <a:avLst/>
@@ -43984,7 +43984,7 @@
                 <a:tab algn="l" pos="0"/>
               </a:tabLst>
             </a:pPr>
-            <a:fld id="{F08FC84E-38D4-40A6-86F5-07ACDE7116DA}" type="slidenum">
+            <a:fld id="{88C66354-D296-4980-9D0B-684CAEE4ACE1}" type="slidenum">
               <a:rPr b="0" lang="en" sz="1200" spc="-1" strike="noStrike">
                 <a:solidFill>
                   <a:srgbClr val="00ae9d"/>
@@ -43992,7 +43992,7 @@
                 <a:latin typeface="Karla"/>
                 <a:ea typeface="Karla"/>
               </a:rPr>
-              <a:t>8</a:t>
+              <a:t>&lt;number&gt;</a:t>
             </a:fld>
             <a:endParaRPr b="0" lang="en-US" sz="1200" spc="-1" strike="noStrike">
               <a:latin typeface="Times New Roman"/>
@@ -44009,7 +44009,7 @@
         <p:spPr>
           <a:xfrm>
             <a:off x="6400800" y="4779000"/>
-            <a:ext cx="2283840" cy="363960"/>
+            <a:ext cx="2283480" cy="363960"/>
           </a:xfrm>
           <a:prstGeom prst="rect">
             <a:avLst/>
@@ -44074,7 +44074,7 @@
         <p:spPr>
           <a:xfrm>
             <a:off x="686160" y="1702080"/>
-            <a:ext cx="7368120" cy="2639160"/>
+            <a:ext cx="7367760" cy="2638800"/>
           </a:xfrm>
           <a:prstGeom prst="rect">
             <a:avLst/>
@@ -44243,7 +44243,7 @@
         <p:spPr>
           <a:xfrm>
             <a:off x="886680" y="398520"/>
-            <a:ext cx="7368120" cy="855000"/>
+            <a:ext cx="7367760" cy="854640"/>
           </a:xfrm>
           <a:prstGeom prst="rect">
             <a:avLst/>
@@ -44292,7 +44292,7 @@
         <p:spPr>
           <a:xfrm>
             <a:off x="1053720" y="1694880"/>
-            <a:ext cx="6655320" cy="3079800"/>
+            <a:ext cx="6654960" cy="3079440"/>
           </a:xfrm>
           <a:prstGeom prst="rect">
             <a:avLst/>
@@ -44376,7 +44376,7 @@
         <p:spPr>
           <a:xfrm>
             <a:off x="27000" y="4749840"/>
-            <a:ext cx="546120" cy="390960"/>
+            <a:ext cx="545760" cy="390600"/>
           </a:xfrm>
           <a:prstGeom prst="rect">
             <a:avLst/>
@@ -44416,7 +44416,7 @@
                 <a:tab algn="l" pos="0"/>
               </a:tabLst>
             </a:pPr>
-            <a:fld id="{E398C812-53FF-40E4-95BA-AA9D482F10EE}" type="slidenum">
+            <a:fld id="{2669B724-1F41-4161-88B2-97F43E83C8DB}" type="slidenum">
               <a:rPr b="0" lang="en" sz="1200" spc="-1" strike="noStrike">
                 <a:solidFill>
                   <a:srgbClr val="00ae9d"/>
@@ -44424,7 +44424,7 @@
                 <a:latin typeface="Karla"/>
                 <a:ea typeface="Karla"/>
               </a:rPr>
-              <a:t>8</a:t>
+              <a:t>&lt;number&gt;</a:t>
             </a:fld>
             <a:endParaRPr b="0" lang="en-US" sz="1200" spc="-1" strike="noStrike">
               <a:latin typeface="Times New Roman"/>
@@ -44441,7 +44441,7 @@
         <p:spPr>
           <a:xfrm>
             <a:off x="6400800" y="4779000"/>
-            <a:ext cx="2283840" cy="363960"/>
+            <a:ext cx="2283480" cy="363960"/>
           </a:xfrm>
           <a:prstGeom prst="rect">
             <a:avLst/>
@@ -44506,7 +44506,7 @@
         <p:spPr>
           <a:xfrm>
             <a:off x="686160" y="1702080"/>
-            <a:ext cx="7368120" cy="2639160"/>
+            <a:ext cx="7367760" cy="2638800"/>
           </a:xfrm>
           <a:prstGeom prst="rect">
             <a:avLst/>
@@ -44691,7 +44691,7 @@
         <p:spPr>
           <a:xfrm>
             <a:off x="886680" y="398520"/>
-            <a:ext cx="7368120" cy="855000"/>
+            <a:ext cx="7367760" cy="854640"/>
           </a:xfrm>
           <a:prstGeom prst="rect">
             <a:avLst/>
@@ -44740,7 +44740,7 @@
         <p:spPr>
           <a:xfrm>
             <a:off x="886680" y="1669680"/>
-            <a:ext cx="7368120" cy="3079800"/>
+            <a:ext cx="7367760" cy="3079440"/>
           </a:xfrm>
           <a:prstGeom prst="rect">
             <a:avLst/>
@@ -44824,7 +44824,7 @@
         <p:spPr>
           <a:xfrm>
             <a:off x="27000" y="4749840"/>
-            <a:ext cx="546120" cy="390960"/>
+            <a:ext cx="545760" cy="390600"/>
           </a:xfrm>
           <a:prstGeom prst="rect">
             <a:avLst/>
@@ -44864,7 +44864,7 @@
                 <a:tab algn="l" pos="0"/>
               </a:tabLst>
             </a:pPr>
-            <a:fld id="{06B021D6-4AE8-41B8-9D5D-42D39A8ED2B0}" type="slidenum">
+            <a:fld id="{1D309424-8A6B-43C5-A7EA-CDB124B5BC84}" type="slidenum">
               <a:rPr b="0" lang="en" sz="1200" spc="-1" strike="noStrike">
                 <a:solidFill>
                   <a:srgbClr val="00ae9d"/>
@@ -44872,7 +44872,7 @@
                 <a:latin typeface="Karla"/>
                 <a:ea typeface="Karla"/>
               </a:rPr>
-              <a:t>8</a:t>
+              <a:t>&lt;number&gt;</a:t>
             </a:fld>
             <a:endParaRPr b="0" lang="en-US" sz="1200" spc="-1" strike="noStrike">
               <a:latin typeface="Times New Roman"/>
@@ -44889,7 +44889,7 @@
         <p:spPr>
           <a:xfrm>
             <a:off x="6400800" y="4779000"/>
-            <a:ext cx="2283840" cy="363960"/>
+            <a:ext cx="2283480" cy="363960"/>
           </a:xfrm>
           <a:prstGeom prst="rect">
             <a:avLst/>
@@ -44954,7 +44954,7 @@
         <p:spPr>
           <a:xfrm>
             <a:off x="686160" y="1702080"/>
-            <a:ext cx="7368120" cy="2639160"/>
+            <a:ext cx="7367760" cy="2638800"/>
           </a:xfrm>
           <a:prstGeom prst="rect">
             <a:avLst/>
@@ -45129,7 +45129,7 @@
         <p:spPr>
           <a:xfrm>
             <a:off x="886680" y="398520"/>
-            <a:ext cx="7368120" cy="855000"/>
+            <a:ext cx="7367760" cy="854640"/>
           </a:xfrm>
           <a:prstGeom prst="rect">
             <a:avLst/>
@@ -45178,7 +45178,7 @@
         <p:spPr>
           <a:xfrm>
             <a:off x="886680" y="1669680"/>
-            <a:ext cx="7368120" cy="3079800"/>
+            <a:ext cx="7367760" cy="3079440"/>
           </a:xfrm>
           <a:prstGeom prst="rect">
             <a:avLst/>
@@ -45262,7 +45262,7 @@
         <p:spPr>
           <a:xfrm>
             <a:off x="27000" y="4749840"/>
-            <a:ext cx="546120" cy="390960"/>
+            <a:ext cx="545760" cy="390600"/>
           </a:xfrm>
           <a:prstGeom prst="rect">
             <a:avLst/>
@@ -45302,7 +45302,7 @@
                 <a:tab algn="l" pos="0"/>
               </a:tabLst>
             </a:pPr>
-            <a:fld id="{F26C347F-193F-47FF-9066-074932576BEA}" type="slidenum">
+            <a:fld id="{99F580B4-62EA-41C3-AFE2-C0DB613E4E25}" type="slidenum">
               <a:rPr b="0" lang="en" sz="1200" spc="-1" strike="noStrike">
                 <a:solidFill>
                   <a:srgbClr val="00ae9d"/>
@@ -45310,7 +45310,7 @@
                 <a:latin typeface="Karla"/>
                 <a:ea typeface="Karla"/>
               </a:rPr>
-              <a:t>8</a:t>
+              <a:t>&lt;number&gt;</a:t>
             </a:fld>
             <a:endParaRPr b="0" lang="en-US" sz="1200" spc="-1" strike="noStrike">
               <a:latin typeface="Times New Roman"/>
@@ -45327,7 +45327,7 @@
         <p:spPr>
           <a:xfrm>
             <a:off x="6400800" y="4779000"/>
-            <a:ext cx="2283840" cy="363960"/>
+            <a:ext cx="2283480" cy="363960"/>
           </a:xfrm>
           <a:prstGeom prst="rect">
             <a:avLst/>
@@ -45392,7 +45392,7 @@
         <p:spPr>
           <a:xfrm>
             <a:off x="686160" y="1702080"/>
-            <a:ext cx="7368120" cy="2639160"/>
+            <a:ext cx="7367760" cy="2638800"/>
           </a:xfrm>
           <a:prstGeom prst="rect">
             <a:avLst/>
@@ -45567,7 +45567,7 @@
         <p:spPr>
           <a:xfrm>
             <a:off x="886680" y="398520"/>
-            <a:ext cx="7368120" cy="855000"/>
+            <a:ext cx="7367760" cy="854640"/>
           </a:xfrm>
           <a:prstGeom prst="rect">
             <a:avLst/>
@@ -45616,7 +45616,7 @@
         <p:spPr>
           <a:xfrm>
             <a:off x="886680" y="1669680"/>
-            <a:ext cx="7368120" cy="3079800"/>
+            <a:ext cx="7367760" cy="3079440"/>
           </a:xfrm>
           <a:prstGeom prst="rect">
             <a:avLst/>
@@ -45700,7 +45700,7 @@
         <p:spPr>
           <a:xfrm>
             <a:off x="27000" y="4749840"/>
-            <a:ext cx="546120" cy="390960"/>
+            <a:ext cx="545760" cy="390600"/>
           </a:xfrm>
           <a:prstGeom prst="rect">
             <a:avLst/>
@@ -45740,7 +45740,7 @@
                 <a:tab algn="l" pos="0"/>
               </a:tabLst>
             </a:pPr>
-            <a:fld id="{E1CEC85A-67F8-4C8C-A31F-BD0CF906A0A1}" type="slidenum">
+            <a:fld id="{39096C20-AA8C-4620-AF61-F967D8054A3C}" type="slidenum">
               <a:rPr b="0" lang="en" sz="1200" spc="-1" strike="noStrike">
                 <a:solidFill>
                   <a:srgbClr val="00ae9d"/>
@@ -45748,7 +45748,7 @@
                 <a:latin typeface="Karla"/>
                 <a:ea typeface="Karla"/>
               </a:rPr>
-              <a:t>8</a:t>
+              <a:t>&lt;number&gt;</a:t>
             </a:fld>
             <a:endParaRPr b="0" lang="en-US" sz="1200" spc="-1" strike="noStrike">
               <a:latin typeface="Times New Roman"/>
@@ -45765,7 +45765,7 @@
         <p:spPr>
           <a:xfrm>
             <a:off x="6400800" y="4779000"/>
-            <a:ext cx="2283840" cy="363960"/>
+            <a:ext cx="2283480" cy="363960"/>
           </a:xfrm>
           <a:prstGeom prst="rect">
             <a:avLst/>
@@ -45830,7 +45830,7 @@
         <p:spPr>
           <a:xfrm>
             <a:off x="686160" y="1702080"/>
-            <a:ext cx="7368120" cy="2639160"/>
+            <a:ext cx="7367760" cy="2638800"/>
           </a:xfrm>
           <a:prstGeom prst="rect">
             <a:avLst/>
@@ -45995,7 +45995,7 @@
         <p:spPr>
           <a:xfrm>
             <a:off x="886680" y="398520"/>
-            <a:ext cx="7368120" cy="855000"/>
+            <a:ext cx="7367760" cy="854640"/>
           </a:xfrm>
           <a:prstGeom prst="rect">
             <a:avLst/>
@@ -46044,7 +46044,7 @@
         <p:spPr>
           <a:xfrm>
             <a:off x="886680" y="1669680"/>
-            <a:ext cx="7368120" cy="3079800"/>
+            <a:ext cx="7367760" cy="3079440"/>
           </a:xfrm>
           <a:prstGeom prst="rect">
             <a:avLst/>
@@ -46128,7 +46128,7 @@
         <p:spPr>
           <a:xfrm>
             <a:off x="27000" y="4749840"/>
-            <a:ext cx="546120" cy="390960"/>
+            <a:ext cx="545760" cy="390600"/>
           </a:xfrm>
           <a:prstGeom prst="rect">
             <a:avLst/>
@@ -46168,7 +46168,7 @@
                 <a:tab algn="l" pos="0"/>
               </a:tabLst>
             </a:pPr>
-            <a:fld id="{8C8BC563-A45B-4F70-B029-B9DC31C97ECF}" type="slidenum">
+            <a:fld id="{17BDD0A6-AA77-4522-93BD-9C4109136681}" type="slidenum">
               <a:rPr b="0" lang="en" sz="1200" spc="-1" strike="noStrike">
                 <a:solidFill>
                   <a:srgbClr val="00ae9d"/>
@@ -46176,7 +46176,7 @@
                 <a:latin typeface="Karla"/>
                 <a:ea typeface="Karla"/>
               </a:rPr>
-              <a:t>8</a:t>
+              <a:t>&lt;number&gt;</a:t>
             </a:fld>
             <a:endParaRPr b="0" lang="en-US" sz="1200" spc="-1" strike="noStrike">
               <a:latin typeface="Times New Roman"/>
@@ -46193,7 +46193,7 @@
         <p:spPr>
           <a:xfrm>
             <a:off x="6400800" y="4779000"/>
-            <a:ext cx="2283840" cy="363960"/>
+            <a:ext cx="2283480" cy="363960"/>
           </a:xfrm>
           <a:prstGeom prst="rect">
             <a:avLst/>
@@ -46258,7 +46258,7 @@
         <p:spPr>
           <a:xfrm>
             <a:off x="686160" y="1702080"/>
-            <a:ext cx="7368120" cy="2639160"/>
+            <a:ext cx="7367760" cy="2638800"/>
           </a:xfrm>
           <a:prstGeom prst="rect">
             <a:avLst/>
@@ -46491,7 +46491,7 @@
         <p:spPr>
           <a:xfrm>
             <a:off x="886680" y="398520"/>
-            <a:ext cx="7368120" cy="855000"/>
+            <a:ext cx="7367760" cy="854640"/>
           </a:xfrm>
           <a:prstGeom prst="rect">
             <a:avLst/>
@@ -46540,7 +46540,7 @@
         <p:spPr>
           <a:xfrm>
             <a:off x="886680" y="1669680"/>
-            <a:ext cx="7368120" cy="3079800"/>
+            <a:ext cx="7367760" cy="3079440"/>
           </a:xfrm>
           <a:prstGeom prst="rect">
             <a:avLst/>
@@ -46624,7 +46624,7 @@
         <p:spPr>
           <a:xfrm>
             <a:off x="27000" y="4749840"/>
-            <a:ext cx="546120" cy="390960"/>
+            <a:ext cx="545760" cy="390600"/>
           </a:xfrm>
           <a:prstGeom prst="rect">
             <a:avLst/>
@@ -46664,7 +46664,7 @@
                 <a:tab algn="l" pos="0"/>
               </a:tabLst>
             </a:pPr>
-            <a:fld id="{B83FE549-8397-4336-8440-7D453A72A95B}" type="slidenum">
+            <a:fld id="{C15A7383-C0C4-415C-BA58-194722D021B0}" type="slidenum">
               <a:rPr b="0" lang="en" sz="1200" spc="-1" strike="noStrike">
                 <a:solidFill>
                   <a:srgbClr val="00ae9d"/>
@@ -46672,7 +46672,7 @@
                 <a:latin typeface="Karla"/>
                 <a:ea typeface="Karla"/>
               </a:rPr>
-              <a:t>8</a:t>
+              <a:t>&lt;number&gt;</a:t>
             </a:fld>
             <a:endParaRPr b="0" lang="en-US" sz="1200" spc="-1" strike="noStrike">
               <a:latin typeface="Times New Roman"/>
@@ -46689,7 +46689,7 @@
         <p:spPr>
           <a:xfrm>
             <a:off x="6400800" y="4779000"/>
-            <a:ext cx="2283840" cy="363960"/>
+            <a:ext cx="2283480" cy="363960"/>
           </a:xfrm>
           <a:prstGeom prst="rect">
             <a:avLst/>
@@ -46754,7 +46754,7 @@
         <p:spPr>
           <a:xfrm>
             <a:off x="686160" y="1702080"/>
-            <a:ext cx="7368120" cy="2639160"/>
+            <a:ext cx="7367760" cy="2638800"/>
           </a:xfrm>
           <a:prstGeom prst="rect">
             <a:avLst/>
@@ -46957,7 +46957,7 @@
         <p:spPr>
           <a:xfrm>
             <a:off x="1143000" y="1600200"/>
-            <a:ext cx="5942520" cy="2513520"/>
+            <a:ext cx="5942160" cy="2513160"/>
           </a:xfrm>
           <a:prstGeom prst="rect">
             <a:avLst/>
@@ -46980,7 +46980,7 @@
         <p:spPr>
           <a:xfrm>
             <a:off x="0" y="0"/>
-            <a:ext cx="9142920" cy="5142600"/>
+            <a:ext cx="9142560" cy="5142240"/>
           </a:xfrm>
           <a:prstGeom prst="rect">
             <a:avLst/>
@@ -46999,7 +46999,7 @@
         <p:spPr>
           <a:xfrm>
             <a:off x="2286000" y="58320"/>
-            <a:ext cx="7368120" cy="855000"/>
+            <a:ext cx="7367760" cy="854640"/>
           </a:xfrm>
           <a:prstGeom prst="rect">
             <a:avLst/>
@@ -47084,7 +47084,7 @@
         <p:spPr>
           <a:xfrm>
             <a:off x="27000" y="4749840"/>
-            <a:ext cx="546120" cy="390960"/>
+            <a:ext cx="545760" cy="390600"/>
           </a:xfrm>
           <a:prstGeom prst="rect">
             <a:avLst/>
@@ -47124,7 +47124,7 @@
                 <a:tab algn="l" pos="0"/>
               </a:tabLst>
             </a:pPr>
-            <a:fld id="{CFCB6C06-3D55-4C8F-B2EE-8C7EED33BAED}" type="slidenum">
+            <a:fld id="{FAC9C2AB-675F-4A98-90C7-4D7CF4D7BDB2}" type="slidenum">
               <a:rPr b="0" lang="en" sz="1200" spc="-1" strike="noStrike">
                 <a:solidFill>
                   <a:srgbClr val="00ae9d"/>
@@ -47149,7 +47149,7 @@
         <p:spPr>
           <a:xfrm>
             <a:off x="6005880" y="4774320"/>
-            <a:ext cx="3135600" cy="363960"/>
+            <a:ext cx="3135240" cy="363960"/>
           </a:xfrm>
           <a:prstGeom prst="rect">
             <a:avLst/>
@@ -47204,7 +47204,7 @@
         <p:spPr>
           <a:xfrm>
             <a:off x="0" y="0"/>
-            <a:ext cx="9141840" cy="5141520"/>
+            <a:ext cx="9141480" cy="5141160"/>
           </a:xfrm>
           <a:prstGeom prst="rect">
             <a:avLst/>
@@ -47227,7 +47227,7 @@
         <p:spPr>
           <a:xfrm>
             <a:off x="2688120" y="4286520"/>
-            <a:ext cx="7368120" cy="855000"/>
+            <a:ext cx="7367760" cy="854640"/>
           </a:xfrm>
           <a:prstGeom prst="rect">
             <a:avLst/>
@@ -47306,7 +47306,7 @@
         <p:spPr>
           <a:xfrm>
             <a:off x="886680" y="398520"/>
-            <a:ext cx="7368120" cy="855000"/>
+            <a:ext cx="7367760" cy="854640"/>
           </a:xfrm>
           <a:prstGeom prst="rect">
             <a:avLst/>
@@ -47355,7 +47355,7 @@
         <p:spPr>
           <a:xfrm>
             <a:off x="886680" y="1669680"/>
-            <a:ext cx="7368120" cy="3079800"/>
+            <a:ext cx="7367760" cy="3079440"/>
           </a:xfrm>
           <a:prstGeom prst="rect">
             <a:avLst/>
@@ -47439,7 +47439,7 @@
         <p:spPr>
           <a:xfrm>
             <a:off x="27000" y="4749840"/>
-            <a:ext cx="546120" cy="390960"/>
+            <a:ext cx="545760" cy="390600"/>
           </a:xfrm>
           <a:prstGeom prst="rect">
             <a:avLst/>
@@ -47479,7 +47479,7 @@
                 <a:tab algn="l" pos="0"/>
               </a:tabLst>
             </a:pPr>
-            <a:fld id="{7F81CC58-6AA8-4831-B8EF-C6AF6192B070}" type="slidenum">
+            <a:fld id="{2FCA60B3-6A45-4F57-A816-D6921547683C}" type="slidenum">
               <a:rPr b="0" lang="en" sz="1200" spc="-1" strike="noStrike">
                 <a:solidFill>
                   <a:srgbClr val="00ae9d"/>
@@ -47504,7 +47504,7 @@
         <p:spPr>
           <a:xfrm>
             <a:off x="6400800" y="4779000"/>
-            <a:ext cx="2283840" cy="363960"/>
+            <a:ext cx="2283480" cy="363960"/>
           </a:xfrm>
           <a:prstGeom prst="rect">
             <a:avLst/>
@@ -47569,7 +47569,7 @@
         <p:spPr>
           <a:xfrm>
             <a:off x="686160" y="1702080"/>
-            <a:ext cx="7368120" cy="2639160"/>
+            <a:ext cx="7367760" cy="2638800"/>
           </a:xfrm>
           <a:prstGeom prst="rect">
             <a:avLst/>
@@ -47792,7 +47792,7 @@
         <p:spPr>
           <a:xfrm>
             <a:off x="886680" y="398520"/>
-            <a:ext cx="7368120" cy="855000"/>
+            <a:ext cx="7367760" cy="854640"/>
           </a:xfrm>
           <a:prstGeom prst="rect">
             <a:avLst/>
@@ -47841,7 +47841,7 @@
         <p:spPr>
           <a:xfrm>
             <a:off x="886680" y="1669680"/>
-            <a:ext cx="7368120" cy="3079800"/>
+            <a:ext cx="7367760" cy="3079440"/>
           </a:xfrm>
           <a:prstGeom prst="rect">
             <a:avLst/>
@@ -47925,7 +47925,7 @@
         <p:spPr>
           <a:xfrm>
             <a:off x="27000" y="4749840"/>
-            <a:ext cx="546120" cy="390960"/>
+            <a:ext cx="545760" cy="390600"/>
           </a:xfrm>
           <a:prstGeom prst="rect">
             <a:avLst/>
@@ -47965,7 +47965,7 @@
                 <a:tab algn="l" pos="0"/>
               </a:tabLst>
             </a:pPr>
-            <a:fld id="{2834AA18-E2FD-41DA-9073-91C150BD0629}" type="slidenum">
+            <a:fld id="{E060A703-6442-4A71-B8BD-B65FB27835E4}" type="slidenum">
               <a:rPr b="0" lang="en" sz="1200" spc="-1" strike="noStrike">
                 <a:solidFill>
                   <a:srgbClr val="00ae9d"/>
@@ -47990,7 +47990,7 @@
         <p:spPr>
           <a:xfrm>
             <a:off x="6400800" y="4779000"/>
-            <a:ext cx="2283840" cy="363960"/>
+            <a:ext cx="2283480" cy="363960"/>
           </a:xfrm>
           <a:prstGeom prst="rect">
             <a:avLst/>
@@ -48055,7 +48055,7 @@
         <p:spPr>
           <a:xfrm>
             <a:off x="686160" y="1702080"/>
-            <a:ext cx="7368120" cy="2639160"/>
+            <a:ext cx="7367760" cy="2638800"/>
           </a:xfrm>
           <a:prstGeom prst="rect">
             <a:avLst/>
@@ -48310,7 +48310,7 @@
         <p:spPr>
           <a:xfrm>
             <a:off x="886680" y="398520"/>
-            <a:ext cx="7368120" cy="855000"/>
+            <a:ext cx="7367760" cy="854640"/>
           </a:xfrm>
           <a:prstGeom prst="rect">
             <a:avLst/>
@@ -48359,7 +48359,7 @@
         <p:spPr>
           <a:xfrm>
             <a:off x="886680" y="1669680"/>
-            <a:ext cx="7368120" cy="3079800"/>
+            <a:ext cx="7367760" cy="3079440"/>
           </a:xfrm>
           <a:prstGeom prst="rect">
             <a:avLst/>
@@ -48443,7 +48443,7 @@
         <p:spPr>
           <a:xfrm>
             <a:off x="27000" y="4749840"/>
-            <a:ext cx="546120" cy="390960"/>
+            <a:ext cx="545760" cy="390600"/>
           </a:xfrm>
           <a:prstGeom prst="rect">
             <a:avLst/>
@@ -48483,7 +48483,7 @@
                 <a:tab algn="l" pos="0"/>
               </a:tabLst>
             </a:pPr>
-            <a:fld id="{6EE444B7-221A-4D3B-9522-A4865BEC4700}" type="slidenum">
+            <a:fld id="{7581C3CA-4ECC-46A8-94E9-7450E526FF8B}" type="slidenum">
               <a:rPr b="0" lang="en" sz="1200" spc="-1" strike="noStrike">
                 <a:solidFill>
                   <a:srgbClr val="00ae9d"/>
@@ -48508,7 +48508,7 @@
         <p:spPr>
           <a:xfrm>
             <a:off x="6400800" y="4779000"/>
-            <a:ext cx="2283840" cy="363960"/>
+            <a:ext cx="2283480" cy="363960"/>
           </a:xfrm>
           <a:prstGeom prst="rect">
             <a:avLst/>
@@ -48573,7 +48573,7 @@
         <p:spPr>
           <a:xfrm>
             <a:off x="685800" y="1600200"/>
-            <a:ext cx="7368120" cy="2639160"/>
+            <a:ext cx="7367760" cy="2638800"/>
           </a:xfrm>
           <a:prstGeom prst="rect">
             <a:avLst/>
@@ -48896,7 +48896,7 @@
         <p:spPr>
           <a:xfrm>
             <a:off x="886680" y="398520"/>
-            <a:ext cx="7368120" cy="855000"/>
+            <a:ext cx="7367760" cy="854640"/>
           </a:xfrm>
           <a:prstGeom prst="rect">
             <a:avLst/>
@@ -48945,7 +48945,7 @@
         <p:spPr>
           <a:xfrm>
             <a:off x="886680" y="1669680"/>
-            <a:ext cx="7368120" cy="3079800"/>
+            <a:ext cx="7367760" cy="3079440"/>
           </a:xfrm>
           <a:prstGeom prst="rect">
             <a:avLst/>
@@ -49029,7 +49029,7 @@
         <p:spPr>
           <a:xfrm>
             <a:off x="27000" y="4749840"/>
-            <a:ext cx="546120" cy="390960"/>
+            <a:ext cx="545760" cy="390600"/>
           </a:xfrm>
           <a:prstGeom prst="rect">
             <a:avLst/>
@@ -49069,7 +49069,7 @@
                 <a:tab algn="l" pos="0"/>
               </a:tabLst>
             </a:pPr>
-            <a:fld id="{D2CEAE31-687C-4EFB-9422-D957D6BC10F9}" type="slidenum">
+            <a:fld id="{4CAB4A91-80C4-4DDD-9854-1F749436B742}" type="slidenum">
               <a:rPr b="0" lang="en" sz="1200" spc="-1" strike="noStrike">
                 <a:solidFill>
                   <a:srgbClr val="00ae9d"/>
@@ -49094,7 +49094,7 @@
         <p:spPr>
           <a:xfrm>
             <a:off x="6400800" y="4779000"/>
-            <a:ext cx="2283840" cy="363960"/>
+            <a:ext cx="2283480" cy="363960"/>
           </a:xfrm>
           <a:prstGeom prst="rect">
             <a:avLst/>
@@ -49159,7 +49159,7 @@
         <p:spPr>
           <a:xfrm>
             <a:off x="685800" y="1600200"/>
-            <a:ext cx="7368120" cy="2639160"/>
+            <a:ext cx="7367760" cy="2638800"/>
           </a:xfrm>
           <a:prstGeom prst="rect">
             <a:avLst/>
@@ -49414,7 +49414,7 @@
         <p:spPr>
           <a:xfrm>
             <a:off x="926280" y="398520"/>
-            <a:ext cx="7368120" cy="855000"/>
+            <a:ext cx="7367760" cy="854640"/>
           </a:xfrm>
           <a:prstGeom prst="rect">
             <a:avLst/>
@@ -49463,7 +49463,7 @@
         <p:spPr>
           <a:xfrm>
             <a:off x="926280" y="1669680"/>
-            <a:ext cx="7368120" cy="3079800"/>
+            <a:ext cx="7367760" cy="3079440"/>
           </a:xfrm>
           <a:prstGeom prst="rect">
             <a:avLst/>
@@ -49547,7 +49547,7 @@
         <p:spPr>
           <a:xfrm>
             <a:off x="66600" y="4749840"/>
-            <a:ext cx="546120" cy="390960"/>
+            <a:ext cx="545760" cy="390600"/>
           </a:xfrm>
           <a:prstGeom prst="rect">
             <a:avLst/>
@@ -49587,7 +49587,7 @@
                 <a:tab algn="l" pos="0"/>
               </a:tabLst>
             </a:pPr>
-            <a:fld id="{758CD630-02BD-4773-8DAF-248433A335ED}" type="slidenum">
+            <a:fld id="{131CEF26-6420-4593-B68B-C2D7C81EAAC5}" type="slidenum">
               <a:rPr b="0" lang="en" sz="1200" spc="-1" strike="noStrike">
                 <a:solidFill>
                   <a:srgbClr val="00ae9d"/>
@@ -49612,7 +49612,7 @@
         <p:spPr>
           <a:xfrm>
             <a:off x="6440400" y="4779000"/>
-            <a:ext cx="2283840" cy="363960"/>
+            <a:ext cx="2283480" cy="363960"/>
           </a:xfrm>
           <a:prstGeom prst="rect">
             <a:avLst/>
@@ -49677,7 +49677,7 @@
         <p:spPr>
           <a:xfrm>
             <a:off x="725400" y="1600200"/>
-            <a:ext cx="7368120" cy="2639160"/>
+            <a:ext cx="7367760" cy="2638800"/>
           </a:xfrm>
           <a:prstGeom prst="rect">
             <a:avLst/>
@@ -49922,7 +49922,7 @@
         <p:spPr>
           <a:xfrm>
             <a:off x="926280" y="398520"/>
-            <a:ext cx="7368120" cy="855000"/>
+            <a:ext cx="7367760" cy="854640"/>
           </a:xfrm>
           <a:prstGeom prst="rect">
             <a:avLst/>
@@ -49971,7 +49971,7 @@
         <p:spPr>
           <a:xfrm>
             <a:off x="926280" y="1669680"/>
-            <a:ext cx="7368120" cy="3079800"/>
+            <a:ext cx="7367760" cy="3079440"/>
           </a:xfrm>
           <a:prstGeom prst="rect">
             <a:avLst/>
@@ -50055,7 +50055,7 @@
         <p:spPr>
           <a:xfrm>
             <a:off x="66600" y="4749840"/>
-            <a:ext cx="546120" cy="390960"/>
+            <a:ext cx="545760" cy="390600"/>
           </a:xfrm>
           <a:prstGeom prst="rect">
             <a:avLst/>
@@ -50095,7 +50095,7 @@
                 <a:tab algn="l" pos="0"/>
               </a:tabLst>
             </a:pPr>
-            <a:fld id="{AE2E022C-4B8C-46F6-9F86-DE24010B85C1}" type="slidenum">
+            <a:fld id="{AA79A2B0-13B2-41A5-BE04-8414AEB620BD}" type="slidenum">
               <a:rPr b="0" lang="en" sz="1200" spc="-1" strike="noStrike">
                 <a:solidFill>
                   <a:srgbClr val="00ae9d"/>
@@ -50120,7 +50120,7 @@
         <p:spPr>
           <a:xfrm>
             <a:off x="6440400" y="4779000"/>
-            <a:ext cx="2283840" cy="363960"/>
+            <a:ext cx="2283480" cy="363960"/>
           </a:xfrm>
           <a:prstGeom prst="rect">
             <a:avLst/>
@@ -50185,7 +50185,7 @@
         <p:spPr>
           <a:xfrm>
             <a:off x="725400" y="1600200"/>
-            <a:ext cx="7368120" cy="2639160"/>
+            <a:ext cx="7367760" cy="2638800"/>
           </a:xfrm>
           <a:prstGeom prst="rect">
             <a:avLst/>
@@ -50472,7 +50472,7 @@
         <p:spPr>
           <a:xfrm>
             <a:off x="926280" y="398520"/>
-            <a:ext cx="7368120" cy="855000"/>
+            <a:ext cx="7367760" cy="854640"/>
           </a:xfrm>
           <a:prstGeom prst="rect">
             <a:avLst/>
@@ -50521,7 +50521,7 @@
         <p:spPr>
           <a:xfrm>
             <a:off x="926280" y="1669680"/>
-            <a:ext cx="7368120" cy="3079800"/>
+            <a:ext cx="7367760" cy="3079440"/>
           </a:xfrm>
           <a:prstGeom prst="rect">
             <a:avLst/>
@@ -50605,7 +50605,7 @@
         <p:spPr>
           <a:xfrm>
             <a:off x="66600" y="4749840"/>
-            <a:ext cx="546120" cy="390960"/>
+            <a:ext cx="545760" cy="390600"/>
           </a:xfrm>
           <a:prstGeom prst="rect">
             <a:avLst/>
@@ -50645,7 +50645,7 @@
                 <a:tab algn="l" pos="0"/>
               </a:tabLst>
             </a:pPr>
-            <a:fld id="{687D5FF7-31B7-4BE1-993D-62EAB65FED06}" type="slidenum">
+            <a:fld id="{50D31387-8735-4CCF-A940-207E6FBF4EA2}" type="slidenum">
               <a:rPr b="0" lang="en" sz="1200" spc="-1" strike="noStrike">
                 <a:solidFill>
                   <a:srgbClr val="00ae9d"/>
@@ -50670,7 +50670,7 @@
         <p:spPr>
           <a:xfrm>
             <a:off x="6440400" y="4779000"/>
-            <a:ext cx="2283840" cy="363960"/>
+            <a:ext cx="2283480" cy="363960"/>
           </a:xfrm>
           <a:prstGeom prst="rect">
             <a:avLst/>
@@ -50735,7 +50735,7 @@
         <p:spPr>
           <a:xfrm>
             <a:off x="725400" y="1600200"/>
-            <a:ext cx="7368120" cy="2639160"/>
+            <a:ext cx="7367760" cy="2638800"/>
           </a:xfrm>
           <a:prstGeom prst="rect">
             <a:avLst/>
@@ -51016,7 +51016,7 @@
         <p:spPr>
           <a:xfrm>
             <a:off x="926280" y="398520"/>
-            <a:ext cx="7368120" cy="855000"/>
+            <a:ext cx="7367760" cy="854640"/>
           </a:xfrm>
           <a:prstGeom prst="rect">
             <a:avLst/>
@@ -51065,7 +51065,7 @@
         <p:spPr>
           <a:xfrm>
             <a:off x="926280" y="1669680"/>
-            <a:ext cx="7368120" cy="3079800"/>
+            <a:ext cx="7367760" cy="3079440"/>
           </a:xfrm>
           <a:prstGeom prst="rect">
             <a:avLst/>
@@ -51149,7 +51149,7 @@
         <p:spPr>
           <a:xfrm>
             <a:off x="66600" y="4749840"/>
-            <a:ext cx="546120" cy="390960"/>
+            <a:ext cx="545760" cy="390600"/>
           </a:xfrm>
           <a:prstGeom prst="rect">
             <a:avLst/>
@@ -51189,7 +51189,7 @@
                 <a:tab algn="l" pos="0"/>
               </a:tabLst>
             </a:pPr>
-            <a:fld id="{141F0A42-600D-40C2-943C-68CA2E6DE1C5}" type="slidenum">
+            <a:fld id="{18499738-3D45-4B35-A868-AFBF1B21FA18}" type="slidenum">
               <a:rPr b="0" lang="en" sz="1200" spc="-1" strike="noStrike">
                 <a:solidFill>
                   <a:srgbClr val="00ae9d"/>
@@ -51214,7 +51214,7 @@
         <p:spPr>
           <a:xfrm>
             <a:off x="6440400" y="4779000"/>
-            <a:ext cx="2283840" cy="363960"/>
+            <a:ext cx="2283480" cy="363960"/>
           </a:xfrm>
           <a:prstGeom prst="rect">
             <a:avLst/>
@@ -51279,7 +51279,7 @@
         <p:spPr>
           <a:xfrm>
             <a:off x="860760" y="1246680"/>
-            <a:ext cx="7368120" cy="2639160"/>
+            <a:ext cx="7367760" cy="2638800"/>
           </a:xfrm>
           <a:prstGeom prst="rect">
             <a:avLst/>
@@ -51839,7 +51839,7 @@
         <p:spPr>
           <a:xfrm>
             <a:off x="3064680" y="1513080"/>
-            <a:ext cx="5531400" cy="1157400"/>
+            <a:ext cx="5531040" cy="1157040"/>
           </a:xfrm>
           <a:prstGeom prst="rect">
             <a:avLst/>
@@ -51891,7 +51891,7 @@
         <p:spPr>
           <a:xfrm>
             <a:off x="3064680" y="2636280"/>
-            <a:ext cx="5531400" cy="2195280"/>
+            <a:ext cx="5531040" cy="2194920"/>
           </a:xfrm>
           <a:prstGeom prst="rect">
             <a:avLst/>
@@ -51942,9 +51942,9 @@
         <p:grpSpPr>
           <a:xfrm>
             <a:off x="685800" y="1814400"/>
-            <a:ext cx="1679400" cy="1177200"/>
+            <a:ext cx="1679040" cy="1176840"/>
             <a:chOff x="685800" y="1814400"/>
-            <a:chExt cx="1679400" cy="1177200"/>
+            <a:chExt cx="1679040" cy="1176840"/>
           </a:xfrm>
         </p:grpSpPr>
         <p:sp>
@@ -51956,7 +51956,7 @@
           <p:spPr>
             <a:xfrm>
               <a:off x="685800" y="1814400"/>
-              <a:ext cx="1679400" cy="710640"/>
+              <a:ext cx="1679040" cy="710280"/>
             </a:xfrm>
             <a:custGeom>
               <a:avLst/>
@@ -52051,7 +52051,7 @@
           <p:spPr>
             <a:xfrm>
               <a:off x="685800" y="1972800"/>
-              <a:ext cx="1679400" cy="1018800"/>
+              <a:ext cx="1679040" cy="1018440"/>
             </a:xfrm>
             <a:custGeom>
               <a:avLst/>
@@ -52189,7 +52189,7 @@
         <p:spPr>
           <a:xfrm>
             <a:off x="1681920" y="2683080"/>
-            <a:ext cx="1272240" cy="1157400"/>
+            <a:ext cx="1271880" cy="1157040"/>
           </a:xfrm>
           <a:custGeom>
             <a:avLst/>
@@ -52654,7 +52654,7 @@
         <p:spPr>
           <a:xfrm>
             <a:off x="27000" y="4749840"/>
-            <a:ext cx="546120" cy="390960"/>
+            <a:ext cx="545760" cy="390600"/>
           </a:xfrm>
           <a:prstGeom prst="rect">
             <a:avLst/>
@@ -52694,7 +52694,7 @@
                 <a:tab algn="l" pos="0"/>
               </a:tabLst>
             </a:pPr>
-            <a:fld id="{7256954D-0E5E-466E-91ED-0E9C46DD520E}" type="slidenum">
+            <a:fld id="{21ED8779-E564-421E-8B08-E6187F95C7D9}" type="slidenum">
               <a:rPr b="0" lang="en" sz="1200" spc="-1" strike="noStrike">
                 <a:solidFill>
                   <a:srgbClr val="00ae9d"/>
@@ -52719,7 +52719,7 @@
         <p:spPr>
           <a:xfrm>
             <a:off x="6005880" y="0"/>
-            <a:ext cx="3135600" cy="363960"/>
+            <a:ext cx="3135240" cy="363960"/>
           </a:xfrm>
           <a:prstGeom prst="rect">
             <a:avLst/>
@@ -52804,7 +52804,7 @@
         <p:spPr>
           <a:xfrm>
             <a:off x="27000" y="4749840"/>
-            <a:ext cx="546120" cy="390960"/>
+            <a:ext cx="545760" cy="390600"/>
           </a:xfrm>
           <a:prstGeom prst="rect">
             <a:avLst/>
@@ -52844,7 +52844,7 @@
                 <a:tab algn="l" pos="0"/>
               </a:tabLst>
             </a:pPr>
-            <a:fld id="{E064CE7E-040D-4069-A7C9-4C240EDDA70A}" type="slidenum">
+            <a:fld id="{17BFAAC2-9681-40C3-A997-D592348A63AF}" type="slidenum">
               <a:rPr b="0" lang="en" sz="1200" spc="-1" strike="noStrike">
                 <a:solidFill>
                   <a:srgbClr val="00ae9d"/>
@@ -52869,7 +52869,7 @@
         <p:spPr>
           <a:xfrm>
             <a:off x="7086960" y="4779000"/>
-            <a:ext cx="1826280" cy="363960"/>
+            <a:ext cx="1825920" cy="363960"/>
           </a:xfrm>
           <a:prstGeom prst="rect">
             <a:avLst/>
@@ -52924,7 +52924,7 @@
         <p:spPr>
           <a:xfrm>
             <a:off x="3085560" y="1561320"/>
-            <a:ext cx="3072600" cy="3072600"/>
+            <a:ext cx="3072240" cy="3072240"/>
           </a:xfrm>
           <a:prstGeom prst="rect">
             <a:avLst/>
@@ -52977,7 +52977,7 @@
         <p:spPr>
           <a:xfrm>
             <a:off x="886680" y="398520"/>
-            <a:ext cx="7368120" cy="855000"/>
+            <a:ext cx="7367760" cy="854640"/>
           </a:xfrm>
           <a:prstGeom prst="rect">
             <a:avLst/>
@@ -53026,7 +53026,7 @@
         <p:spPr>
           <a:xfrm>
             <a:off x="457200" y="1753920"/>
-            <a:ext cx="7368120" cy="3501720"/>
+            <a:ext cx="7367760" cy="3501360"/>
           </a:xfrm>
           <a:prstGeom prst="rect">
             <a:avLst/>
@@ -53215,7 +53215,7 @@
         <p:spPr>
           <a:xfrm>
             <a:off x="7086600" y="4774320"/>
-            <a:ext cx="2054880" cy="363960"/>
+            <a:ext cx="2054520" cy="363960"/>
           </a:xfrm>
           <a:prstGeom prst="rect">
             <a:avLst/>
@@ -53304,7 +53304,7 @@
         <p:spPr>
           <a:xfrm>
             <a:off x="886680" y="398520"/>
-            <a:ext cx="7368120" cy="855000"/>
+            <a:ext cx="7367760" cy="854640"/>
           </a:xfrm>
           <a:prstGeom prst="rect">
             <a:avLst/>
@@ -53349,7 +53349,7 @@
         <p:spPr>
           <a:xfrm>
             <a:off x="914400" y="1600200"/>
-            <a:ext cx="7368120" cy="3501720"/>
+            <a:ext cx="7367760" cy="3501360"/>
           </a:xfrm>
           <a:prstGeom prst="rect">
             <a:avLst/>
@@ -53508,7 +53508,7 @@
         <p:spPr>
           <a:xfrm>
             <a:off x="7086600" y="4774320"/>
-            <a:ext cx="2054880" cy="363960"/>
+            <a:ext cx="2054520" cy="363960"/>
           </a:xfrm>
           <a:prstGeom prst="rect">
             <a:avLst/>
@@ -53563,7 +53563,7 @@
         <p:spPr>
           <a:xfrm>
             <a:off x="859320" y="1447200"/>
-            <a:ext cx="7368120" cy="3324960"/>
+            <a:ext cx="7367760" cy="3324600"/>
           </a:xfrm>
           <a:prstGeom prst="rect">
             <a:avLst/>
@@ -53752,7 +53752,7 @@
         <p:spPr>
           <a:xfrm>
             <a:off x="886680" y="398520"/>
-            <a:ext cx="7368120" cy="855000"/>
+            <a:ext cx="7367760" cy="854640"/>
           </a:xfrm>
           <a:prstGeom prst="rect">
             <a:avLst/>
@@ -53801,7 +53801,7 @@
         <p:spPr>
           <a:xfrm>
             <a:off x="457200" y="2057400"/>
-            <a:ext cx="7368120" cy="3501720"/>
+            <a:ext cx="7367760" cy="3501360"/>
           </a:xfrm>
           <a:prstGeom prst="rect">
             <a:avLst/>
@@ -53938,7 +53938,7 @@
         <p:spPr>
           <a:xfrm>
             <a:off x="7086600" y="4774320"/>
-            <a:ext cx="2054880" cy="363960"/>
+            <a:ext cx="2054520" cy="363960"/>
           </a:xfrm>
           <a:prstGeom prst="rect">
             <a:avLst/>
@@ -53993,7 +53993,7 @@
         <p:spPr>
           <a:xfrm>
             <a:off x="859320" y="1598400"/>
-            <a:ext cx="7368120" cy="3324960"/>
+            <a:ext cx="7367760" cy="3324600"/>
           </a:xfrm>
           <a:prstGeom prst="rect">
             <a:avLst/>
@@ -54238,7 +54238,7 @@
         <p:spPr>
           <a:xfrm>
             <a:off x="914400" y="398520"/>
-            <a:ext cx="7313040" cy="855000"/>
+            <a:ext cx="7312680" cy="854640"/>
           </a:xfrm>
           <a:prstGeom prst="rect">
             <a:avLst/>
@@ -54287,7 +54287,7 @@
         <p:spPr>
           <a:xfrm>
             <a:off x="457200" y="2057400"/>
-            <a:ext cx="7368120" cy="3501720"/>
+            <a:ext cx="7367760" cy="3501360"/>
           </a:xfrm>
           <a:prstGeom prst="rect">
             <a:avLst/>
@@ -54424,7 +54424,7 @@
         <p:spPr>
           <a:xfrm>
             <a:off x="7086600" y="4774320"/>
-            <a:ext cx="2054880" cy="363960"/>
+            <a:ext cx="2054520" cy="363960"/>
           </a:xfrm>
           <a:prstGeom prst="rect">
             <a:avLst/>
@@ -54479,7 +54479,7 @@
         <p:spPr>
           <a:xfrm>
             <a:off x="859320" y="1255680"/>
-            <a:ext cx="7368120" cy="3324960"/>
+            <a:ext cx="7367760" cy="3324600"/>
           </a:xfrm>
           <a:prstGeom prst="rect">
             <a:avLst/>
@@ -54652,7 +54652,7 @@
         <p:spPr>
           <a:xfrm>
             <a:off x="886680" y="398520"/>
-            <a:ext cx="7368120" cy="855000"/>
+            <a:ext cx="7367760" cy="854640"/>
           </a:xfrm>
           <a:prstGeom prst="rect">
             <a:avLst/>
@@ -54701,7 +54701,7 @@
         <p:spPr>
           <a:xfrm>
             <a:off x="457200" y="5561280"/>
-            <a:ext cx="7368120" cy="380160"/>
+            <a:ext cx="7367760" cy="379800"/>
           </a:xfrm>
           <a:prstGeom prst="rect">
             <a:avLst/>
@@ -54838,7 +54838,7 @@
         <p:spPr>
           <a:xfrm>
             <a:off x="7086600" y="4774320"/>
-            <a:ext cx="2054880" cy="363960"/>
+            <a:ext cx="2054520" cy="363960"/>
           </a:xfrm>
           <a:prstGeom prst="rect">
             <a:avLst/>
@@ -54893,7 +54893,7 @@
         <p:spPr>
           <a:xfrm>
             <a:off x="859320" y="1255680"/>
-            <a:ext cx="7368120" cy="1713960"/>
+            <a:ext cx="7367760" cy="1713600"/>
           </a:xfrm>
           <a:prstGeom prst="rect">
             <a:avLst/>
@@ -55054,7 +55054,7 @@
         <p:spPr>
           <a:xfrm>
             <a:off x="859680" y="3200400"/>
-            <a:ext cx="7368120" cy="1379160"/>
+            <a:ext cx="7367760" cy="1378800"/>
           </a:xfrm>
           <a:prstGeom prst="rect">
             <a:avLst/>
@@ -55111,7 +55111,7 @@
         <p:spPr>
           <a:xfrm>
             <a:off x="27000" y="4749840"/>
-            <a:ext cx="546120" cy="390960"/>
+            <a:ext cx="545760" cy="390600"/>
           </a:xfrm>
           <a:prstGeom prst="rect">
             <a:avLst/>
@@ -55151,7 +55151,7 @@
                 <a:tab algn="l" pos="0"/>
               </a:tabLst>
             </a:pPr>
-            <a:fld id="{BF8175FE-6776-4430-9A32-2BA133180B3A}" type="slidenum">
+            <a:fld id="{740AC00E-F5DC-447C-870C-F792F253A83F}" type="slidenum">
               <a:rPr b="0" lang="en" sz="1200" spc="-1" strike="noStrike">
                 <a:solidFill>
                   <a:srgbClr val="00ae9d"/>
@@ -55159,7 +55159,7 @@
                 <a:latin typeface="Karla"/>
                 <a:ea typeface="Karla"/>
               </a:rPr>
-              <a:t>8</a:t>
+              <a:t>&lt;number&gt;</a:t>
             </a:fld>
             <a:endParaRPr b="0" lang="en-US" sz="1200" spc="-1" strike="noStrike">
               <a:latin typeface="Times New Roman"/>
@@ -55176,7 +55176,7 @@
         <p:spPr>
           <a:xfrm>
             <a:off x="7086600" y="4774320"/>
-            <a:ext cx="2283480" cy="363960"/>
+            <a:ext cx="2283120" cy="363960"/>
           </a:xfrm>
           <a:prstGeom prst="rect">
             <a:avLst/>
@@ -55231,7 +55231,7 @@
         <p:spPr>
           <a:xfrm>
             <a:off x="886680" y="2512440"/>
-            <a:ext cx="7368120" cy="855000"/>
+            <a:ext cx="7367760" cy="854640"/>
           </a:xfrm>
           <a:prstGeom prst="rect">
             <a:avLst/>
